--- a/doc/Gateway.pptx
+++ b/doc/Gateway.pptx
@@ -4342,7 +4342,7 @@
         </p:nvSpPr>
         <p:spPr>
           <a:xfrm>
-            <a:off x="4576163" y="3137247"/>
+            <a:off x="4694199" y="3042460"/>
             <a:ext cx="1760091" cy="454952"/>
           </a:xfrm>
           <a:prstGeom prst="rect">
@@ -4483,7 +4483,7 @@
         </p:nvSpPr>
         <p:spPr>
           <a:xfrm>
-            <a:off x="4850937" y="2773615"/>
+            <a:off x="4993314" y="2695667"/>
             <a:ext cx="1138437" cy="399773"/>
           </a:xfrm>
           <a:prstGeom prst="rect">
@@ -5059,7 +5059,7 @@
         </p:nvCxnSpPr>
         <p:spPr bwMode="auto">
           <a:xfrm>
-            <a:off x="5401625" y="4012319"/>
+            <a:off x="5543976" y="3949505"/>
             <a:ext cx="3896346" cy="1056661"/>
           </a:xfrm>
           <a:prstGeom prst="straightConnector1">
@@ -5207,9 +5207,9 @@
           <p:nvPr/>
         </p:nvCxnSpPr>
         <p:spPr bwMode="auto">
-          <a:xfrm>
-            <a:off x="5401625" y="4012319"/>
-            <a:ext cx="91140" cy="1033589"/>
+          <a:xfrm flipH="1">
+            <a:off x="5492765" y="3949505"/>
+            <a:ext cx="51211" cy="1096403"/>
           </a:xfrm>
           <a:prstGeom prst="straightConnector1">
             <a:avLst/>
@@ -5256,7 +5256,7 @@
         </p:nvCxnSpPr>
         <p:spPr bwMode="auto">
           <a:xfrm>
-            <a:off x="5401625" y="4012319"/>
+            <a:off x="5543976" y="3949505"/>
             <a:ext cx="1967110" cy="1191277"/>
           </a:xfrm>
           <a:prstGeom prst="straightConnector1">
@@ -5301,7 +5301,7 @@
         </p:nvSpPr>
         <p:spPr>
           <a:xfrm>
-            <a:off x="4650842" y="3643115"/>
+            <a:off x="4793193" y="3580301"/>
             <a:ext cx="1501566" cy="369204"/>
           </a:xfrm>
           <a:prstGeom prst="rect">
@@ -5872,13 +5872,14 @@
           </p:cNvPr>
           <p:cNvCxnSpPr>
             <a:cxnSpLocks/>
+            <a:stCxn id="42" idx="2"/>
           </p:cNvCxnSpPr>
           <p:nvPr/>
         </p:nvCxnSpPr>
         <p:spPr bwMode="auto">
           <a:xfrm flipH="1">
-            <a:off x="2447625" y="4067084"/>
-            <a:ext cx="2507596" cy="548670"/>
+            <a:off x="2589976" y="3949505"/>
+            <a:ext cx="2954000" cy="603435"/>
           </a:xfrm>
           <a:prstGeom prst="straightConnector1">
             <a:avLst/>
@@ -6112,7 +6113,7 @@
         </p:nvSpPr>
         <p:spPr>
           <a:xfrm>
-            <a:off x="1766231" y="6278545"/>
+            <a:off x="1189945" y="6238142"/>
             <a:ext cx="2032929" cy="253916"/>
           </a:xfrm>
           <a:prstGeom prst="rect">

--- a/doc/Gateway.pptx
+++ b/doc/Gateway.pptx
@@ -330,7 +330,7 @@
           <a:p>
             <a:fld id="{DFC7EF79-06A3-ED46-9F4C-16AFC18B46CF}" type="datetimeFigureOut">
               <a:rPr lang="en-US" smtClean="0"/>
-              <a:t>2/10/21</a:t>
+              <a:t>2/11/21</a:t>
             </a:fld>
             <a:endParaRPr lang="en-US"/>
           </a:p>
@@ -530,7 +530,7 @@
           <a:p>
             <a:fld id="{DFC7EF79-06A3-ED46-9F4C-16AFC18B46CF}" type="datetimeFigureOut">
               <a:rPr lang="en-US" smtClean="0"/>
-              <a:t>2/10/21</a:t>
+              <a:t>2/11/21</a:t>
             </a:fld>
             <a:endParaRPr lang="en-US"/>
           </a:p>
@@ -740,7 +740,7 @@
           <a:p>
             <a:fld id="{DFC7EF79-06A3-ED46-9F4C-16AFC18B46CF}" type="datetimeFigureOut">
               <a:rPr lang="en-US" smtClean="0"/>
-              <a:t>2/10/21</a:t>
+              <a:t>2/11/21</a:t>
             </a:fld>
             <a:endParaRPr lang="en-US"/>
           </a:p>
@@ -993,7 +993,7 @@
           <a:p>
             <a:fld id="{DFC7EF79-06A3-ED46-9F4C-16AFC18B46CF}" type="datetimeFigureOut">
               <a:rPr lang="en-US" smtClean="0"/>
-              <a:t>2/10/21</a:t>
+              <a:t>2/11/21</a:t>
             </a:fld>
             <a:endParaRPr lang="en-US"/>
           </a:p>
@@ -1269,7 +1269,7 @@
           <a:p>
             <a:fld id="{DFC7EF79-06A3-ED46-9F4C-16AFC18B46CF}" type="datetimeFigureOut">
               <a:rPr lang="en-US" smtClean="0"/>
-              <a:t>2/10/21</a:t>
+              <a:t>2/11/21</a:t>
             </a:fld>
             <a:endParaRPr lang="en-US"/>
           </a:p>
@@ -1537,7 +1537,7 @@
           <a:p>
             <a:fld id="{DFC7EF79-06A3-ED46-9F4C-16AFC18B46CF}" type="datetimeFigureOut">
               <a:rPr lang="en-US" smtClean="0"/>
-              <a:t>2/10/21</a:t>
+              <a:t>2/11/21</a:t>
             </a:fld>
             <a:endParaRPr lang="en-US"/>
           </a:p>
@@ -1952,7 +1952,7 @@
           <a:p>
             <a:fld id="{DFC7EF79-06A3-ED46-9F4C-16AFC18B46CF}" type="datetimeFigureOut">
               <a:rPr lang="en-US" smtClean="0"/>
-              <a:t>2/10/21</a:t>
+              <a:t>2/11/21</a:t>
             </a:fld>
             <a:endParaRPr lang="en-US"/>
           </a:p>
@@ -2094,7 +2094,7 @@
           <a:p>
             <a:fld id="{DFC7EF79-06A3-ED46-9F4C-16AFC18B46CF}" type="datetimeFigureOut">
               <a:rPr lang="en-US" smtClean="0"/>
-              <a:t>2/10/21</a:t>
+              <a:t>2/11/21</a:t>
             </a:fld>
             <a:endParaRPr lang="en-US"/>
           </a:p>
@@ -2207,7 +2207,7 @@
           <a:p>
             <a:fld id="{DFC7EF79-06A3-ED46-9F4C-16AFC18B46CF}" type="datetimeFigureOut">
               <a:rPr lang="en-US" smtClean="0"/>
-              <a:t>2/10/21</a:t>
+              <a:t>2/11/21</a:t>
             </a:fld>
             <a:endParaRPr lang="en-US"/>
           </a:p>
@@ -2520,7 +2520,7 @@
           <a:p>
             <a:fld id="{DFC7EF79-06A3-ED46-9F4C-16AFC18B46CF}" type="datetimeFigureOut">
               <a:rPr lang="en-US" smtClean="0"/>
-              <a:t>2/10/21</a:t>
+              <a:t>2/11/21</a:t>
             </a:fld>
             <a:endParaRPr lang="en-US"/>
           </a:p>
@@ -2809,7 +2809,7 @@
           <a:p>
             <a:fld id="{DFC7EF79-06A3-ED46-9F4C-16AFC18B46CF}" type="datetimeFigureOut">
               <a:rPr lang="en-US" smtClean="0"/>
-              <a:t>2/10/21</a:t>
+              <a:t>2/11/21</a:t>
             </a:fld>
             <a:endParaRPr lang="en-US"/>
           </a:p>
@@ -3052,7 +3052,7 @@
           <a:p>
             <a:fld id="{DFC7EF79-06A3-ED46-9F4C-16AFC18B46CF}" type="datetimeFigureOut">
               <a:rPr lang="en-US" smtClean="0"/>
-              <a:t>2/10/21</a:t>
+              <a:t>2/11/21</a:t>
             </a:fld>
             <a:endParaRPr lang="en-US"/>
           </a:p>
@@ -3470,6 +3470,35 @@
           <a:chExt cx="0" cy="0"/>
         </a:xfrm>
       </p:grpSpPr>
+      <p:pic>
+        <p:nvPicPr>
+          <p:cNvPr id="14" name="Picture 13" descr="Diagram&#10;&#10;Description automatically generated">
+            <a:extLst>
+              <a:ext uri="{FF2B5EF4-FFF2-40B4-BE49-F238E27FC236}">
+                <a16:creationId xmlns:a16="http://schemas.microsoft.com/office/drawing/2014/main" id="{8B8D8775-3B36-9342-9775-1B1F2F1FE453}"/>
+              </a:ext>
+            </a:extLst>
+          </p:cNvPr>
+          <p:cNvPicPr>
+            <a:picLocks noChangeAspect="1"/>
+          </p:cNvPicPr>
+          <p:nvPr/>
+        </p:nvPicPr>
+        <p:blipFill rotWithShape="1">
+          <a:blip r:embed="rId2"/>
+          <a:srcRect l="23906"/>
+          <a:stretch/>
+        </p:blipFill>
+        <p:spPr>
+          <a:xfrm>
+            <a:off x="4308367" y="4528264"/>
+            <a:ext cx="2814631" cy="1764184"/>
+          </a:xfrm>
+          <a:prstGeom prst="rect">
+            <a:avLst/>
+          </a:prstGeom>
+        </p:spPr>
+      </p:pic>
       <p:sp>
         <p:nvSpPr>
           <p:cNvPr id="48" name="Rectangle 47">
@@ -3643,15 +3672,15 @@
           <p:nvPr/>
         </p:nvPicPr>
         <p:blipFill>
-          <a:blip r:embed="rId2"/>
+          <a:blip r:embed="rId3"/>
           <a:stretch>
             <a:fillRect/>
           </a:stretch>
         </p:blipFill>
         <p:spPr>
-          <a:xfrm>
-            <a:off x="9268796" y="5044215"/>
-            <a:ext cx="2148331" cy="605940"/>
+          <a:xfrm rot="5400000">
+            <a:off x="9168507" y="5298347"/>
+            <a:ext cx="1549104" cy="436927"/>
           </a:xfrm>
           <a:prstGeom prst="rect">
             <a:avLst/>
@@ -3672,62 +3701,58 @@
         </p:nvSpPr>
         <p:spPr bwMode="auto">
           <a:xfrm>
-            <a:off x="3013450" y="2670861"/>
-            <a:ext cx="5380960" cy="1318386"/>
+            <a:off x="3013449" y="2670861"/>
+            <a:ext cx="5782261" cy="1226755"/>
           </a:xfrm>
           <a:custGeom>
             <a:avLst/>
             <a:gdLst>
-              <a:gd name="connsiteX0" fmla="*/ 0 w 5380960"/>
-              <a:gd name="connsiteY0" fmla="*/ 0 h 1318386"/>
-              <a:gd name="connsiteX1" fmla="*/ 597884 w 5380960"/>
-              <a:gd name="connsiteY1" fmla="*/ 0 h 1318386"/>
-              <a:gd name="connsiteX2" fmla="*/ 1088150 w 5380960"/>
-              <a:gd name="connsiteY2" fmla="*/ 0 h 1318386"/>
-              <a:gd name="connsiteX3" fmla="*/ 1524605 w 5380960"/>
-              <a:gd name="connsiteY3" fmla="*/ 0 h 1318386"/>
-              <a:gd name="connsiteX4" fmla="*/ 2230109 w 5380960"/>
-              <a:gd name="connsiteY4" fmla="*/ 0 h 1318386"/>
-              <a:gd name="connsiteX5" fmla="*/ 2774184 w 5380960"/>
-              <a:gd name="connsiteY5" fmla="*/ 0 h 1318386"/>
-              <a:gd name="connsiteX6" fmla="*/ 3372068 w 5380960"/>
-              <a:gd name="connsiteY6" fmla="*/ 0 h 1318386"/>
-              <a:gd name="connsiteX7" fmla="*/ 3969953 w 5380960"/>
-              <a:gd name="connsiteY7" fmla="*/ 0 h 1318386"/>
-              <a:gd name="connsiteX8" fmla="*/ 4514028 w 5380960"/>
-              <a:gd name="connsiteY8" fmla="*/ 0 h 1318386"/>
-              <a:gd name="connsiteX9" fmla="*/ 5380960 w 5380960"/>
-              <a:gd name="connsiteY9" fmla="*/ 0 h 1318386"/>
-              <a:gd name="connsiteX10" fmla="*/ 5380960 w 5380960"/>
-              <a:gd name="connsiteY10" fmla="*/ 452646 h 1318386"/>
-              <a:gd name="connsiteX11" fmla="*/ 5380960 w 5380960"/>
-              <a:gd name="connsiteY11" fmla="*/ 918476 h 1318386"/>
-              <a:gd name="connsiteX12" fmla="*/ 5380960 w 5380960"/>
-              <a:gd name="connsiteY12" fmla="*/ 1318386 h 1318386"/>
-              <a:gd name="connsiteX13" fmla="*/ 4944504 w 5380960"/>
-              <a:gd name="connsiteY13" fmla="*/ 1318386 h 1318386"/>
-              <a:gd name="connsiteX14" fmla="*/ 4239001 w 5380960"/>
-              <a:gd name="connsiteY14" fmla="*/ 1318386 h 1318386"/>
-              <a:gd name="connsiteX15" fmla="*/ 3748735 w 5380960"/>
-              <a:gd name="connsiteY15" fmla="*/ 1318386 h 1318386"/>
-              <a:gd name="connsiteX16" fmla="*/ 3312280 w 5380960"/>
-              <a:gd name="connsiteY16" fmla="*/ 1318386 h 1318386"/>
-              <a:gd name="connsiteX17" fmla="*/ 2606776 w 5380960"/>
-              <a:gd name="connsiteY17" fmla="*/ 1318386 h 1318386"/>
-              <a:gd name="connsiteX18" fmla="*/ 1955082 w 5380960"/>
-              <a:gd name="connsiteY18" fmla="*/ 1318386 h 1318386"/>
-              <a:gd name="connsiteX19" fmla="*/ 1249578 w 5380960"/>
-              <a:gd name="connsiteY19" fmla="*/ 1318386 h 1318386"/>
-              <a:gd name="connsiteX20" fmla="*/ 597884 w 5380960"/>
-              <a:gd name="connsiteY20" fmla="*/ 1318386 h 1318386"/>
-              <a:gd name="connsiteX21" fmla="*/ 0 w 5380960"/>
-              <a:gd name="connsiteY21" fmla="*/ 1318386 h 1318386"/>
-              <a:gd name="connsiteX22" fmla="*/ 0 w 5380960"/>
-              <a:gd name="connsiteY22" fmla="*/ 918476 h 1318386"/>
-              <a:gd name="connsiteX23" fmla="*/ 0 w 5380960"/>
-              <a:gd name="connsiteY23" fmla="*/ 465830 h 1318386"/>
-              <a:gd name="connsiteX24" fmla="*/ 0 w 5380960"/>
-              <a:gd name="connsiteY24" fmla="*/ 0 h 1318386"/>
+              <a:gd name="connsiteX0" fmla="*/ 0 w 5782261"/>
+              <a:gd name="connsiteY0" fmla="*/ 0 h 1226755"/>
+              <a:gd name="connsiteX1" fmla="*/ 584651 w 5782261"/>
+              <a:gd name="connsiteY1" fmla="*/ 0 h 1226755"/>
+              <a:gd name="connsiteX2" fmla="*/ 1342769 w 5782261"/>
+              <a:gd name="connsiteY2" fmla="*/ 0 h 1226755"/>
+              <a:gd name="connsiteX3" fmla="*/ 1927420 w 5782261"/>
+              <a:gd name="connsiteY3" fmla="*/ 0 h 1226755"/>
+              <a:gd name="connsiteX4" fmla="*/ 2454249 w 5782261"/>
+              <a:gd name="connsiteY4" fmla="*/ 0 h 1226755"/>
+              <a:gd name="connsiteX5" fmla="*/ 2923254 w 5782261"/>
+              <a:gd name="connsiteY5" fmla="*/ 0 h 1226755"/>
+              <a:gd name="connsiteX6" fmla="*/ 3681373 w 5782261"/>
+              <a:gd name="connsiteY6" fmla="*/ 0 h 1226755"/>
+              <a:gd name="connsiteX7" fmla="*/ 4266024 w 5782261"/>
+              <a:gd name="connsiteY7" fmla="*/ 0 h 1226755"/>
+              <a:gd name="connsiteX8" fmla="*/ 4908497 w 5782261"/>
+              <a:gd name="connsiteY8" fmla="*/ 0 h 1226755"/>
+              <a:gd name="connsiteX9" fmla="*/ 5782261 w 5782261"/>
+              <a:gd name="connsiteY9" fmla="*/ 0 h 1226755"/>
+              <a:gd name="connsiteX10" fmla="*/ 5782261 w 5782261"/>
+              <a:gd name="connsiteY10" fmla="*/ 601110 h 1226755"/>
+              <a:gd name="connsiteX11" fmla="*/ 5782261 w 5782261"/>
+              <a:gd name="connsiteY11" fmla="*/ 1226755 h 1226755"/>
+              <a:gd name="connsiteX12" fmla="*/ 5313255 w 5782261"/>
+              <a:gd name="connsiteY12" fmla="*/ 1226755 h 1226755"/>
+              <a:gd name="connsiteX13" fmla="*/ 4670782 w 5782261"/>
+              <a:gd name="connsiteY13" fmla="*/ 1226755 h 1226755"/>
+              <a:gd name="connsiteX14" fmla="*/ 4086131 w 5782261"/>
+              <a:gd name="connsiteY14" fmla="*/ 1226755 h 1226755"/>
+              <a:gd name="connsiteX15" fmla="*/ 3385835 w 5782261"/>
+              <a:gd name="connsiteY15" fmla="*/ 1226755 h 1226755"/>
+              <a:gd name="connsiteX16" fmla="*/ 2627716 w 5782261"/>
+              <a:gd name="connsiteY16" fmla="*/ 1226755 h 1226755"/>
+              <a:gd name="connsiteX17" fmla="*/ 2100888 w 5782261"/>
+              <a:gd name="connsiteY17" fmla="*/ 1226755 h 1226755"/>
+              <a:gd name="connsiteX18" fmla="*/ 1631883 w 5782261"/>
+              <a:gd name="connsiteY18" fmla="*/ 1226755 h 1226755"/>
+              <a:gd name="connsiteX19" fmla="*/ 873764 w 5782261"/>
+              <a:gd name="connsiteY19" fmla="*/ 1226755 h 1226755"/>
+              <a:gd name="connsiteX20" fmla="*/ 0 w 5782261"/>
+              <a:gd name="connsiteY20" fmla="*/ 1226755 h 1226755"/>
+              <a:gd name="connsiteX21" fmla="*/ 0 w 5782261"/>
+              <a:gd name="connsiteY21" fmla="*/ 588842 h 1226755"/>
+              <a:gd name="connsiteX22" fmla="*/ 0 w 5782261"/>
+              <a:gd name="connsiteY22" fmla="*/ 0 h 1226755"/>
             </a:gdLst>
             <a:ahLst/>
             <a:cxnLst>
@@ -3800,263 +3825,237 @@
               <a:cxn ang="0">
                 <a:pos x="connsiteX22" y="connsiteY22"/>
               </a:cxn>
-              <a:cxn ang="0">
-                <a:pos x="connsiteX23" y="connsiteY23"/>
-              </a:cxn>
-              <a:cxn ang="0">
-                <a:pos x="connsiteX24" y="connsiteY24"/>
-              </a:cxn>
             </a:cxnLst>
             <a:rect l="l" t="t" r="r" b="b"/>
             <a:pathLst>
-              <a:path w="5380960" h="1318386" fill="none" extrusionOk="0">
+              <a:path w="5782261" h="1226755" fill="none" extrusionOk="0">
                 <a:moveTo>
                   <a:pt x="0" y="0"/>
                 </a:moveTo>
                 <a:cubicBezTo>
-                  <a:pt x="200890" y="-44838"/>
-                  <a:pt x="369873" y="34609"/>
-                  <a:pt x="597884" y="0"/>
+                  <a:pt x="272319" y="18191"/>
+                  <a:pt x="360707" y="2507"/>
+                  <a:pt x="584651" y="0"/>
                 </a:cubicBezTo>
                 <a:cubicBezTo>
-                  <a:pt x="825895" y="-34609"/>
-                  <a:pt x="945988" y="36548"/>
-                  <a:pt x="1088150" y="0"/>
+                  <a:pt x="808595" y="-2507"/>
+                  <a:pt x="983344" y="6596"/>
+                  <a:pt x="1342769" y="0"/>
                 </a:cubicBezTo>
                 <a:cubicBezTo>
-                  <a:pt x="1230312" y="-36548"/>
-                  <a:pt x="1394625" y="12805"/>
-                  <a:pt x="1524605" y="0"/>
+                  <a:pt x="1702194" y="-6596"/>
+                  <a:pt x="1673703" y="-8949"/>
+                  <a:pt x="1927420" y="0"/>
                 </a:cubicBezTo>
                 <a:cubicBezTo>
-                  <a:pt x="1654586" y="-12805"/>
-                  <a:pt x="1895471" y="30681"/>
-                  <a:pt x="2230109" y="0"/>
+                  <a:pt x="2181137" y="8949"/>
+                  <a:pt x="2230652" y="7643"/>
+                  <a:pt x="2454249" y="0"/>
                 </a:cubicBezTo>
                 <a:cubicBezTo>
-                  <a:pt x="2564747" y="-30681"/>
-                  <a:pt x="2585445" y="10254"/>
-                  <a:pt x="2774184" y="0"/>
+                  <a:pt x="2677846" y="-7643"/>
+                  <a:pt x="2689521" y="2060"/>
+                  <a:pt x="2923254" y="0"/>
                 </a:cubicBezTo>
                 <a:cubicBezTo>
-                  <a:pt x="2962924" y="-10254"/>
-                  <a:pt x="3147323" y="31454"/>
-                  <a:pt x="3372068" y="0"/>
+                  <a:pt x="3156987" y="-2060"/>
+                  <a:pt x="3347646" y="24531"/>
+                  <a:pt x="3681373" y="0"/>
                 </a:cubicBezTo>
                 <a:cubicBezTo>
-                  <a:pt x="3596813" y="-31454"/>
-                  <a:pt x="3785861" y="49383"/>
-                  <a:pt x="3969953" y="0"/>
+                  <a:pt x="4015100" y="-24531"/>
+                  <a:pt x="4133580" y="-4244"/>
+                  <a:pt x="4266024" y="0"/>
                 </a:cubicBezTo>
                 <a:cubicBezTo>
-                  <a:pt x="4154045" y="-49383"/>
-                  <a:pt x="4267588" y="16255"/>
-                  <a:pt x="4514028" y="0"/>
+                  <a:pt x="4398468" y="4244"/>
+                  <a:pt x="4772149" y="12838"/>
+                  <a:pt x="4908497" y="0"/>
                 </a:cubicBezTo>
                 <a:cubicBezTo>
-                  <a:pt x="4760469" y="-16255"/>
-                  <a:pt x="5135521" y="94453"/>
-                  <a:pt x="5380960" y="0"/>
+                  <a:pt x="5044845" y="-12838"/>
+                  <a:pt x="5469789" y="21366"/>
+                  <a:pt x="5782261" y="0"/>
                 </a:cubicBezTo>
                 <a:cubicBezTo>
-                  <a:pt x="5415069" y="144705"/>
-                  <a:pt x="5343992" y="250275"/>
-                  <a:pt x="5380960" y="452646"/>
+                  <a:pt x="5777927" y="199862"/>
+                  <a:pt x="5778893" y="391953"/>
+                  <a:pt x="5782261" y="601110"/>
                 </a:cubicBezTo>
                 <a:cubicBezTo>
-                  <a:pt x="5417928" y="655017"/>
-                  <a:pt x="5331295" y="804742"/>
-                  <a:pt x="5380960" y="918476"/>
+                  <a:pt x="5785630" y="810267"/>
+                  <a:pt x="5764259" y="990412"/>
+                  <a:pt x="5782261" y="1226755"/>
                 </a:cubicBezTo>
                 <a:cubicBezTo>
-                  <a:pt x="5430625" y="1032210"/>
-                  <a:pt x="5346265" y="1196625"/>
-                  <a:pt x="5380960" y="1318386"/>
+                  <a:pt x="5658574" y="1235901"/>
+                  <a:pt x="5515785" y="1234633"/>
+                  <a:pt x="5313255" y="1226755"/>
                 </a:cubicBezTo>
                 <a:cubicBezTo>
-                  <a:pt x="5242897" y="1322323"/>
-                  <a:pt x="5119741" y="1295091"/>
-                  <a:pt x="4944504" y="1318386"/>
+                  <a:pt x="5110725" y="1218877"/>
+                  <a:pt x="4971054" y="1228343"/>
+                  <a:pt x="4670782" y="1226755"/>
                 </a:cubicBezTo>
                 <a:cubicBezTo>
-                  <a:pt x="4769267" y="1341681"/>
-                  <a:pt x="4406488" y="1295098"/>
-                  <a:pt x="4239001" y="1318386"/>
+                  <a:pt x="4370510" y="1225167"/>
+                  <a:pt x="4296252" y="1208262"/>
+                  <a:pt x="4086131" y="1226755"/>
                 </a:cubicBezTo>
                 <a:cubicBezTo>
-                  <a:pt x="4071514" y="1341674"/>
-                  <a:pt x="3878793" y="1260444"/>
-                  <a:pt x="3748735" y="1318386"/>
+                  <a:pt x="3876010" y="1245248"/>
+                  <a:pt x="3597009" y="1251982"/>
+                  <a:pt x="3385835" y="1226755"/>
                 </a:cubicBezTo>
                 <a:cubicBezTo>
-                  <a:pt x="3618677" y="1376328"/>
-                  <a:pt x="3491007" y="1314489"/>
-                  <a:pt x="3312280" y="1318386"/>
+                  <a:pt x="3174661" y="1201528"/>
+                  <a:pt x="2990413" y="1251991"/>
+                  <a:pt x="2627716" y="1226755"/>
                 </a:cubicBezTo>
                 <a:cubicBezTo>
-                  <a:pt x="3133554" y="1322283"/>
-                  <a:pt x="2822525" y="1258855"/>
-                  <a:pt x="2606776" y="1318386"/>
+                  <a:pt x="2265019" y="1201519"/>
+                  <a:pt x="2334641" y="1240277"/>
+                  <a:pt x="2100888" y="1226755"/>
                 </a:cubicBezTo>
                 <a:cubicBezTo>
-                  <a:pt x="2391027" y="1377917"/>
-                  <a:pt x="2272762" y="1257665"/>
-                  <a:pt x="1955082" y="1318386"/>
+                  <a:pt x="1867135" y="1213233"/>
+                  <a:pt x="1845392" y="1239013"/>
+                  <a:pt x="1631883" y="1226755"/>
                 </a:cubicBezTo>
                 <a:cubicBezTo>
-                  <a:pt x="1637402" y="1379107"/>
-                  <a:pt x="1489564" y="1317369"/>
-                  <a:pt x="1249578" y="1318386"/>
+                  <a:pt x="1418374" y="1214497"/>
+                  <a:pt x="1037659" y="1207166"/>
+                  <a:pt x="873764" y="1226755"/>
                 </a:cubicBezTo>
                 <a:cubicBezTo>
-                  <a:pt x="1009592" y="1319403"/>
-                  <a:pt x="858092" y="1304045"/>
-                  <a:pt x="597884" y="1318386"/>
+                  <a:pt x="709869" y="1246344"/>
+                  <a:pt x="233262" y="1190501"/>
+                  <a:pt x="0" y="1226755"/>
                 </a:cubicBezTo>
                 <a:cubicBezTo>
-                  <a:pt x="337676" y="1332727"/>
-                  <a:pt x="235614" y="1300584"/>
-                  <a:pt x="0" y="1318386"/>
+                  <a:pt x="-3309" y="1061733"/>
+                  <a:pt x="-29568" y="882403"/>
+                  <a:pt x="0" y="588842"/>
                 </a:cubicBezTo>
                 <a:cubicBezTo>
-                  <a:pt x="-32513" y="1189045"/>
-                  <a:pt x="24438" y="1007358"/>
-                  <a:pt x="0" y="918476"/>
-                </a:cubicBezTo>
-                <a:cubicBezTo>
-                  <a:pt x="-24438" y="829594"/>
-                  <a:pt x="34988" y="563190"/>
-                  <a:pt x="0" y="465830"/>
-                </a:cubicBezTo>
-                <a:cubicBezTo>
-                  <a:pt x="-34988" y="368470"/>
-                  <a:pt x="34097" y="230415"/>
+                  <a:pt x="29568" y="295281"/>
+                  <a:pt x="-16802" y="276171"/>
                   <a:pt x="0" y="0"/>
                 </a:cubicBezTo>
                 <a:close/>
               </a:path>
-              <a:path w="5380960" h="1318386" stroke="0" extrusionOk="0">
+              <a:path w="5782261" h="1226755" stroke="0" extrusionOk="0">
                 <a:moveTo>
                   <a:pt x="0" y="0"/>
                 </a:moveTo>
                 <a:cubicBezTo>
-                  <a:pt x="253971" y="-67874"/>
-                  <a:pt x="538092" y="42278"/>
-                  <a:pt x="705504" y="0"/>
+                  <a:pt x="250954" y="-37624"/>
+                  <a:pt x="439589" y="17669"/>
+                  <a:pt x="758119" y="0"/>
                 </a:cubicBezTo>
                 <a:cubicBezTo>
-                  <a:pt x="872916" y="-42278"/>
-                  <a:pt x="1098418" y="24651"/>
-                  <a:pt x="1303388" y="0"/>
+                  <a:pt x="1076649" y="-17669"/>
+                  <a:pt x="1129265" y="26220"/>
+                  <a:pt x="1400592" y="0"/>
                 </a:cubicBezTo>
                 <a:cubicBezTo>
-                  <a:pt x="1508358" y="-24651"/>
-                  <a:pt x="1639963" y="39235"/>
-                  <a:pt x="1901273" y="0"/>
+                  <a:pt x="1671919" y="-26220"/>
+                  <a:pt x="1729682" y="-2393"/>
+                  <a:pt x="2043066" y="0"/>
                 </a:cubicBezTo>
                 <a:cubicBezTo>
-                  <a:pt x="2162583" y="-39235"/>
-                  <a:pt x="2254996" y="54116"/>
-                  <a:pt x="2391538" y="0"/>
+                  <a:pt x="2356450" y="2393"/>
+                  <a:pt x="2435599" y="-8414"/>
+                  <a:pt x="2569894" y="0"/>
                 </a:cubicBezTo>
                 <a:cubicBezTo>
-                  <a:pt x="2528081" y="-54116"/>
-                  <a:pt x="2712782" y="8052"/>
-                  <a:pt x="2881803" y="0"/>
+                  <a:pt x="2704189" y="8414"/>
+                  <a:pt x="2967931" y="-22523"/>
+                  <a:pt x="3096722" y="0"/>
                 </a:cubicBezTo>
                 <a:cubicBezTo>
-                  <a:pt x="3050825" y="-8052"/>
-                  <a:pt x="3276646" y="11712"/>
-                  <a:pt x="3587307" y="0"/>
+                  <a:pt x="3225513" y="22523"/>
+                  <a:pt x="3667036" y="6626"/>
+                  <a:pt x="3854841" y="0"/>
                 </a:cubicBezTo>
                 <a:cubicBezTo>
-                  <a:pt x="3897968" y="-11712"/>
-                  <a:pt x="4033601" y="30695"/>
-                  <a:pt x="4185191" y="0"/>
+                  <a:pt x="4042646" y="-6626"/>
+                  <a:pt x="4290498" y="-7366"/>
+                  <a:pt x="4497314" y="0"/>
                 </a:cubicBezTo>
                 <a:cubicBezTo>
-                  <a:pt x="4336781" y="-30695"/>
-                  <a:pt x="4543734" y="20449"/>
-                  <a:pt x="4729266" y="0"/>
+                  <a:pt x="4704130" y="7366"/>
+                  <a:pt x="4801819" y="-4049"/>
+                  <a:pt x="5081965" y="0"/>
                 </a:cubicBezTo>
                 <a:cubicBezTo>
-                  <a:pt x="4914798" y="-20449"/>
-                  <a:pt x="5194188" y="31726"/>
-                  <a:pt x="5380960" y="0"/>
+                  <a:pt x="5362111" y="4049"/>
+                  <a:pt x="5605863" y="19109"/>
+                  <a:pt x="5782261" y="0"/>
                 </a:cubicBezTo>
                 <a:cubicBezTo>
-                  <a:pt x="5421491" y="100857"/>
-                  <a:pt x="5350902" y="306695"/>
-                  <a:pt x="5380960" y="399910"/>
+                  <a:pt x="5760650" y="168964"/>
+                  <a:pt x="5772923" y="361080"/>
+                  <a:pt x="5782261" y="576575"/>
                 </a:cubicBezTo>
                 <a:cubicBezTo>
-                  <a:pt x="5411018" y="493125"/>
-                  <a:pt x="5365880" y="686125"/>
-                  <a:pt x="5380960" y="813005"/>
+                  <a:pt x="5791599" y="792071"/>
+                  <a:pt x="5791668" y="926129"/>
+                  <a:pt x="5782261" y="1226755"/>
                 </a:cubicBezTo>
                 <a:cubicBezTo>
-                  <a:pt x="5396040" y="939886"/>
-                  <a:pt x="5341391" y="1109463"/>
-                  <a:pt x="5380960" y="1318386"/>
+                  <a:pt x="5600977" y="1220987"/>
+                  <a:pt x="5230705" y="1249947"/>
+                  <a:pt x="5024142" y="1226755"/>
                 </a:cubicBezTo>
                 <a:cubicBezTo>
-                  <a:pt x="5102626" y="1330430"/>
-                  <a:pt x="4998891" y="1297946"/>
-                  <a:pt x="4675456" y="1318386"/>
+                  <a:pt x="4817579" y="1203563"/>
+                  <a:pt x="4634319" y="1245316"/>
+                  <a:pt x="4497314" y="1226755"/>
                 </a:cubicBezTo>
                 <a:cubicBezTo>
-                  <a:pt x="4352021" y="1338826"/>
-                  <a:pt x="4268079" y="1264701"/>
-                  <a:pt x="4077572" y="1318386"/>
+                  <a:pt x="4360309" y="1208194"/>
+                  <a:pt x="4061028" y="1244578"/>
+                  <a:pt x="3854841" y="1226755"/>
                 </a:cubicBezTo>
                 <a:cubicBezTo>
-                  <a:pt x="3887065" y="1372071"/>
-                  <a:pt x="3847025" y="1311833"/>
-                  <a:pt x="3641116" y="1318386"/>
+                  <a:pt x="3648654" y="1208932"/>
+                  <a:pt x="3587838" y="1204223"/>
+                  <a:pt x="3385835" y="1226755"/>
                 </a:cubicBezTo>
                 <a:cubicBezTo>
-                  <a:pt x="3435207" y="1324939"/>
-                  <a:pt x="3280054" y="1278327"/>
-                  <a:pt x="3043232" y="1318386"/>
+                  <a:pt x="3183832" y="1249287"/>
+                  <a:pt x="3022134" y="1221924"/>
+                  <a:pt x="2743362" y="1226755"/>
                 </a:cubicBezTo>
                 <a:cubicBezTo>
-                  <a:pt x="2806410" y="1358445"/>
-                  <a:pt x="2750515" y="1282418"/>
-                  <a:pt x="2606776" y="1318386"/>
+                  <a:pt x="2464590" y="1231586"/>
+                  <a:pt x="2397046" y="1238515"/>
+                  <a:pt x="2274356" y="1226755"/>
                 </a:cubicBezTo>
                 <a:cubicBezTo>
-                  <a:pt x="2463037" y="1354354"/>
-                  <a:pt x="2347123" y="1296951"/>
-                  <a:pt x="2170321" y="1318386"/>
+                  <a:pt x="2151666" y="1214995"/>
+                  <a:pt x="1982424" y="1231692"/>
+                  <a:pt x="1805350" y="1226755"/>
                 </a:cubicBezTo>
                 <a:cubicBezTo>
-                  <a:pt x="1993520" y="1339821"/>
-                  <a:pt x="1811502" y="1268415"/>
-                  <a:pt x="1464817" y="1318386"/>
+                  <a:pt x="1628276" y="1221818"/>
+                  <a:pt x="1294548" y="1229333"/>
+                  <a:pt x="1047232" y="1226755"/>
                 </a:cubicBezTo>
                 <a:cubicBezTo>
-                  <a:pt x="1118132" y="1368357"/>
-                  <a:pt x="1059865" y="1303831"/>
-                  <a:pt x="920742" y="1318386"/>
+                  <a:pt x="799916" y="1224177"/>
+                  <a:pt x="296661" y="1191299"/>
+                  <a:pt x="0" y="1226755"/>
                 </a:cubicBezTo>
                 <a:cubicBezTo>
-                  <a:pt x="781620" y="1332941"/>
-                  <a:pt x="424377" y="1246989"/>
-                  <a:pt x="0" y="1318386"/>
+                  <a:pt x="10872" y="1046939"/>
+                  <a:pt x="-26507" y="876902"/>
+                  <a:pt x="0" y="588842"/>
                 </a:cubicBezTo>
                 <a:cubicBezTo>
-                  <a:pt x="-9517" y="1147485"/>
-                  <a:pt x="13078" y="1007043"/>
-                  <a:pt x="0" y="852556"/>
-                </a:cubicBezTo>
-                <a:cubicBezTo>
-                  <a:pt x="-13078" y="698069"/>
-                  <a:pt x="15078" y="595979"/>
-                  <a:pt x="0" y="426278"/>
-                </a:cubicBezTo>
-                <a:cubicBezTo>
-                  <a:pt x="-15078" y="256577"/>
-                  <a:pt x="7776" y="166642"/>
+                  <a:pt x="26507" y="300782"/>
+                  <a:pt x="-1869" y="236601"/>
                   <a:pt x="0" y="0"/>
                 </a:cubicBezTo>
                 <a:close/>
@@ -4068,13 +4067,14 @@
               <a:lumMod val="95000"/>
             </a:schemeClr>
           </a:solidFill>
-          <a:ln w="12700">
+          <a:ln w="38100" cap="rnd">
             <a:solidFill>
               <a:schemeClr val="accent1">
                 <a:lumMod val="50000"/>
               </a:schemeClr>
             </a:solidFill>
-            <a:miter lim="800000"/>
+            <a:prstDash val="solid"/>
+            <a:round/>
             <a:headEnd/>
             <a:tailEnd/>
             <a:extLst>
@@ -4084,7 +4084,7 @@
                     <a:avLst/>
                   </a:prstGeom>
                   <ask:type>
-                    <ask:lineSketchScribble/>
+                    <ask:lineSketchFreehand/>
                   </ask:type>
                 </ask:lineSketchStyleProps>
               </a:ext>
@@ -4133,10 +4133,10 @@
           <p:nvPr/>
         </p:nvPicPr>
         <p:blipFill>
-          <a:blip r:embed="rId3">
+          <a:blip r:embed="rId4">
             <a:extLst>
               <a:ext uri="{96DAC541-7B7A-43D3-8B79-37D633B846F1}">
-                <asvg:svgBlip xmlns:asvg="http://schemas.microsoft.com/office/drawing/2016/SVG/main" r:embed="rId4"/>
+                <asvg:svgBlip xmlns:asvg="http://schemas.microsoft.com/office/drawing/2016/SVG/main" r:embed="rId5"/>
               </a:ext>
             </a:extLst>
           </a:blip>
@@ -4146,7 +4146,7 @@
         </p:blipFill>
         <p:spPr>
           <a:xfrm>
-            <a:off x="3536900" y="2819241"/>
+            <a:off x="3536900" y="2884244"/>
             <a:ext cx="557161" cy="557161"/>
           </a:xfrm>
           <a:prstGeom prst="rect">
@@ -4160,36 +4160,6 @@
             <a:extLst>
               <a:ext uri="{FF2B5EF4-FFF2-40B4-BE49-F238E27FC236}">
                 <a16:creationId xmlns:a16="http://schemas.microsoft.com/office/drawing/2014/main" id="{76FE27F7-B176-B94B-B550-2365E8D1E9C1}"/>
-              </a:ext>
-            </a:extLst>
-          </p:cNvPr>
-          <p:cNvPicPr>
-            <a:picLocks noChangeAspect="1"/>
-          </p:cNvPicPr>
-          <p:nvPr/>
-        </p:nvPicPr>
-        <p:blipFill>
-          <a:blip r:embed="rId5"/>
-          <a:stretch>
-            <a:fillRect/>
-          </a:stretch>
-        </p:blipFill>
-        <p:spPr>
-          <a:xfrm>
-            <a:off x="6810199" y="2684803"/>
-            <a:ext cx="756096" cy="756096"/>
-          </a:xfrm>
-          <a:prstGeom prst="rect">
-            <a:avLst/>
-          </a:prstGeom>
-        </p:spPr>
-      </p:pic>
-      <p:pic>
-        <p:nvPicPr>
-          <p:cNvPr id="7" name="Picture 6" descr="A picture containing text, clipart&#10;&#10;Description automatically generated">
-            <a:extLst>
-              <a:ext uri="{FF2B5EF4-FFF2-40B4-BE49-F238E27FC236}">
-                <a16:creationId xmlns:a16="http://schemas.microsoft.com/office/drawing/2014/main" id="{0A7BDC4F-2D3E-9D41-9ED7-0E2976D8F258}"/>
               </a:ext>
             </a:extLst>
           </p:cNvPr>
@@ -4206,7 +4176,37 @@
         </p:blipFill>
         <p:spPr>
           <a:xfrm>
-            <a:off x="6777361" y="3165855"/>
+            <a:off x="6969862" y="2800821"/>
+            <a:ext cx="541463" cy="541463"/>
+          </a:xfrm>
+          <a:prstGeom prst="rect">
+            <a:avLst/>
+          </a:prstGeom>
+        </p:spPr>
+      </p:pic>
+      <p:pic>
+        <p:nvPicPr>
+          <p:cNvPr id="7" name="Picture 6" descr="A picture containing text, clipart&#10;&#10;Description automatically generated">
+            <a:extLst>
+              <a:ext uri="{FF2B5EF4-FFF2-40B4-BE49-F238E27FC236}">
+                <a16:creationId xmlns:a16="http://schemas.microsoft.com/office/drawing/2014/main" id="{0A7BDC4F-2D3E-9D41-9ED7-0E2976D8F258}"/>
+              </a:ext>
+            </a:extLst>
+          </p:cNvPr>
+          <p:cNvPicPr>
+            <a:picLocks noChangeAspect="1"/>
+          </p:cNvPicPr>
+          <p:nvPr/>
+        </p:nvPicPr>
+        <p:blipFill>
+          <a:blip r:embed="rId7"/>
+          <a:stretch>
+            <a:fillRect/>
+          </a:stretch>
+        </p:blipFill>
+        <p:spPr>
+          <a:xfrm>
+            <a:off x="6830113" y="3262958"/>
             <a:ext cx="821773" cy="208162"/>
           </a:xfrm>
           <a:prstGeom prst="rect">
@@ -4252,7 +4252,7 @@
         </p:nvSpPr>
         <p:spPr>
           <a:xfrm>
-            <a:off x="3397039" y="3351337"/>
+            <a:off x="3444174" y="3416340"/>
             <a:ext cx="737318" cy="276727"/>
           </a:xfrm>
           <a:prstGeom prst="rect">
@@ -4297,8 +4297,8 @@
         </p:nvSpPr>
         <p:spPr>
           <a:xfrm>
-            <a:off x="6870055" y="3343277"/>
-            <a:ext cx="602736" cy="276727"/>
+            <a:off x="6951088" y="3461644"/>
+            <a:ext cx="603050" cy="276871"/>
           </a:xfrm>
           <a:prstGeom prst="rect">
             <a:avLst/>
@@ -4342,7 +4342,7 @@
         </p:nvSpPr>
         <p:spPr>
           <a:xfrm>
-            <a:off x="4694199" y="3042460"/>
+            <a:off x="4675729" y="3056746"/>
             <a:ext cx="1760091" cy="454952"/>
           </a:xfrm>
           <a:prstGeom prst="rect">
@@ -4368,7 +4368,9 @@
             <a:r>
               <a:rPr lang="en-US" sz="1099" dirty="0">
                 <a:solidFill>
-                  <a:srgbClr val="734C82"/>
+                  <a:schemeClr val="bg2">
+                    <a:lumMod val="25000"/>
+                  </a:schemeClr>
                 </a:solidFill>
                 <a:ea typeface="Arial Unicode MS" panose="020B0604020202020204" pitchFamily="34" charset="-128"/>
                 <a:cs typeface="Arial Unicode MS" panose="020B0604020202020204" pitchFamily="34" charset="-128"/>
@@ -4390,7 +4392,9 @@
             <a:r>
               <a:rPr lang="en-US" sz="1099" dirty="0">
                 <a:solidFill>
-                  <a:srgbClr val="734C82"/>
+                  <a:schemeClr val="bg2">
+                    <a:lumMod val="25000"/>
+                  </a:schemeClr>
                 </a:solidFill>
                 <a:ea typeface="Arial Unicode MS" panose="020B0604020202020204" pitchFamily="34" charset="-128"/>
                 <a:cs typeface="Arial Unicode MS" panose="020B0604020202020204" pitchFamily="34" charset="-128"/>
@@ -4483,7 +4487,7 @@
         </p:nvSpPr>
         <p:spPr>
           <a:xfrm>
-            <a:off x="4993314" y="2695667"/>
+            <a:off x="5003235" y="2730023"/>
             <a:ext cx="1138437" cy="399773"/>
           </a:xfrm>
           <a:prstGeom prst="rect">
@@ -4499,7 +4503,9 @@
             <a:r>
               <a:rPr lang="en-US" sz="1999" b="1" i="1" dirty="0">
                 <a:solidFill>
-                  <a:srgbClr val="734C82"/>
+                  <a:schemeClr val="bg2">
+                    <a:lumMod val="25000"/>
+                  </a:schemeClr>
                 </a:solidFill>
                 <a:ea typeface="Arial Unicode MS" panose="020B0604020202020204" pitchFamily="34" charset="-128"/>
                 <a:cs typeface="Arial Unicode MS" panose="020B0604020202020204" pitchFamily="34" charset="-128"/>
@@ -4508,7 +4514,9 @@
             </a:r>
             <a:endParaRPr lang="en-US" sz="1999" b="1" i="1" dirty="0">
               <a:solidFill>
-                <a:srgbClr val="734C82"/>
+                <a:schemeClr val="bg2">
+                  <a:lumMod val="25000"/>
+                </a:schemeClr>
               </a:solidFill>
             </a:endParaRPr>
           </a:p>
@@ -4528,30 +4536,30 @@
         </p:nvSpPr>
         <p:spPr bwMode="auto">
           <a:xfrm>
-            <a:off x="3295930" y="2779595"/>
-            <a:ext cx="1045524" cy="818193"/>
+            <a:off x="3295930" y="2819174"/>
+            <a:ext cx="1045524" cy="862471"/>
           </a:xfrm>
           <a:custGeom>
             <a:avLst/>
             <a:gdLst>
               <a:gd name="connsiteX0" fmla="*/ 0 w 1045524"/>
-              <a:gd name="connsiteY0" fmla="*/ 136368 h 818193"/>
-              <a:gd name="connsiteX1" fmla="*/ 136368 w 1045524"/>
-              <a:gd name="connsiteY1" fmla="*/ 0 h 818193"/>
-              <a:gd name="connsiteX2" fmla="*/ 909156 w 1045524"/>
-              <a:gd name="connsiteY2" fmla="*/ 0 h 818193"/>
+              <a:gd name="connsiteY0" fmla="*/ 143748 h 862471"/>
+              <a:gd name="connsiteX1" fmla="*/ 143748 w 1045524"/>
+              <a:gd name="connsiteY1" fmla="*/ 0 h 862471"/>
+              <a:gd name="connsiteX2" fmla="*/ 901776 w 1045524"/>
+              <a:gd name="connsiteY2" fmla="*/ 0 h 862471"/>
               <a:gd name="connsiteX3" fmla="*/ 1045524 w 1045524"/>
-              <a:gd name="connsiteY3" fmla="*/ 136368 h 818193"/>
+              <a:gd name="connsiteY3" fmla="*/ 143748 h 862471"/>
               <a:gd name="connsiteX4" fmla="*/ 1045524 w 1045524"/>
-              <a:gd name="connsiteY4" fmla="*/ 681825 h 818193"/>
-              <a:gd name="connsiteX5" fmla="*/ 909156 w 1045524"/>
-              <a:gd name="connsiteY5" fmla="*/ 818193 h 818193"/>
-              <a:gd name="connsiteX6" fmla="*/ 136368 w 1045524"/>
-              <a:gd name="connsiteY6" fmla="*/ 818193 h 818193"/>
+              <a:gd name="connsiteY4" fmla="*/ 718723 h 862471"/>
+              <a:gd name="connsiteX5" fmla="*/ 901776 w 1045524"/>
+              <a:gd name="connsiteY5" fmla="*/ 862471 h 862471"/>
+              <a:gd name="connsiteX6" fmla="*/ 143748 w 1045524"/>
+              <a:gd name="connsiteY6" fmla="*/ 862471 h 862471"/>
               <a:gd name="connsiteX7" fmla="*/ 0 w 1045524"/>
-              <a:gd name="connsiteY7" fmla="*/ 681825 h 818193"/>
+              <a:gd name="connsiteY7" fmla="*/ 718723 h 862471"/>
               <a:gd name="connsiteX8" fmla="*/ 0 w 1045524"/>
-              <a:gd name="connsiteY8" fmla="*/ 136368 h 818193"/>
+              <a:gd name="connsiteY8" fmla="*/ 143748 h 862471"/>
             </a:gdLst>
             <a:ahLst/>
             <a:cxnLst>
@@ -4585,56 +4593,56 @@
             </a:cxnLst>
             <a:rect l="l" t="t" r="r" b="b"/>
             <a:pathLst>
-              <a:path w="1045524" h="818193" extrusionOk="0">
+              <a:path w="1045524" h="862471" extrusionOk="0">
                 <a:moveTo>
-                  <a:pt x="0" y="136368"/>
+                  <a:pt x="0" y="143748"/>
                 </a:moveTo>
                 <a:cubicBezTo>
-                  <a:pt x="-1330" y="60234"/>
-                  <a:pt x="58606" y="919"/>
-                  <a:pt x="136368" y="0"/>
+                  <a:pt x="-9704" y="58373"/>
+                  <a:pt x="58599" y="2162"/>
+                  <a:pt x="143748" y="0"/>
                 </a:cubicBezTo>
                 <a:cubicBezTo>
-                  <a:pt x="341696" y="45875"/>
-                  <a:pt x="797170" y="18959"/>
-                  <a:pt x="909156" y="0"/>
+                  <a:pt x="341759" y="-27723"/>
+                  <a:pt x="678322" y="-9635"/>
+                  <a:pt x="901776" y="0"/>
                 </a:cubicBezTo>
                 <a:cubicBezTo>
-                  <a:pt x="983727" y="725"/>
-                  <a:pt x="1043936" y="69830"/>
-                  <a:pt x="1045524" y="136368"/>
+                  <a:pt x="970146" y="10761"/>
+                  <a:pt x="1043140" y="77533"/>
+                  <a:pt x="1045524" y="143748"/>
                 </a:cubicBezTo>
                 <a:cubicBezTo>
-                  <a:pt x="1008486" y="224511"/>
-                  <a:pt x="1008964" y="483353"/>
-                  <a:pt x="1045524" y="681825"/>
+                  <a:pt x="1067495" y="280425"/>
+                  <a:pt x="1013346" y="517323"/>
+                  <a:pt x="1045524" y="718723"/>
                 </a:cubicBezTo>
                 <a:cubicBezTo>
-                  <a:pt x="1054677" y="758225"/>
-                  <a:pt x="990142" y="806519"/>
-                  <a:pt x="909156" y="818193"/>
+                  <a:pt x="1061119" y="799963"/>
+                  <a:pt x="982272" y="860194"/>
+                  <a:pt x="901776" y="862471"/>
                 </a:cubicBezTo>
                 <a:cubicBezTo>
-                  <a:pt x="777325" y="883905"/>
-                  <a:pt x="479073" y="753535"/>
-                  <a:pt x="136368" y="818193"/>
+                  <a:pt x="648641" y="863713"/>
+                  <a:pt x="501396" y="870240"/>
+                  <a:pt x="143748" y="862471"/>
                 </a:cubicBezTo>
                 <a:cubicBezTo>
-                  <a:pt x="60721" y="815013"/>
-                  <a:pt x="-8130" y="768437"/>
-                  <a:pt x="0" y="681825"/>
+                  <a:pt x="62889" y="848464"/>
+                  <a:pt x="-8261" y="809594"/>
+                  <a:pt x="0" y="718723"/>
                 </a:cubicBezTo>
                 <a:cubicBezTo>
-                  <a:pt x="-6425" y="516544"/>
-                  <a:pt x="32606" y="236291"/>
-                  <a:pt x="0" y="136368"/>
+                  <a:pt x="38108" y="480802"/>
+                  <a:pt x="-29257" y="204854"/>
+                  <a:pt x="0" y="143748"/>
                 </a:cubicBezTo>
                 <a:close/>
               </a:path>
             </a:pathLst>
           </a:custGeom>
           <a:noFill/>
-          <a:ln w="9525" cap="flat" cmpd="sng" algn="ctr">
+          <a:ln w="12700" cap="flat" cmpd="sng" algn="ctr">
             <a:solidFill>
               <a:schemeClr val="accent1">
                 <a:lumMod val="50000"/>
@@ -4712,30 +4720,30 @@
         </p:nvSpPr>
         <p:spPr bwMode="auto">
           <a:xfrm>
-            <a:off x="6683213" y="2764879"/>
-            <a:ext cx="1009292" cy="832908"/>
+            <a:off x="6735965" y="2820639"/>
+            <a:ext cx="1009292" cy="895515"/>
           </a:xfrm>
           <a:custGeom>
             <a:avLst/>
             <a:gdLst>
               <a:gd name="connsiteX0" fmla="*/ 0 w 1009292"/>
-              <a:gd name="connsiteY0" fmla="*/ 138821 h 832908"/>
-              <a:gd name="connsiteX1" fmla="*/ 138821 w 1009292"/>
-              <a:gd name="connsiteY1" fmla="*/ 0 h 832908"/>
-              <a:gd name="connsiteX2" fmla="*/ 870471 w 1009292"/>
-              <a:gd name="connsiteY2" fmla="*/ 0 h 832908"/>
+              <a:gd name="connsiteY0" fmla="*/ 149255 h 895515"/>
+              <a:gd name="connsiteX1" fmla="*/ 149255 w 1009292"/>
+              <a:gd name="connsiteY1" fmla="*/ 0 h 895515"/>
+              <a:gd name="connsiteX2" fmla="*/ 860037 w 1009292"/>
+              <a:gd name="connsiteY2" fmla="*/ 0 h 895515"/>
               <a:gd name="connsiteX3" fmla="*/ 1009292 w 1009292"/>
-              <a:gd name="connsiteY3" fmla="*/ 138821 h 832908"/>
+              <a:gd name="connsiteY3" fmla="*/ 149255 h 895515"/>
               <a:gd name="connsiteX4" fmla="*/ 1009292 w 1009292"/>
-              <a:gd name="connsiteY4" fmla="*/ 694087 h 832908"/>
-              <a:gd name="connsiteX5" fmla="*/ 870471 w 1009292"/>
-              <a:gd name="connsiteY5" fmla="*/ 832908 h 832908"/>
-              <a:gd name="connsiteX6" fmla="*/ 138821 w 1009292"/>
-              <a:gd name="connsiteY6" fmla="*/ 832908 h 832908"/>
+              <a:gd name="connsiteY4" fmla="*/ 746260 h 895515"/>
+              <a:gd name="connsiteX5" fmla="*/ 860037 w 1009292"/>
+              <a:gd name="connsiteY5" fmla="*/ 895515 h 895515"/>
+              <a:gd name="connsiteX6" fmla="*/ 149255 w 1009292"/>
+              <a:gd name="connsiteY6" fmla="*/ 895515 h 895515"/>
               <a:gd name="connsiteX7" fmla="*/ 0 w 1009292"/>
-              <a:gd name="connsiteY7" fmla="*/ 694087 h 832908"/>
+              <a:gd name="connsiteY7" fmla="*/ 746260 h 895515"/>
               <a:gd name="connsiteX8" fmla="*/ 0 w 1009292"/>
-              <a:gd name="connsiteY8" fmla="*/ 138821 h 832908"/>
+              <a:gd name="connsiteY8" fmla="*/ 149255 h 895515"/>
             </a:gdLst>
             <a:ahLst/>
             <a:cxnLst>
@@ -4769,56 +4777,56 @@
             </a:cxnLst>
             <a:rect l="l" t="t" r="r" b="b"/>
             <a:pathLst>
-              <a:path w="1009292" h="832908" extrusionOk="0">
+              <a:path w="1009292" h="895515" extrusionOk="0">
                 <a:moveTo>
-                  <a:pt x="0" y="138821"/>
+                  <a:pt x="0" y="149255"/>
                 </a:moveTo>
                 <a:cubicBezTo>
-                  <a:pt x="-8086" y="67204"/>
-                  <a:pt x="49736" y="828"/>
-                  <a:pt x="138821" y="0"/>
+                  <a:pt x="-9484" y="72749"/>
+                  <a:pt x="52449" y="959"/>
+                  <a:pt x="149255" y="0"/>
                 </a:cubicBezTo>
                 <a:cubicBezTo>
-                  <a:pt x="487713" y="-37613"/>
-                  <a:pt x="557801" y="57247"/>
-                  <a:pt x="870471" y="0"/>
+                  <a:pt x="482826" y="67"/>
+                  <a:pt x="688499" y="6570"/>
+                  <a:pt x="860037" y="0"/>
                 </a:cubicBezTo>
                 <a:cubicBezTo>
-                  <a:pt x="944030" y="7222"/>
-                  <a:pt x="1022710" y="65089"/>
-                  <a:pt x="1009292" y="138821"/>
+                  <a:pt x="941160" y="3038"/>
+                  <a:pt x="1014789" y="68027"/>
+                  <a:pt x="1009292" y="149255"/>
                 </a:cubicBezTo>
                 <a:cubicBezTo>
-                  <a:pt x="1013180" y="301236"/>
-                  <a:pt x="1024255" y="417337"/>
-                  <a:pt x="1009292" y="694087"/>
+                  <a:pt x="990443" y="342957"/>
+                  <a:pt x="1042538" y="509977"/>
+                  <a:pt x="1009292" y="746260"/>
                 </a:cubicBezTo>
                 <a:cubicBezTo>
-                  <a:pt x="1007042" y="784681"/>
-                  <a:pt x="944712" y="835507"/>
-                  <a:pt x="870471" y="832908"/>
+                  <a:pt x="1008174" y="835612"/>
+                  <a:pt x="936841" y="901539"/>
+                  <a:pt x="860037" y="895515"/>
                 </a:cubicBezTo>
                 <a:cubicBezTo>
-                  <a:pt x="774506" y="771502"/>
-                  <a:pt x="497139" y="866909"/>
-                  <a:pt x="138821" y="832908"/>
+                  <a:pt x="713736" y="953246"/>
+                  <a:pt x="359616" y="912998"/>
+                  <a:pt x="149255" y="895515"/>
                 </a:cubicBezTo>
                 <a:cubicBezTo>
-                  <a:pt x="73270" y="828823"/>
-                  <a:pt x="-2922" y="772078"/>
-                  <a:pt x="0" y="694087"/>
+                  <a:pt x="70717" y="894085"/>
+                  <a:pt x="-13516" y="834804"/>
+                  <a:pt x="0" y="746260"/>
                 </a:cubicBezTo>
                 <a:cubicBezTo>
-                  <a:pt x="17186" y="504539"/>
-                  <a:pt x="8197" y="201895"/>
-                  <a:pt x="0" y="138821"/>
+                  <a:pt x="8002" y="604782"/>
+                  <a:pt x="-26881" y="412585"/>
+                  <a:pt x="0" y="149255"/>
                 </a:cubicBezTo>
                 <a:close/>
               </a:path>
             </a:pathLst>
           </a:custGeom>
           <a:noFill/>
-          <a:ln w="9525" cap="flat" cmpd="sng" algn="ctr">
+          <a:ln w="12700" cap="flat" cmpd="sng" algn="ctr">
             <a:solidFill>
               <a:schemeClr val="accent1">
                 <a:lumMod val="50000"/>
@@ -4894,14 +4902,13 @@
           <p:cNvCxnSpPr>
             <a:cxnSpLocks/>
             <a:stCxn id="56" idx="2"/>
-            <a:endCxn id="19" idx="0"/>
           </p:cNvCxnSpPr>
           <p:nvPr/>
         </p:nvCxnSpPr>
         <p:spPr bwMode="auto">
           <a:xfrm>
             <a:off x="3222875" y="2136015"/>
-            <a:ext cx="595817" cy="643580"/>
+            <a:ext cx="560670" cy="506672"/>
           </a:xfrm>
           <a:prstGeom prst="straightConnector1">
             <a:avLst/>
@@ -5002,14 +5009,13 @@
           </p:cNvPr>
           <p:cNvCxnSpPr>
             <a:cxnSpLocks/>
-            <a:endCxn id="6" idx="0"/>
           </p:cNvCxnSpPr>
           <p:nvPr/>
         </p:nvCxnSpPr>
         <p:spPr bwMode="auto">
           <a:xfrm flipH="1">
-            <a:off x="7188247" y="1963664"/>
-            <a:ext cx="787883" cy="721139"/>
+            <a:off x="7232984" y="1963664"/>
+            <a:ext cx="743147" cy="665409"/>
           </a:xfrm>
           <a:prstGeom prst="straightConnector1">
             <a:avLst/>
@@ -5053,14 +5059,13 @@
           </p:cNvPr>
           <p:cNvCxnSpPr>
             <a:cxnSpLocks/>
-            <a:stCxn id="42" idx="2"/>
           </p:cNvCxnSpPr>
           <p:nvPr/>
         </p:nvCxnSpPr>
         <p:spPr bwMode="auto">
           <a:xfrm>
-            <a:off x="5543976" y="3949505"/>
-            <a:ext cx="3896346" cy="1056661"/>
+            <a:off x="9927654" y="4271015"/>
+            <a:ext cx="0" cy="452450"/>
           </a:xfrm>
           <a:prstGeom prst="straightConnector1">
             <a:avLst/>
@@ -5071,8 +5076,8 @@
                 <a:lumMod val="50000"/>
               </a:schemeClr>
             </a:solidFill>
-            <a:headEnd type="none" w="med" len="med"/>
-            <a:tailEnd type="triangle"/>
+            <a:headEnd type="triangle" w="med" len="med"/>
+            <a:tailEnd type="none"/>
           </a:ln>
         </p:spPr>
         <p:style>
@@ -5105,14 +5110,14 @@
           <p:nvPr/>
         </p:nvPicPr>
         <p:blipFill rotWithShape="1">
-          <a:blip r:embed="rId7"/>
+          <a:blip r:embed="rId8"/>
           <a:srcRect t="9600" b="9600"/>
           <a:stretch/>
         </p:blipFill>
         <p:spPr>
-          <a:xfrm>
-            <a:off x="4436309" y="5045908"/>
-            <a:ext cx="2112912" cy="537778"/>
+          <a:xfrm rot="5400000">
+            <a:off x="1188831" y="5327739"/>
+            <a:ext cx="1765792" cy="449429"/>
           </a:xfrm>
           <a:prstGeom prst="rect">
             <a:avLst/>
@@ -5134,14 +5139,14 @@
           <p:nvPr/>
         </p:nvPicPr>
         <p:blipFill>
-          <a:blip r:embed="rId8"/>
+          <a:blip r:embed="rId9"/>
           <a:stretch>
             <a:fillRect/>
           </a:stretch>
         </p:blipFill>
         <p:spPr>
           <a:xfrm>
-            <a:off x="6777361" y="5044215"/>
+            <a:off x="7397375" y="5297693"/>
             <a:ext cx="2030942" cy="755257"/>
           </a:xfrm>
           <a:prstGeom prst="rect">
@@ -5163,7 +5168,7 @@
         </p:nvSpPr>
         <p:spPr>
           <a:xfrm>
-            <a:off x="7103946" y="5774841"/>
+            <a:off x="7722410" y="5997418"/>
             <a:ext cx="1546413" cy="369012"/>
           </a:xfrm>
           <a:prstGeom prst="rect">
@@ -5201,15 +5206,13 @@
           </p:cNvPr>
           <p:cNvCxnSpPr>
             <a:cxnSpLocks/>
-            <a:stCxn id="42" idx="2"/>
-            <a:endCxn id="37" idx="0"/>
           </p:cNvCxnSpPr>
           <p:nvPr/>
         </p:nvCxnSpPr>
         <p:spPr bwMode="auto">
-          <a:xfrm flipH="1">
-            <a:off x="5492765" y="3949505"/>
-            <a:ext cx="51211" cy="1096403"/>
+          <a:xfrm>
+            <a:off x="2071727" y="4223881"/>
+            <a:ext cx="0" cy="498105"/>
           </a:xfrm>
           <a:prstGeom prst="straightConnector1">
             <a:avLst/>
@@ -5220,8 +5223,8 @@
                 <a:lumMod val="50000"/>
               </a:schemeClr>
             </a:solidFill>
-            <a:headEnd type="none" w="med" len="med"/>
-            <a:tailEnd type="triangle"/>
+            <a:headEnd type="triangle" w="med" len="med"/>
+            <a:tailEnd type="none"/>
           </a:ln>
         </p:spPr>
         <p:style>
@@ -5250,14 +5253,14 @@
           </p:cNvPr>
           <p:cNvCxnSpPr>
             <a:cxnSpLocks/>
-            <a:stCxn id="42" idx="2"/>
+            <a:endCxn id="38" idx="0"/>
           </p:cNvCxnSpPr>
           <p:nvPr/>
         </p:nvCxnSpPr>
         <p:spPr bwMode="auto">
           <a:xfrm>
-            <a:off x="5543976" y="3949505"/>
-            <a:ext cx="1967110" cy="1191277"/>
+            <a:off x="8412846" y="4267118"/>
+            <a:ext cx="0" cy="1030575"/>
           </a:xfrm>
           <a:prstGeom prst="straightConnector1">
             <a:avLst/>
@@ -5268,8 +5271,8 @@
                 <a:lumMod val="50000"/>
               </a:schemeClr>
             </a:solidFill>
-            <a:headEnd type="none" w="med" len="med"/>
-            <a:tailEnd type="triangle"/>
+            <a:headEnd type="triangle" w="med" len="med"/>
+            <a:tailEnd type="none"/>
           </a:ln>
         </p:spPr>
         <p:style>
@@ -5301,8 +5304,8 @@
         </p:nvSpPr>
         <p:spPr>
           <a:xfrm>
-            <a:off x="4793193" y="3580301"/>
-            <a:ext cx="1501566" cy="369204"/>
+            <a:off x="4988581" y="3627736"/>
+            <a:ext cx="1125629" cy="276999"/>
           </a:xfrm>
           <a:prstGeom prst="rect">
             <a:avLst/>
@@ -5316,14 +5319,14 @@
           <a:p>
             <a:pPr algn="ctr"/>
             <a:r>
-              <a:rPr lang="en-US" sz="1799" dirty="0">
+              <a:rPr lang="en-US" sz="1200" dirty="0">
                 <a:solidFill>
-                  <a:srgbClr val="734C82"/>
+                  <a:srgbClr val="1F3864"/>
                 </a:solidFill>
                 <a:ea typeface="Arial Unicode MS" panose="020B0604020202020204" pitchFamily="34" charset="-128"/>
                 <a:cs typeface="Arial Unicode MS" panose="020B0604020202020204" pitchFamily="34" charset="-128"/>
               </a:rPr>
-              <a:t>OPC UA Client</a:t>
+              <a:t>OPC UA Clients</a:t>
             </a:r>
           </a:p>
         </p:txBody>
@@ -5343,10 +5346,10 @@
           <p:nvPr/>
         </p:nvPicPr>
         <p:blipFill rotWithShape="1">
-          <a:blip r:embed="rId9">
+          <a:blip r:embed="rId10">
             <a:extLst>
               <a:ext uri="{96DAC541-7B7A-43D3-8B79-37D633B846F1}">
-                <asvg:svgBlip xmlns:asvg="http://schemas.microsoft.com/office/drawing/2016/SVG/main" r:embed="rId10"/>
+                <asvg:svgBlip xmlns:asvg="http://schemas.microsoft.com/office/drawing/2016/SVG/main" r:embed="rId11"/>
               </a:ext>
             </a:extLst>
           </a:blip>
@@ -5420,10 +5423,10 @@
           <p:nvPr/>
         </p:nvPicPr>
         <p:blipFill rotWithShape="1">
-          <a:blip r:embed="rId9">
+          <a:blip r:embed="rId10">
             <a:extLst>
               <a:ext uri="{96DAC541-7B7A-43D3-8B79-37D633B846F1}">
-                <asvg:svgBlip xmlns:asvg="http://schemas.microsoft.com/office/drawing/2016/SVG/main" r:embed="rId10"/>
+                <asvg:svgBlip xmlns:asvg="http://schemas.microsoft.com/office/drawing/2016/SVG/main" r:embed="rId11"/>
               </a:ext>
             </a:extLst>
           </a:blip>
@@ -5432,7 +5435,7 @@
         </p:blipFill>
         <p:spPr>
           <a:xfrm rot="16200000">
-            <a:off x="7643531" y="3097956"/>
+            <a:off x="7823771" y="3216323"/>
             <a:ext cx="859436" cy="194239"/>
           </a:xfrm>
           <a:prstGeom prst="rect">
@@ -5454,30 +5457,30 @@
         </p:nvSpPr>
         <p:spPr bwMode="auto">
           <a:xfrm>
-            <a:off x="7867113" y="2770105"/>
-            <a:ext cx="412365" cy="846848"/>
+            <a:off x="8047353" y="2820639"/>
+            <a:ext cx="412365" cy="914681"/>
           </a:xfrm>
           <a:custGeom>
             <a:avLst/>
             <a:gdLst>
               <a:gd name="connsiteX0" fmla="*/ 0 w 412365"/>
-              <a:gd name="connsiteY0" fmla="*/ 68729 h 846848"/>
+              <a:gd name="connsiteY0" fmla="*/ 68729 h 914681"/>
               <a:gd name="connsiteX1" fmla="*/ 68729 w 412365"/>
-              <a:gd name="connsiteY1" fmla="*/ 0 h 846848"/>
+              <a:gd name="connsiteY1" fmla="*/ 0 h 914681"/>
               <a:gd name="connsiteX2" fmla="*/ 343636 w 412365"/>
-              <a:gd name="connsiteY2" fmla="*/ 0 h 846848"/>
+              <a:gd name="connsiteY2" fmla="*/ 0 h 914681"/>
               <a:gd name="connsiteX3" fmla="*/ 412365 w 412365"/>
-              <a:gd name="connsiteY3" fmla="*/ 68729 h 846848"/>
+              <a:gd name="connsiteY3" fmla="*/ 68729 h 914681"/>
               <a:gd name="connsiteX4" fmla="*/ 412365 w 412365"/>
-              <a:gd name="connsiteY4" fmla="*/ 778119 h 846848"/>
+              <a:gd name="connsiteY4" fmla="*/ 845952 h 914681"/>
               <a:gd name="connsiteX5" fmla="*/ 343636 w 412365"/>
-              <a:gd name="connsiteY5" fmla="*/ 846848 h 846848"/>
+              <a:gd name="connsiteY5" fmla="*/ 914681 h 914681"/>
               <a:gd name="connsiteX6" fmla="*/ 68729 w 412365"/>
-              <a:gd name="connsiteY6" fmla="*/ 846848 h 846848"/>
+              <a:gd name="connsiteY6" fmla="*/ 914681 h 914681"/>
               <a:gd name="connsiteX7" fmla="*/ 0 w 412365"/>
-              <a:gd name="connsiteY7" fmla="*/ 778119 h 846848"/>
+              <a:gd name="connsiteY7" fmla="*/ 845952 h 914681"/>
               <a:gd name="connsiteX8" fmla="*/ 0 w 412365"/>
-              <a:gd name="connsiteY8" fmla="*/ 68729 h 846848"/>
+              <a:gd name="connsiteY8" fmla="*/ 68729 h 914681"/>
             </a:gdLst>
             <a:ahLst/>
             <a:cxnLst>
@@ -5511,7 +5514,7 @@
             </a:cxnLst>
             <a:rect l="l" t="t" r="r" b="b"/>
             <a:pathLst>
-              <a:path w="412365" h="846848" extrusionOk="0">
+              <a:path w="412365" h="914681" extrusionOk="0">
                 <a:moveTo>
                   <a:pt x="0" y="68729"/>
                 </a:moveTo>
@@ -5531,28 +5534,28 @@
                   <a:pt x="412365" y="68729"/>
                 </a:cubicBezTo>
                 <a:cubicBezTo>
-                  <a:pt x="454619" y="271561"/>
-                  <a:pt x="372502" y="592985"/>
-                  <a:pt x="412365" y="778119"/>
+                  <a:pt x="361841" y="291842"/>
+                  <a:pt x="363193" y="596903"/>
+                  <a:pt x="412365" y="845952"/>
                 </a:cubicBezTo>
                 <a:cubicBezTo>
-                  <a:pt x="415844" y="812990"/>
-                  <a:pt x="385065" y="848166"/>
-                  <a:pt x="343636" y="846848"/>
+                  <a:pt x="415844" y="880823"/>
+                  <a:pt x="385065" y="915999"/>
+                  <a:pt x="343636" y="914681"/>
                 </a:cubicBezTo>
                 <a:cubicBezTo>
-                  <a:pt x="230057" y="869021"/>
-                  <a:pt x="188790" y="852165"/>
-                  <a:pt x="68729" y="846848"/>
+                  <a:pt x="230057" y="936854"/>
+                  <a:pt x="188790" y="919998"/>
+                  <a:pt x="68729" y="914681"/>
                 </a:cubicBezTo>
                 <a:cubicBezTo>
-                  <a:pt x="29801" y="847005"/>
-                  <a:pt x="-1400" y="816766"/>
-                  <a:pt x="0" y="778119"/>
+                  <a:pt x="29801" y="914838"/>
+                  <a:pt x="-1400" y="884599"/>
+                  <a:pt x="0" y="845952"/>
                 </a:cubicBezTo>
                 <a:cubicBezTo>
-                  <a:pt x="-33964" y="576489"/>
-                  <a:pt x="6667" y="393821"/>
+                  <a:pt x="58113" y="587141"/>
+                  <a:pt x="68708" y="364908"/>
                   <a:pt x="0" y="68729"/>
                 </a:cubicBezTo>
                 <a:close/>
@@ -5560,7 +5563,7 @@
             </a:pathLst>
           </a:custGeom>
           <a:noFill/>
-          <a:ln w="9525" cap="flat" cmpd="sng" algn="ctr">
+          <a:ln w="12700" cap="flat" cmpd="sng" algn="ctr">
             <a:solidFill>
               <a:schemeClr val="accent1">
                 <a:lumMod val="50000"/>
@@ -5639,7 +5642,7 @@
           <p:nvPr/>
         </p:nvPicPr>
         <p:blipFill>
-          <a:blip r:embed="rId11"/>
+          <a:blip r:embed="rId12"/>
           <a:stretch>
             <a:fillRect/>
           </a:stretch>
@@ -5649,9 +5652,68 @@
             <a:off x="1329179" y="557241"/>
             <a:ext cx="3787391" cy="1578774"/>
           </a:xfrm>
-          <a:prstGeom prst="rect">
-            <a:avLst/>
-          </a:prstGeom>
+          <a:custGeom>
+            <a:avLst/>
+            <a:gdLst>
+              <a:gd name="connsiteX0" fmla="*/ 0 w 3787391"/>
+              <a:gd name="connsiteY0" fmla="*/ 0 h 1578774"/>
+              <a:gd name="connsiteX1" fmla="*/ 3787391 w 3787391"/>
+              <a:gd name="connsiteY1" fmla="*/ 0 h 1578774"/>
+              <a:gd name="connsiteX2" fmla="*/ 3787391 w 3787391"/>
+              <a:gd name="connsiteY2" fmla="*/ 1578774 h 1578774"/>
+              <a:gd name="connsiteX3" fmla="*/ 0 w 3787391"/>
+              <a:gd name="connsiteY3" fmla="*/ 1578774 h 1578774"/>
+              <a:gd name="connsiteX4" fmla="*/ 0 w 3787391"/>
+              <a:gd name="connsiteY4" fmla="*/ 0 h 1578774"/>
+            </a:gdLst>
+            <a:ahLst/>
+            <a:cxnLst>
+              <a:cxn ang="0">
+                <a:pos x="connsiteX0" y="connsiteY0"/>
+              </a:cxn>
+              <a:cxn ang="0">
+                <a:pos x="connsiteX1" y="connsiteY1"/>
+              </a:cxn>
+              <a:cxn ang="0">
+                <a:pos x="connsiteX2" y="connsiteY2"/>
+              </a:cxn>
+              <a:cxn ang="0">
+                <a:pos x="connsiteX3" y="connsiteY3"/>
+              </a:cxn>
+              <a:cxn ang="0">
+                <a:pos x="connsiteX4" y="connsiteY4"/>
+              </a:cxn>
+            </a:cxnLst>
+            <a:rect l="l" t="t" r="r" b="b"/>
+            <a:pathLst>
+              <a:path w="3787391" h="1578774" extrusionOk="0">
+                <a:moveTo>
+                  <a:pt x="0" y="0"/>
+                </a:moveTo>
+                <a:cubicBezTo>
+                  <a:pt x="982231" y="118645"/>
+                  <a:pt x="2164460" y="116012"/>
+                  <a:pt x="3787391" y="0"/>
+                </a:cubicBezTo>
+                <a:cubicBezTo>
+                  <a:pt x="3719900" y="162121"/>
+                  <a:pt x="3882158" y="1157209"/>
+                  <a:pt x="3787391" y="1578774"/>
+                </a:cubicBezTo>
+                <a:cubicBezTo>
+                  <a:pt x="3171391" y="1713374"/>
+                  <a:pt x="437850" y="1421578"/>
+                  <a:pt x="0" y="1578774"/>
+                </a:cubicBezTo>
+                <a:cubicBezTo>
+                  <a:pt x="33088" y="1161489"/>
+                  <a:pt x="-105046" y="467393"/>
+                  <a:pt x="0" y="0"/>
+                </a:cubicBezTo>
+                <a:close/>
+              </a:path>
+            </a:pathLst>
+          </a:custGeom>
           <a:noFill/>
           <a:ln w="9525" cap="flat" cmpd="sng" algn="ctr">
             <a:solidFill>
@@ -5663,6 +5725,18 @@
             <a:round/>
             <a:headEnd type="none" w="med" len="med"/>
             <a:tailEnd type="none" w="med" len="med"/>
+            <a:extLst>
+              <a:ext uri="{C807C97D-BFC1-408E-A445-0C87EB9F89A2}">
+                <ask:lineSketchStyleProps xmlns:ask="http://schemas.microsoft.com/office/drawing/2018/sketchyshapes" sd="1219033472">
+                  <a:prstGeom prst="rect">
+                    <a:avLst/>
+                  </a:prstGeom>
+                  <ask:type>
+                    <ask:lineSketchCurved/>
+                  </ask:type>
+                </ask:lineSketchStyleProps>
+              </a:ext>
+            </a:extLst>
           </a:ln>
         </p:spPr>
         <p:style>
@@ -5695,7 +5769,7 @@
           <p:nvPr/>
         </p:nvPicPr>
         <p:blipFill>
-          <a:blip r:embed="rId12"/>
+          <a:blip r:embed="rId13"/>
           <a:stretch>
             <a:fillRect/>
           </a:stretch>
@@ -5705,15 +5779,112 @@
             <a:off x="7976130" y="557511"/>
             <a:ext cx="2975818" cy="1894140"/>
           </a:xfrm>
-          <a:prstGeom prst="rect">
-            <a:avLst/>
-          </a:prstGeom>
+          <a:custGeom>
+            <a:avLst/>
+            <a:gdLst>
+              <a:gd name="connsiteX0" fmla="*/ 0 w 2975818"/>
+              <a:gd name="connsiteY0" fmla="*/ 0 h 1894140"/>
+              <a:gd name="connsiteX1" fmla="*/ 2975818 w 2975818"/>
+              <a:gd name="connsiteY1" fmla="*/ 0 h 1894140"/>
+              <a:gd name="connsiteX2" fmla="*/ 2975818 w 2975818"/>
+              <a:gd name="connsiteY2" fmla="*/ 1894140 h 1894140"/>
+              <a:gd name="connsiteX3" fmla="*/ 0 w 2975818"/>
+              <a:gd name="connsiteY3" fmla="*/ 1894140 h 1894140"/>
+              <a:gd name="connsiteX4" fmla="*/ 0 w 2975818"/>
+              <a:gd name="connsiteY4" fmla="*/ 0 h 1894140"/>
+            </a:gdLst>
+            <a:ahLst/>
+            <a:cxnLst>
+              <a:cxn ang="0">
+                <a:pos x="connsiteX0" y="connsiteY0"/>
+              </a:cxn>
+              <a:cxn ang="0">
+                <a:pos x="connsiteX1" y="connsiteY1"/>
+              </a:cxn>
+              <a:cxn ang="0">
+                <a:pos x="connsiteX2" y="connsiteY2"/>
+              </a:cxn>
+              <a:cxn ang="0">
+                <a:pos x="connsiteX3" y="connsiteY3"/>
+              </a:cxn>
+              <a:cxn ang="0">
+                <a:pos x="connsiteX4" y="connsiteY4"/>
+              </a:cxn>
+            </a:cxnLst>
+            <a:rect l="l" t="t" r="r" b="b"/>
+            <a:pathLst>
+              <a:path w="2975818" h="1894140" fill="none" extrusionOk="0">
+                <a:moveTo>
+                  <a:pt x="0" y="0"/>
+                </a:moveTo>
+                <a:cubicBezTo>
+                  <a:pt x="660297" y="-14931"/>
+                  <a:pt x="1969631" y="31643"/>
+                  <a:pt x="2975818" y="0"/>
+                </a:cubicBezTo>
+                <a:cubicBezTo>
+                  <a:pt x="3082030" y="473030"/>
+                  <a:pt x="2865893" y="1467476"/>
+                  <a:pt x="2975818" y="1894140"/>
+                </a:cubicBezTo>
+                <a:cubicBezTo>
+                  <a:pt x="2639919" y="1832086"/>
+                  <a:pt x="471236" y="1840437"/>
+                  <a:pt x="0" y="1894140"/>
+                </a:cubicBezTo>
+                <a:cubicBezTo>
+                  <a:pt x="-26706" y="1526146"/>
+                  <a:pt x="-6715" y="804853"/>
+                  <a:pt x="0" y="0"/>
+                </a:cubicBezTo>
+                <a:close/>
+              </a:path>
+              <a:path w="2975818" h="1894140" stroke="0" extrusionOk="0">
+                <a:moveTo>
+                  <a:pt x="0" y="0"/>
+                </a:moveTo>
+                <a:cubicBezTo>
+                  <a:pt x="992412" y="-5264"/>
+                  <a:pt x="1967788" y="84467"/>
+                  <a:pt x="2975818" y="0"/>
+                </a:cubicBezTo>
+                <a:cubicBezTo>
+                  <a:pt x="2847645" y="460941"/>
+                  <a:pt x="3104968" y="1621137"/>
+                  <a:pt x="2975818" y="1894140"/>
+                </a:cubicBezTo>
+                <a:cubicBezTo>
+                  <a:pt x="2639779" y="2000460"/>
+                  <a:pt x="827958" y="1886491"/>
+                  <a:pt x="0" y="1894140"/>
+                </a:cubicBezTo>
+                <a:cubicBezTo>
+                  <a:pt x="160128" y="987176"/>
+                  <a:pt x="25049" y="573782"/>
+                  <a:pt x="0" y="0"/>
+                </a:cubicBezTo>
+                <a:close/>
+              </a:path>
+            </a:pathLst>
+          </a:custGeom>
           <a:ln>
             <a:solidFill>
               <a:schemeClr val="tx2">
                 <a:lumMod val="75000"/>
               </a:schemeClr>
             </a:solidFill>
+            <a:extLst>
+              <a:ext uri="{C807C97D-BFC1-408E-A445-0C87EB9F89A2}">
+                <ask:lineSketchStyleProps xmlns:ask="http://schemas.microsoft.com/office/drawing/2018/sketchyshapes" sd="2650216993">
+                  <a:prstGeom prst="rect">
+                    <a:avLst/>
+                  </a:prstGeom>
+                  <ask:type>
+                    <ask:lineSketchCurved/>
+                  </ask:type>
+                </ask:lineSketchStyleProps>
+              </a:ext>
+            </a:extLst>
           </a:ln>
         </p:spPr>
       </p:pic>
@@ -5799,15 +5970,14 @@
           </p:cNvPr>
           <p:cNvCxnSpPr>
             <a:cxnSpLocks/>
-            <a:stCxn id="4" idx="3"/>
             <a:endCxn id="48" idx="1"/>
           </p:cNvCxnSpPr>
           <p:nvPr/>
         </p:nvCxnSpPr>
         <p:spPr bwMode="auto">
-          <a:xfrm flipV="1">
-            <a:off x="8394410" y="3321026"/>
-            <a:ext cx="1149477" cy="9027"/>
+          <a:xfrm>
+            <a:off x="8412846" y="3321026"/>
+            <a:ext cx="1131042" cy="0"/>
           </a:xfrm>
           <a:prstGeom prst="straightConnector1">
             <a:avLst/>
@@ -5832,35 +6002,6 @@
           </a:fontRef>
         </p:style>
       </p:cxnSp>
-      <p:pic>
-        <p:nvPicPr>
-          <p:cNvPr id="14" name="Picture 13" descr="Diagram&#10;&#10;Description automatically generated">
-            <a:extLst>
-              <a:ext uri="{FF2B5EF4-FFF2-40B4-BE49-F238E27FC236}">
-                <a16:creationId xmlns:a16="http://schemas.microsoft.com/office/drawing/2014/main" id="{8B8D8775-3B36-9342-9775-1B1F2F1FE453}"/>
-              </a:ext>
-            </a:extLst>
-          </p:cNvPr>
-          <p:cNvPicPr>
-            <a:picLocks noChangeAspect="1"/>
-          </p:cNvPicPr>
-          <p:nvPr/>
-        </p:nvPicPr>
-        <p:blipFill rotWithShape="1">
-          <a:blip r:embed="rId13"/>
-          <a:srcRect l="23906"/>
-          <a:stretch/>
-        </p:blipFill>
-        <p:spPr>
-          <a:xfrm>
-            <a:off x="568820" y="4398534"/>
-            <a:ext cx="3034865" cy="1902225"/>
-          </a:xfrm>
-          <a:prstGeom prst="rect">
-            <a:avLst/>
-          </a:prstGeom>
-        </p:spPr>
-      </p:pic>
       <p:cxnSp>
         <p:nvCxnSpPr>
           <p:cNvPr id="34" name="Straight Arrow Connector 33">
@@ -5872,14 +6013,13 @@
           </p:cNvPr>
           <p:cNvCxnSpPr>
             <a:cxnSpLocks/>
-            <a:stCxn id="42" idx="2"/>
           </p:cNvCxnSpPr>
           <p:nvPr/>
         </p:nvCxnSpPr>
         <p:spPr bwMode="auto">
-          <a:xfrm flipH="1">
-            <a:off x="2589976" y="3949505"/>
-            <a:ext cx="2954000" cy="603435"/>
+          <a:xfrm>
+            <a:off x="5769458" y="4253543"/>
+            <a:ext cx="0" cy="273359"/>
           </a:xfrm>
           <a:prstGeom prst="straightConnector1">
             <a:avLst/>
@@ -5890,8 +6030,8 @@
                 <a:lumMod val="50000"/>
               </a:schemeClr>
             </a:solidFill>
-            <a:headEnd type="none" w="med" len="med"/>
-            <a:tailEnd type="triangle"/>
+            <a:headEnd type="triangle" w="med" len="med"/>
+            <a:tailEnd type="none"/>
           </a:ln>
         </p:spPr>
         <p:style>
@@ -5924,10 +6064,10 @@
           <p:nvPr/>
         </p:nvPicPr>
         <p:blipFill>
-          <a:blip r:embed="rId3">
+          <a:blip r:embed="rId4">
             <a:extLst>
               <a:ext uri="{96DAC541-7B7A-43D3-8B79-37D633B846F1}">
-                <asvg:svgBlip xmlns:asvg="http://schemas.microsoft.com/office/drawing/2016/SVG/main" r:embed="rId4"/>
+                <asvg:svgBlip xmlns:asvg="http://schemas.microsoft.com/office/drawing/2016/SVG/main" r:embed="rId5"/>
               </a:ext>
             </a:extLst>
           </a:blip>
@@ -5960,7 +6100,7 @@
           <p:nvPr/>
         </p:nvPicPr>
         <p:blipFill>
-          <a:blip r:embed="rId6"/>
+          <a:blip r:embed="rId7"/>
           <a:stretch>
             <a:fillRect/>
           </a:stretch>
@@ -6013,7 +6153,7 @@
         </p:nvSpPr>
         <p:spPr>
           <a:xfrm>
-            <a:off x="5041560" y="1717738"/>
+            <a:off x="2459675" y="2174447"/>
             <a:ext cx="1041946" cy="445458"/>
           </a:xfrm>
           <a:prstGeom prst="rect">
@@ -6070,8 +6210,8 @@
         </p:nvSpPr>
         <p:spPr>
           <a:xfrm>
-            <a:off x="6847762" y="1915604"/>
-            <a:ext cx="1041946" cy="241911"/>
+            <a:off x="6924543" y="2252463"/>
+            <a:ext cx="493759" cy="241911"/>
           </a:xfrm>
           <a:prstGeom prst="rect">
             <a:avLst/>
@@ -6113,7 +6253,7 @@
         </p:nvSpPr>
         <p:spPr>
           <a:xfrm>
-            <a:off x="1189945" y="6238142"/>
+            <a:off x="4803331" y="6224465"/>
             <a:ext cx="2032929" cy="253916"/>
           </a:xfrm>
           <a:prstGeom prst="rect">
@@ -6179,6 +6319,356 @@
           </a:p>
         </p:txBody>
       </p:sp>
+      <p:pic>
+        <p:nvPicPr>
+          <p:cNvPr id="51" name="Picture 50" descr="A picture containing text, electronics&#10;&#10;Description automatically generated">
+            <a:extLst>
+              <a:ext uri="{FF2B5EF4-FFF2-40B4-BE49-F238E27FC236}">
+                <a16:creationId xmlns:a16="http://schemas.microsoft.com/office/drawing/2014/main" id="{A9FC80C0-B12C-2C49-8DEE-6AE88BF28F29}"/>
+              </a:ext>
+            </a:extLst>
+          </p:cNvPr>
+          <p:cNvPicPr>
+            <a:picLocks noChangeAspect="1"/>
+          </p:cNvPicPr>
+          <p:nvPr/>
+        </p:nvPicPr>
+        <p:blipFill>
+          <a:blip r:embed="rId14"/>
+          <a:stretch>
+            <a:fillRect/>
+          </a:stretch>
+        </p:blipFill>
+        <p:spPr>
+          <a:xfrm>
+            <a:off x="2966315" y="5552453"/>
+            <a:ext cx="935438" cy="826907"/>
+          </a:xfrm>
+          <a:prstGeom prst="rect">
+            <a:avLst/>
+          </a:prstGeom>
+        </p:spPr>
+      </p:pic>
+      <p:cxnSp>
+        <p:nvCxnSpPr>
+          <p:cNvPr id="61" name="Straight Arrow Connector 60">
+            <a:extLst>
+              <a:ext uri="{FF2B5EF4-FFF2-40B4-BE49-F238E27FC236}">
+                <a16:creationId xmlns:a16="http://schemas.microsoft.com/office/drawing/2014/main" id="{BC1E419E-1007-B740-8CCB-501BF27F99BC}"/>
+              </a:ext>
+            </a:extLst>
+          </p:cNvPr>
+          <p:cNvCxnSpPr>
+            <a:cxnSpLocks/>
+          </p:cNvCxnSpPr>
+          <p:nvPr/>
+        </p:nvCxnSpPr>
+        <p:spPr bwMode="auto">
+          <a:xfrm>
+            <a:off x="3434271" y="4233308"/>
+            <a:ext cx="0" cy="1332925"/>
+          </a:xfrm>
+          <a:prstGeom prst="straightConnector1">
+            <a:avLst/>
+          </a:prstGeom>
+          <a:ln w="12700">
+            <a:solidFill>
+              <a:schemeClr val="accent1">
+                <a:lumMod val="50000"/>
+              </a:schemeClr>
+            </a:solidFill>
+            <a:headEnd type="triangle" w="med" len="med"/>
+            <a:tailEnd type="none"/>
+          </a:ln>
+        </p:spPr>
+        <p:style>
+          <a:lnRef idx="3">
+            <a:schemeClr val="accent6"/>
+          </a:lnRef>
+          <a:fillRef idx="0">
+            <a:schemeClr val="accent6"/>
+          </a:fillRef>
+          <a:effectRef idx="2">
+            <a:schemeClr val="accent6"/>
+          </a:effectRef>
+          <a:fontRef idx="minor">
+            <a:schemeClr val="tx1"/>
+          </a:fontRef>
+        </p:style>
+      </p:cxnSp>
+      <p:cxnSp>
+        <p:nvCxnSpPr>
+          <p:cNvPr id="1032" name="Straight Connector 1031">
+            <a:extLst>
+              <a:ext uri="{FF2B5EF4-FFF2-40B4-BE49-F238E27FC236}">
+                <a16:creationId xmlns:a16="http://schemas.microsoft.com/office/drawing/2014/main" id="{C30D29A4-67A4-F449-8DD5-FFF14DBCC1F2}"/>
+              </a:ext>
+            </a:extLst>
+          </p:cNvPr>
+          <p:cNvCxnSpPr/>
+          <p:nvPr/>
+        </p:nvCxnSpPr>
+        <p:spPr>
+          <a:xfrm>
+            <a:off x="2071727" y="4223881"/>
+            <a:ext cx="7855927" cy="43237"/>
+          </a:xfrm>
+          <a:prstGeom prst="line">
+            <a:avLst/>
+          </a:prstGeom>
+          <a:ln w="76200" cap="rnd">
+            <a:solidFill>
+              <a:schemeClr val="accent1">
+                <a:lumMod val="50000"/>
+              </a:schemeClr>
+            </a:solidFill>
+            <a:round/>
+          </a:ln>
+        </p:spPr>
+        <p:style>
+          <a:lnRef idx="1">
+            <a:schemeClr val="accent1"/>
+          </a:lnRef>
+          <a:fillRef idx="0">
+            <a:schemeClr val="accent1"/>
+          </a:fillRef>
+          <a:effectRef idx="0">
+            <a:schemeClr val="accent1"/>
+          </a:effectRef>
+          <a:fontRef idx="minor">
+            <a:schemeClr val="tx1"/>
+          </a:fontRef>
+        </p:style>
+      </p:cxnSp>
+      <p:sp>
+        <p:nvSpPr>
+          <p:cNvPr id="88" name="Rectangle 87">
+            <a:extLst>
+              <a:ext uri="{FF2B5EF4-FFF2-40B4-BE49-F238E27FC236}">
+                <a16:creationId xmlns:a16="http://schemas.microsoft.com/office/drawing/2014/main" id="{001E76B1-D191-0B48-AE46-4478B0AFC8DE}"/>
+              </a:ext>
+            </a:extLst>
+          </p:cNvPr>
+          <p:cNvSpPr/>
+          <p:nvPr/>
+        </p:nvSpPr>
+        <p:spPr>
+          <a:xfrm>
+            <a:off x="2213757" y="4235630"/>
+            <a:ext cx="1083951" cy="261610"/>
+          </a:xfrm>
+          <a:prstGeom prst="rect">
+            <a:avLst/>
+          </a:prstGeom>
+        </p:spPr>
+        <p:txBody>
+          <a:bodyPr wrap="none" anchor="ctr">
+            <a:spAutoFit/>
+          </a:bodyPr>
+          <a:lstStyle/>
+          <a:p>
+            <a:pPr algn="ctr"/>
+            <a:r>
+              <a:rPr lang="en-US" sz="1100" dirty="0">
+                <a:solidFill>
+                  <a:srgbClr val="1F3864"/>
+                </a:solidFill>
+                <a:ea typeface="Arial Unicode MS" panose="020B0604020202020204" pitchFamily="34" charset="-128"/>
+                <a:cs typeface="Arial Unicode MS" panose="020B0604020202020204" pitchFamily="34" charset="-128"/>
+              </a:rPr>
+              <a:t>OPC UA Servers</a:t>
+            </a:r>
+          </a:p>
+        </p:txBody>
+      </p:sp>
+      <p:cxnSp>
+        <p:nvCxnSpPr>
+          <p:cNvPr id="89" name="Straight Arrow Connector 88">
+            <a:extLst>
+              <a:ext uri="{FF2B5EF4-FFF2-40B4-BE49-F238E27FC236}">
+                <a16:creationId xmlns:a16="http://schemas.microsoft.com/office/drawing/2014/main" id="{DE5FC841-3C8E-9A44-A0FE-C6C71C503646}"/>
+              </a:ext>
+            </a:extLst>
+          </p:cNvPr>
+          <p:cNvCxnSpPr>
+            <a:cxnSpLocks/>
+          </p:cNvCxnSpPr>
+          <p:nvPr/>
+        </p:nvCxnSpPr>
+        <p:spPr bwMode="auto">
+          <a:xfrm flipV="1">
+            <a:off x="3594530" y="3904735"/>
+            <a:ext cx="0" cy="355264"/>
+          </a:xfrm>
+          <a:prstGeom prst="straightConnector1">
+            <a:avLst/>
+          </a:prstGeom>
+          <a:ln w="12700">
+            <a:solidFill>
+              <a:schemeClr val="accent1">
+                <a:lumMod val="50000"/>
+              </a:schemeClr>
+            </a:solidFill>
+            <a:headEnd type="none" w="med" len="med"/>
+            <a:tailEnd type="triangle"/>
+          </a:ln>
+        </p:spPr>
+        <p:style>
+          <a:lnRef idx="3">
+            <a:schemeClr val="accent6"/>
+          </a:lnRef>
+          <a:fillRef idx="0">
+            <a:schemeClr val="accent6"/>
+          </a:fillRef>
+          <a:effectRef idx="2">
+            <a:schemeClr val="accent6"/>
+          </a:effectRef>
+          <a:fontRef idx="minor">
+            <a:schemeClr val="tx1"/>
+          </a:fontRef>
+        </p:style>
+      </p:cxnSp>
+      <p:cxnSp>
+        <p:nvCxnSpPr>
+          <p:cNvPr id="92" name="Straight Arrow Connector 91">
+            <a:extLst>
+              <a:ext uri="{FF2B5EF4-FFF2-40B4-BE49-F238E27FC236}">
+                <a16:creationId xmlns:a16="http://schemas.microsoft.com/office/drawing/2014/main" id="{11C886CA-921D-4648-B3FF-AAEA1E480809}"/>
+              </a:ext>
+            </a:extLst>
+          </p:cNvPr>
+          <p:cNvCxnSpPr>
+            <a:cxnSpLocks/>
+          </p:cNvCxnSpPr>
+          <p:nvPr/>
+        </p:nvCxnSpPr>
+        <p:spPr bwMode="auto">
+          <a:xfrm flipV="1">
+            <a:off x="4798435" y="3904735"/>
+            <a:ext cx="0" cy="355264"/>
+          </a:xfrm>
+          <a:prstGeom prst="straightConnector1">
+            <a:avLst/>
+          </a:prstGeom>
+          <a:ln w="12700">
+            <a:solidFill>
+              <a:schemeClr val="accent1">
+                <a:lumMod val="50000"/>
+              </a:schemeClr>
+            </a:solidFill>
+            <a:headEnd type="none" w="med" len="med"/>
+            <a:tailEnd type="triangle"/>
+          </a:ln>
+        </p:spPr>
+        <p:style>
+          <a:lnRef idx="3">
+            <a:schemeClr val="accent6"/>
+          </a:lnRef>
+          <a:fillRef idx="0">
+            <a:schemeClr val="accent6"/>
+          </a:fillRef>
+          <a:effectRef idx="2">
+            <a:schemeClr val="accent6"/>
+          </a:effectRef>
+          <a:fontRef idx="minor">
+            <a:schemeClr val="tx1"/>
+          </a:fontRef>
+        </p:style>
+      </p:cxnSp>
+      <p:cxnSp>
+        <p:nvCxnSpPr>
+          <p:cNvPr id="93" name="Straight Arrow Connector 92">
+            <a:extLst>
+              <a:ext uri="{FF2B5EF4-FFF2-40B4-BE49-F238E27FC236}">
+                <a16:creationId xmlns:a16="http://schemas.microsoft.com/office/drawing/2014/main" id="{7D57C230-ED4B-A949-A1B9-9EAB65B9824F}"/>
+              </a:ext>
+            </a:extLst>
+          </p:cNvPr>
+          <p:cNvCxnSpPr>
+            <a:cxnSpLocks/>
+          </p:cNvCxnSpPr>
+          <p:nvPr/>
+        </p:nvCxnSpPr>
+        <p:spPr bwMode="auto">
+          <a:xfrm flipV="1">
+            <a:off x="6805642" y="3904735"/>
+            <a:ext cx="0" cy="355264"/>
+          </a:xfrm>
+          <a:prstGeom prst="straightConnector1">
+            <a:avLst/>
+          </a:prstGeom>
+          <a:ln w="12700">
+            <a:solidFill>
+              <a:schemeClr val="accent1">
+                <a:lumMod val="50000"/>
+              </a:schemeClr>
+            </a:solidFill>
+            <a:headEnd type="none" w="med" len="med"/>
+            <a:tailEnd type="triangle"/>
+          </a:ln>
+        </p:spPr>
+        <p:style>
+          <a:lnRef idx="3">
+            <a:schemeClr val="accent6"/>
+          </a:lnRef>
+          <a:fillRef idx="0">
+            <a:schemeClr val="accent6"/>
+          </a:fillRef>
+          <a:effectRef idx="2">
+            <a:schemeClr val="accent6"/>
+          </a:effectRef>
+          <a:fontRef idx="minor">
+            <a:schemeClr val="tx1"/>
+          </a:fontRef>
+        </p:style>
+      </p:cxnSp>
+      <p:cxnSp>
+        <p:nvCxnSpPr>
+          <p:cNvPr id="94" name="Straight Arrow Connector 93">
+            <a:extLst>
+              <a:ext uri="{FF2B5EF4-FFF2-40B4-BE49-F238E27FC236}">
+                <a16:creationId xmlns:a16="http://schemas.microsoft.com/office/drawing/2014/main" id="{B84A570A-2C44-B84C-8D3C-70A28EFCC0FE}"/>
+              </a:ext>
+            </a:extLst>
+          </p:cNvPr>
+          <p:cNvCxnSpPr>
+            <a:cxnSpLocks/>
+          </p:cNvCxnSpPr>
+          <p:nvPr/>
+        </p:nvCxnSpPr>
+        <p:spPr bwMode="auto">
+          <a:xfrm flipV="1">
+            <a:off x="8045985" y="3904735"/>
+            <a:ext cx="0" cy="355264"/>
+          </a:xfrm>
+          <a:prstGeom prst="straightConnector1">
+            <a:avLst/>
+          </a:prstGeom>
+          <a:ln w="12700">
+            <a:solidFill>
+              <a:schemeClr val="accent1">
+                <a:lumMod val="50000"/>
+              </a:schemeClr>
+            </a:solidFill>
+            <a:headEnd type="none" w="med" len="med"/>
+            <a:tailEnd type="triangle"/>
+          </a:ln>
+        </p:spPr>
+        <p:style>
+          <a:lnRef idx="3">
+            <a:schemeClr val="accent6"/>
+          </a:lnRef>
+          <a:fillRef idx="0">
+            <a:schemeClr val="accent6"/>
+          </a:fillRef>
+          <a:effectRef idx="2">
+            <a:schemeClr val="accent6"/>
+          </a:effectRef>
+          <a:fontRef idx="minor">
+            <a:schemeClr val="tx1"/>
+          </a:fontRef>
+        </p:style>
+      </p:cxnSp>
     </p:spTree>
     <p:extLst>
       <p:ext uri="{BB962C8B-B14F-4D97-AF65-F5344CB8AC3E}">

--- a/doc/Gateway.pptx
+++ b/doc/Gateway.pptx
@@ -6,7 +6,7 @@
   </p:sldMasterIdLst>
   <p:sldIdLst>
     <p:sldId id="1575" r:id="rId2"/>
-    <p:sldId id="1574" r:id="rId3"/>
+    <p:sldId id="1576" r:id="rId3"/>
   </p:sldIdLst>
   <p:sldSz cx="12192000" cy="6858000"/>
   <p:notesSz cx="6858000" cy="9144000"/>
@@ -330,7 +330,7 @@
           <a:p>
             <a:fld id="{DFC7EF79-06A3-ED46-9F4C-16AFC18B46CF}" type="datetimeFigureOut">
               <a:rPr lang="en-US" smtClean="0"/>
-              <a:t>2/11/21</a:t>
+              <a:t>3/3/21</a:t>
             </a:fld>
             <a:endParaRPr lang="en-US"/>
           </a:p>
@@ -530,7 +530,7 @@
           <a:p>
             <a:fld id="{DFC7EF79-06A3-ED46-9F4C-16AFC18B46CF}" type="datetimeFigureOut">
               <a:rPr lang="en-US" smtClean="0"/>
-              <a:t>2/11/21</a:t>
+              <a:t>3/3/21</a:t>
             </a:fld>
             <a:endParaRPr lang="en-US"/>
           </a:p>
@@ -740,7 +740,7 @@
           <a:p>
             <a:fld id="{DFC7EF79-06A3-ED46-9F4C-16AFC18B46CF}" type="datetimeFigureOut">
               <a:rPr lang="en-US" smtClean="0"/>
-              <a:t>2/11/21</a:t>
+              <a:t>3/3/21</a:t>
             </a:fld>
             <a:endParaRPr lang="en-US"/>
           </a:p>
@@ -993,7 +993,7 @@
           <a:p>
             <a:fld id="{DFC7EF79-06A3-ED46-9F4C-16AFC18B46CF}" type="datetimeFigureOut">
               <a:rPr lang="en-US" smtClean="0"/>
-              <a:t>2/11/21</a:t>
+              <a:t>3/3/21</a:t>
             </a:fld>
             <a:endParaRPr lang="en-US"/>
           </a:p>
@@ -1269,7 +1269,7 @@
           <a:p>
             <a:fld id="{DFC7EF79-06A3-ED46-9F4C-16AFC18B46CF}" type="datetimeFigureOut">
               <a:rPr lang="en-US" smtClean="0"/>
-              <a:t>2/11/21</a:t>
+              <a:t>3/3/21</a:t>
             </a:fld>
             <a:endParaRPr lang="en-US"/>
           </a:p>
@@ -1537,7 +1537,7 @@
           <a:p>
             <a:fld id="{DFC7EF79-06A3-ED46-9F4C-16AFC18B46CF}" type="datetimeFigureOut">
               <a:rPr lang="en-US" smtClean="0"/>
-              <a:t>2/11/21</a:t>
+              <a:t>3/3/21</a:t>
             </a:fld>
             <a:endParaRPr lang="en-US"/>
           </a:p>
@@ -1952,7 +1952,7 @@
           <a:p>
             <a:fld id="{DFC7EF79-06A3-ED46-9F4C-16AFC18B46CF}" type="datetimeFigureOut">
               <a:rPr lang="en-US" smtClean="0"/>
-              <a:t>2/11/21</a:t>
+              <a:t>3/3/21</a:t>
             </a:fld>
             <a:endParaRPr lang="en-US"/>
           </a:p>
@@ -2094,7 +2094,7 @@
           <a:p>
             <a:fld id="{DFC7EF79-06A3-ED46-9F4C-16AFC18B46CF}" type="datetimeFigureOut">
               <a:rPr lang="en-US" smtClean="0"/>
-              <a:t>2/11/21</a:t>
+              <a:t>3/3/21</a:t>
             </a:fld>
             <a:endParaRPr lang="en-US"/>
           </a:p>
@@ -2207,7 +2207,7 @@
           <a:p>
             <a:fld id="{DFC7EF79-06A3-ED46-9F4C-16AFC18B46CF}" type="datetimeFigureOut">
               <a:rPr lang="en-US" smtClean="0"/>
-              <a:t>2/11/21</a:t>
+              <a:t>3/3/21</a:t>
             </a:fld>
             <a:endParaRPr lang="en-US"/>
           </a:p>
@@ -2520,7 +2520,7 @@
           <a:p>
             <a:fld id="{DFC7EF79-06A3-ED46-9F4C-16AFC18B46CF}" type="datetimeFigureOut">
               <a:rPr lang="en-US" smtClean="0"/>
-              <a:t>2/11/21</a:t>
+              <a:t>3/3/21</a:t>
             </a:fld>
             <a:endParaRPr lang="en-US"/>
           </a:p>
@@ -2809,7 +2809,7 @@
           <a:p>
             <a:fld id="{DFC7EF79-06A3-ED46-9F4C-16AFC18B46CF}" type="datetimeFigureOut">
               <a:rPr lang="en-US" smtClean="0"/>
-              <a:t>2/11/21</a:t>
+              <a:t>3/3/21</a:t>
             </a:fld>
             <a:endParaRPr lang="en-US"/>
           </a:p>
@@ -3052,7 +3052,7 @@
           <a:p>
             <a:fld id="{DFC7EF79-06A3-ED46-9F4C-16AFC18B46CF}" type="datetimeFigureOut">
               <a:rPr lang="en-US" smtClean="0"/>
-              <a:t>2/11/21</a:t>
+              <a:t>3/3/21</a:t>
             </a:fld>
             <a:endParaRPr lang="en-US"/>
           </a:p>
@@ -6699,32 +6699,178 @@
           <a:chExt cx="0" cy="0"/>
         </a:xfrm>
       </p:grpSpPr>
-      <p:sp>
-        <p:nvSpPr>
-          <p:cNvPr id="115" name="Rectangle 114">
-            <a:extLst>
-              <a:ext uri="{FF2B5EF4-FFF2-40B4-BE49-F238E27FC236}">
-                <a16:creationId xmlns:a16="http://schemas.microsoft.com/office/drawing/2014/main" id="{655B1CE5-AD15-4349-9B5C-4D62D98E663C}"/>
-              </a:ext>
-            </a:extLst>
-          </p:cNvPr>
-          <p:cNvSpPr/>
+      <p:pic>
+        <p:nvPicPr>
+          <p:cNvPr id="22" name="Picture 21" descr="Logo&#10;&#10;Description automatically generated">
+            <a:extLst>
+              <a:ext uri="{FF2B5EF4-FFF2-40B4-BE49-F238E27FC236}">
+                <a16:creationId xmlns:a16="http://schemas.microsoft.com/office/drawing/2014/main" id="{8BDA4F59-2BD4-D94E-8A44-E2F37080C90E}"/>
+              </a:ext>
+            </a:extLst>
+          </p:cNvPr>
+          <p:cNvPicPr>
+            <a:picLocks noChangeAspect="1"/>
+          </p:cNvPicPr>
           <p:nvPr/>
-        </p:nvSpPr>
-        <p:spPr bwMode="auto">
-          <a:xfrm>
-            <a:off x="1092799" y="2750337"/>
-            <a:ext cx="10069425" cy="982502"/>
+        </p:nvPicPr>
+        <p:blipFill>
+          <a:blip r:embed="rId2"/>
+          <a:stretch>
+            <a:fillRect/>
+          </a:stretch>
+        </p:blipFill>
+        <p:spPr>
+          <a:xfrm>
+            <a:off x="4094061" y="3299123"/>
+            <a:ext cx="1504846" cy="842714"/>
           </a:xfrm>
           <a:prstGeom prst="rect">
             <a:avLst/>
           </a:prstGeom>
+        </p:spPr>
+      </p:pic>
+      <p:pic>
+        <p:nvPicPr>
+          <p:cNvPr id="14" name="Picture 13" descr="Diagram&#10;&#10;Description automatically generated">
+            <a:extLst>
+              <a:ext uri="{FF2B5EF4-FFF2-40B4-BE49-F238E27FC236}">
+                <a16:creationId xmlns:a16="http://schemas.microsoft.com/office/drawing/2014/main" id="{8B8D8775-3B36-9342-9775-1B1F2F1FE453}"/>
+              </a:ext>
+            </a:extLst>
+          </p:cNvPr>
+          <p:cNvPicPr>
+            <a:picLocks noChangeAspect="1"/>
+          </p:cNvPicPr>
+          <p:nvPr/>
+        </p:nvPicPr>
+        <p:blipFill rotWithShape="1">
+          <a:blip r:embed="rId3"/>
+          <a:srcRect l="23906"/>
+          <a:stretch/>
+        </p:blipFill>
+        <p:spPr>
+          <a:xfrm>
+            <a:off x="3529866" y="4855609"/>
+            <a:ext cx="2248413" cy="1409284"/>
+          </a:xfrm>
+          <a:prstGeom prst="rect">
+            <a:avLst/>
+          </a:prstGeom>
+        </p:spPr>
+      </p:pic>
+      <p:sp>
+        <p:nvSpPr>
+          <p:cNvPr id="48" name="Rectangle 47">
+            <a:extLst>
+              <a:ext uri="{FF2B5EF4-FFF2-40B4-BE49-F238E27FC236}">
+                <a16:creationId xmlns:a16="http://schemas.microsoft.com/office/drawing/2014/main" id="{EDD3DEBB-80D2-4E4B-B78C-F5A63DC81872}"/>
+              </a:ext>
+            </a:extLst>
+          </p:cNvPr>
+          <p:cNvSpPr/>
+          <p:nvPr/>
+        </p:nvSpPr>
+        <p:spPr bwMode="auto">
+          <a:xfrm>
+            <a:off x="9543888" y="2403417"/>
+            <a:ext cx="1606654" cy="1318386"/>
+          </a:xfrm>
+          <a:custGeom>
+            <a:avLst/>
+            <a:gdLst>
+              <a:gd name="connsiteX0" fmla="*/ 0 w 1606654"/>
+              <a:gd name="connsiteY0" fmla="*/ 0 h 1318386"/>
+              <a:gd name="connsiteX1" fmla="*/ 1606654 w 1606654"/>
+              <a:gd name="connsiteY1" fmla="*/ 0 h 1318386"/>
+              <a:gd name="connsiteX2" fmla="*/ 1606654 w 1606654"/>
+              <a:gd name="connsiteY2" fmla="*/ 1318386 h 1318386"/>
+              <a:gd name="connsiteX3" fmla="*/ 0 w 1606654"/>
+              <a:gd name="connsiteY3" fmla="*/ 1318386 h 1318386"/>
+              <a:gd name="connsiteX4" fmla="*/ 0 w 1606654"/>
+              <a:gd name="connsiteY4" fmla="*/ 0 h 1318386"/>
+            </a:gdLst>
+            <a:ahLst/>
+            <a:cxnLst>
+              <a:cxn ang="0">
+                <a:pos x="connsiteX0" y="connsiteY0"/>
+              </a:cxn>
+              <a:cxn ang="0">
+                <a:pos x="connsiteX1" y="connsiteY1"/>
+              </a:cxn>
+              <a:cxn ang="0">
+                <a:pos x="connsiteX2" y="connsiteY2"/>
+              </a:cxn>
+              <a:cxn ang="0">
+                <a:pos x="connsiteX3" y="connsiteY3"/>
+              </a:cxn>
+              <a:cxn ang="0">
+                <a:pos x="connsiteX4" y="connsiteY4"/>
+              </a:cxn>
+            </a:cxnLst>
+            <a:rect l="l" t="t" r="r" b="b"/>
+            <a:pathLst>
+              <a:path w="1606654" h="1318386" fill="none" extrusionOk="0">
+                <a:moveTo>
+                  <a:pt x="0" y="0"/>
+                </a:moveTo>
+                <a:cubicBezTo>
+                  <a:pt x="802439" y="62215"/>
+                  <a:pt x="1227814" y="126975"/>
+                  <a:pt x="1606654" y="0"/>
+                </a:cubicBezTo>
+                <a:cubicBezTo>
+                  <a:pt x="1592287" y="556093"/>
+                  <a:pt x="1656333" y="808117"/>
+                  <a:pt x="1606654" y="1318386"/>
+                </a:cubicBezTo>
+                <a:cubicBezTo>
+                  <a:pt x="927155" y="1264426"/>
+                  <a:pt x="431094" y="1341151"/>
+                  <a:pt x="0" y="1318386"/>
+                </a:cubicBezTo>
+                <a:cubicBezTo>
+                  <a:pt x="81092" y="661136"/>
+                  <a:pt x="17603" y="326279"/>
+                  <a:pt x="0" y="0"/>
+                </a:cubicBezTo>
+                <a:close/>
+              </a:path>
+              <a:path w="1606654" h="1318386" stroke="0" extrusionOk="0">
+                <a:moveTo>
+                  <a:pt x="0" y="0"/>
+                </a:moveTo>
+                <a:cubicBezTo>
+                  <a:pt x="609611" y="114173"/>
+                  <a:pt x="1069744" y="21419"/>
+                  <a:pt x="1606654" y="0"/>
+                </a:cubicBezTo>
+                <a:cubicBezTo>
+                  <a:pt x="1551215" y="395085"/>
+                  <a:pt x="1590982" y="1178463"/>
+                  <a:pt x="1606654" y="1318386"/>
+                </a:cubicBezTo>
+                <a:cubicBezTo>
+                  <a:pt x="1203886" y="1231688"/>
+                  <a:pt x="725219" y="1324960"/>
+                  <a:pt x="0" y="1318386"/>
+                </a:cubicBezTo>
+                <a:cubicBezTo>
+                  <a:pt x="-55413" y="774259"/>
+                  <a:pt x="111373" y="337374"/>
+                  <a:pt x="0" y="0"/>
+                </a:cubicBezTo>
+                <a:close/>
+              </a:path>
+            </a:pathLst>
+          </a:custGeom>
           <a:solidFill>
-            <a:schemeClr val="accent2"/>
+            <a:schemeClr val="bg1">
+              <a:lumMod val="95000"/>
+            </a:schemeClr>
           </a:solidFill>
           <a:ln w="12700">
             <a:solidFill>
-              <a:schemeClr val="tx1"/>
+              <a:schemeClr val="accent1"/>
             </a:solidFill>
             <a:miter lim="800000"/>
             <a:headEnd/>
@@ -6732,385 +6878,17 @@
             <a:extLst>
               <a:ext uri="{C807C97D-BFC1-408E-A445-0C87EB9F89A2}">
                 <ask:lineSketchStyleProps xmlns:ask="http://schemas.microsoft.com/office/drawing/2018/sketchyshapes" sd="661058248">
-                  <a:custGeom>
+                  <a:prstGeom prst="rect">
                     <a:avLst/>
-                    <a:gdLst>
-                      <a:gd name="connsiteX0" fmla="*/ 0 w 6509436"/>
-                      <a:gd name="connsiteY0" fmla="*/ 0 h 414980"/>
-                      <a:gd name="connsiteX1" fmla="*/ 585849 w 6509436"/>
-                      <a:gd name="connsiteY1" fmla="*/ 0 h 414980"/>
-                      <a:gd name="connsiteX2" fmla="*/ 1366982 w 6509436"/>
-                      <a:gd name="connsiteY2" fmla="*/ 0 h 414980"/>
-                      <a:gd name="connsiteX3" fmla="*/ 1952831 w 6509436"/>
-                      <a:gd name="connsiteY3" fmla="*/ 0 h 414980"/>
-                      <a:gd name="connsiteX4" fmla="*/ 2473586 w 6509436"/>
-                      <a:gd name="connsiteY4" fmla="*/ 0 h 414980"/>
-                      <a:gd name="connsiteX5" fmla="*/ 2929246 w 6509436"/>
-                      <a:gd name="connsiteY5" fmla="*/ 0 h 414980"/>
-                      <a:gd name="connsiteX6" fmla="*/ 3710379 w 6509436"/>
-                      <a:gd name="connsiteY6" fmla="*/ 0 h 414980"/>
-                      <a:gd name="connsiteX7" fmla="*/ 4296228 w 6509436"/>
-                      <a:gd name="connsiteY7" fmla="*/ 0 h 414980"/>
-                      <a:gd name="connsiteX8" fmla="*/ 4947171 w 6509436"/>
-                      <a:gd name="connsiteY8" fmla="*/ 0 h 414980"/>
-                      <a:gd name="connsiteX9" fmla="*/ 5598115 w 6509436"/>
-                      <a:gd name="connsiteY9" fmla="*/ 0 h 414980"/>
-                      <a:gd name="connsiteX10" fmla="*/ 6509436 w 6509436"/>
-                      <a:gd name="connsiteY10" fmla="*/ 0 h 414980"/>
-                      <a:gd name="connsiteX11" fmla="*/ 6509436 w 6509436"/>
-                      <a:gd name="connsiteY11" fmla="*/ 414980 h 414980"/>
-                      <a:gd name="connsiteX12" fmla="*/ 6053775 w 6509436"/>
-                      <a:gd name="connsiteY12" fmla="*/ 414980 h 414980"/>
-                      <a:gd name="connsiteX13" fmla="*/ 5402832 w 6509436"/>
-                      <a:gd name="connsiteY13" fmla="*/ 414980 h 414980"/>
-                      <a:gd name="connsiteX14" fmla="*/ 4816983 w 6509436"/>
-                      <a:gd name="connsiteY14" fmla="*/ 414980 h 414980"/>
-                      <a:gd name="connsiteX15" fmla="*/ 4100945 w 6509436"/>
-                      <a:gd name="connsiteY15" fmla="*/ 414980 h 414980"/>
-                      <a:gd name="connsiteX16" fmla="*/ 3319812 w 6509436"/>
-                      <a:gd name="connsiteY16" fmla="*/ 414980 h 414980"/>
-                      <a:gd name="connsiteX17" fmla="*/ 2799057 w 6509436"/>
-                      <a:gd name="connsiteY17" fmla="*/ 414980 h 414980"/>
-                      <a:gd name="connsiteX18" fmla="*/ 2343397 w 6509436"/>
-                      <a:gd name="connsiteY18" fmla="*/ 414980 h 414980"/>
-                      <a:gd name="connsiteX19" fmla="*/ 1562265 w 6509436"/>
-                      <a:gd name="connsiteY19" fmla="*/ 414980 h 414980"/>
-                      <a:gd name="connsiteX20" fmla="*/ 846227 w 6509436"/>
-                      <a:gd name="connsiteY20" fmla="*/ 414980 h 414980"/>
-                      <a:gd name="connsiteX21" fmla="*/ 0 w 6509436"/>
-                      <a:gd name="connsiteY21" fmla="*/ 414980 h 414980"/>
-                      <a:gd name="connsiteX22" fmla="*/ 0 w 6509436"/>
-                      <a:gd name="connsiteY22" fmla="*/ 0 h 414980"/>
-                    </a:gdLst>
-                    <a:ahLst/>
-                    <a:cxnLst>
-                      <a:cxn ang="0">
-                        <a:pos x="connsiteX0" y="connsiteY0"/>
-                      </a:cxn>
-                      <a:cxn ang="0">
-                        <a:pos x="connsiteX1" y="connsiteY1"/>
-                      </a:cxn>
-                      <a:cxn ang="0">
-                        <a:pos x="connsiteX2" y="connsiteY2"/>
-                      </a:cxn>
-                      <a:cxn ang="0">
-                        <a:pos x="connsiteX3" y="connsiteY3"/>
-                      </a:cxn>
-                      <a:cxn ang="0">
-                        <a:pos x="connsiteX4" y="connsiteY4"/>
-                      </a:cxn>
-                      <a:cxn ang="0">
-                        <a:pos x="connsiteX5" y="connsiteY5"/>
-                      </a:cxn>
-                      <a:cxn ang="0">
-                        <a:pos x="connsiteX6" y="connsiteY6"/>
-                      </a:cxn>
-                      <a:cxn ang="0">
-                        <a:pos x="connsiteX7" y="connsiteY7"/>
-                      </a:cxn>
-                      <a:cxn ang="0">
-                        <a:pos x="connsiteX8" y="connsiteY8"/>
-                      </a:cxn>
-                      <a:cxn ang="0">
-                        <a:pos x="connsiteX9" y="connsiteY9"/>
-                      </a:cxn>
-                      <a:cxn ang="0">
-                        <a:pos x="connsiteX10" y="connsiteY10"/>
-                      </a:cxn>
-                      <a:cxn ang="0">
-                        <a:pos x="connsiteX11" y="connsiteY11"/>
-                      </a:cxn>
-                      <a:cxn ang="0">
-                        <a:pos x="connsiteX12" y="connsiteY12"/>
-                      </a:cxn>
-                      <a:cxn ang="0">
-                        <a:pos x="connsiteX13" y="connsiteY13"/>
-                      </a:cxn>
-                      <a:cxn ang="0">
-                        <a:pos x="connsiteX14" y="connsiteY14"/>
-                      </a:cxn>
-                      <a:cxn ang="0">
-                        <a:pos x="connsiteX15" y="connsiteY15"/>
-                      </a:cxn>
-                      <a:cxn ang="0">
-                        <a:pos x="connsiteX16" y="connsiteY16"/>
-                      </a:cxn>
-                      <a:cxn ang="0">
-                        <a:pos x="connsiteX17" y="connsiteY17"/>
-                      </a:cxn>
-                      <a:cxn ang="0">
-                        <a:pos x="connsiteX18" y="connsiteY18"/>
-                      </a:cxn>
-                      <a:cxn ang="0">
-                        <a:pos x="connsiteX19" y="connsiteY19"/>
-                      </a:cxn>
-                      <a:cxn ang="0">
-                        <a:pos x="connsiteX20" y="connsiteY20"/>
-                      </a:cxn>
-                      <a:cxn ang="0">
-                        <a:pos x="connsiteX21" y="connsiteY21"/>
-                      </a:cxn>
-                      <a:cxn ang="0">
-                        <a:pos x="connsiteX22" y="connsiteY22"/>
-                      </a:cxn>
-                    </a:cxnLst>
-                    <a:rect l="l" t="t" r="r" b="b"/>
-                    <a:pathLst>
-                      <a:path w="6509436" h="414980" fill="none" extrusionOk="0">
-                        <a:moveTo>
-                          <a:pt x="0" y="0"/>
-                        </a:moveTo>
-                        <a:cubicBezTo>
-                          <a:pt x="146068" y="-17047"/>
-                          <a:pt x="356889" y="-3740"/>
-                          <a:pt x="585849" y="0"/>
-                        </a:cubicBezTo>
-                        <a:cubicBezTo>
-                          <a:pt x="814809" y="3740"/>
-                          <a:pt x="1022381" y="18979"/>
-                          <a:pt x="1366982" y="0"/>
-                        </a:cubicBezTo>
-                        <a:cubicBezTo>
-                          <a:pt x="1711583" y="-18979"/>
-                          <a:pt x="1823714" y="5801"/>
-                          <a:pt x="1952831" y="0"/>
-                        </a:cubicBezTo>
-                        <a:cubicBezTo>
-                          <a:pt x="2081948" y="-5801"/>
-                          <a:pt x="2309421" y="-3691"/>
-                          <a:pt x="2473586" y="0"/>
-                        </a:cubicBezTo>
-                        <a:cubicBezTo>
-                          <a:pt x="2637751" y="3691"/>
-                          <a:pt x="2770297" y="-21236"/>
-                          <a:pt x="2929246" y="0"/>
-                        </a:cubicBezTo>
-                        <a:cubicBezTo>
-                          <a:pt x="3088195" y="21236"/>
-                          <a:pt x="3373259" y="22983"/>
-                          <a:pt x="3710379" y="0"/>
-                        </a:cubicBezTo>
-                        <a:cubicBezTo>
-                          <a:pt x="4047499" y="-22983"/>
-                          <a:pt x="4176155" y="6273"/>
-                          <a:pt x="4296228" y="0"/>
-                        </a:cubicBezTo>
-                        <a:cubicBezTo>
-                          <a:pt x="4416301" y="-6273"/>
-                          <a:pt x="4719597" y="12345"/>
-                          <a:pt x="4947171" y="0"/>
-                        </a:cubicBezTo>
-                        <a:cubicBezTo>
-                          <a:pt x="5174745" y="-12345"/>
-                          <a:pt x="5371201" y="-4080"/>
-                          <a:pt x="5598115" y="0"/>
-                        </a:cubicBezTo>
-                        <a:cubicBezTo>
-                          <a:pt x="5825029" y="4080"/>
-                          <a:pt x="6150508" y="-43413"/>
-                          <a:pt x="6509436" y="0"/>
-                        </a:cubicBezTo>
-                        <a:cubicBezTo>
-                          <a:pt x="6514655" y="96279"/>
-                          <a:pt x="6496491" y="217879"/>
-                          <a:pt x="6509436" y="414980"/>
-                        </a:cubicBezTo>
-                        <a:cubicBezTo>
-                          <a:pt x="6377262" y="394148"/>
-                          <a:pt x="6208800" y="403288"/>
-                          <a:pt x="6053775" y="414980"/>
-                        </a:cubicBezTo>
-                        <a:cubicBezTo>
-                          <a:pt x="5898750" y="426672"/>
-                          <a:pt x="5540281" y="447390"/>
-                          <a:pt x="5402832" y="414980"/>
-                        </a:cubicBezTo>
-                        <a:cubicBezTo>
-                          <a:pt x="5265383" y="382570"/>
-                          <a:pt x="4985571" y="430849"/>
-                          <a:pt x="4816983" y="414980"/>
-                        </a:cubicBezTo>
-                        <a:cubicBezTo>
-                          <a:pt x="4648395" y="399111"/>
-                          <a:pt x="4427689" y="411294"/>
-                          <a:pt x="4100945" y="414980"/>
-                        </a:cubicBezTo>
-                        <a:cubicBezTo>
-                          <a:pt x="3774201" y="418666"/>
-                          <a:pt x="3657511" y="418598"/>
-                          <a:pt x="3319812" y="414980"/>
-                        </a:cubicBezTo>
-                        <a:cubicBezTo>
-                          <a:pt x="2982113" y="411362"/>
-                          <a:pt x="3009631" y="438066"/>
-                          <a:pt x="2799057" y="414980"/>
-                        </a:cubicBezTo>
-                        <a:cubicBezTo>
-                          <a:pt x="2588483" y="391894"/>
-                          <a:pt x="2493368" y="410610"/>
-                          <a:pt x="2343397" y="414980"/>
-                        </a:cubicBezTo>
-                        <a:cubicBezTo>
-                          <a:pt x="2193426" y="419350"/>
-                          <a:pt x="1935106" y="398436"/>
-                          <a:pt x="1562265" y="414980"/>
-                        </a:cubicBezTo>
-                        <a:cubicBezTo>
-                          <a:pt x="1189424" y="431524"/>
-                          <a:pt x="1051439" y="430221"/>
-                          <a:pt x="846227" y="414980"/>
-                        </a:cubicBezTo>
-                        <a:cubicBezTo>
-                          <a:pt x="641015" y="399739"/>
-                          <a:pt x="173546" y="387921"/>
-                          <a:pt x="0" y="414980"/>
-                        </a:cubicBezTo>
-                        <a:cubicBezTo>
-                          <a:pt x="-8195" y="311883"/>
-                          <a:pt x="-16246" y="183174"/>
-                          <a:pt x="0" y="0"/>
-                        </a:cubicBezTo>
-                        <a:close/>
-                      </a:path>
-                      <a:path w="6509436" h="414980" stroke="0" extrusionOk="0">
-                        <a:moveTo>
-                          <a:pt x="0" y="0"/>
-                        </a:moveTo>
-                        <a:cubicBezTo>
-                          <a:pt x="311355" y="-31208"/>
-                          <a:pt x="524862" y="11593"/>
-                          <a:pt x="781132" y="0"/>
-                        </a:cubicBezTo>
-                        <a:cubicBezTo>
-                          <a:pt x="1037402" y="-11593"/>
-                          <a:pt x="1151604" y="-8761"/>
-                          <a:pt x="1432076" y="0"/>
-                        </a:cubicBezTo>
-                        <a:cubicBezTo>
-                          <a:pt x="1712548" y="8761"/>
-                          <a:pt x="1825681" y="-4408"/>
-                          <a:pt x="2083020" y="0"/>
-                        </a:cubicBezTo>
-                        <a:cubicBezTo>
-                          <a:pt x="2340359" y="4408"/>
-                          <a:pt x="2463182" y="21288"/>
-                          <a:pt x="2603774" y="0"/>
-                        </a:cubicBezTo>
-                        <a:cubicBezTo>
-                          <a:pt x="2744366" y="-21288"/>
-                          <a:pt x="2951427" y="8073"/>
-                          <a:pt x="3124529" y="0"/>
-                        </a:cubicBezTo>
-                        <a:cubicBezTo>
-                          <a:pt x="3297631" y="-8073"/>
-                          <a:pt x="3735333" y="90"/>
-                          <a:pt x="3905662" y="0"/>
-                        </a:cubicBezTo>
-                        <a:cubicBezTo>
-                          <a:pt x="4075991" y="-90"/>
-                          <a:pt x="4298756" y="18843"/>
-                          <a:pt x="4556605" y="0"/>
-                        </a:cubicBezTo>
-                        <a:cubicBezTo>
-                          <a:pt x="4814454" y="-18843"/>
-                          <a:pt x="4888118" y="10015"/>
-                          <a:pt x="5142454" y="0"/>
-                        </a:cubicBezTo>
-                        <a:cubicBezTo>
-                          <a:pt x="5396790" y="-10015"/>
-                          <a:pt x="5640956" y="-1408"/>
-                          <a:pt x="5858492" y="0"/>
-                        </a:cubicBezTo>
-                        <a:cubicBezTo>
-                          <a:pt x="6076028" y="1408"/>
-                          <a:pt x="6280539" y="10205"/>
-                          <a:pt x="6509436" y="0"/>
-                        </a:cubicBezTo>
-                        <a:cubicBezTo>
-                          <a:pt x="6496216" y="132373"/>
-                          <a:pt x="6509629" y="212669"/>
-                          <a:pt x="6509436" y="414980"/>
-                        </a:cubicBezTo>
-                        <a:cubicBezTo>
-                          <a:pt x="6142393" y="413790"/>
-                          <a:pt x="5964311" y="419858"/>
-                          <a:pt x="5728304" y="414980"/>
-                        </a:cubicBezTo>
-                        <a:cubicBezTo>
-                          <a:pt x="5492297" y="410102"/>
-                          <a:pt x="5450750" y="426161"/>
-                          <a:pt x="5207549" y="414980"/>
-                        </a:cubicBezTo>
-                        <a:cubicBezTo>
-                          <a:pt x="4964349" y="403799"/>
-                          <a:pt x="4832501" y="431494"/>
-                          <a:pt x="4556605" y="414980"/>
-                        </a:cubicBezTo>
-                        <a:cubicBezTo>
-                          <a:pt x="4280709" y="398466"/>
-                          <a:pt x="4323815" y="429003"/>
-                          <a:pt x="4100945" y="414980"/>
-                        </a:cubicBezTo>
-                        <a:cubicBezTo>
-                          <a:pt x="3878075" y="400957"/>
-                          <a:pt x="3634282" y="393481"/>
-                          <a:pt x="3450001" y="414980"/>
-                        </a:cubicBezTo>
-                        <a:cubicBezTo>
-                          <a:pt x="3265720" y="436479"/>
-                          <a:pt x="3192546" y="436872"/>
-                          <a:pt x="2994341" y="414980"/>
-                        </a:cubicBezTo>
-                        <a:cubicBezTo>
-                          <a:pt x="2796136" y="393088"/>
-                          <a:pt x="2649443" y="416410"/>
-                          <a:pt x="2538680" y="414980"/>
-                        </a:cubicBezTo>
-                        <a:cubicBezTo>
-                          <a:pt x="2427917" y="413550"/>
-                          <a:pt x="1964356" y="403687"/>
-                          <a:pt x="1757548" y="414980"/>
-                        </a:cubicBezTo>
-                        <a:cubicBezTo>
-                          <a:pt x="1550740" y="426273"/>
-                          <a:pt x="1343665" y="414825"/>
-                          <a:pt x="1171698" y="414980"/>
-                        </a:cubicBezTo>
-                        <a:cubicBezTo>
-                          <a:pt x="999731" y="415136"/>
-                          <a:pt x="389330" y="435970"/>
-                          <a:pt x="0" y="414980"/>
-                        </a:cubicBezTo>
-                        <a:cubicBezTo>
-                          <a:pt x="-4418" y="242129"/>
-                          <a:pt x="1837" y="109142"/>
-                          <a:pt x="0" y="0"/>
-                        </a:cubicBezTo>
-                        <a:close/>
-                      </a:path>
-                    </a:pathLst>
-                  </a:custGeom>
+                  </a:prstGeom>
                   <ask:type>
-                    <ask:lineSketchNone/>
+                    <ask:lineSketchCurved/>
                   </ask:type>
                 </ask:lineSketchStyleProps>
               </a:ext>
             </a:extLst>
           </a:ln>
           <a:effectLst/>
-          <a:extLst>
-            <a:ext uri="{AF507438-7753-43E0-B8FC-AC1667EBCBE1}">
-              <a14:hiddenEffects xmlns:a14="http://schemas.microsoft.com/office/drawing/2010/main">
-                <a:effectLst>
-                  <a:outerShdw blurRad="63500" dist="38099" dir="2700000" algn="ctr" rotWithShape="0">
-                    <a:schemeClr val="bg2">
-                      <a:alpha val="74998"/>
-                    </a:schemeClr>
-                  </a:outerShdw>
-                </a:effectLst>
-              </a14:hiddenEffects>
-            </a:ext>
-          </a:extLst>
         </p:spPr>
         <p:txBody>
           <a:bodyPr wrap="square" lIns="107944" tIns="53972" rIns="107944" bIns="53972" numCol="1" spcCol="72000" rtlCol="0" anchor="ctr">
@@ -7140,57 +6918,10 @@
       </p:sp>
       <p:pic>
         <p:nvPicPr>
-          <p:cNvPr id="65" name="Picture 8" descr="S7-1500, CPU 1515-2 PN SIEMENS 6ES7515-2AM01-0AB0">
-            <a:extLst>
-              <a:ext uri="{FF2B5EF4-FFF2-40B4-BE49-F238E27FC236}">
-                <a16:creationId xmlns:a16="http://schemas.microsoft.com/office/drawing/2014/main" id="{2C8D78D4-B3E4-F043-B05E-0A44D31BEFD8}"/>
-              </a:ext>
-            </a:extLst>
-          </p:cNvPr>
-          <p:cNvPicPr>
-            <a:picLocks noChangeAspect="1" noChangeArrowheads="1"/>
-          </p:cNvPicPr>
-          <p:nvPr/>
-        </p:nvPicPr>
-        <p:blipFill>
-          <a:blip r:embed="rId2">
-            <a:extLst>
-              <a:ext uri="{28A0092B-C50C-407E-A947-70E740481C1C}">
-                <a14:useLocalDpi xmlns:a14="http://schemas.microsoft.com/office/drawing/2010/main" val="0"/>
-              </a:ext>
-            </a:extLst>
-          </a:blip>
-          <a:srcRect/>
-          <a:stretch>
-            <a:fillRect/>
-          </a:stretch>
-        </p:blipFill>
-        <p:spPr bwMode="auto">
-          <a:xfrm>
-            <a:off x="2816097" y="5465968"/>
-            <a:ext cx="904549" cy="904549"/>
-          </a:xfrm>
-          <a:prstGeom prst="rect">
-            <a:avLst/>
-          </a:prstGeom>
-          <a:noFill/>
-          <a:extLst>
-            <a:ext uri="{909E8E84-426E-40DD-AFC4-6F175D3DCCD1}">
-              <a14:hiddenFill xmlns:a14="http://schemas.microsoft.com/office/drawing/2010/main">
-                <a:solidFill>
-                  <a:srgbClr val="FFFFFF"/>
-                </a:solidFill>
-              </a14:hiddenFill>
-            </a:ext>
-          </a:extLst>
-        </p:spPr>
-      </p:pic>
-      <p:pic>
-        <p:nvPicPr>
-          <p:cNvPr id="7185" name="Picture 7184" descr="Graphical user interface&#10;&#10;Description automatically generated">
-            <a:extLst>
-              <a:ext uri="{FF2B5EF4-FFF2-40B4-BE49-F238E27FC236}">
-                <a16:creationId xmlns:a16="http://schemas.microsoft.com/office/drawing/2014/main" id="{62CDF5EB-974B-9943-BB8A-4BCE3FBDF11D}"/>
+          <p:cNvPr id="43" name="Picture 42">
+            <a:extLst>
+              <a:ext uri="{FF2B5EF4-FFF2-40B4-BE49-F238E27FC236}">
+                <a16:creationId xmlns:a16="http://schemas.microsoft.com/office/drawing/2014/main" id="{978D2E29-9C69-4340-AD55-18A11CD06F72}"/>
               </a:ext>
             </a:extLst>
           </p:cNvPr>
@@ -7200,15 +6931,15 @@
           <p:nvPr/>
         </p:nvPicPr>
         <p:blipFill>
-          <a:blip r:embed="rId3"/>
+          <a:blip r:embed="rId4"/>
           <a:stretch>
             <a:fillRect/>
           </a:stretch>
         </p:blipFill>
         <p:spPr>
-          <a:xfrm>
-            <a:off x="11322938" y="3000655"/>
-            <a:ext cx="694601" cy="1214512"/>
+          <a:xfrm rot="5400000">
+            <a:off x="862229" y="5522700"/>
+            <a:ext cx="1549104" cy="436927"/>
           </a:xfrm>
           <a:prstGeom prst="rect">
             <a:avLst/>
@@ -7217,10 +6948,10 @@
       </p:pic>
       <p:sp>
         <p:nvSpPr>
-          <p:cNvPr id="7193" name="Rectangle 7192">
-            <a:extLst>
-              <a:ext uri="{FF2B5EF4-FFF2-40B4-BE49-F238E27FC236}">
-                <a16:creationId xmlns:a16="http://schemas.microsoft.com/office/drawing/2014/main" id="{15D1E2CA-3531-B84C-A598-3450B6B09967}"/>
+          <p:cNvPr id="4" name="Rectangle 3">
+            <a:extLst>
+              <a:ext uri="{FF2B5EF4-FFF2-40B4-BE49-F238E27FC236}">
+                <a16:creationId xmlns:a16="http://schemas.microsoft.com/office/drawing/2014/main" id="{FD96C491-D685-0D4F-9333-FC729635BEBB}"/>
               </a:ext>
             </a:extLst>
           </p:cNvPr>
@@ -7229,404 +6960,396 @@
         </p:nvSpPr>
         <p:spPr bwMode="auto">
           <a:xfrm>
-            <a:off x="2902289" y="3815856"/>
-            <a:ext cx="6946119" cy="545259"/>
-          </a:xfrm>
-          <a:prstGeom prst="rect">
+            <a:off x="3013449" y="2412446"/>
+            <a:ext cx="5782261" cy="1125530"/>
+          </a:xfrm>
+          <a:custGeom>
             <a:avLst/>
-          </a:prstGeom>
+            <a:gdLst>
+              <a:gd name="connsiteX0" fmla="*/ 0 w 5782261"/>
+              <a:gd name="connsiteY0" fmla="*/ 0 h 1125530"/>
+              <a:gd name="connsiteX1" fmla="*/ 584651 w 5782261"/>
+              <a:gd name="connsiteY1" fmla="*/ 0 h 1125530"/>
+              <a:gd name="connsiteX2" fmla="*/ 1342769 w 5782261"/>
+              <a:gd name="connsiteY2" fmla="*/ 0 h 1125530"/>
+              <a:gd name="connsiteX3" fmla="*/ 1927420 w 5782261"/>
+              <a:gd name="connsiteY3" fmla="*/ 0 h 1125530"/>
+              <a:gd name="connsiteX4" fmla="*/ 2454249 w 5782261"/>
+              <a:gd name="connsiteY4" fmla="*/ 0 h 1125530"/>
+              <a:gd name="connsiteX5" fmla="*/ 2923254 w 5782261"/>
+              <a:gd name="connsiteY5" fmla="*/ 0 h 1125530"/>
+              <a:gd name="connsiteX6" fmla="*/ 3681373 w 5782261"/>
+              <a:gd name="connsiteY6" fmla="*/ 0 h 1125530"/>
+              <a:gd name="connsiteX7" fmla="*/ 4266024 w 5782261"/>
+              <a:gd name="connsiteY7" fmla="*/ 0 h 1125530"/>
+              <a:gd name="connsiteX8" fmla="*/ 4908497 w 5782261"/>
+              <a:gd name="connsiteY8" fmla="*/ 0 h 1125530"/>
+              <a:gd name="connsiteX9" fmla="*/ 5782261 w 5782261"/>
+              <a:gd name="connsiteY9" fmla="*/ 0 h 1125530"/>
+              <a:gd name="connsiteX10" fmla="*/ 5782261 w 5782261"/>
+              <a:gd name="connsiteY10" fmla="*/ 551510 h 1125530"/>
+              <a:gd name="connsiteX11" fmla="*/ 5782261 w 5782261"/>
+              <a:gd name="connsiteY11" fmla="*/ 1125530 h 1125530"/>
+              <a:gd name="connsiteX12" fmla="*/ 5313255 w 5782261"/>
+              <a:gd name="connsiteY12" fmla="*/ 1125530 h 1125530"/>
+              <a:gd name="connsiteX13" fmla="*/ 4670782 w 5782261"/>
+              <a:gd name="connsiteY13" fmla="*/ 1125530 h 1125530"/>
+              <a:gd name="connsiteX14" fmla="*/ 4086131 w 5782261"/>
+              <a:gd name="connsiteY14" fmla="*/ 1125530 h 1125530"/>
+              <a:gd name="connsiteX15" fmla="*/ 3385835 w 5782261"/>
+              <a:gd name="connsiteY15" fmla="*/ 1125530 h 1125530"/>
+              <a:gd name="connsiteX16" fmla="*/ 2627716 w 5782261"/>
+              <a:gd name="connsiteY16" fmla="*/ 1125530 h 1125530"/>
+              <a:gd name="connsiteX17" fmla="*/ 2100888 w 5782261"/>
+              <a:gd name="connsiteY17" fmla="*/ 1125530 h 1125530"/>
+              <a:gd name="connsiteX18" fmla="*/ 1631883 w 5782261"/>
+              <a:gd name="connsiteY18" fmla="*/ 1125530 h 1125530"/>
+              <a:gd name="connsiteX19" fmla="*/ 873764 w 5782261"/>
+              <a:gd name="connsiteY19" fmla="*/ 1125530 h 1125530"/>
+              <a:gd name="connsiteX20" fmla="*/ 0 w 5782261"/>
+              <a:gd name="connsiteY20" fmla="*/ 1125530 h 1125530"/>
+              <a:gd name="connsiteX21" fmla="*/ 0 w 5782261"/>
+              <a:gd name="connsiteY21" fmla="*/ 540254 h 1125530"/>
+              <a:gd name="connsiteX22" fmla="*/ 0 w 5782261"/>
+              <a:gd name="connsiteY22" fmla="*/ 0 h 1125530"/>
+            </a:gdLst>
+            <a:ahLst/>
+            <a:cxnLst>
+              <a:cxn ang="0">
+                <a:pos x="connsiteX0" y="connsiteY0"/>
+              </a:cxn>
+              <a:cxn ang="0">
+                <a:pos x="connsiteX1" y="connsiteY1"/>
+              </a:cxn>
+              <a:cxn ang="0">
+                <a:pos x="connsiteX2" y="connsiteY2"/>
+              </a:cxn>
+              <a:cxn ang="0">
+                <a:pos x="connsiteX3" y="connsiteY3"/>
+              </a:cxn>
+              <a:cxn ang="0">
+                <a:pos x="connsiteX4" y="connsiteY4"/>
+              </a:cxn>
+              <a:cxn ang="0">
+                <a:pos x="connsiteX5" y="connsiteY5"/>
+              </a:cxn>
+              <a:cxn ang="0">
+                <a:pos x="connsiteX6" y="connsiteY6"/>
+              </a:cxn>
+              <a:cxn ang="0">
+                <a:pos x="connsiteX7" y="connsiteY7"/>
+              </a:cxn>
+              <a:cxn ang="0">
+                <a:pos x="connsiteX8" y="connsiteY8"/>
+              </a:cxn>
+              <a:cxn ang="0">
+                <a:pos x="connsiteX9" y="connsiteY9"/>
+              </a:cxn>
+              <a:cxn ang="0">
+                <a:pos x="connsiteX10" y="connsiteY10"/>
+              </a:cxn>
+              <a:cxn ang="0">
+                <a:pos x="connsiteX11" y="connsiteY11"/>
+              </a:cxn>
+              <a:cxn ang="0">
+                <a:pos x="connsiteX12" y="connsiteY12"/>
+              </a:cxn>
+              <a:cxn ang="0">
+                <a:pos x="connsiteX13" y="connsiteY13"/>
+              </a:cxn>
+              <a:cxn ang="0">
+                <a:pos x="connsiteX14" y="connsiteY14"/>
+              </a:cxn>
+              <a:cxn ang="0">
+                <a:pos x="connsiteX15" y="connsiteY15"/>
+              </a:cxn>
+              <a:cxn ang="0">
+                <a:pos x="connsiteX16" y="connsiteY16"/>
+              </a:cxn>
+              <a:cxn ang="0">
+                <a:pos x="connsiteX17" y="connsiteY17"/>
+              </a:cxn>
+              <a:cxn ang="0">
+                <a:pos x="connsiteX18" y="connsiteY18"/>
+              </a:cxn>
+              <a:cxn ang="0">
+                <a:pos x="connsiteX19" y="connsiteY19"/>
+              </a:cxn>
+              <a:cxn ang="0">
+                <a:pos x="connsiteX20" y="connsiteY20"/>
+              </a:cxn>
+              <a:cxn ang="0">
+                <a:pos x="connsiteX21" y="connsiteY21"/>
+              </a:cxn>
+              <a:cxn ang="0">
+                <a:pos x="connsiteX22" y="connsiteY22"/>
+              </a:cxn>
+            </a:cxnLst>
+            <a:rect l="l" t="t" r="r" b="b"/>
+            <a:pathLst>
+              <a:path w="5782261" h="1125530" fill="none" extrusionOk="0">
+                <a:moveTo>
+                  <a:pt x="0" y="0"/>
+                </a:moveTo>
+                <a:cubicBezTo>
+                  <a:pt x="272319" y="18191"/>
+                  <a:pt x="360707" y="2507"/>
+                  <a:pt x="584651" y="0"/>
+                </a:cubicBezTo>
+                <a:cubicBezTo>
+                  <a:pt x="808595" y="-2507"/>
+                  <a:pt x="983344" y="6596"/>
+                  <a:pt x="1342769" y="0"/>
+                </a:cubicBezTo>
+                <a:cubicBezTo>
+                  <a:pt x="1702194" y="-6596"/>
+                  <a:pt x="1673703" y="-8949"/>
+                  <a:pt x="1927420" y="0"/>
+                </a:cubicBezTo>
+                <a:cubicBezTo>
+                  <a:pt x="2181137" y="8949"/>
+                  <a:pt x="2230652" y="7643"/>
+                  <a:pt x="2454249" y="0"/>
+                </a:cubicBezTo>
+                <a:cubicBezTo>
+                  <a:pt x="2677846" y="-7643"/>
+                  <a:pt x="2689521" y="2060"/>
+                  <a:pt x="2923254" y="0"/>
+                </a:cubicBezTo>
+                <a:cubicBezTo>
+                  <a:pt x="3156987" y="-2060"/>
+                  <a:pt x="3347646" y="24531"/>
+                  <a:pt x="3681373" y="0"/>
+                </a:cubicBezTo>
+                <a:cubicBezTo>
+                  <a:pt x="4015100" y="-24531"/>
+                  <a:pt x="4133580" y="-4244"/>
+                  <a:pt x="4266024" y="0"/>
+                </a:cubicBezTo>
+                <a:cubicBezTo>
+                  <a:pt x="4398468" y="4244"/>
+                  <a:pt x="4772149" y="12838"/>
+                  <a:pt x="4908497" y="0"/>
+                </a:cubicBezTo>
+                <a:cubicBezTo>
+                  <a:pt x="5044845" y="-12838"/>
+                  <a:pt x="5469789" y="21366"/>
+                  <a:pt x="5782261" y="0"/>
+                </a:cubicBezTo>
+                <a:cubicBezTo>
+                  <a:pt x="5809422" y="236852"/>
+                  <a:pt x="5775428" y="420629"/>
+                  <a:pt x="5782261" y="551510"/>
+                </a:cubicBezTo>
+                <a:cubicBezTo>
+                  <a:pt x="5789095" y="682391"/>
+                  <a:pt x="5757864" y="920323"/>
+                  <a:pt x="5782261" y="1125530"/>
+                </a:cubicBezTo>
+                <a:cubicBezTo>
+                  <a:pt x="5658574" y="1134676"/>
+                  <a:pt x="5515785" y="1133408"/>
+                  <a:pt x="5313255" y="1125530"/>
+                </a:cubicBezTo>
+                <a:cubicBezTo>
+                  <a:pt x="5110725" y="1117652"/>
+                  <a:pt x="4971054" y="1127118"/>
+                  <a:pt x="4670782" y="1125530"/>
+                </a:cubicBezTo>
+                <a:cubicBezTo>
+                  <a:pt x="4370510" y="1123942"/>
+                  <a:pt x="4296252" y="1107037"/>
+                  <a:pt x="4086131" y="1125530"/>
+                </a:cubicBezTo>
+                <a:cubicBezTo>
+                  <a:pt x="3876010" y="1144023"/>
+                  <a:pt x="3597009" y="1150757"/>
+                  <a:pt x="3385835" y="1125530"/>
+                </a:cubicBezTo>
+                <a:cubicBezTo>
+                  <a:pt x="3174661" y="1100303"/>
+                  <a:pt x="2990413" y="1150766"/>
+                  <a:pt x="2627716" y="1125530"/>
+                </a:cubicBezTo>
+                <a:cubicBezTo>
+                  <a:pt x="2265019" y="1100294"/>
+                  <a:pt x="2334641" y="1139052"/>
+                  <a:pt x="2100888" y="1125530"/>
+                </a:cubicBezTo>
+                <a:cubicBezTo>
+                  <a:pt x="1867135" y="1112008"/>
+                  <a:pt x="1845392" y="1137788"/>
+                  <a:pt x="1631883" y="1125530"/>
+                </a:cubicBezTo>
+                <a:cubicBezTo>
+                  <a:pt x="1418374" y="1113272"/>
+                  <a:pt x="1037659" y="1105941"/>
+                  <a:pt x="873764" y="1125530"/>
+                </a:cubicBezTo>
+                <a:cubicBezTo>
+                  <a:pt x="709869" y="1145119"/>
+                  <a:pt x="233262" y="1089276"/>
+                  <a:pt x="0" y="1125530"/>
+                </a:cubicBezTo>
+                <a:cubicBezTo>
+                  <a:pt x="-24065" y="903131"/>
+                  <a:pt x="21369" y="748567"/>
+                  <a:pt x="0" y="540254"/>
+                </a:cubicBezTo>
+                <a:cubicBezTo>
+                  <a:pt x="-21369" y="331941"/>
+                  <a:pt x="17148" y="135983"/>
+                  <a:pt x="0" y="0"/>
+                </a:cubicBezTo>
+                <a:close/>
+              </a:path>
+              <a:path w="5782261" h="1125530" stroke="0" extrusionOk="0">
+                <a:moveTo>
+                  <a:pt x="0" y="0"/>
+                </a:moveTo>
+                <a:cubicBezTo>
+                  <a:pt x="250954" y="-37624"/>
+                  <a:pt x="439589" y="17669"/>
+                  <a:pt x="758119" y="0"/>
+                </a:cubicBezTo>
+                <a:cubicBezTo>
+                  <a:pt x="1076649" y="-17669"/>
+                  <a:pt x="1129265" y="26220"/>
+                  <a:pt x="1400592" y="0"/>
+                </a:cubicBezTo>
+                <a:cubicBezTo>
+                  <a:pt x="1671919" y="-26220"/>
+                  <a:pt x="1729682" y="-2393"/>
+                  <a:pt x="2043066" y="0"/>
+                </a:cubicBezTo>
+                <a:cubicBezTo>
+                  <a:pt x="2356450" y="2393"/>
+                  <a:pt x="2435599" y="-8414"/>
+                  <a:pt x="2569894" y="0"/>
+                </a:cubicBezTo>
+                <a:cubicBezTo>
+                  <a:pt x="2704189" y="8414"/>
+                  <a:pt x="2967931" y="-22523"/>
+                  <a:pt x="3096722" y="0"/>
+                </a:cubicBezTo>
+                <a:cubicBezTo>
+                  <a:pt x="3225513" y="22523"/>
+                  <a:pt x="3667036" y="6626"/>
+                  <a:pt x="3854841" y="0"/>
+                </a:cubicBezTo>
+                <a:cubicBezTo>
+                  <a:pt x="4042646" y="-6626"/>
+                  <a:pt x="4290498" y="-7366"/>
+                  <a:pt x="4497314" y="0"/>
+                </a:cubicBezTo>
+                <a:cubicBezTo>
+                  <a:pt x="4704130" y="7366"/>
+                  <a:pt x="4801819" y="-4049"/>
+                  <a:pt x="5081965" y="0"/>
+                </a:cubicBezTo>
+                <a:cubicBezTo>
+                  <a:pt x="5362111" y="4049"/>
+                  <a:pt x="5605863" y="19109"/>
+                  <a:pt x="5782261" y="0"/>
+                </a:cubicBezTo>
+                <a:cubicBezTo>
+                  <a:pt x="5777793" y="177552"/>
+                  <a:pt x="5781374" y="345771"/>
+                  <a:pt x="5782261" y="528999"/>
+                </a:cubicBezTo>
+                <a:cubicBezTo>
+                  <a:pt x="5783148" y="712227"/>
+                  <a:pt x="5801045" y="959776"/>
+                  <a:pt x="5782261" y="1125530"/>
+                </a:cubicBezTo>
+                <a:cubicBezTo>
+                  <a:pt x="5600977" y="1119762"/>
+                  <a:pt x="5230705" y="1148722"/>
+                  <a:pt x="5024142" y="1125530"/>
+                </a:cubicBezTo>
+                <a:cubicBezTo>
+                  <a:pt x="4817579" y="1102338"/>
+                  <a:pt x="4634319" y="1144091"/>
+                  <a:pt x="4497314" y="1125530"/>
+                </a:cubicBezTo>
+                <a:cubicBezTo>
+                  <a:pt x="4360309" y="1106969"/>
+                  <a:pt x="4061028" y="1143353"/>
+                  <a:pt x="3854841" y="1125530"/>
+                </a:cubicBezTo>
+                <a:cubicBezTo>
+                  <a:pt x="3648654" y="1107707"/>
+                  <a:pt x="3587838" y="1102998"/>
+                  <a:pt x="3385835" y="1125530"/>
+                </a:cubicBezTo>
+                <a:cubicBezTo>
+                  <a:pt x="3183832" y="1148062"/>
+                  <a:pt x="3022134" y="1120699"/>
+                  <a:pt x="2743362" y="1125530"/>
+                </a:cubicBezTo>
+                <a:cubicBezTo>
+                  <a:pt x="2464590" y="1130361"/>
+                  <a:pt x="2397046" y="1137290"/>
+                  <a:pt x="2274356" y="1125530"/>
+                </a:cubicBezTo>
+                <a:cubicBezTo>
+                  <a:pt x="2151666" y="1113770"/>
+                  <a:pt x="1982424" y="1130467"/>
+                  <a:pt x="1805350" y="1125530"/>
+                </a:cubicBezTo>
+                <a:cubicBezTo>
+                  <a:pt x="1628276" y="1120593"/>
+                  <a:pt x="1294548" y="1128108"/>
+                  <a:pt x="1047232" y="1125530"/>
+                </a:cubicBezTo>
+                <a:cubicBezTo>
+                  <a:pt x="799916" y="1122952"/>
+                  <a:pt x="296661" y="1090074"/>
+                  <a:pt x="0" y="1125530"/>
+                </a:cubicBezTo>
+                <a:cubicBezTo>
+                  <a:pt x="27437" y="844196"/>
+                  <a:pt x="-11857" y="831360"/>
+                  <a:pt x="0" y="540254"/>
+                </a:cubicBezTo>
+                <a:cubicBezTo>
+                  <a:pt x="11857" y="249148"/>
+                  <a:pt x="15406" y="210832"/>
+                  <a:pt x="0" y="0"/>
+                </a:cubicBezTo>
+                <a:close/>
+              </a:path>
+            </a:pathLst>
+          </a:custGeom>
           <a:solidFill>
-            <a:schemeClr val="accent2"/>
+            <a:schemeClr val="bg1">
+              <a:lumMod val="95000"/>
+            </a:schemeClr>
           </a:solidFill>
-          <a:ln w="12700">
+          <a:ln w="38100" cap="rnd">
             <a:solidFill>
-              <a:schemeClr val="tx1"/>
+              <a:schemeClr val="accent1">
+                <a:lumMod val="50000"/>
+              </a:schemeClr>
             </a:solidFill>
-            <a:miter lim="800000"/>
+            <a:prstDash val="solid"/>
+            <a:round/>
             <a:headEnd/>
             <a:tailEnd/>
             <a:extLst>
               <a:ext uri="{C807C97D-BFC1-408E-A445-0C87EB9F89A2}">
                 <ask:lineSketchStyleProps xmlns:ask="http://schemas.microsoft.com/office/drawing/2018/sketchyshapes" sd="661058248">
-                  <a:custGeom>
+                  <a:prstGeom prst="rect">
                     <a:avLst/>
-                    <a:gdLst>
-                      <a:gd name="connsiteX0" fmla="*/ 0 w 6509436"/>
-                      <a:gd name="connsiteY0" fmla="*/ 0 h 414980"/>
-                      <a:gd name="connsiteX1" fmla="*/ 585849 w 6509436"/>
-                      <a:gd name="connsiteY1" fmla="*/ 0 h 414980"/>
-                      <a:gd name="connsiteX2" fmla="*/ 1366982 w 6509436"/>
-                      <a:gd name="connsiteY2" fmla="*/ 0 h 414980"/>
-                      <a:gd name="connsiteX3" fmla="*/ 1952831 w 6509436"/>
-                      <a:gd name="connsiteY3" fmla="*/ 0 h 414980"/>
-                      <a:gd name="connsiteX4" fmla="*/ 2473586 w 6509436"/>
-                      <a:gd name="connsiteY4" fmla="*/ 0 h 414980"/>
-                      <a:gd name="connsiteX5" fmla="*/ 2929246 w 6509436"/>
-                      <a:gd name="connsiteY5" fmla="*/ 0 h 414980"/>
-                      <a:gd name="connsiteX6" fmla="*/ 3710379 w 6509436"/>
-                      <a:gd name="connsiteY6" fmla="*/ 0 h 414980"/>
-                      <a:gd name="connsiteX7" fmla="*/ 4296228 w 6509436"/>
-                      <a:gd name="connsiteY7" fmla="*/ 0 h 414980"/>
-                      <a:gd name="connsiteX8" fmla="*/ 4947171 w 6509436"/>
-                      <a:gd name="connsiteY8" fmla="*/ 0 h 414980"/>
-                      <a:gd name="connsiteX9" fmla="*/ 5598115 w 6509436"/>
-                      <a:gd name="connsiteY9" fmla="*/ 0 h 414980"/>
-                      <a:gd name="connsiteX10" fmla="*/ 6509436 w 6509436"/>
-                      <a:gd name="connsiteY10" fmla="*/ 0 h 414980"/>
-                      <a:gd name="connsiteX11" fmla="*/ 6509436 w 6509436"/>
-                      <a:gd name="connsiteY11" fmla="*/ 414980 h 414980"/>
-                      <a:gd name="connsiteX12" fmla="*/ 6053775 w 6509436"/>
-                      <a:gd name="connsiteY12" fmla="*/ 414980 h 414980"/>
-                      <a:gd name="connsiteX13" fmla="*/ 5402832 w 6509436"/>
-                      <a:gd name="connsiteY13" fmla="*/ 414980 h 414980"/>
-                      <a:gd name="connsiteX14" fmla="*/ 4816983 w 6509436"/>
-                      <a:gd name="connsiteY14" fmla="*/ 414980 h 414980"/>
-                      <a:gd name="connsiteX15" fmla="*/ 4100945 w 6509436"/>
-                      <a:gd name="connsiteY15" fmla="*/ 414980 h 414980"/>
-                      <a:gd name="connsiteX16" fmla="*/ 3319812 w 6509436"/>
-                      <a:gd name="connsiteY16" fmla="*/ 414980 h 414980"/>
-                      <a:gd name="connsiteX17" fmla="*/ 2799057 w 6509436"/>
-                      <a:gd name="connsiteY17" fmla="*/ 414980 h 414980"/>
-                      <a:gd name="connsiteX18" fmla="*/ 2343397 w 6509436"/>
-                      <a:gd name="connsiteY18" fmla="*/ 414980 h 414980"/>
-                      <a:gd name="connsiteX19" fmla="*/ 1562265 w 6509436"/>
-                      <a:gd name="connsiteY19" fmla="*/ 414980 h 414980"/>
-                      <a:gd name="connsiteX20" fmla="*/ 846227 w 6509436"/>
-                      <a:gd name="connsiteY20" fmla="*/ 414980 h 414980"/>
-                      <a:gd name="connsiteX21" fmla="*/ 0 w 6509436"/>
-                      <a:gd name="connsiteY21" fmla="*/ 414980 h 414980"/>
-                      <a:gd name="connsiteX22" fmla="*/ 0 w 6509436"/>
-                      <a:gd name="connsiteY22" fmla="*/ 0 h 414980"/>
-                    </a:gdLst>
-                    <a:ahLst/>
-                    <a:cxnLst>
-                      <a:cxn ang="0">
-                        <a:pos x="connsiteX0" y="connsiteY0"/>
-                      </a:cxn>
-                      <a:cxn ang="0">
-                        <a:pos x="connsiteX1" y="connsiteY1"/>
-                      </a:cxn>
-                      <a:cxn ang="0">
-                        <a:pos x="connsiteX2" y="connsiteY2"/>
-                      </a:cxn>
-                      <a:cxn ang="0">
-                        <a:pos x="connsiteX3" y="connsiteY3"/>
-                      </a:cxn>
-                      <a:cxn ang="0">
-                        <a:pos x="connsiteX4" y="connsiteY4"/>
-                      </a:cxn>
-                      <a:cxn ang="0">
-                        <a:pos x="connsiteX5" y="connsiteY5"/>
-                      </a:cxn>
-                      <a:cxn ang="0">
-                        <a:pos x="connsiteX6" y="connsiteY6"/>
-                      </a:cxn>
-                      <a:cxn ang="0">
-                        <a:pos x="connsiteX7" y="connsiteY7"/>
-                      </a:cxn>
-                      <a:cxn ang="0">
-                        <a:pos x="connsiteX8" y="connsiteY8"/>
-                      </a:cxn>
-                      <a:cxn ang="0">
-                        <a:pos x="connsiteX9" y="connsiteY9"/>
-                      </a:cxn>
-                      <a:cxn ang="0">
-                        <a:pos x="connsiteX10" y="connsiteY10"/>
-                      </a:cxn>
-                      <a:cxn ang="0">
-                        <a:pos x="connsiteX11" y="connsiteY11"/>
-                      </a:cxn>
-                      <a:cxn ang="0">
-                        <a:pos x="connsiteX12" y="connsiteY12"/>
-                      </a:cxn>
-                      <a:cxn ang="0">
-                        <a:pos x="connsiteX13" y="connsiteY13"/>
-                      </a:cxn>
-                      <a:cxn ang="0">
-                        <a:pos x="connsiteX14" y="connsiteY14"/>
-                      </a:cxn>
-                      <a:cxn ang="0">
-                        <a:pos x="connsiteX15" y="connsiteY15"/>
-                      </a:cxn>
-                      <a:cxn ang="0">
-                        <a:pos x="connsiteX16" y="connsiteY16"/>
-                      </a:cxn>
-                      <a:cxn ang="0">
-                        <a:pos x="connsiteX17" y="connsiteY17"/>
-                      </a:cxn>
-                      <a:cxn ang="0">
-                        <a:pos x="connsiteX18" y="connsiteY18"/>
-                      </a:cxn>
-                      <a:cxn ang="0">
-                        <a:pos x="connsiteX19" y="connsiteY19"/>
-                      </a:cxn>
-                      <a:cxn ang="0">
-                        <a:pos x="connsiteX20" y="connsiteY20"/>
-                      </a:cxn>
-                      <a:cxn ang="0">
-                        <a:pos x="connsiteX21" y="connsiteY21"/>
-                      </a:cxn>
-                      <a:cxn ang="0">
-                        <a:pos x="connsiteX22" y="connsiteY22"/>
-                      </a:cxn>
-                    </a:cxnLst>
-                    <a:rect l="l" t="t" r="r" b="b"/>
-                    <a:pathLst>
-                      <a:path w="6509436" h="414980" fill="none" extrusionOk="0">
-                        <a:moveTo>
-                          <a:pt x="0" y="0"/>
-                        </a:moveTo>
-                        <a:cubicBezTo>
-                          <a:pt x="146068" y="-17047"/>
-                          <a:pt x="356889" y="-3740"/>
-                          <a:pt x="585849" y="0"/>
-                        </a:cubicBezTo>
-                        <a:cubicBezTo>
-                          <a:pt x="814809" y="3740"/>
-                          <a:pt x="1022381" y="18979"/>
-                          <a:pt x="1366982" y="0"/>
-                        </a:cubicBezTo>
-                        <a:cubicBezTo>
-                          <a:pt x="1711583" y="-18979"/>
-                          <a:pt x="1823714" y="5801"/>
-                          <a:pt x="1952831" y="0"/>
-                        </a:cubicBezTo>
-                        <a:cubicBezTo>
-                          <a:pt x="2081948" y="-5801"/>
-                          <a:pt x="2309421" y="-3691"/>
-                          <a:pt x="2473586" y="0"/>
-                        </a:cubicBezTo>
-                        <a:cubicBezTo>
-                          <a:pt x="2637751" y="3691"/>
-                          <a:pt x="2770297" y="-21236"/>
-                          <a:pt x="2929246" y="0"/>
-                        </a:cubicBezTo>
-                        <a:cubicBezTo>
-                          <a:pt x="3088195" y="21236"/>
-                          <a:pt x="3373259" y="22983"/>
-                          <a:pt x="3710379" y="0"/>
-                        </a:cubicBezTo>
-                        <a:cubicBezTo>
-                          <a:pt x="4047499" y="-22983"/>
-                          <a:pt x="4176155" y="6273"/>
-                          <a:pt x="4296228" y="0"/>
-                        </a:cubicBezTo>
-                        <a:cubicBezTo>
-                          <a:pt x="4416301" y="-6273"/>
-                          <a:pt x="4719597" y="12345"/>
-                          <a:pt x="4947171" y="0"/>
-                        </a:cubicBezTo>
-                        <a:cubicBezTo>
-                          <a:pt x="5174745" y="-12345"/>
-                          <a:pt x="5371201" y="-4080"/>
-                          <a:pt x="5598115" y="0"/>
-                        </a:cubicBezTo>
-                        <a:cubicBezTo>
-                          <a:pt x="5825029" y="4080"/>
-                          <a:pt x="6150508" y="-43413"/>
-                          <a:pt x="6509436" y="0"/>
-                        </a:cubicBezTo>
-                        <a:cubicBezTo>
-                          <a:pt x="6514655" y="96279"/>
-                          <a:pt x="6496491" y="217879"/>
-                          <a:pt x="6509436" y="414980"/>
-                        </a:cubicBezTo>
-                        <a:cubicBezTo>
-                          <a:pt x="6377262" y="394148"/>
-                          <a:pt x="6208800" y="403288"/>
-                          <a:pt x="6053775" y="414980"/>
-                        </a:cubicBezTo>
-                        <a:cubicBezTo>
-                          <a:pt x="5898750" y="426672"/>
-                          <a:pt x="5540281" y="447390"/>
-                          <a:pt x="5402832" y="414980"/>
-                        </a:cubicBezTo>
-                        <a:cubicBezTo>
-                          <a:pt x="5265383" y="382570"/>
-                          <a:pt x="4985571" y="430849"/>
-                          <a:pt x="4816983" y="414980"/>
-                        </a:cubicBezTo>
-                        <a:cubicBezTo>
-                          <a:pt x="4648395" y="399111"/>
-                          <a:pt x="4427689" y="411294"/>
-                          <a:pt x="4100945" y="414980"/>
-                        </a:cubicBezTo>
-                        <a:cubicBezTo>
-                          <a:pt x="3774201" y="418666"/>
-                          <a:pt x="3657511" y="418598"/>
-                          <a:pt x="3319812" y="414980"/>
-                        </a:cubicBezTo>
-                        <a:cubicBezTo>
-                          <a:pt x="2982113" y="411362"/>
-                          <a:pt x="3009631" y="438066"/>
-                          <a:pt x="2799057" y="414980"/>
-                        </a:cubicBezTo>
-                        <a:cubicBezTo>
-                          <a:pt x="2588483" y="391894"/>
-                          <a:pt x="2493368" y="410610"/>
-                          <a:pt x="2343397" y="414980"/>
-                        </a:cubicBezTo>
-                        <a:cubicBezTo>
-                          <a:pt x="2193426" y="419350"/>
-                          <a:pt x="1935106" y="398436"/>
-                          <a:pt x="1562265" y="414980"/>
-                        </a:cubicBezTo>
-                        <a:cubicBezTo>
-                          <a:pt x="1189424" y="431524"/>
-                          <a:pt x="1051439" y="430221"/>
-                          <a:pt x="846227" y="414980"/>
-                        </a:cubicBezTo>
-                        <a:cubicBezTo>
-                          <a:pt x="641015" y="399739"/>
-                          <a:pt x="173546" y="387921"/>
-                          <a:pt x="0" y="414980"/>
-                        </a:cubicBezTo>
-                        <a:cubicBezTo>
-                          <a:pt x="-8195" y="311883"/>
-                          <a:pt x="-16246" y="183174"/>
-                          <a:pt x="0" y="0"/>
-                        </a:cubicBezTo>
-                        <a:close/>
-                      </a:path>
-                      <a:path w="6509436" h="414980" stroke="0" extrusionOk="0">
-                        <a:moveTo>
-                          <a:pt x="0" y="0"/>
-                        </a:moveTo>
-                        <a:cubicBezTo>
-                          <a:pt x="311355" y="-31208"/>
-                          <a:pt x="524862" y="11593"/>
-                          <a:pt x="781132" y="0"/>
-                        </a:cubicBezTo>
-                        <a:cubicBezTo>
-                          <a:pt x="1037402" y="-11593"/>
-                          <a:pt x="1151604" y="-8761"/>
-                          <a:pt x="1432076" y="0"/>
-                        </a:cubicBezTo>
-                        <a:cubicBezTo>
-                          <a:pt x="1712548" y="8761"/>
-                          <a:pt x="1825681" y="-4408"/>
-                          <a:pt x="2083020" y="0"/>
-                        </a:cubicBezTo>
-                        <a:cubicBezTo>
-                          <a:pt x="2340359" y="4408"/>
-                          <a:pt x="2463182" y="21288"/>
-                          <a:pt x="2603774" y="0"/>
-                        </a:cubicBezTo>
-                        <a:cubicBezTo>
-                          <a:pt x="2744366" y="-21288"/>
-                          <a:pt x="2951427" y="8073"/>
-                          <a:pt x="3124529" y="0"/>
-                        </a:cubicBezTo>
-                        <a:cubicBezTo>
-                          <a:pt x="3297631" y="-8073"/>
-                          <a:pt x="3735333" y="90"/>
-                          <a:pt x="3905662" y="0"/>
-                        </a:cubicBezTo>
-                        <a:cubicBezTo>
-                          <a:pt x="4075991" y="-90"/>
-                          <a:pt x="4298756" y="18843"/>
-                          <a:pt x="4556605" y="0"/>
-                        </a:cubicBezTo>
-                        <a:cubicBezTo>
-                          <a:pt x="4814454" y="-18843"/>
-                          <a:pt x="4888118" y="10015"/>
-                          <a:pt x="5142454" y="0"/>
-                        </a:cubicBezTo>
-                        <a:cubicBezTo>
-                          <a:pt x="5396790" y="-10015"/>
-                          <a:pt x="5640956" y="-1408"/>
-                          <a:pt x="5858492" y="0"/>
-                        </a:cubicBezTo>
-                        <a:cubicBezTo>
-                          <a:pt x="6076028" y="1408"/>
-                          <a:pt x="6280539" y="10205"/>
-                          <a:pt x="6509436" y="0"/>
-                        </a:cubicBezTo>
-                        <a:cubicBezTo>
-                          <a:pt x="6496216" y="132373"/>
-                          <a:pt x="6509629" y="212669"/>
-                          <a:pt x="6509436" y="414980"/>
-                        </a:cubicBezTo>
-                        <a:cubicBezTo>
-                          <a:pt x="6142393" y="413790"/>
-                          <a:pt x="5964311" y="419858"/>
-                          <a:pt x="5728304" y="414980"/>
-                        </a:cubicBezTo>
-                        <a:cubicBezTo>
-                          <a:pt x="5492297" y="410102"/>
-                          <a:pt x="5450750" y="426161"/>
-                          <a:pt x="5207549" y="414980"/>
-                        </a:cubicBezTo>
-                        <a:cubicBezTo>
-                          <a:pt x="4964349" y="403799"/>
-                          <a:pt x="4832501" y="431494"/>
-                          <a:pt x="4556605" y="414980"/>
-                        </a:cubicBezTo>
-                        <a:cubicBezTo>
-                          <a:pt x="4280709" y="398466"/>
-                          <a:pt x="4323815" y="429003"/>
-                          <a:pt x="4100945" y="414980"/>
-                        </a:cubicBezTo>
-                        <a:cubicBezTo>
-                          <a:pt x="3878075" y="400957"/>
-                          <a:pt x="3634282" y="393481"/>
-                          <a:pt x="3450001" y="414980"/>
-                        </a:cubicBezTo>
-                        <a:cubicBezTo>
-                          <a:pt x="3265720" y="436479"/>
-                          <a:pt x="3192546" y="436872"/>
-                          <a:pt x="2994341" y="414980"/>
-                        </a:cubicBezTo>
-                        <a:cubicBezTo>
-                          <a:pt x="2796136" y="393088"/>
-                          <a:pt x="2649443" y="416410"/>
-                          <a:pt x="2538680" y="414980"/>
-                        </a:cubicBezTo>
-                        <a:cubicBezTo>
-                          <a:pt x="2427917" y="413550"/>
-                          <a:pt x="1964356" y="403687"/>
-                          <a:pt x="1757548" y="414980"/>
-                        </a:cubicBezTo>
-                        <a:cubicBezTo>
-                          <a:pt x="1550740" y="426273"/>
-                          <a:pt x="1343665" y="414825"/>
-                          <a:pt x="1171698" y="414980"/>
-                        </a:cubicBezTo>
-                        <a:cubicBezTo>
-                          <a:pt x="999731" y="415136"/>
-                          <a:pt x="389330" y="435970"/>
-                          <a:pt x="0" y="414980"/>
-                        </a:cubicBezTo>
-                        <a:cubicBezTo>
-                          <a:pt x="-4418" y="242129"/>
-                          <a:pt x="1837" y="109142"/>
-                          <a:pt x="0" y="0"/>
-                        </a:cubicBezTo>
-                        <a:close/>
-                      </a:path>
-                    </a:pathLst>
-                  </a:custGeom>
+                  </a:prstGeom>
                   <ask:type>
-                    <ask:lineSketchNone/>
+                    <ask:lineSketchFreehand/>
                   </ask:type>
                 </ask:lineSketchStyleProps>
               </a:ext>
             </a:extLst>
           </a:ln>
           <a:effectLst/>
-          <a:extLst>
-            <a:ext uri="{AF507438-7753-43E0-B8FC-AC1667EBCBE1}">
-              <a14:hiddenEffects xmlns:a14="http://schemas.microsoft.com/office/drawing/2010/main">
-                <a:effectLst>
-                  <a:outerShdw blurRad="63500" dist="38099" dir="2700000" algn="ctr" rotWithShape="0">
-                    <a:schemeClr val="bg2">
-                      <a:alpha val="74998"/>
-                    </a:schemeClr>
-                  </a:outerShdw>
-                </a:effectLst>
-              </a14:hiddenEffects>
-            </a:ext>
-          </a:extLst>
         </p:spPr>
         <p:txBody>
           <a:bodyPr wrap="square" lIns="107944" tIns="53972" rIns="107944" bIns="53972" numCol="1" spcCol="72000" rtlCol="0" anchor="ctr">
@@ -7656,10 +7379,10 @@
       </p:sp>
       <p:pic>
         <p:nvPicPr>
-          <p:cNvPr id="64" name="Picture 63" descr="Logo&#10;&#10;Description automatically generated">
-            <a:extLst>
-              <a:ext uri="{FF2B5EF4-FFF2-40B4-BE49-F238E27FC236}">
-                <a16:creationId xmlns:a16="http://schemas.microsoft.com/office/drawing/2014/main" id="{161920B3-5ABA-8742-AC21-8A193F77EB28}"/>
+          <p:cNvPr id="5" name="Grafik 123">
+            <a:extLst>
+              <a:ext uri="{FF2B5EF4-FFF2-40B4-BE49-F238E27FC236}">
+                <a16:creationId xmlns:a16="http://schemas.microsoft.com/office/drawing/2014/main" id="{611B1515-7772-B345-83E7-3491191A00DB}"/>
               </a:ext>
             </a:extLst>
           </p:cNvPr>
@@ -7669,15 +7392,21 @@
           <p:nvPr/>
         </p:nvPicPr>
         <p:blipFill>
-          <a:blip r:embed="rId4"/>
+          <a:blip r:embed="rId5">
+            <a:extLst>
+              <a:ext uri="{96DAC541-7B7A-43D3-8B79-37D633B846F1}">
+                <asvg:svgBlip xmlns:asvg="http://schemas.microsoft.com/office/drawing/2016/SVG/main" r:embed="rId6"/>
+              </a:ext>
+            </a:extLst>
+          </a:blip>
           <a:stretch>
             <a:fillRect/>
           </a:stretch>
         </p:blipFill>
         <p:spPr>
-          <a:xfrm rot="3186925">
-            <a:off x="5950913" y="1321444"/>
-            <a:ext cx="559940" cy="559940"/>
+          <a:xfrm>
+            <a:off x="3536900" y="2625828"/>
+            <a:ext cx="557161" cy="557161"/>
           </a:xfrm>
           <a:prstGeom prst="rect">
             <a:avLst/>
@@ -7686,228 +7415,10 @@
       </p:pic>
       <p:pic>
         <p:nvPicPr>
-          <p:cNvPr id="70" name="Picture 10" descr="See the source image">
-            <a:extLst>
-              <a:ext uri="{FF2B5EF4-FFF2-40B4-BE49-F238E27FC236}">
-                <a16:creationId xmlns:a16="http://schemas.microsoft.com/office/drawing/2014/main" id="{AE61AF27-EB2A-9D40-B16D-408031901B3C}"/>
-              </a:ext>
-            </a:extLst>
-          </p:cNvPr>
-          <p:cNvPicPr>
-            <a:picLocks noChangeAspect="1" noChangeArrowheads="1"/>
-          </p:cNvPicPr>
-          <p:nvPr/>
-        </p:nvPicPr>
-        <p:blipFill>
-          <a:blip r:embed="rId5">
-            <a:extLst>
-              <a:ext uri="{28A0092B-C50C-407E-A947-70E740481C1C}">
-                <a14:useLocalDpi xmlns:a14="http://schemas.microsoft.com/office/drawing/2010/main" val="0"/>
-              </a:ext>
-            </a:extLst>
-          </a:blip>
-          <a:srcRect/>
-          <a:stretch>
-            <a:fillRect/>
-          </a:stretch>
-        </p:blipFill>
-        <p:spPr bwMode="auto">
-          <a:xfrm>
-            <a:off x="1624628" y="5758764"/>
-            <a:ext cx="1235788" cy="820693"/>
-          </a:xfrm>
-          <a:prstGeom prst="rect">
-            <a:avLst/>
-          </a:prstGeom>
-          <a:noFill/>
-          <a:extLst>
-            <a:ext uri="{909E8E84-426E-40DD-AFC4-6F175D3DCCD1}">
-              <a14:hiddenFill xmlns:a14="http://schemas.microsoft.com/office/drawing/2010/main">
-                <a:solidFill>
-                  <a:srgbClr val="FFFFFF"/>
-                </a:solidFill>
-              </a14:hiddenFill>
-            </a:ext>
-          </a:extLst>
-        </p:spPr>
-      </p:pic>
-      <p:cxnSp>
-        <p:nvCxnSpPr>
-          <p:cNvPr id="266" name="Curved Connector 265">
-            <a:extLst>
-              <a:ext uri="{FF2B5EF4-FFF2-40B4-BE49-F238E27FC236}">
-                <a16:creationId xmlns:a16="http://schemas.microsoft.com/office/drawing/2014/main" id="{F5E5D7C8-E93F-1C4A-83EE-8803BDFBBE12}"/>
-              </a:ext>
-            </a:extLst>
-          </p:cNvPr>
-          <p:cNvCxnSpPr>
-            <a:cxnSpLocks/>
-            <a:endCxn id="65" idx="2"/>
-          </p:cNvCxnSpPr>
-          <p:nvPr/>
-        </p:nvCxnSpPr>
-        <p:spPr bwMode="auto">
-          <a:xfrm rot="10800000">
-            <a:off x="3268372" y="6370519"/>
-            <a:ext cx="494862" cy="260895"/>
-          </a:xfrm>
-          <a:prstGeom prst="curvedConnector2">
-            <a:avLst/>
-          </a:prstGeom>
-          <a:ln>
-            <a:headEnd type="none" w="med" len="med"/>
-            <a:tailEnd type="triangle"/>
-          </a:ln>
-        </p:spPr>
-        <p:style>
-          <a:lnRef idx="2">
-            <a:schemeClr val="accent6"/>
-          </a:lnRef>
-          <a:fillRef idx="0">
-            <a:schemeClr val="accent6"/>
-          </a:fillRef>
-          <a:effectRef idx="1">
-            <a:schemeClr val="accent6"/>
-          </a:effectRef>
-          <a:fontRef idx="minor">
-            <a:schemeClr val="tx1"/>
-          </a:fontRef>
-        </p:style>
-      </p:cxnSp>
-      <p:cxnSp>
-        <p:nvCxnSpPr>
-          <p:cNvPr id="272" name="Curved Connector 271">
-            <a:extLst>
-              <a:ext uri="{FF2B5EF4-FFF2-40B4-BE49-F238E27FC236}">
-                <a16:creationId xmlns:a16="http://schemas.microsoft.com/office/drawing/2014/main" id="{C6C38ACF-9E78-4D46-A107-DB8C9C75122C}"/>
-              </a:ext>
-            </a:extLst>
-          </p:cNvPr>
-          <p:cNvCxnSpPr>
-            <a:cxnSpLocks/>
-            <a:endCxn id="70" idx="2"/>
-          </p:cNvCxnSpPr>
-          <p:nvPr/>
-        </p:nvCxnSpPr>
-        <p:spPr bwMode="auto">
-          <a:xfrm rot="10800000" flipV="1">
-            <a:off x="2242524" y="6398782"/>
-            <a:ext cx="888414" cy="180675"/>
-          </a:xfrm>
-          <a:prstGeom prst="curvedConnector4">
-            <a:avLst>
-              <a:gd name="adj1" fmla="val -2263"/>
-              <a:gd name="adj2" fmla="val 160701"/>
-            </a:avLst>
-          </a:prstGeom>
-          <a:ln>
-            <a:headEnd type="none" w="med" len="med"/>
-            <a:tailEnd type="triangle"/>
-          </a:ln>
-        </p:spPr>
-        <p:style>
-          <a:lnRef idx="2">
-            <a:schemeClr val="accent6"/>
-          </a:lnRef>
-          <a:fillRef idx="0">
-            <a:schemeClr val="accent6"/>
-          </a:fillRef>
-          <a:effectRef idx="1">
-            <a:schemeClr val="accent6"/>
-          </a:effectRef>
-          <a:fontRef idx="minor">
-            <a:schemeClr val="tx1"/>
-          </a:fontRef>
-        </p:style>
-      </p:cxnSp>
-      <p:cxnSp>
-        <p:nvCxnSpPr>
-          <p:cNvPr id="137" name="Straight Arrow Connector 136">
-            <a:extLst>
-              <a:ext uri="{FF2B5EF4-FFF2-40B4-BE49-F238E27FC236}">
-                <a16:creationId xmlns:a16="http://schemas.microsoft.com/office/drawing/2014/main" id="{D22E45C2-0A7B-7449-B185-01D095B3DE7F}"/>
-              </a:ext>
-            </a:extLst>
-          </p:cNvPr>
-          <p:cNvCxnSpPr>
-            <a:cxnSpLocks/>
-          </p:cNvCxnSpPr>
-          <p:nvPr/>
-        </p:nvCxnSpPr>
-        <p:spPr bwMode="auto">
-          <a:xfrm flipH="1">
-            <a:off x="3225784" y="4261237"/>
-            <a:ext cx="313109" cy="1219147"/>
-          </a:xfrm>
-          <a:prstGeom prst="straightConnector1">
-            <a:avLst/>
-          </a:prstGeom>
-          <a:ln>
-            <a:headEnd type="none" w="med" len="med"/>
-            <a:tailEnd type="triangle"/>
-          </a:ln>
-        </p:spPr>
-        <p:style>
-          <a:lnRef idx="3">
-            <a:schemeClr val="accent6"/>
-          </a:lnRef>
-          <a:fillRef idx="0">
-            <a:schemeClr val="accent6"/>
-          </a:fillRef>
-          <a:effectRef idx="2">
-            <a:schemeClr val="accent6"/>
-          </a:effectRef>
-          <a:fontRef idx="minor">
-            <a:schemeClr val="tx1"/>
-          </a:fontRef>
-        </p:style>
-      </p:cxnSp>
-      <p:sp>
-        <p:nvSpPr>
-          <p:cNvPr id="53" name="TextBox 52">
-            <a:extLst>
-              <a:ext uri="{FF2B5EF4-FFF2-40B4-BE49-F238E27FC236}">
-                <a16:creationId xmlns:a16="http://schemas.microsoft.com/office/drawing/2014/main" id="{D1C6FB00-2F86-5C4C-918E-8678574BE075}"/>
-              </a:ext>
-            </a:extLst>
-          </p:cNvPr>
-          <p:cNvSpPr txBox="1"/>
-          <p:nvPr/>
-        </p:nvSpPr>
-        <p:spPr>
-          <a:xfrm>
-            <a:off x="8880993" y="6386090"/>
-            <a:ext cx="0" cy="0"/>
-          </a:xfrm>
-          <a:prstGeom prst="rect">
-            <a:avLst/>
-          </a:prstGeom>
-          <a:noFill/>
-        </p:spPr>
-        <p:txBody>
-          <a:bodyPr wrap="none" lIns="0" tIns="0" rIns="0" bIns="0" rtlCol="0">
-            <a:noAutofit/>
-          </a:bodyPr>
-          <a:lstStyle/>
-          <a:p>
-            <a:pPr>
-              <a:lnSpc>
-                <a:spcPct val="110000"/>
-              </a:lnSpc>
-            </a:pPr>
-            <a:endParaRPr lang="en-US" sz="1199">
-              <a:ea typeface="Arial Unicode MS" panose="020B0604020202020204" pitchFamily="34" charset="-128"/>
-              <a:cs typeface="Arial Unicode MS" panose="020B0604020202020204" pitchFamily="34" charset="-128"/>
-            </a:endParaRPr>
-          </a:p>
-        </p:txBody>
-      </p:sp>
-      <p:pic>
-        <p:nvPicPr>
-          <p:cNvPr id="58" name="Graphic 57">
-            <a:extLst>
-              <a:ext uri="{FF2B5EF4-FFF2-40B4-BE49-F238E27FC236}">
-                <a16:creationId xmlns:a16="http://schemas.microsoft.com/office/drawing/2014/main" id="{8ECA14AE-52E5-CC4E-BA3D-BD6E7122CAAC}"/>
+          <p:cNvPr id="6" name="Grafik 51">
+            <a:extLst>
+              <a:ext uri="{FF2B5EF4-FFF2-40B4-BE49-F238E27FC236}">
+                <a16:creationId xmlns:a16="http://schemas.microsoft.com/office/drawing/2014/main" id="{76FE27F7-B176-B94B-B550-2365E8D1E9C1}"/>
               </a:ext>
             </a:extLst>
           </p:cNvPr>
@@ -7917,21 +7428,15 @@
           <p:nvPr/>
         </p:nvPicPr>
         <p:blipFill>
-          <a:blip r:embed="rId6">
-            <a:extLst>
-              <a:ext uri="{96DAC541-7B7A-43D3-8B79-37D633B846F1}">
-                <asvg:svgBlip xmlns:asvg="http://schemas.microsoft.com/office/drawing/2016/SVG/main" r:embed="rId7"/>
-              </a:ext>
-            </a:extLst>
-          </a:blip>
+          <a:blip r:embed="rId7"/>
           <a:stretch>
             <a:fillRect/>
           </a:stretch>
         </p:blipFill>
         <p:spPr>
-          <a:xfrm rot="3571417">
-            <a:off x="6445407" y="1696583"/>
-            <a:ext cx="1481246" cy="435211"/>
+          <a:xfrm>
+            <a:off x="6969862" y="2482771"/>
+            <a:ext cx="541463" cy="541463"/>
           </a:xfrm>
           <a:prstGeom prst="rect">
             <a:avLst/>
@@ -7940,10 +7445,10 @@
       </p:pic>
       <p:pic>
         <p:nvPicPr>
-          <p:cNvPr id="76" name="Grafik 123">
-            <a:extLst>
-              <a:ext uri="{FF2B5EF4-FFF2-40B4-BE49-F238E27FC236}">
-                <a16:creationId xmlns:a16="http://schemas.microsoft.com/office/drawing/2014/main" id="{5E2B26A6-7C62-254C-893E-B97DA71E3A64}"/>
+          <p:cNvPr id="7" name="Picture 6" descr="A picture containing text, clipart&#10;&#10;Description automatically generated">
+            <a:extLst>
+              <a:ext uri="{FF2B5EF4-FFF2-40B4-BE49-F238E27FC236}">
+                <a16:creationId xmlns:a16="http://schemas.microsoft.com/office/drawing/2014/main" id="{0A7BDC4F-2D3E-9D41-9ED7-0E2976D8F258}"/>
               </a:ext>
             </a:extLst>
           </p:cNvPr>
@@ -7953,80 +7458,14 @@
           <p:nvPr/>
         </p:nvPicPr>
         <p:blipFill>
-          <a:blip r:embed="rId8">
-            <a:extLst>
-              <a:ext uri="{96DAC541-7B7A-43D3-8B79-37D633B846F1}">
-                <asvg:svgBlip xmlns:asvg="http://schemas.microsoft.com/office/drawing/2016/SVG/main" r:embed="rId9"/>
-              </a:ext>
-            </a:extLst>
-          </a:blip>
+          <a:blip r:embed="rId8"/>
           <a:stretch>
             <a:fillRect/>
           </a:stretch>
         </p:blipFill>
         <p:spPr>
           <a:xfrm>
-            <a:off x="3259506" y="2857481"/>
-            <a:ext cx="557161" cy="557161"/>
-          </a:xfrm>
-          <a:prstGeom prst="rect">
-            <a:avLst/>
-          </a:prstGeom>
-        </p:spPr>
-      </p:pic>
-      <p:pic>
-        <p:nvPicPr>
-          <p:cNvPr id="13" name="Grafik 51">
-            <a:extLst>
-              <a:ext uri="{FF2B5EF4-FFF2-40B4-BE49-F238E27FC236}">
-                <a16:creationId xmlns:a16="http://schemas.microsoft.com/office/drawing/2014/main" id="{C687A3F6-E8E5-564C-82C8-9CCFB35CDF03}"/>
-              </a:ext>
-            </a:extLst>
-          </p:cNvPr>
-          <p:cNvPicPr>
-            <a:picLocks noChangeAspect="1"/>
-          </p:cNvPicPr>
-          <p:nvPr/>
-        </p:nvPicPr>
-        <p:blipFill>
-          <a:blip r:embed="rId10"/>
-          <a:stretch>
-            <a:fillRect/>
-          </a:stretch>
-        </p:blipFill>
-        <p:spPr>
-          <a:xfrm>
-            <a:off x="8290351" y="2746897"/>
-            <a:ext cx="756096" cy="756096"/>
-          </a:xfrm>
-          <a:prstGeom prst="rect">
-            <a:avLst/>
-          </a:prstGeom>
-        </p:spPr>
-      </p:pic>
-      <p:pic>
-        <p:nvPicPr>
-          <p:cNvPr id="10" name="Picture 9" descr="A picture containing text, clipart&#10;&#10;Description automatically generated">
-            <a:extLst>
-              <a:ext uri="{FF2B5EF4-FFF2-40B4-BE49-F238E27FC236}">
-                <a16:creationId xmlns:a16="http://schemas.microsoft.com/office/drawing/2014/main" id="{45F0564D-F254-5C45-95B6-E9F32FDE8A3C}"/>
-              </a:ext>
-            </a:extLst>
-          </p:cNvPr>
-          <p:cNvPicPr>
-            <a:picLocks noChangeAspect="1"/>
-          </p:cNvPicPr>
-          <p:nvPr/>
-        </p:nvPicPr>
-        <p:blipFill>
-          <a:blip r:embed="rId11"/>
-          <a:stretch>
-            <a:fillRect/>
-          </a:stretch>
-        </p:blipFill>
-        <p:spPr>
-          <a:xfrm>
-            <a:off x="8257513" y="3227950"/>
+            <a:off x="6830113" y="2944908"/>
             <a:ext cx="821773" cy="208162"/>
           </a:xfrm>
           <a:prstGeom prst="rect">
@@ -8060,10 +7499,10 @@
       </p:pic>
       <p:sp>
         <p:nvSpPr>
-          <p:cNvPr id="82" name="Rectangle 81">
-            <a:extLst>
-              <a:ext uri="{FF2B5EF4-FFF2-40B4-BE49-F238E27FC236}">
-                <a16:creationId xmlns:a16="http://schemas.microsoft.com/office/drawing/2014/main" id="{F6FB3A50-CEA5-E54C-987A-6C295FACD1F7}"/>
+          <p:cNvPr id="8" name="Rectangle 7">
+            <a:extLst>
+              <a:ext uri="{FF2B5EF4-FFF2-40B4-BE49-F238E27FC236}">
+                <a16:creationId xmlns:a16="http://schemas.microsoft.com/office/drawing/2014/main" id="{F6C451D6-F6F7-C04E-8255-A86178AC944E}"/>
               </a:ext>
             </a:extLst>
           </p:cNvPr>
@@ -8072,7 +7511,7 @@
         </p:nvSpPr>
         <p:spPr>
           <a:xfrm>
-            <a:off x="3119644" y="3389577"/>
+            <a:off x="3444174" y="3157924"/>
             <a:ext cx="737318" cy="276727"/>
           </a:xfrm>
           <a:prstGeom prst="rect">
@@ -8105,10 +7544,10 @@
       </p:sp>
       <p:sp>
         <p:nvSpPr>
-          <p:cNvPr id="83" name="Rectangle 82">
-            <a:extLst>
-              <a:ext uri="{FF2B5EF4-FFF2-40B4-BE49-F238E27FC236}">
-                <a16:creationId xmlns:a16="http://schemas.microsoft.com/office/drawing/2014/main" id="{E19A4738-1404-6D41-AD13-85C82DF75AA9}"/>
+          <p:cNvPr id="9" name="Rectangle 8">
+            <a:extLst>
+              <a:ext uri="{FF2B5EF4-FFF2-40B4-BE49-F238E27FC236}">
+                <a16:creationId xmlns:a16="http://schemas.microsoft.com/office/drawing/2014/main" id="{88C2C17C-8D92-4344-B582-B652AEF69336}"/>
               </a:ext>
             </a:extLst>
           </p:cNvPr>
@@ -8117,8 +7556,8 @@
         </p:nvSpPr>
         <p:spPr>
           <a:xfrm>
-            <a:off x="8350207" y="3405372"/>
-            <a:ext cx="602736" cy="276727"/>
+            <a:off x="6951088" y="3143594"/>
+            <a:ext cx="603050" cy="276871"/>
           </a:xfrm>
           <a:prstGeom prst="rect">
             <a:avLst/>
@@ -8150,10 +7589,10 @@
       </p:sp>
       <p:sp>
         <p:nvSpPr>
-          <p:cNvPr id="16" name="Rectangle 15">
-            <a:extLst>
-              <a:ext uri="{FF2B5EF4-FFF2-40B4-BE49-F238E27FC236}">
-                <a16:creationId xmlns:a16="http://schemas.microsoft.com/office/drawing/2014/main" id="{E6E3B87E-34A6-674F-8E0D-E89F94734633}"/>
+          <p:cNvPr id="10" name="Rectangle 9">
+            <a:extLst>
+              <a:ext uri="{FF2B5EF4-FFF2-40B4-BE49-F238E27FC236}">
+                <a16:creationId xmlns:a16="http://schemas.microsoft.com/office/drawing/2014/main" id="{010AF1EF-56FA-8C43-B615-43C52B33FD18}"/>
               </a:ext>
             </a:extLst>
           </p:cNvPr>
@@ -8162,7 +7601,7 @@
         </p:nvSpPr>
         <p:spPr>
           <a:xfrm>
-            <a:off x="6056315" y="3199342"/>
+            <a:off x="4675729" y="2798330"/>
             <a:ext cx="1760091" cy="454952"/>
           </a:xfrm>
           <a:prstGeom prst="rect">
@@ -8188,7 +7627,9 @@
             <a:r>
               <a:rPr lang="en-US" sz="1099" dirty="0">
                 <a:solidFill>
-                  <a:srgbClr val="734C82"/>
+                  <a:schemeClr val="bg2">
+                    <a:lumMod val="25000"/>
+                  </a:schemeClr>
                 </a:solidFill>
                 <a:ea typeface="Arial Unicode MS" panose="020B0604020202020204" pitchFamily="34" charset="-128"/>
                 <a:cs typeface="Arial Unicode MS" panose="020B0604020202020204" pitchFamily="34" charset="-128"/>
@@ -8210,7 +7651,9 @@
             <a:r>
               <a:rPr lang="en-US" sz="1099" dirty="0">
                 <a:solidFill>
-                  <a:srgbClr val="734C82"/>
+                  <a:schemeClr val="bg2">
+                    <a:lumMod val="25000"/>
+                  </a:schemeClr>
                 </a:solidFill>
                 <a:ea typeface="Arial Unicode MS" panose="020B0604020202020204" pitchFamily="34" charset="-128"/>
                 <a:cs typeface="Arial Unicode MS" panose="020B0604020202020204" pitchFamily="34" charset="-128"/>
@@ -8220,106 +7663,606 @@
           </a:p>
         </p:txBody>
       </p:sp>
-      <p:pic>
-        <p:nvPicPr>
-          <p:cNvPr id="90" name="Picture 8" descr="S7-1500, CPU 1515-2 PN SIEMENS 6ES7515-2AM01-0AB0">
-            <a:extLst>
-              <a:ext uri="{FF2B5EF4-FFF2-40B4-BE49-F238E27FC236}">
-                <a16:creationId xmlns:a16="http://schemas.microsoft.com/office/drawing/2014/main" id="{83B147C4-AA00-8241-BCDE-0570A70B2648}"/>
-              </a:ext>
-            </a:extLst>
-          </p:cNvPr>
-          <p:cNvPicPr>
-            <a:picLocks noChangeAspect="1" noChangeArrowheads="1"/>
-          </p:cNvPicPr>
+      <p:sp>
+        <p:nvSpPr>
+          <p:cNvPr id="15" name="Rounded Rectangle 14">
+            <a:extLst>
+              <a:ext uri="{FF2B5EF4-FFF2-40B4-BE49-F238E27FC236}">
+                <a16:creationId xmlns:a16="http://schemas.microsoft.com/office/drawing/2014/main" id="{BCC0BC80-C64C-2B40-B2C1-5B61ED1F79F7}"/>
+              </a:ext>
+            </a:extLst>
+          </p:cNvPr>
+          <p:cNvSpPr/>
           <p:nvPr/>
-        </p:nvPicPr>
-        <p:blipFill>
-          <a:blip r:embed="rId2">
-            <a:extLst>
-              <a:ext uri="{28A0092B-C50C-407E-A947-70E740481C1C}">
-                <a14:useLocalDpi xmlns:a14="http://schemas.microsoft.com/office/drawing/2010/main" val="0"/>
-              </a:ext>
-            </a:extLst>
-          </a:blip>
-          <a:srcRect/>
-          <a:stretch>
-            <a:fillRect/>
-          </a:stretch>
-        </p:blipFill>
+        </p:nvSpPr>
         <p:spPr bwMode="auto">
           <a:xfrm>
-            <a:off x="1840262" y="4280461"/>
-            <a:ext cx="904549" cy="904549"/>
+            <a:off x="4507579" y="2510720"/>
+            <a:ext cx="1970373" cy="818193"/>
+          </a:xfrm>
+          <a:prstGeom prst="roundRect">
+            <a:avLst/>
+          </a:prstGeom>
+          <a:noFill/>
+          <a:ln w="9525" cap="flat" cmpd="sng" algn="ctr">
+            <a:noFill/>
+            <a:prstDash val="solid"/>
+            <a:round/>
+            <a:headEnd type="none" w="med" len="med"/>
+            <a:tailEnd type="none" w="med" len="med"/>
+          </a:ln>
+        </p:spPr>
+        <p:style>
+          <a:lnRef idx="0">
+            <a:scrgbClr r="0" g="0" b="0"/>
+          </a:lnRef>
+          <a:fillRef idx="0">
+            <a:scrgbClr r="0" g="0" b="0"/>
+          </a:fillRef>
+          <a:effectRef idx="0">
+            <a:scrgbClr r="0" g="0" b="0"/>
+          </a:effectRef>
+          <a:fontRef idx="minor">
+            <a:schemeClr val="dk1"/>
+          </a:fontRef>
+        </p:style>
+        <p:txBody>
+          <a:bodyPr wrap="square" lIns="107944" tIns="53972" rIns="107944" bIns="53972" numCol="1" spcCol="72000" rtlCol="0" anchor="ctr">
+            <a:noAutofit/>
+          </a:bodyPr>
+          <a:lstStyle/>
+          <a:p>
+            <a:pPr algn="ctr">
+              <a:lnSpc>
+                <a:spcPct val="110000"/>
+              </a:lnSpc>
+              <a:spcBef>
+                <a:spcPct val="0"/>
+              </a:spcBef>
+              <a:buFont typeface="Wingdings" charset="0"/>
+              <a:buNone/>
+            </a:pPr>
+            <a:endParaRPr lang="en-US" sz="1799" dirty="0">
+              <a:solidFill>
+                <a:schemeClr val="tx1"/>
+              </a:solidFill>
+              <a:ea typeface="Arial Unicode MS" panose="020B0604020202020204" pitchFamily="34" charset="-128"/>
+              <a:cs typeface="Arial Unicode MS" panose="020B0604020202020204" pitchFamily="34" charset="-128"/>
+            </a:endParaRPr>
+          </a:p>
+        </p:txBody>
+      </p:sp>
+      <p:sp>
+        <p:nvSpPr>
+          <p:cNvPr id="16" name="Rectangle 15">
+            <a:extLst>
+              <a:ext uri="{FF2B5EF4-FFF2-40B4-BE49-F238E27FC236}">
+                <a16:creationId xmlns:a16="http://schemas.microsoft.com/office/drawing/2014/main" id="{8FE9E20A-F465-8B4D-99FE-EA4F8BB60C2F}"/>
+              </a:ext>
+            </a:extLst>
+          </p:cNvPr>
+          <p:cNvSpPr/>
+          <p:nvPr/>
+        </p:nvSpPr>
+        <p:spPr>
+          <a:xfrm>
+            <a:off x="5003235" y="2471607"/>
+            <a:ext cx="1138437" cy="399773"/>
+          </a:xfrm>
+          <a:prstGeom prst="rect">
+            <a:avLst/>
+          </a:prstGeom>
+        </p:spPr>
+        <p:txBody>
+          <a:bodyPr wrap="none">
+            <a:spAutoFit/>
+          </a:bodyPr>
+          <a:lstStyle/>
+          <a:p>
+            <a:r>
+              <a:rPr lang="en-US" sz="1999" b="1" i="1" dirty="0">
+                <a:solidFill>
+                  <a:schemeClr val="bg2">
+                    <a:lumMod val="25000"/>
+                  </a:schemeClr>
+                </a:solidFill>
+                <a:ea typeface="Arial Unicode MS" panose="020B0604020202020204" pitchFamily="34" charset="-128"/>
+                <a:cs typeface="Arial Unicode MS" panose="020B0604020202020204" pitchFamily="34" charset="-128"/>
+              </a:rPr>
+              <a:t>Gateway</a:t>
+            </a:r>
+            <a:endParaRPr lang="en-US" sz="1999" b="1" i="1" dirty="0">
+              <a:solidFill>
+                <a:schemeClr val="bg2">
+                  <a:lumMod val="25000"/>
+                </a:schemeClr>
+              </a:solidFill>
+            </a:endParaRPr>
+          </a:p>
+        </p:txBody>
+      </p:sp>
+      <p:sp>
+        <p:nvSpPr>
+          <p:cNvPr id="19" name="Rounded Rectangle 18">
+            <a:extLst>
+              <a:ext uri="{FF2B5EF4-FFF2-40B4-BE49-F238E27FC236}">
+                <a16:creationId xmlns:a16="http://schemas.microsoft.com/office/drawing/2014/main" id="{98CC9E7E-3633-874A-88E8-A00B1ED5BDF9}"/>
+              </a:ext>
+            </a:extLst>
+          </p:cNvPr>
+          <p:cNvSpPr/>
+          <p:nvPr/>
+        </p:nvSpPr>
+        <p:spPr bwMode="auto">
+          <a:xfrm>
+            <a:off x="3295930" y="2560758"/>
+            <a:ext cx="1045524" cy="862471"/>
+          </a:xfrm>
+          <a:custGeom>
+            <a:avLst/>
+            <a:gdLst>
+              <a:gd name="connsiteX0" fmla="*/ 0 w 1045524"/>
+              <a:gd name="connsiteY0" fmla="*/ 143748 h 862471"/>
+              <a:gd name="connsiteX1" fmla="*/ 143748 w 1045524"/>
+              <a:gd name="connsiteY1" fmla="*/ 0 h 862471"/>
+              <a:gd name="connsiteX2" fmla="*/ 901776 w 1045524"/>
+              <a:gd name="connsiteY2" fmla="*/ 0 h 862471"/>
+              <a:gd name="connsiteX3" fmla="*/ 1045524 w 1045524"/>
+              <a:gd name="connsiteY3" fmla="*/ 143748 h 862471"/>
+              <a:gd name="connsiteX4" fmla="*/ 1045524 w 1045524"/>
+              <a:gd name="connsiteY4" fmla="*/ 718723 h 862471"/>
+              <a:gd name="connsiteX5" fmla="*/ 901776 w 1045524"/>
+              <a:gd name="connsiteY5" fmla="*/ 862471 h 862471"/>
+              <a:gd name="connsiteX6" fmla="*/ 143748 w 1045524"/>
+              <a:gd name="connsiteY6" fmla="*/ 862471 h 862471"/>
+              <a:gd name="connsiteX7" fmla="*/ 0 w 1045524"/>
+              <a:gd name="connsiteY7" fmla="*/ 718723 h 862471"/>
+              <a:gd name="connsiteX8" fmla="*/ 0 w 1045524"/>
+              <a:gd name="connsiteY8" fmla="*/ 143748 h 862471"/>
+            </a:gdLst>
+            <a:ahLst/>
+            <a:cxnLst>
+              <a:cxn ang="0">
+                <a:pos x="connsiteX0" y="connsiteY0"/>
+              </a:cxn>
+              <a:cxn ang="0">
+                <a:pos x="connsiteX1" y="connsiteY1"/>
+              </a:cxn>
+              <a:cxn ang="0">
+                <a:pos x="connsiteX2" y="connsiteY2"/>
+              </a:cxn>
+              <a:cxn ang="0">
+                <a:pos x="connsiteX3" y="connsiteY3"/>
+              </a:cxn>
+              <a:cxn ang="0">
+                <a:pos x="connsiteX4" y="connsiteY4"/>
+              </a:cxn>
+              <a:cxn ang="0">
+                <a:pos x="connsiteX5" y="connsiteY5"/>
+              </a:cxn>
+              <a:cxn ang="0">
+                <a:pos x="connsiteX6" y="connsiteY6"/>
+              </a:cxn>
+              <a:cxn ang="0">
+                <a:pos x="connsiteX7" y="connsiteY7"/>
+              </a:cxn>
+              <a:cxn ang="0">
+                <a:pos x="connsiteX8" y="connsiteY8"/>
+              </a:cxn>
+            </a:cxnLst>
+            <a:rect l="l" t="t" r="r" b="b"/>
+            <a:pathLst>
+              <a:path w="1045524" h="862471" extrusionOk="0">
+                <a:moveTo>
+                  <a:pt x="0" y="143748"/>
+                </a:moveTo>
+                <a:cubicBezTo>
+                  <a:pt x="-9704" y="58373"/>
+                  <a:pt x="58599" y="2162"/>
+                  <a:pt x="143748" y="0"/>
+                </a:cubicBezTo>
+                <a:cubicBezTo>
+                  <a:pt x="341759" y="-27723"/>
+                  <a:pt x="678322" y="-9635"/>
+                  <a:pt x="901776" y="0"/>
+                </a:cubicBezTo>
+                <a:cubicBezTo>
+                  <a:pt x="970146" y="10761"/>
+                  <a:pt x="1043140" y="77533"/>
+                  <a:pt x="1045524" y="143748"/>
+                </a:cubicBezTo>
+                <a:cubicBezTo>
+                  <a:pt x="1067495" y="280425"/>
+                  <a:pt x="1013346" y="517323"/>
+                  <a:pt x="1045524" y="718723"/>
+                </a:cubicBezTo>
+                <a:cubicBezTo>
+                  <a:pt x="1061119" y="799963"/>
+                  <a:pt x="982272" y="860194"/>
+                  <a:pt x="901776" y="862471"/>
+                </a:cubicBezTo>
+                <a:cubicBezTo>
+                  <a:pt x="648641" y="863713"/>
+                  <a:pt x="501396" y="870240"/>
+                  <a:pt x="143748" y="862471"/>
+                </a:cubicBezTo>
+                <a:cubicBezTo>
+                  <a:pt x="62889" y="848464"/>
+                  <a:pt x="-8261" y="809594"/>
+                  <a:pt x="0" y="718723"/>
+                </a:cubicBezTo>
+                <a:cubicBezTo>
+                  <a:pt x="38108" y="480802"/>
+                  <a:pt x="-29257" y="204854"/>
+                  <a:pt x="0" y="143748"/>
+                </a:cubicBezTo>
+                <a:close/>
+              </a:path>
+            </a:pathLst>
+          </a:custGeom>
+          <a:noFill/>
+          <a:ln w="12700" cap="flat" cmpd="sng" algn="ctr">
+            <a:solidFill>
+              <a:schemeClr val="accent1">
+                <a:lumMod val="50000"/>
+              </a:schemeClr>
+            </a:solidFill>
+            <a:prstDash val="solid"/>
+            <a:round/>
+            <a:headEnd type="none" w="med" len="med"/>
+            <a:tailEnd type="none" w="med" len="med"/>
+            <a:extLst>
+              <a:ext uri="{C807C97D-BFC1-408E-A445-0C87EB9F89A2}">
+                <ask:lineSketchStyleProps xmlns:ask="http://schemas.microsoft.com/office/drawing/2018/sketchyshapes" sd="1219033472">
+                  <a:prstGeom prst="roundRect">
+                    <a:avLst/>
+                  </a:prstGeom>
+                  <ask:type>
+                    <ask:lineSketchCurved/>
+                  </ask:type>
+                </ask:lineSketchStyleProps>
+              </a:ext>
+            </a:extLst>
+          </a:ln>
+        </p:spPr>
+        <p:style>
+          <a:lnRef idx="0">
+            <a:scrgbClr r="0" g="0" b="0"/>
+          </a:lnRef>
+          <a:fillRef idx="0">
+            <a:scrgbClr r="0" g="0" b="0"/>
+          </a:fillRef>
+          <a:effectRef idx="0">
+            <a:scrgbClr r="0" g="0" b="0"/>
+          </a:effectRef>
+          <a:fontRef idx="minor">
+            <a:schemeClr val="dk1"/>
+          </a:fontRef>
+        </p:style>
+        <p:txBody>
+          <a:bodyPr wrap="square" lIns="107944" tIns="53972" rIns="107944" bIns="53972" numCol="1" spcCol="72000" rtlCol="0" anchor="ctr">
+            <a:noAutofit/>
+          </a:bodyPr>
+          <a:lstStyle/>
+          <a:p>
+            <a:pPr algn="ctr">
+              <a:lnSpc>
+                <a:spcPct val="110000"/>
+              </a:lnSpc>
+              <a:spcBef>
+                <a:spcPct val="0"/>
+              </a:spcBef>
+              <a:buFont typeface="Wingdings" charset="0"/>
+              <a:buNone/>
+            </a:pPr>
+            <a:endParaRPr lang="en-US" sz="1799" dirty="0">
+              <a:solidFill>
+                <a:schemeClr val="tx1"/>
+              </a:solidFill>
+              <a:ea typeface="Arial Unicode MS" panose="020B0604020202020204" pitchFamily="34" charset="-128"/>
+              <a:cs typeface="Arial Unicode MS" panose="020B0604020202020204" pitchFamily="34" charset="-128"/>
+            </a:endParaRPr>
+          </a:p>
+        </p:txBody>
+      </p:sp>
+      <p:sp>
+        <p:nvSpPr>
+          <p:cNvPr id="20" name="Rounded Rectangle 19">
+            <a:extLst>
+              <a:ext uri="{FF2B5EF4-FFF2-40B4-BE49-F238E27FC236}">
+                <a16:creationId xmlns:a16="http://schemas.microsoft.com/office/drawing/2014/main" id="{2ED40DE5-8EC8-FF49-92B7-9EA7BDAF3C32}"/>
+              </a:ext>
+            </a:extLst>
+          </p:cNvPr>
+          <p:cNvSpPr/>
+          <p:nvPr/>
+        </p:nvSpPr>
+        <p:spPr bwMode="auto">
+          <a:xfrm>
+            <a:off x="6735965" y="2502589"/>
+            <a:ext cx="1009292" cy="895515"/>
+          </a:xfrm>
+          <a:custGeom>
+            <a:avLst/>
+            <a:gdLst>
+              <a:gd name="connsiteX0" fmla="*/ 0 w 1009292"/>
+              <a:gd name="connsiteY0" fmla="*/ 149255 h 895515"/>
+              <a:gd name="connsiteX1" fmla="*/ 149255 w 1009292"/>
+              <a:gd name="connsiteY1" fmla="*/ 0 h 895515"/>
+              <a:gd name="connsiteX2" fmla="*/ 860037 w 1009292"/>
+              <a:gd name="connsiteY2" fmla="*/ 0 h 895515"/>
+              <a:gd name="connsiteX3" fmla="*/ 1009292 w 1009292"/>
+              <a:gd name="connsiteY3" fmla="*/ 149255 h 895515"/>
+              <a:gd name="connsiteX4" fmla="*/ 1009292 w 1009292"/>
+              <a:gd name="connsiteY4" fmla="*/ 746260 h 895515"/>
+              <a:gd name="connsiteX5" fmla="*/ 860037 w 1009292"/>
+              <a:gd name="connsiteY5" fmla="*/ 895515 h 895515"/>
+              <a:gd name="connsiteX6" fmla="*/ 149255 w 1009292"/>
+              <a:gd name="connsiteY6" fmla="*/ 895515 h 895515"/>
+              <a:gd name="connsiteX7" fmla="*/ 0 w 1009292"/>
+              <a:gd name="connsiteY7" fmla="*/ 746260 h 895515"/>
+              <a:gd name="connsiteX8" fmla="*/ 0 w 1009292"/>
+              <a:gd name="connsiteY8" fmla="*/ 149255 h 895515"/>
+            </a:gdLst>
+            <a:ahLst/>
+            <a:cxnLst>
+              <a:cxn ang="0">
+                <a:pos x="connsiteX0" y="connsiteY0"/>
+              </a:cxn>
+              <a:cxn ang="0">
+                <a:pos x="connsiteX1" y="connsiteY1"/>
+              </a:cxn>
+              <a:cxn ang="0">
+                <a:pos x="connsiteX2" y="connsiteY2"/>
+              </a:cxn>
+              <a:cxn ang="0">
+                <a:pos x="connsiteX3" y="connsiteY3"/>
+              </a:cxn>
+              <a:cxn ang="0">
+                <a:pos x="connsiteX4" y="connsiteY4"/>
+              </a:cxn>
+              <a:cxn ang="0">
+                <a:pos x="connsiteX5" y="connsiteY5"/>
+              </a:cxn>
+              <a:cxn ang="0">
+                <a:pos x="connsiteX6" y="connsiteY6"/>
+              </a:cxn>
+              <a:cxn ang="0">
+                <a:pos x="connsiteX7" y="connsiteY7"/>
+              </a:cxn>
+              <a:cxn ang="0">
+                <a:pos x="connsiteX8" y="connsiteY8"/>
+              </a:cxn>
+            </a:cxnLst>
+            <a:rect l="l" t="t" r="r" b="b"/>
+            <a:pathLst>
+              <a:path w="1009292" h="895515" extrusionOk="0">
+                <a:moveTo>
+                  <a:pt x="0" y="149255"/>
+                </a:moveTo>
+                <a:cubicBezTo>
+                  <a:pt x="-9484" y="72749"/>
+                  <a:pt x="52449" y="959"/>
+                  <a:pt x="149255" y="0"/>
+                </a:cubicBezTo>
+                <a:cubicBezTo>
+                  <a:pt x="482826" y="67"/>
+                  <a:pt x="688499" y="6570"/>
+                  <a:pt x="860037" y="0"/>
+                </a:cubicBezTo>
+                <a:cubicBezTo>
+                  <a:pt x="941160" y="3038"/>
+                  <a:pt x="1014789" y="68027"/>
+                  <a:pt x="1009292" y="149255"/>
+                </a:cubicBezTo>
+                <a:cubicBezTo>
+                  <a:pt x="990443" y="342957"/>
+                  <a:pt x="1042538" y="509977"/>
+                  <a:pt x="1009292" y="746260"/>
+                </a:cubicBezTo>
+                <a:cubicBezTo>
+                  <a:pt x="1008174" y="835612"/>
+                  <a:pt x="936841" y="901539"/>
+                  <a:pt x="860037" y="895515"/>
+                </a:cubicBezTo>
+                <a:cubicBezTo>
+                  <a:pt x="713736" y="953246"/>
+                  <a:pt x="359616" y="912998"/>
+                  <a:pt x="149255" y="895515"/>
+                </a:cubicBezTo>
+                <a:cubicBezTo>
+                  <a:pt x="70717" y="894085"/>
+                  <a:pt x="-13516" y="834804"/>
+                  <a:pt x="0" y="746260"/>
+                </a:cubicBezTo>
+                <a:cubicBezTo>
+                  <a:pt x="8002" y="604782"/>
+                  <a:pt x="-26881" y="412585"/>
+                  <a:pt x="0" y="149255"/>
+                </a:cubicBezTo>
+                <a:close/>
+              </a:path>
+            </a:pathLst>
+          </a:custGeom>
+          <a:noFill/>
+          <a:ln w="12700" cap="flat" cmpd="sng" algn="ctr">
+            <a:solidFill>
+              <a:schemeClr val="accent1">
+                <a:lumMod val="50000"/>
+              </a:schemeClr>
+            </a:solidFill>
+            <a:prstDash val="solid"/>
+            <a:round/>
+            <a:headEnd type="none" w="med" len="med"/>
+            <a:tailEnd type="none" w="med" len="med"/>
+            <a:extLst>
+              <a:ext uri="{C807C97D-BFC1-408E-A445-0C87EB9F89A2}">
+                <ask:lineSketchStyleProps xmlns:ask="http://schemas.microsoft.com/office/drawing/2018/sketchyshapes" sd="1661685737">
+                  <a:prstGeom prst="roundRect">
+                    <a:avLst/>
+                  </a:prstGeom>
+                  <ask:type>
+                    <ask:lineSketchCurved/>
+                  </ask:type>
+                </ask:lineSketchStyleProps>
+              </a:ext>
+            </a:extLst>
+          </a:ln>
+        </p:spPr>
+        <p:style>
+          <a:lnRef idx="0">
+            <a:scrgbClr r="0" g="0" b="0"/>
+          </a:lnRef>
+          <a:fillRef idx="0">
+            <a:scrgbClr r="0" g="0" b="0"/>
+          </a:fillRef>
+          <a:effectRef idx="0">
+            <a:scrgbClr r="0" g="0" b="0"/>
+          </a:effectRef>
+          <a:fontRef idx="minor">
+            <a:schemeClr val="dk1"/>
+          </a:fontRef>
+        </p:style>
+        <p:txBody>
+          <a:bodyPr wrap="square" lIns="107944" tIns="53972" rIns="107944" bIns="53972" numCol="1" spcCol="72000" rtlCol="0" anchor="ctr">
+            <a:noAutofit/>
+          </a:bodyPr>
+          <a:lstStyle/>
+          <a:p>
+            <a:pPr algn="ctr">
+              <a:lnSpc>
+                <a:spcPct val="110000"/>
+              </a:lnSpc>
+              <a:spcBef>
+                <a:spcPct val="0"/>
+              </a:spcBef>
+              <a:buFont typeface="Wingdings" charset="0"/>
+              <a:buNone/>
+            </a:pPr>
+            <a:endParaRPr lang="en-US" sz="1799" dirty="0">
+              <a:solidFill>
+                <a:schemeClr val="tx1"/>
+              </a:solidFill>
+              <a:ea typeface="Arial Unicode MS" panose="020B0604020202020204" pitchFamily="34" charset="-128"/>
+              <a:cs typeface="Arial Unicode MS" panose="020B0604020202020204" pitchFamily="34" charset="-128"/>
+            </a:endParaRPr>
+          </a:p>
+        </p:txBody>
+      </p:sp>
+      <p:cxnSp>
+        <p:nvCxnSpPr>
+          <p:cNvPr id="26" name="Straight Arrow Connector 25">
+            <a:extLst>
+              <a:ext uri="{FF2B5EF4-FFF2-40B4-BE49-F238E27FC236}">
+                <a16:creationId xmlns:a16="http://schemas.microsoft.com/office/drawing/2014/main" id="{6CF4547B-F177-A548-B1BE-0E3ED28DC61A}"/>
+              </a:ext>
+            </a:extLst>
+          </p:cNvPr>
+          <p:cNvCxnSpPr>
+            <a:cxnSpLocks/>
+            <a:stCxn id="56" idx="2"/>
+          </p:cNvCxnSpPr>
+          <p:nvPr/>
+        </p:nvCxnSpPr>
+        <p:spPr bwMode="auto">
+          <a:xfrm>
+            <a:off x="3222875" y="1877599"/>
+            <a:ext cx="560670" cy="506672"/>
+          </a:xfrm>
+          <a:prstGeom prst="straightConnector1">
+            <a:avLst/>
+          </a:prstGeom>
+          <a:solidFill>
+            <a:schemeClr val="tx2"/>
+          </a:solidFill>
+          <a:ln w="12700" cap="flat" cmpd="sng" algn="ctr">
+            <a:solidFill>
+              <a:schemeClr val="accent1">
+                <a:lumMod val="50000"/>
+              </a:schemeClr>
+            </a:solidFill>
+            <a:prstDash val="solid"/>
+            <a:round/>
+            <a:headEnd type="none" w="med" len="med"/>
+            <a:tailEnd type="triangle"/>
+          </a:ln>
+          <a:effectLst/>
+          <a:extLst>
+            <a:ext uri="{AF507438-7753-43E0-B8FC-AC1667EBCBE1}">
+              <a14:hiddenEffects xmlns:a14="http://schemas.microsoft.com/office/drawing/2010/main">
+                <a:effectLst>
+                  <a:outerShdw blurRad="63500" dist="35921" dir="2700000" algn="ctr" rotWithShape="0">
+                    <a:schemeClr val="bg2"/>
+                  </a:outerShdw>
+                </a:effectLst>
+              </a14:hiddenEffects>
+            </a:ext>
+          </a:extLst>
+        </p:spPr>
+      </p:cxnSp>
+      <p:sp>
+        <p:nvSpPr>
+          <p:cNvPr id="32" name="TextBox 31">
+            <a:extLst>
+              <a:ext uri="{FF2B5EF4-FFF2-40B4-BE49-F238E27FC236}">
+                <a16:creationId xmlns:a16="http://schemas.microsoft.com/office/drawing/2014/main" id="{7BC46A68-3EBE-AA45-BEAC-C8047F011DE2}"/>
+              </a:ext>
+            </a:extLst>
+          </p:cNvPr>
+          <p:cNvSpPr txBox="1"/>
+          <p:nvPr/>
+        </p:nvSpPr>
+        <p:spPr>
+          <a:xfrm>
+            <a:off x="6847762" y="400804"/>
+            <a:ext cx="1041946" cy="425925"/>
           </a:xfrm>
           <a:prstGeom prst="rect">
             <a:avLst/>
           </a:prstGeom>
           <a:noFill/>
-          <a:extLst>
-            <a:ext uri="{909E8E84-426E-40DD-AFC4-6F175D3DCCD1}">
-              <a14:hiddenFill xmlns:a14="http://schemas.microsoft.com/office/drawing/2010/main">
-                <a:solidFill>
-                  <a:srgbClr val="FFFFFF"/>
-                </a:solidFill>
-              </a14:hiddenFill>
-            </a:ext>
-          </a:extLst>
-        </p:spPr>
-      </p:pic>
-      <p:pic>
-        <p:nvPicPr>
-          <p:cNvPr id="91" name="Picture 10" descr="See the source image">
-            <a:extLst>
-              <a:ext uri="{FF2B5EF4-FFF2-40B4-BE49-F238E27FC236}">
-                <a16:creationId xmlns:a16="http://schemas.microsoft.com/office/drawing/2014/main" id="{E21DD44F-8CC1-EF41-814D-686FC4061FA6}"/>
-              </a:ext>
-            </a:extLst>
-          </p:cNvPr>
-          <p:cNvPicPr>
-            <a:picLocks noChangeAspect="1" noChangeArrowheads="1"/>
-          </p:cNvPicPr>
-          <p:nvPr/>
-        </p:nvPicPr>
-        <p:blipFill>
-          <a:blip r:embed="rId5">
-            <a:extLst>
-              <a:ext uri="{28A0092B-C50C-407E-A947-70E740481C1C}">
-                <a14:useLocalDpi xmlns:a14="http://schemas.microsoft.com/office/drawing/2010/main" val="0"/>
-              </a:ext>
-            </a:extLst>
-          </a:blip>
-          <a:srcRect/>
-          <a:stretch>
-            <a:fillRect/>
-          </a:stretch>
-        </p:blipFill>
-        <p:spPr bwMode="auto">
-          <a:xfrm>
-            <a:off x="648793" y="4573258"/>
-            <a:ext cx="1235788" cy="820693"/>
-          </a:xfrm>
-          <a:prstGeom prst="rect">
-            <a:avLst/>
-          </a:prstGeom>
-          <a:noFill/>
-          <a:extLst>
-            <a:ext uri="{909E8E84-426E-40DD-AFC4-6F175D3DCCD1}">
-              <a14:hiddenFill xmlns:a14="http://schemas.microsoft.com/office/drawing/2010/main">
-                <a:solidFill>
-                  <a:srgbClr val="FFFFFF"/>
-                </a:solidFill>
-              </a14:hiddenFill>
-            </a:ext>
-          </a:extLst>
-        </p:spPr>
-      </p:pic>
+        </p:spPr>
+        <p:txBody>
+          <a:bodyPr wrap="square" lIns="0" tIns="0" rIns="0" bIns="0" rtlCol="0">
+            <a:noAutofit/>
+          </a:bodyPr>
+          <a:lstStyle/>
+          <a:p>
+            <a:pPr algn="ctr">
+              <a:lnSpc>
+                <a:spcPct val="110000"/>
+              </a:lnSpc>
+            </a:pPr>
+            <a:r>
+              <a:rPr lang="en-US" sz="1199" dirty="0">
+                <a:ea typeface="Arial Unicode MS" panose="020B0604020202020204" pitchFamily="34" charset="-128"/>
+                <a:cs typeface="Arial Unicode MS" panose="020B0604020202020204" pitchFamily="34" charset="-128"/>
+              </a:rPr>
+              <a:t>Subscribe Tags</a:t>
+            </a:r>
+          </a:p>
+          <a:p>
+            <a:pPr algn="ctr">
+              <a:lnSpc>
+                <a:spcPct val="110000"/>
+              </a:lnSpc>
+            </a:pPr>
+            <a:r>
+              <a:rPr lang="en-US" sz="1199" dirty="0">
+                <a:ea typeface="Arial Unicode MS" panose="020B0604020202020204" pitchFamily="34" charset="-128"/>
+                <a:cs typeface="Arial Unicode MS" panose="020B0604020202020204" pitchFamily="34" charset="-128"/>
+              </a:rPr>
+              <a:t>Publish Tags</a:t>
+            </a:r>
+          </a:p>
+        </p:txBody>
+      </p:sp>
       <p:cxnSp>
         <p:nvCxnSpPr>
-          <p:cNvPr id="94" name="Curved Connector 93">
-            <a:extLst>
-              <a:ext uri="{FF2B5EF4-FFF2-40B4-BE49-F238E27FC236}">
-                <a16:creationId xmlns:a16="http://schemas.microsoft.com/office/drawing/2014/main" id="{C5B8A237-6C18-384E-82ED-C4ACEFD7880E}"/>
+          <p:cNvPr id="33" name="Straight Arrow Connector 32">
+            <a:extLst>
+              <a:ext uri="{FF2B5EF4-FFF2-40B4-BE49-F238E27FC236}">
+                <a16:creationId xmlns:a16="http://schemas.microsoft.com/office/drawing/2014/main" id="{5E15D8E8-2A58-5E4D-B494-CE4282A91447}"/>
               </a:ext>
             </a:extLst>
           </p:cNvPr>
@@ -8329,39 +8272,47 @@
           <p:nvPr/>
         </p:nvCxnSpPr>
         <p:spPr bwMode="auto">
-          <a:xfrm rot="10800000">
-            <a:off x="2292537" y="5185012"/>
-            <a:ext cx="494862" cy="260895"/>
-          </a:xfrm>
-          <a:prstGeom prst="curvedConnector2">
+          <a:xfrm flipH="1">
+            <a:off x="7232984" y="1705248"/>
+            <a:ext cx="743147" cy="665409"/>
+          </a:xfrm>
+          <a:prstGeom prst="straightConnector1">
             <a:avLst/>
           </a:prstGeom>
-          <a:ln>
+          <a:solidFill>
+            <a:schemeClr val="tx2"/>
+          </a:solidFill>
+          <a:ln w="12700" cap="flat" cmpd="sng" algn="ctr">
+            <a:solidFill>
+              <a:schemeClr val="accent1">
+                <a:lumMod val="50000"/>
+              </a:schemeClr>
+            </a:solidFill>
+            <a:prstDash val="solid"/>
+            <a:round/>
             <a:headEnd type="none" w="med" len="med"/>
             <a:tailEnd type="triangle"/>
           </a:ln>
-        </p:spPr>
-        <p:style>
-          <a:lnRef idx="2">
-            <a:schemeClr val="accent6"/>
-          </a:lnRef>
-          <a:fillRef idx="0">
-            <a:schemeClr val="accent6"/>
-          </a:fillRef>
-          <a:effectRef idx="1">
-            <a:schemeClr val="accent6"/>
-          </a:effectRef>
-          <a:fontRef idx="minor">
-            <a:schemeClr val="tx1"/>
-          </a:fontRef>
-        </p:style>
+          <a:effectLst/>
+          <a:extLst>
+            <a:ext uri="{AF507438-7753-43E0-B8FC-AC1667EBCBE1}">
+              <a14:hiddenEffects xmlns:a14="http://schemas.microsoft.com/office/drawing/2010/main">
+                <a:effectLst>
+                  <a:outerShdw blurRad="63500" dist="35921" dir="2700000" algn="ctr" rotWithShape="0">
+                    <a:schemeClr val="bg2"/>
+                  </a:outerShdw>
+                </a:effectLst>
+              </a14:hiddenEffects>
+            </a:ext>
+          </a:extLst>
+        </p:spPr>
       </p:cxnSp>
       <p:cxnSp>
         <p:nvCxnSpPr>
-          <p:cNvPr id="98" name="Curved Connector 97">
-            <a:extLst>
-              <a:ext uri="{FF2B5EF4-FFF2-40B4-BE49-F238E27FC236}">
-                <a16:creationId xmlns:a16="http://schemas.microsoft.com/office/drawing/2014/main" id="{D66981B9-66E9-B945-ADDF-22C28869DD25}"/>
+          <p:cNvPr id="36" name="Straight Arrow Connector 35">
+            <a:extLst>
+              <a:ext uri="{FF2B5EF4-FFF2-40B4-BE49-F238E27FC236}">
+                <a16:creationId xmlns:a16="http://schemas.microsoft.com/office/drawing/2014/main" id="{AE9D9A59-9F59-8443-8CDC-F611A3AD6F22}"/>
               </a:ext>
             </a:extLst>
           </p:cNvPr>
@@ -8371,247 +8322,21 @@
           <p:nvPr/>
         </p:nvCxnSpPr>
         <p:spPr bwMode="auto">
-          <a:xfrm rot="10800000" flipV="1">
-            <a:off x="1266689" y="5213275"/>
-            <a:ext cx="888414" cy="180675"/>
-          </a:xfrm>
-          <a:prstGeom prst="curvedConnector4">
-            <a:avLst>
-              <a:gd name="adj1" fmla="val -2263"/>
-              <a:gd name="adj2" fmla="val 160701"/>
-            </a:avLst>
-          </a:prstGeom>
-          <a:ln>
-            <a:headEnd type="none" w="med" len="med"/>
-            <a:tailEnd type="triangle"/>
-          </a:ln>
-        </p:spPr>
-        <p:style>
-          <a:lnRef idx="2">
-            <a:schemeClr val="accent6"/>
-          </a:lnRef>
-          <a:fillRef idx="0">
-            <a:schemeClr val="accent6"/>
-          </a:fillRef>
-          <a:effectRef idx="1">
-            <a:schemeClr val="accent6"/>
-          </a:effectRef>
-          <a:fontRef idx="minor">
-            <a:schemeClr val="tx1"/>
-          </a:fontRef>
-        </p:style>
-      </p:cxnSp>
-      <p:cxnSp>
-        <p:nvCxnSpPr>
-          <p:cNvPr id="99" name="Straight Arrow Connector 98">
-            <a:extLst>
-              <a:ext uri="{FF2B5EF4-FFF2-40B4-BE49-F238E27FC236}">
-                <a16:creationId xmlns:a16="http://schemas.microsoft.com/office/drawing/2014/main" id="{A4297973-7C36-1F44-9AEE-9DB48C31B316}"/>
-              </a:ext>
-            </a:extLst>
-          </p:cNvPr>
-          <p:cNvCxnSpPr>
-            <a:cxnSpLocks/>
-            <a:endCxn id="90" idx="3"/>
-          </p:cNvCxnSpPr>
-          <p:nvPr/>
-        </p:nvCxnSpPr>
-        <p:spPr bwMode="auto">
-          <a:xfrm flipH="1">
-            <a:off x="2744812" y="4261238"/>
-            <a:ext cx="433574" cy="471498"/>
+          <a:xfrm>
+            <a:off x="1636781" y="4454400"/>
+            <a:ext cx="0" cy="512211"/>
           </a:xfrm>
           <a:prstGeom prst="straightConnector1">
             <a:avLst/>
           </a:prstGeom>
-          <a:ln>
-            <a:headEnd type="none" w="med" len="med"/>
-            <a:tailEnd type="triangle"/>
-          </a:ln>
-        </p:spPr>
-        <p:style>
-          <a:lnRef idx="3">
-            <a:schemeClr val="accent6"/>
-          </a:lnRef>
-          <a:fillRef idx="0">
-            <a:schemeClr val="accent6"/>
-          </a:fillRef>
-          <a:effectRef idx="2">
-            <a:schemeClr val="accent6"/>
-          </a:effectRef>
-          <a:fontRef idx="minor">
-            <a:schemeClr val="tx1"/>
-          </a:fontRef>
-        </p:style>
-      </p:cxnSp>
-      <p:pic>
-        <p:nvPicPr>
-          <p:cNvPr id="32" name="Picture 31">
-            <a:extLst>
-              <a:ext uri="{FF2B5EF4-FFF2-40B4-BE49-F238E27FC236}">
-                <a16:creationId xmlns:a16="http://schemas.microsoft.com/office/drawing/2014/main" id="{4E426897-99B4-7841-B526-C6DDCF33EE5F}"/>
-              </a:ext>
-            </a:extLst>
-          </p:cNvPr>
-          <p:cNvPicPr>
-            <a:picLocks noChangeAspect="1"/>
-          </p:cNvPicPr>
-          <p:nvPr/>
-        </p:nvPicPr>
-        <p:blipFill>
-          <a:blip r:embed="rId12"/>
-          <a:stretch>
-            <a:fillRect/>
-          </a:stretch>
-        </p:blipFill>
-        <p:spPr>
-          <a:xfrm rot="3228624">
-            <a:off x="3637564" y="5431056"/>
-            <a:ext cx="2112912" cy="665567"/>
-          </a:xfrm>
-          <a:prstGeom prst="rect">
-            <a:avLst/>
-          </a:prstGeom>
-        </p:spPr>
-      </p:pic>
-      <p:pic>
-        <p:nvPicPr>
-          <p:cNvPr id="33" name="Picture 32">
-            <a:extLst>
-              <a:ext uri="{FF2B5EF4-FFF2-40B4-BE49-F238E27FC236}">
-                <a16:creationId xmlns:a16="http://schemas.microsoft.com/office/drawing/2014/main" id="{24D1F5A2-1CC2-EE42-8912-2C70A0DF3A81}"/>
-              </a:ext>
-            </a:extLst>
-          </p:cNvPr>
-          <p:cNvPicPr>
-            <a:picLocks noChangeAspect="1"/>
-          </p:cNvPicPr>
-          <p:nvPr/>
-        </p:nvPicPr>
-        <p:blipFill>
-          <a:blip r:embed="rId13"/>
-          <a:stretch>
-            <a:fillRect/>
-          </a:stretch>
-        </p:blipFill>
-        <p:spPr>
-          <a:xfrm rot="3171732">
-            <a:off x="5129375" y="5187425"/>
-            <a:ext cx="2030942" cy="755257"/>
-          </a:xfrm>
-          <a:prstGeom prst="rect">
-            <a:avLst/>
-          </a:prstGeom>
-        </p:spPr>
-      </p:pic>
-      <p:sp>
-        <p:nvSpPr>
-          <p:cNvPr id="108" name="Rectangle 107">
-            <a:extLst>
-              <a:ext uri="{FF2B5EF4-FFF2-40B4-BE49-F238E27FC236}">
-                <a16:creationId xmlns:a16="http://schemas.microsoft.com/office/drawing/2014/main" id="{59C181E5-3984-304A-98F8-BD5BD31E20CE}"/>
-              </a:ext>
-            </a:extLst>
-          </p:cNvPr>
-          <p:cNvSpPr/>
-          <p:nvPr/>
-        </p:nvSpPr>
-        <p:spPr>
-          <a:xfrm rot="3197237">
-            <a:off x="4987255" y="5727057"/>
-            <a:ext cx="1546413" cy="369012"/>
-          </a:xfrm>
-          <a:prstGeom prst="rect">
-            <a:avLst/>
-          </a:prstGeom>
-        </p:spPr>
-        <p:txBody>
-          <a:bodyPr wrap="none">
-            <a:spAutoFit/>
-          </a:bodyPr>
-          <a:lstStyle/>
-          <a:p>
-            <a:r>
-              <a:rPr lang="en-US" sz="1799" dirty="0">
-                <a:solidFill>
-                  <a:srgbClr val="209999"/>
-                </a:solidFill>
-                <a:ea typeface="Arial Unicode MS" panose="020B0604020202020204" pitchFamily="34" charset="-128"/>
-                <a:cs typeface="Arial Unicode MS" panose="020B0604020202020204" pitchFamily="34" charset="-128"/>
-              </a:rPr>
-              <a:t>WinCC Unified</a:t>
-            </a:r>
-            <a:endParaRPr lang="en-US" sz="1799" dirty="0"/>
-          </a:p>
-        </p:txBody>
-      </p:sp>
-      <p:cxnSp>
-        <p:nvCxnSpPr>
-          <p:cNvPr id="109" name="Straight Arrow Connector 108">
-            <a:extLst>
-              <a:ext uri="{FF2B5EF4-FFF2-40B4-BE49-F238E27FC236}">
-                <a16:creationId xmlns:a16="http://schemas.microsoft.com/office/drawing/2014/main" id="{091653A4-F3B0-294F-B49A-6277D456E35B}"/>
-              </a:ext>
-            </a:extLst>
-          </p:cNvPr>
-          <p:cNvCxnSpPr>
-            <a:cxnSpLocks/>
-          </p:cNvCxnSpPr>
-          <p:nvPr/>
-        </p:nvCxnSpPr>
-        <p:spPr bwMode="auto">
-          <a:xfrm>
-            <a:off x="4147959" y="4236226"/>
-            <a:ext cx="323340" cy="806792"/>
-          </a:xfrm>
-          <a:prstGeom prst="straightConnector1">
-            <a:avLst/>
-          </a:prstGeom>
-          <a:ln>
-            <a:headEnd type="none" w="med" len="med"/>
-            <a:tailEnd type="triangle"/>
-          </a:ln>
-        </p:spPr>
-        <p:style>
-          <a:lnRef idx="3">
-            <a:schemeClr val="accent6"/>
-          </a:lnRef>
-          <a:fillRef idx="0">
-            <a:schemeClr val="accent6"/>
-          </a:fillRef>
-          <a:effectRef idx="2">
-            <a:schemeClr val="accent6"/>
-          </a:effectRef>
-          <a:fontRef idx="minor">
-            <a:schemeClr val="tx1"/>
-          </a:fontRef>
-        </p:style>
-      </p:cxnSp>
-      <p:cxnSp>
-        <p:nvCxnSpPr>
-          <p:cNvPr id="110" name="Straight Arrow Connector 109">
-            <a:extLst>
-              <a:ext uri="{FF2B5EF4-FFF2-40B4-BE49-F238E27FC236}">
-                <a16:creationId xmlns:a16="http://schemas.microsoft.com/office/drawing/2014/main" id="{9F1CB597-02EB-724A-91DC-5BC293347B4F}"/>
-              </a:ext>
-            </a:extLst>
-          </p:cNvPr>
-          <p:cNvCxnSpPr>
-            <a:cxnSpLocks/>
-          </p:cNvCxnSpPr>
-          <p:nvPr/>
-        </p:nvCxnSpPr>
-        <p:spPr bwMode="auto">
-          <a:xfrm>
-            <a:off x="5129249" y="4307068"/>
-            <a:ext cx="448549" cy="746037"/>
-          </a:xfrm>
-          <a:prstGeom prst="straightConnector1">
-            <a:avLst/>
-          </a:prstGeom>
-          <a:ln>
-            <a:headEnd type="none" w="med" len="med"/>
-            <a:tailEnd type="triangle"/>
+          <a:ln w="12700">
+            <a:solidFill>
+              <a:schemeClr val="accent1">
+                <a:lumMod val="50000"/>
+              </a:schemeClr>
+            </a:solidFill>
+            <a:headEnd type="triangle" w="med" len="med"/>
+            <a:tailEnd type="none"/>
           </a:ln>
         </p:spPr>
         <p:style>
@@ -8634,7 +8359,7 @@
           <p:cNvPr id="37" name="Picture 36">
             <a:extLst>
               <a:ext uri="{FF2B5EF4-FFF2-40B4-BE49-F238E27FC236}">
-                <a16:creationId xmlns:a16="http://schemas.microsoft.com/office/drawing/2014/main" id="{F4DC236F-A3CD-A640-87CF-CF03CD25FD4E}"/>
+                <a16:creationId xmlns:a16="http://schemas.microsoft.com/office/drawing/2014/main" id="{E67143C2-19A1-B043-ABD8-A44B594D1717}"/>
               </a:ext>
             </a:extLst>
           </p:cNvPr>
@@ -8643,28 +8368,95 @@
           </p:cNvPicPr>
           <p:nvPr/>
         </p:nvPicPr>
-        <p:blipFill>
-          <a:blip r:embed="rId14"/>
-          <a:stretch>
-            <a:fillRect/>
-          </a:stretch>
+        <p:blipFill rotWithShape="1">
+          <a:blip r:embed="rId9"/>
+          <a:srcRect t="9600" b="9600"/>
+          <a:stretch/>
         </p:blipFill>
         <p:spPr>
-          <a:xfrm rot="2650210">
-            <a:off x="6465526" y="5239454"/>
-            <a:ext cx="1405165" cy="396329"/>
+          <a:xfrm rot="5400000">
+            <a:off x="1360626" y="5542154"/>
+            <a:ext cx="1765792" cy="449429"/>
           </a:xfrm>
           <a:prstGeom prst="rect">
             <a:avLst/>
           </a:prstGeom>
         </p:spPr>
       </p:pic>
+      <p:sp>
+        <p:nvSpPr>
+          <p:cNvPr id="39" name="Rectangle 38">
+            <a:extLst>
+              <a:ext uri="{FF2B5EF4-FFF2-40B4-BE49-F238E27FC236}">
+                <a16:creationId xmlns:a16="http://schemas.microsoft.com/office/drawing/2014/main" id="{2C5A8928-2268-9A46-B840-E4D5EFDEE127}"/>
+              </a:ext>
+            </a:extLst>
+          </p:cNvPr>
+          <p:cNvSpPr/>
+          <p:nvPr/>
+        </p:nvSpPr>
+        <p:spPr>
+          <a:xfrm>
+            <a:off x="5860291" y="5976352"/>
+            <a:ext cx="1023037" cy="577081"/>
+          </a:xfrm>
+          <a:prstGeom prst="rect">
+            <a:avLst/>
+          </a:prstGeom>
+        </p:spPr>
+        <p:txBody>
+          <a:bodyPr wrap="none">
+            <a:spAutoFit/>
+          </a:bodyPr>
+          <a:lstStyle/>
+          <a:p>
+            <a:pPr algn="ctr"/>
+            <a:r>
+              <a:rPr lang="en-US" sz="1050" dirty="0">
+                <a:solidFill>
+                  <a:srgbClr val="209999"/>
+                </a:solidFill>
+                <a:ea typeface="Arial Unicode MS" panose="020B0604020202020204" pitchFamily="34" charset="-128"/>
+                <a:cs typeface="Arial Unicode MS" panose="020B0604020202020204" pitchFamily="34" charset="-128"/>
+              </a:rPr>
+              <a:t>Siemens </a:t>
+            </a:r>
+          </a:p>
+          <a:p>
+            <a:pPr algn="ctr"/>
+            <a:r>
+              <a:rPr lang="en-US" sz="1050" dirty="0">
+                <a:solidFill>
+                  <a:srgbClr val="209999"/>
+                </a:solidFill>
+                <a:ea typeface="Arial Unicode MS" panose="020B0604020202020204" pitchFamily="34" charset="-128"/>
+                <a:cs typeface="Arial Unicode MS" panose="020B0604020202020204" pitchFamily="34" charset="-128"/>
+              </a:rPr>
+              <a:t>Comfort Panels</a:t>
+            </a:r>
+          </a:p>
+          <a:p>
+            <a:pPr algn="ctr"/>
+            <a:r>
+              <a:rPr lang="en-US" sz="1050" dirty="0">
+                <a:solidFill>
+                  <a:srgbClr val="209999"/>
+                </a:solidFill>
+                <a:ea typeface="Arial Unicode MS" panose="020B0604020202020204" pitchFamily="34" charset="-128"/>
+                <a:cs typeface="Arial Unicode MS" panose="020B0604020202020204" pitchFamily="34" charset="-128"/>
+              </a:rPr>
+              <a:t>WinCC Unified</a:t>
+            </a:r>
+            <a:endParaRPr lang="en-US" sz="1050" dirty="0"/>
+          </a:p>
+        </p:txBody>
+      </p:sp>
       <p:cxnSp>
         <p:nvCxnSpPr>
-          <p:cNvPr id="113" name="Straight Arrow Connector 112">
-            <a:extLst>
-              <a:ext uri="{FF2B5EF4-FFF2-40B4-BE49-F238E27FC236}">
-                <a16:creationId xmlns:a16="http://schemas.microsoft.com/office/drawing/2014/main" id="{F6AFA2C2-5065-B44D-BD2B-7558D2E02913}"/>
+          <p:cNvPr id="40" name="Straight Arrow Connector 39">
+            <a:extLst>
+              <a:ext uri="{FF2B5EF4-FFF2-40B4-BE49-F238E27FC236}">
+                <a16:creationId xmlns:a16="http://schemas.microsoft.com/office/drawing/2014/main" id="{A68D060D-5D3C-1343-B205-65DAD44D2F4B}"/>
               </a:ext>
             </a:extLst>
           </p:cNvPr>
@@ -8675,15 +8467,20 @@
         </p:nvCxnSpPr>
         <p:spPr bwMode="auto">
           <a:xfrm>
-            <a:off x="6096000" y="4325095"/>
-            <a:ext cx="482867" cy="591164"/>
+            <a:off x="2243522" y="4438296"/>
+            <a:ext cx="0" cy="498105"/>
           </a:xfrm>
           <a:prstGeom prst="straightConnector1">
             <a:avLst/>
           </a:prstGeom>
-          <a:ln>
-            <a:headEnd type="none" w="med" len="med"/>
-            <a:tailEnd type="triangle"/>
+          <a:ln w="12700">
+            <a:solidFill>
+              <a:schemeClr val="accent1">
+                <a:lumMod val="50000"/>
+              </a:schemeClr>
+            </a:solidFill>
+            <a:headEnd type="triangle" w="med" len="med"/>
+            <a:tailEnd type="none"/>
           </a:ln>
         </p:spPr>
         <p:style>
@@ -8701,53 +8498,308 @@
           </a:fontRef>
         </p:style>
       </p:cxnSp>
-      <p:sp>
-        <p:nvSpPr>
-          <p:cNvPr id="116" name="Rectangle 115">
-            <a:extLst>
-              <a:ext uri="{FF2B5EF4-FFF2-40B4-BE49-F238E27FC236}">
-                <a16:creationId xmlns:a16="http://schemas.microsoft.com/office/drawing/2014/main" id="{D8C7E308-CE51-8A43-B090-8F4C7AB7F30F}"/>
-              </a:ext>
-            </a:extLst>
-          </p:cNvPr>
-          <p:cNvSpPr/>
+      <p:pic>
+        <p:nvPicPr>
+          <p:cNvPr id="44" name="Graphic 43">
+            <a:extLst>
+              <a:ext uri="{FF2B5EF4-FFF2-40B4-BE49-F238E27FC236}">
+                <a16:creationId xmlns:a16="http://schemas.microsoft.com/office/drawing/2014/main" id="{AA9D2907-E607-024F-9EAE-C8D7C8D3876F}"/>
+              </a:ext>
+            </a:extLst>
+          </p:cNvPr>
+          <p:cNvPicPr>
+            <a:picLocks noChangeAspect="1"/>
+          </p:cNvPicPr>
           <p:nvPr/>
-        </p:nvSpPr>
+        </p:nvPicPr>
+        <p:blipFill rotWithShape="1">
+          <a:blip r:embed="rId10">
+            <a:extLst>
+              <a:ext uri="{96DAC541-7B7A-43D3-8B79-37D633B846F1}">
+                <asvg:svgBlip xmlns:asvg="http://schemas.microsoft.com/office/drawing/2016/SVG/main" r:embed="rId11"/>
+              </a:ext>
+            </a:extLst>
+          </a:blip>
+          <a:srcRect l="18867" t="31648" r="20715" b="31551"/>
+          <a:stretch/>
+        </p:blipFill>
         <p:spPr>
           <a:xfrm>
-            <a:off x="3550851" y="3992789"/>
-            <a:ext cx="548262" cy="230712"/>
+            <a:off x="9573468" y="2713223"/>
+            <a:ext cx="1538988" cy="347823"/>
           </a:xfrm>
           <a:prstGeom prst="rect">
             <a:avLst/>
           </a:prstGeom>
         </p:spPr>
-        <p:txBody>
-          <a:bodyPr wrap="none" anchor="ctr">
+      </p:pic>
+      <p:sp>
+        <p:nvSpPr>
+          <p:cNvPr id="45" name="Rectangle 44">
+            <a:extLst>
+              <a:ext uri="{FF2B5EF4-FFF2-40B4-BE49-F238E27FC236}">
+                <a16:creationId xmlns:a16="http://schemas.microsoft.com/office/drawing/2014/main" id="{497DAC01-BAAA-6A49-8E82-7346C012524F}"/>
+              </a:ext>
+            </a:extLst>
+          </p:cNvPr>
+          <p:cNvSpPr/>
+          <p:nvPr/>
+        </p:nvSpPr>
+        <p:spPr>
+          <a:xfrm>
+            <a:off x="9733978" y="3016107"/>
+            <a:ext cx="1217969" cy="415026"/>
+          </a:xfrm>
+          <a:prstGeom prst="rect">
+            <a:avLst/>
+          </a:prstGeom>
+        </p:spPr>
+        <p:txBody>
+          <a:bodyPr wrap="none">
             <a:spAutoFit/>
           </a:bodyPr>
           <a:lstStyle/>
           <a:p>
             <a:pPr algn="ctr"/>
             <a:r>
-              <a:rPr lang="en-US" sz="900" dirty="0">
-                <a:solidFill>
-                  <a:srgbClr val="209999"/>
-                </a:solidFill>
-                <a:ea typeface="Arial Unicode MS" panose="020B0604020202020204" pitchFamily="34" charset="-128"/>
-                <a:cs typeface="Arial Unicode MS" panose="020B0604020202020204" pitchFamily="34" charset="-128"/>
-              </a:rPr>
-              <a:t>OPC UA</a:t>
+              <a:rPr lang="en-US" sz="1049" dirty="0"/>
+              <a:t>Database Logger</a:t>
+            </a:r>
+          </a:p>
+          <a:p>
+            <a:pPr algn="ctr"/>
+            <a:r>
+              <a:rPr lang="en-US" sz="1049" dirty="0"/>
+              <a:t>Query via GraphQL</a:t>
             </a:r>
           </a:p>
         </p:txBody>
       </p:sp>
       <p:pic>
         <p:nvPicPr>
-          <p:cNvPr id="39" name="Picture 38" descr="Shape&#10;&#10;Description automatically generated with medium confidence">
-            <a:extLst>
-              <a:ext uri="{FF2B5EF4-FFF2-40B4-BE49-F238E27FC236}">
-                <a16:creationId xmlns:a16="http://schemas.microsoft.com/office/drawing/2014/main" id="{E0EEA54C-A003-9C4A-B815-AA5702558271}"/>
+          <p:cNvPr id="46" name="Graphic 45">
+            <a:extLst>
+              <a:ext uri="{FF2B5EF4-FFF2-40B4-BE49-F238E27FC236}">
+                <a16:creationId xmlns:a16="http://schemas.microsoft.com/office/drawing/2014/main" id="{5308A0F4-4C8D-8F4D-8811-0629C8D0B7F5}"/>
+              </a:ext>
+            </a:extLst>
+          </p:cNvPr>
+          <p:cNvPicPr>
+            <a:picLocks noChangeAspect="1"/>
+          </p:cNvPicPr>
+          <p:nvPr/>
+        </p:nvPicPr>
+        <p:blipFill rotWithShape="1">
+          <a:blip r:embed="rId10">
+            <a:extLst>
+              <a:ext uri="{96DAC541-7B7A-43D3-8B79-37D633B846F1}">
+                <asvg:svgBlip xmlns:asvg="http://schemas.microsoft.com/office/drawing/2016/SVG/main" r:embed="rId11"/>
+              </a:ext>
+            </a:extLst>
+          </a:blip>
+          <a:srcRect l="18867" t="31648" r="20715" b="31551"/>
+          <a:stretch/>
+        </p:blipFill>
+        <p:spPr>
+          <a:xfrm rot="16200000">
+            <a:off x="7823771" y="2898273"/>
+            <a:ext cx="859436" cy="194239"/>
+          </a:xfrm>
+          <a:prstGeom prst="rect">
+            <a:avLst/>
+          </a:prstGeom>
+        </p:spPr>
+      </p:pic>
+      <p:sp>
+        <p:nvSpPr>
+          <p:cNvPr id="47" name="Rounded Rectangle 46">
+            <a:extLst>
+              <a:ext uri="{FF2B5EF4-FFF2-40B4-BE49-F238E27FC236}">
+                <a16:creationId xmlns:a16="http://schemas.microsoft.com/office/drawing/2014/main" id="{EAC0CBBB-2AA0-D240-A9AF-3808831CE2AB}"/>
+              </a:ext>
+            </a:extLst>
+          </p:cNvPr>
+          <p:cNvSpPr/>
+          <p:nvPr/>
+        </p:nvSpPr>
+        <p:spPr bwMode="auto">
+          <a:xfrm>
+            <a:off x="8047353" y="2502589"/>
+            <a:ext cx="412365" cy="914681"/>
+          </a:xfrm>
+          <a:custGeom>
+            <a:avLst/>
+            <a:gdLst>
+              <a:gd name="connsiteX0" fmla="*/ 0 w 412365"/>
+              <a:gd name="connsiteY0" fmla="*/ 68729 h 914681"/>
+              <a:gd name="connsiteX1" fmla="*/ 68729 w 412365"/>
+              <a:gd name="connsiteY1" fmla="*/ 0 h 914681"/>
+              <a:gd name="connsiteX2" fmla="*/ 343636 w 412365"/>
+              <a:gd name="connsiteY2" fmla="*/ 0 h 914681"/>
+              <a:gd name="connsiteX3" fmla="*/ 412365 w 412365"/>
+              <a:gd name="connsiteY3" fmla="*/ 68729 h 914681"/>
+              <a:gd name="connsiteX4" fmla="*/ 412365 w 412365"/>
+              <a:gd name="connsiteY4" fmla="*/ 845952 h 914681"/>
+              <a:gd name="connsiteX5" fmla="*/ 343636 w 412365"/>
+              <a:gd name="connsiteY5" fmla="*/ 914681 h 914681"/>
+              <a:gd name="connsiteX6" fmla="*/ 68729 w 412365"/>
+              <a:gd name="connsiteY6" fmla="*/ 914681 h 914681"/>
+              <a:gd name="connsiteX7" fmla="*/ 0 w 412365"/>
+              <a:gd name="connsiteY7" fmla="*/ 845952 h 914681"/>
+              <a:gd name="connsiteX8" fmla="*/ 0 w 412365"/>
+              <a:gd name="connsiteY8" fmla="*/ 68729 h 914681"/>
+            </a:gdLst>
+            <a:ahLst/>
+            <a:cxnLst>
+              <a:cxn ang="0">
+                <a:pos x="connsiteX0" y="connsiteY0"/>
+              </a:cxn>
+              <a:cxn ang="0">
+                <a:pos x="connsiteX1" y="connsiteY1"/>
+              </a:cxn>
+              <a:cxn ang="0">
+                <a:pos x="connsiteX2" y="connsiteY2"/>
+              </a:cxn>
+              <a:cxn ang="0">
+                <a:pos x="connsiteX3" y="connsiteY3"/>
+              </a:cxn>
+              <a:cxn ang="0">
+                <a:pos x="connsiteX4" y="connsiteY4"/>
+              </a:cxn>
+              <a:cxn ang="0">
+                <a:pos x="connsiteX5" y="connsiteY5"/>
+              </a:cxn>
+              <a:cxn ang="0">
+                <a:pos x="connsiteX6" y="connsiteY6"/>
+              </a:cxn>
+              <a:cxn ang="0">
+                <a:pos x="connsiteX7" y="connsiteY7"/>
+              </a:cxn>
+              <a:cxn ang="0">
+                <a:pos x="connsiteX8" y="connsiteY8"/>
+              </a:cxn>
+            </a:cxnLst>
+            <a:rect l="l" t="t" r="r" b="b"/>
+            <a:pathLst>
+              <a:path w="412365" h="914681" extrusionOk="0">
+                <a:moveTo>
+                  <a:pt x="0" y="68729"/>
+                </a:moveTo>
+                <a:cubicBezTo>
+                  <a:pt x="468" y="31654"/>
+                  <a:pt x="36372" y="322"/>
+                  <a:pt x="68729" y="0"/>
+                </a:cubicBezTo>
+                <a:cubicBezTo>
+                  <a:pt x="147767" y="5628"/>
+                  <a:pt x="246531" y="-12785"/>
+                  <a:pt x="343636" y="0"/>
+                </a:cubicBezTo>
+                <a:cubicBezTo>
+                  <a:pt x="381395" y="-3838"/>
+                  <a:pt x="409757" y="37717"/>
+                  <a:pt x="412365" y="68729"/>
+                </a:cubicBezTo>
+                <a:cubicBezTo>
+                  <a:pt x="361841" y="291842"/>
+                  <a:pt x="363193" y="596903"/>
+                  <a:pt x="412365" y="845952"/>
+                </a:cubicBezTo>
+                <a:cubicBezTo>
+                  <a:pt x="415844" y="880823"/>
+                  <a:pt x="385065" y="915999"/>
+                  <a:pt x="343636" y="914681"/>
+                </a:cubicBezTo>
+                <a:cubicBezTo>
+                  <a:pt x="230057" y="936854"/>
+                  <a:pt x="188790" y="919998"/>
+                  <a:pt x="68729" y="914681"/>
+                </a:cubicBezTo>
+                <a:cubicBezTo>
+                  <a:pt x="29801" y="914838"/>
+                  <a:pt x="-1400" y="884599"/>
+                  <a:pt x="0" y="845952"/>
+                </a:cubicBezTo>
+                <a:cubicBezTo>
+                  <a:pt x="58113" y="587141"/>
+                  <a:pt x="68708" y="364908"/>
+                  <a:pt x="0" y="68729"/>
+                </a:cubicBezTo>
+                <a:close/>
+              </a:path>
+            </a:pathLst>
+          </a:custGeom>
+          <a:noFill/>
+          <a:ln w="12700" cap="flat" cmpd="sng" algn="ctr">
+            <a:solidFill>
+              <a:schemeClr val="accent1">
+                <a:lumMod val="50000"/>
+              </a:schemeClr>
+            </a:solidFill>
+            <a:prstDash val="solid"/>
+            <a:round/>
+            <a:headEnd type="none" w="med" len="med"/>
+            <a:tailEnd type="none" w="med" len="med"/>
+            <a:extLst>
+              <a:ext uri="{C807C97D-BFC1-408E-A445-0C87EB9F89A2}">
+                <ask:lineSketchStyleProps xmlns:ask="http://schemas.microsoft.com/office/drawing/2018/sketchyshapes" sd="2300883730">
+                  <a:prstGeom prst="roundRect">
+                    <a:avLst/>
+                  </a:prstGeom>
+                  <ask:type>
+                    <ask:lineSketchCurved/>
+                  </ask:type>
+                </ask:lineSketchStyleProps>
+              </a:ext>
+            </a:extLst>
+          </a:ln>
+        </p:spPr>
+        <p:style>
+          <a:lnRef idx="0">
+            <a:scrgbClr r="0" g="0" b="0"/>
+          </a:lnRef>
+          <a:fillRef idx="0">
+            <a:scrgbClr r="0" g="0" b="0"/>
+          </a:fillRef>
+          <a:effectRef idx="0">
+            <a:scrgbClr r="0" g="0" b="0"/>
+          </a:effectRef>
+          <a:fontRef idx="minor">
+            <a:schemeClr val="dk1"/>
+          </a:fontRef>
+        </p:style>
+        <p:txBody>
+          <a:bodyPr wrap="square" lIns="107944" tIns="53972" rIns="107944" bIns="53972" numCol="1" spcCol="72000" rtlCol="0" anchor="ctr">
+            <a:noAutofit/>
+          </a:bodyPr>
+          <a:lstStyle/>
+          <a:p>
+            <a:pPr algn="ctr">
+              <a:lnSpc>
+                <a:spcPct val="110000"/>
+              </a:lnSpc>
+              <a:spcBef>
+                <a:spcPct val="0"/>
+              </a:spcBef>
+              <a:buFont typeface="Wingdings" charset="0"/>
+              <a:buNone/>
+            </a:pPr>
+            <a:endParaRPr lang="en-US" sz="1799" dirty="0">
+              <a:solidFill>
+                <a:schemeClr val="tx1"/>
+              </a:solidFill>
+              <a:ea typeface="Arial Unicode MS" panose="020B0604020202020204" pitchFamily="34" charset="-128"/>
+              <a:cs typeface="Arial Unicode MS" panose="020B0604020202020204" pitchFamily="34" charset="-128"/>
+            </a:endParaRPr>
+          </a:p>
+        </p:txBody>
+      </p:sp>
+      <p:pic>
+        <p:nvPicPr>
+          <p:cNvPr id="56" name="Picture 55" descr="Text, whiteboard&#10;&#10;Description automatically generated">
+            <a:extLst>
+              <a:ext uri="{FF2B5EF4-FFF2-40B4-BE49-F238E27FC236}">
+                <a16:creationId xmlns:a16="http://schemas.microsoft.com/office/drawing/2014/main" id="{1E99B65F-79BD-1646-B132-D33CFB5E8B54}"/>
               </a:ext>
             </a:extLst>
           </p:cNvPr>
@@ -8757,27 +8809,124 @@
           <p:nvPr/>
         </p:nvPicPr>
         <p:blipFill>
-          <a:blip r:embed="rId15"/>
+          <a:blip r:embed="rId12"/>
           <a:stretch>
             <a:fillRect/>
           </a:stretch>
         </p:blipFill>
         <p:spPr>
-          <a:xfrm rot="3303163">
-            <a:off x="5132855" y="1648774"/>
-            <a:ext cx="1169171" cy="334051"/>
-          </a:xfrm>
-          <a:prstGeom prst="rect">
+          <a:xfrm>
+            <a:off x="1329179" y="298825"/>
+            <a:ext cx="3787391" cy="1578774"/>
+          </a:xfrm>
+          <a:custGeom>
             <a:avLst/>
-          </a:prstGeom>
-        </p:spPr>
+            <a:gdLst>
+              <a:gd name="connsiteX0" fmla="*/ 0 w 3787391"/>
+              <a:gd name="connsiteY0" fmla="*/ 0 h 1578774"/>
+              <a:gd name="connsiteX1" fmla="*/ 3787391 w 3787391"/>
+              <a:gd name="connsiteY1" fmla="*/ 0 h 1578774"/>
+              <a:gd name="connsiteX2" fmla="*/ 3787391 w 3787391"/>
+              <a:gd name="connsiteY2" fmla="*/ 1578774 h 1578774"/>
+              <a:gd name="connsiteX3" fmla="*/ 0 w 3787391"/>
+              <a:gd name="connsiteY3" fmla="*/ 1578774 h 1578774"/>
+              <a:gd name="connsiteX4" fmla="*/ 0 w 3787391"/>
+              <a:gd name="connsiteY4" fmla="*/ 0 h 1578774"/>
+            </a:gdLst>
+            <a:ahLst/>
+            <a:cxnLst>
+              <a:cxn ang="0">
+                <a:pos x="connsiteX0" y="connsiteY0"/>
+              </a:cxn>
+              <a:cxn ang="0">
+                <a:pos x="connsiteX1" y="connsiteY1"/>
+              </a:cxn>
+              <a:cxn ang="0">
+                <a:pos x="connsiteX2" y="connsiteY2"/>
+              </a:cxn>
+              <a:cxn ang="0">
+                <a:pos x="connsiteX3" y="connsiteY3"/>
+              </a:cxn>
+              <a:cxn ang="0">
+                <a:pos x="connsiteX4" y="connsiteY4"/>
+              </a:cxn>
+            </a:cxnLst>
+            <a:rect l="l" t="t" r="r" b="b"/>
+            <a:pathLst>
+              <a:path w="3787391" h="1578774" extrusionOk="0">
+                <a:moveTo>
+                  <a:pt x="0" y="0"/>
+                </a:moveTo>
+                <a:cubicBezTo>
+                  <a:pt x="982231" y="118645"/>
+                  <a:pt x="2164460" y="116012"/>
+                  <a:pt x="3787391" y="0"/>
+                </a:cubicBezTo>
+                <a:cubicBezTo>
+                  <a:pt x="3719900" y="162121"/>
+                  <a:pt x="3882158" y="1157209"/>
+                  <a:pt x="3787391" y="1578774"/>
+                </a:cubicBezTo>
+                <a:cubicBezTo>
+                  <a:pt x="3171391" y="1713374"/>
+                  <a:pt x="437850" y="1421578"/>
+                  <a:pt x="0" y="1578774"/>
+                </a:cubicBezTo>
+                <a:cubicBezTo>
+                  <a:pt x="33088" y="1161489"/>
+                  <a:pt x="-105046" y="467393"/>
+                  <a:pt x="0" y="0"/>
+                </a:cubicBezTo>
+                <a:close/>
+              </a:path>
+            </a:pathLst>
+          </a:custGeom>
+          <a:noFill/>
+          <a:ln w="9525" cap="flat" cmpd="sng" algn="ctr">
+            <a:solidFill>
+              <a:schemeClr val="tx2">
+                <a:lumMod val="75000"/>
+              </a:schemeClr>
+            </a:solidFill>
+            <a:prstDash val="solid"/>
+            <a:round/>
+            <a:headEnd type="none" w="med" len="med"/>
+            <a:tailEnd type="none" w="med" len="med"/>
+            <a:extLst>
+              <a:ext uri="{C807C97D-BFC1-408E-A445-0C87EB9F89A2}">
+                <ask:lineSketchStyleProps xmlns:ask="http://schemas.microsoft.com/office/drawing/2018/sketchyshapes" sd="1219033472">
+                  <a:prstGeom prst="rect">
+                    <a:avLst/>
+                  </a:prstGeom>
+                  <ask:type>
+                    <ask:lineSketchCurved/>
+                  </ask:type>
+                </ask:lineSketchStyleProps>
+              </a:ext>
+            </a:extLst>
+          </a:ln>
+        </p:spPr>
+        <p:style>
+          <a:lnRef idx="0">
+            <a:scrgbClr r="0" g="0" b="0"/>
+          </a:lnRef>
+          <a:fillRef idx="0">
+            <a:scrgbClr r="0" g="0" b="0"/>
+          </a:fillRef>
+          <a:effectRef idx="0">
+            <a:scrgbClr r="0" g="0" b="0"/>
+          </a:effectRef>
+          <a:fontRef idx="minor">
+            <a:schemeClr val="dk1"/>
+          </a:fontRef>
+        </p:style>
       </p:pic>
       <p:pic>
         <p:nvPicPr>
-          <p:cNvPr id="41" name="Picture 40" descr="Logo&#10;&#10;Description automatically generated">
-            <a:extLst>
-              <a:ext uri="{FF2B5EF4-FFF2-40B4-BE49-F238E27FC236}">
-                <a16:creationId xmlns:a16="http://schemas.microsoft.com/office/drawing/2014/main" id="{B4BF39D4-92A5-0A43-8085-85C489662B9A}"/>
+          <p:cNvPr id="58" name="Picture 57" descr="Graphical user interface, text, application, email&#10;&#10;Description automatically generated">
+            <a:extLst>
+              <a:ext uri="{FF2B5EF4-FFF2-40B4-BE49-F238E27FC236}">
+                <a16:creationId xmlns:a16="http://schemas.microsoft.com/office/drawing/2014/main" id="{2D78D672-0751-994F-925C-E7359896250F}"/>
               </a:ext>
             </a:extLst>
           </p:cNvPr>
@@ -8787,27 +8936,292 @@
           <p:nvPr/>
         </p:nvPicPr>
         <p:blipFill>
-          <a:blip r:embed="rId16"/>
+          <a:blip r:embed="rId13"/>
           <a:stretch>
             <a:fillRect/>
           </a:stretch>
         </p:blipFill>
         <p:spPr>
           <a:xfrm>
-            <a:off x="2752803" y="1473576"/>
-            <a:ext cx="1098776" cy="342223"/>
+            <a:off x="7976130" y="299095"/>
+            <a:ext cx="2975818" cy="1894140"/>
+          </a:xfrm>
+          <a:custGeom>
+            <a:avLst/>
+            <a:gdLst>
+              <a:gd name="connsiteX0" fmla="*/ 0 w 2975818"/>
+              <a:gd name="connsiteY0" fmla="*/ 0 h 1894140"/>
+              <a:gd name="connsiteX1" fmla="*/ 2975818 w 2975818"/>
+              <a:gd name="connsiteY1" fmla="*/ 0 h 1894140"/>
+              <a:gd name="connsiteX2" fmla="*/ 2975818 w 2975818"/>
+              <a:gd name="connsiteY2" fmla="*/ 1894140 h 1894140"/>
+              <a:gd name="connsiteX3" fmla="*/ 0 w 2975818"/>
+              <a:gd name="connsiteY3" fmla="*/ 1894140 h 1894140"/>
+              <a:gd name="connsiteX4" fmla="*/ 0 w 2975818"/>
+              <a:gd name="connsiteY4" fmla="*/ 0 h 1894140"/>
+            </a:gdLst>
+            <a:ahLst/>
+            <a:cxnLst>
+              <a:cxn ang="0">
+                <a:pos x="connsiteX0" y="connsiteY0"/>
+              </a:cxn>
+              <a:cxn ang="0">
+                <a:pos x="connsiteX1" y="connsiteY1"/>
+              </a:cxn>
+              <a:cxn ang="0">
+                <a:pos x="connsiteX2" y="connsiteY2"/>
+              </a:cxn>
+              <a:cxn ang="0">
+                <a:pos x="connsiteX3" y="connsiteY3"/>
+              </a:cxn>
+              <a:cxn ang="0">
+                <a:pos x="connsiteX4" y="connsiteY4"/>
+              </a:cxn>
+            </a:cxnLst>
+            <a:rect l="l" t="t" r="r" b="b"/>
+            <a:pathLst>
+              <a:path w="2975818" h="1894140" fill="none" extrusionOk="0">
+                <a:moveTo>
+                  <a:pt x="0" y="0"/>
+                </a:moveTo>
+                <a:cubicBezTo>
+                  <a:pt x="660297" y="-14931"/>
+                  <a:pt x="1969631" y="31643"/>
+                  <a:pt x="2975818" y="0"/>
+                </a:cubicBezTo>
+                <a:cubicBezTo>
+                  <a:pt x="3082030" y="473030"/>
+                  <a:pt x="2865893" y="1467476"/>
+                  <a:pt x="2975818" y="1894140"/>
+                </a:cubicBezTo>
+                <a:cubicBezTo>
+                  <a:pt x="2639919" y="1832086"/>
+                  <a:pt x="471236" y="1840437"/>
+                  <a:pt x="0" y="1894140"/>
+                </a:cubicBezTo>
+                <a:cubicBezTo>
+                  <a:pt x="-26706" y="1526146"/>
+                  <a:pt x="-6715" y="804853"/>
+                  <a:pt x="0" y="0"/>
+                </a:cubicBezTo>
+                <a:close/>
+              </a:path>
+              <a:path w="2975818" h="1894140" stroke="0" extrusionOk="0">
+                <a:moveTo>
+                  <a:pt x="0" y="0"/>
+                </a:moveTo>
+                <a:cubicBezTo>
+                  <a:pt x="992412" y="-5264"/>
+                  <a:pt x="1967788" y="84467"/>
+                  <a:pt x="2975818" y="0"/>
+                </a:cubicBezTo>
+                <a:cubicBezTo>
+                  <a:pt x="2847645" y="460941"/>
+                  <a:pt x="3104968" y="1621137"/>
+                  <a:pt x="2975818" y="1894140"/>
+                </a:cubicBezTo>
+                <a:cubicBezTo>
+                  <a:pt x="2639779" y="2000460"/>
+                  <a:pt x="827958" y="1886491"/>
+                  <a:pt x="0" y="1894140"/>
+                </a:cubicBezTo>
+                <a:cubicBezTo>
+                  <a:pt x="160128" y="987176"/>
+                  <a:pt x="25049" y="573782"/>
+                  <a:pt x="0" y="0"/>
+                </a:cubicBezTo>
+                <a:close/>
+              </a:path>
+            </a:pathLst>
+          </a:custGeom>
+          <a:ln>
+            <a:solidFill>
+              <a:schemeClr val="tx2">
+                <a:lumMod val="75000"/>
+              </a:schemeClr>
+            </a:solidFill>
+            <a:extLst>
+              <a:ext uri="{C807C97D-BFC1-408E-A445-0C87EB9F89A2}">
+                <ask:lineSketchStyleProps xmlns:ask="http://schemas.microsoft.com/office/drawing/2018/sketchyshapes" sd="2650216993">
+                  <a:prstGeom prst="rect">
+                    <a:avLst/>
+                  </a:prstGeom>
+                  <ask:type>
+                    <ask:lineSketchCurved/>
+                  </ask:type>
+                </ask:lineSketchStyleProps>
+              </a:ext>
+            </a:extLst>
+          </a:ln>
+        </p:spPr>
+      </p:pic>
+      <p:sp>
+        <p:nvSpPr>
+          <p:cNvPr id="31" name="TextBox 30">
+            <a:extLst>
+              <a:ext uri="{FF2B5EF4-FFF2-40B4-BE49-F238E27FC236}">
+                <a16:creationId xmlns:a16="http://schemas.microsoft.com/office/drawing/2014/main" id="{809E757D-71CA-0447-90D6-249BB18021CF}"/>
+              </a:ext>
+            </a:extLst>
+          </p:cNvPr>
+          <p:cNvSpPr txBox="1"/>
+          <p:nvPr/>
+        </p:nvSpPr>
+        <p:spPr>
+          <a:xfrm>
+            <a:off x="5110462" y="318679"/>
+            <a:ext cx="1041946" cy="649480"/>
           </a:xfrm>
           <a:prstGeom prst="rect">
             <a:avLst/>
           </a:prstGeom>
-        </p:spPr>
-      </p:pic>
+          <a:noFill/>
+        </p:spPr>
+        <p:txBody>
+          <a:bodyPr wrap="square" lIns="0" tIns="0" rIns="0" bIns="0" rtlCol="0">
+            <a:noAutofit/>
+          </a:bodyPr>
+          <a:lstStyle/>
+          <a:p>
+            <a:pPr algn="ctr">
+              <a:lnSpc>
+                <a:spcPct val="110000"/>
+              </a:lnSpc>
+            </a:pPr>
+            <a:r>
+              <a:rPr lang="en-US" sz="1199" dirty="0">
+                <a:ea typeface="Arial Unicode MS" panose="020B0604020202020204" pitchFamily="34" charset="-128"/>
+                <a:cs typeface="Arial Unicode MS" panose="020B0604020202020204" pitchFamily="34" charset="-128"/>
+              </a:rPr>
+              <a:t>Query Tags</a:t>
+            </a:r>
+          </a:p>
+          <a:p>
+            <a:pPr algn="ctr">
+              <a:lnSpc>
+                <a:spcPct val="110000"/>
+              </a:lnSpc>
+            </a:pPr>
+            <a:r>
+              <a:rPr lang="en-US" sz="1199" dirty="0">
+                <a:ea typeface="Arial Unicode MS" panose="020B0604020202020204" pitchFamily="34" charset="-128"/>
+                <a:cs typeface="Arial Unicode MS" panose="020B0604020202020204" pitchFamily="34" charset="-128"/>
+              </a:rPr>
+              <a:t>Mutate Tags</a:t>
+            </a:r>
+          </a:p>
+          <a:p>
+            <a:pPr algn="ctr">
+              <a:lnSpc>
+                <a:spcPct val="110000"/>
+              </a:lnSpc>
+            </a:pPr>
+            <a:r>
+              <a:rPr lang="en-US" sz="1199" dirty="0">
+                <a:ea typeface="Arial Unicode MS" panose="020B0604020202020204" pitchFamily="34" charset="-128"/>
+                <a:cs typeface="Arial Unicode MS" panose="020B0604020202020204" pitchFamily="34" charset="-128"/>
+              </a:rPr>
+              <a:t>Subscribe Tags</a:t>
+            </a:r>
+          </a:p>
+        </p:txBody>
+      </p:sp>
+      <p:cxnSp>
+        <p:nvCxnSpPr>
+          <p:cNvPr id="63" name="Straight Arrow Connector 62">
+            <a:extLst>
+              <a:ext uri="{FF2B5EF4-FFF2-40B4-BE49-F238E27FC236}">
+                <a16:creationId xmlns:a16="http://schemas.microsoft.com/office/drawing/2014/main" id="{3757A050-6138-7D44-BBD8-F068D40B7217}"/>
+              </a:ext>
+            </a:extLst>
+          </p:cNvPr>
+          <p:cNvCxnSpPr>
+            <a:cxnSpLocks/>
+            <a:endCxn id="48" idx="1"/>
+          </p:cNvCxnSpPr>
+          <p:nvPr/>
+        </p:nvCxnSpPr>
+        <p:spPr bwMode="auto">
+          <a:xfrm>
+            <a:off x="8412846" y="3062610"/>
+            <a:ext cx="1131042" cy="0"/>
+          </a:xfrm>
+          <a:prstGeom prst="straightConnector1">
+            <a:avLst/>
+          </a:prstGeom>
+          <a:ln>
+            <a:headEnd type="none" w="med" len="med"/>
+            <a:tailEnd type="triangle"/>
+          </a:ln>
+        </p:spPr>
+        <p:style>
+          <a:lnRef idx="3">
+            <a:schemeClr val="accent3"/>
+          </a:lnRef>
+          <a:fillRef idx="0">
+            <a:schemeClr val="accent3"/>
+          </a:fillRef>
+          <a:effectRef idx="2">
+            <a:schemeClr val="accent3"/>
+          </a:effectRef>
+          <a:fontRef idx="minor">
+            <a:schemeClr val="tx1"/>
+          </a:fontRef>
+        </p:style>
+      </p:cxnSp>
+      <p:cxnSp>
+        <p:nvCxnSpPr>
+          <p:cNvPr id="34" name="Straight Arrow Connector 33">
+            <a:extLst>
+              <a:ext uri="{FF2B5EF4-FFF2-40B4-BE49-F238E27FC236}">
+                <a16:creationId xmlns:a16="http://schemas.microsoft.com/office/drawing/2014/main" id="{90B60078-D27D-274D-93A8-36ABF65F2877}"/>
+              </a:ext>
+            </a:extLst>
+          </p:cNvPr>
+          <p:cNvCxnSpPr>
+            <a:cxnSpLocks/>
+          </p:cNvCxnSpPr>
+          <p:nvPr/>
+        </p:nvCxnSpPr>
+        <p:spPr bwMode="auto">
+          <a:xfrm>
+            <a:off x="4705218" y="4470505"/>
+            <a:ext cx="0" cy="413467"/>
+          </a:xfrm>
+          <a:prstGeom prst="straightConnector1">
+            <a:avLst/>
+          </a:prstGeom>
+          <a:ln w="12700">
+            <a:solidFill>
+              <a:schemeClr val="accent1">
+                <a:lumMod val="50000"/>
+              </a:schemeClr>
+            </a:solidFill>
+            <a:headEnd type="triangle" w="med" len="med"/>
+            <a:tailEnd type="none"/>
+          </a:ln>
+        </p:spPr>
+        <p:style>
+          <a:lnRef idx="3">
+            <a:schemeClr val="accent6"/>
+          </a:lnRef>
+          <a:fillRef idx="0">
+            <a:schemeClr val="accent6"/>
+          </a:fillRef>
+          <a:effectRef idx="2">
+            <a:schemeClr val="accent6"/>
+          </a:effectRef>
+          <a:fontRef idx="minor">
+            <a:schemeClr val="tx1"/>
+          </a:fontRef>
+        </p:style>
+      </p:cxnSp>
       <p:pic>
         <p:nvPicPr>
-          <p:cNvPr id="43" name="Picture 42" descr="Logo&#10;&#10;Description automatically generated">
-            <a:extLst>
-              <a:ext uri="{FF2B5EF4-FFF2-40B4-BE49-F238E27FC236}">
-                <a16:creationId xmlns:a16="http://schemas.microsoft.com/office/drawing/2014/main" id="{0631813D-65C6-8A4A-8AA0-A8B2118EAB6E}"/>
+          <p:cNvPr id="53" name="Grafik 123">
+            <a:extLst>
+              <a:ext uri="{FF2B5EF4-FFF2-40B4-BE49-F238E27FC236}">
+                <a16:creationId xmlns:a16="http://schemas.microsoft.com/office/drawing/2014/main" id="{4AB12B0F-70F6-D044-8B0E-EAB81F734AC8}"/>
               </a:ext>
             </a:extLst>
           </p:cNvPr>
@@ -8817,15 +9231,21 @@
           <p:nvPr/>
         </p:nvPicPr>
         <p:blipFill>
-          <a:blip r:embed="rId17"/>
+          <a:blip r:embed="rId5">
+            <a:extLst>
+              <a:ext uri="{96DAC541-7B7A-43D3-8B79-37D633B846F1}">
+                <asvg:svgBlip xmlns:asvg="http://schemas.microsoft.com/office/drawing/2016/SVG/main" r:embed="rId6"/>
+              </a:ext>
+            </a:extLst>
+          </a:blip>
           <a:stretch>
             <a:fillRect/>
           </a:stretch>
         </p:blipFill>
         <p:spPr>
           <a:xfrm>
-            <a:off x="4255133" y="3092200"/>
-            <a:ext cx="1515532" cy="663045"/>
+            <a:off x="4553301" y="316465"/>
+            <a:ext cx="557161" cy="557161"/>
           </a:xfrm>
           <a:prstGeom prst="rect">
             <a:avLst/>
@@ -8834,10 +9254,10 @@
       </p:pic>
       <p:pic>
         <p:nvPicPr>
-          <p:cNvPr id="45" name="Graphic 44">
-            <a:extLst>
-              <a:ext uri="{FF2B5EF4-FFF2-40B4-BE49-F238E27FC236}">
-                <a16:creationId xmlns:a16="http://schemas.microsoft.com/office/drawing/2014/main" id="{C73131CF-804D-A64B-B9A9-A650215B5BB0}"/>
+          <p:cNvPr id="54" name="Picture 53" descr="A picture containing text, clipart&#10;&#10;Description automatically generated">
+            <a:extLst>
+              <a:ext uri="{FF2B5EF4-FFF2-40B4-BE49-F238E27FC236}">
+                <a16:creationId xmlns:a16="http://schemas.microsoft.com/office/drawing/2014/main" id="{C9F0A355-F772-2D45-9319-14068B5C4977}"/>
               </a:ext>
             </a:extLst>
           </p:cNvPr>
@@ -8847,33 +9267,231 @@
           <p:nvPr/>
         </p:nvPicPr>
         <p:blipFill>
-          <a:blip r:embed="rId18">
-            <a:extLst>
-              <a:ext uri="{96DAC541-7B7A-43D3-8B79-37D633B846F1}">
-                <asvg:svgBlip xmlns:asvg="http://schemas.microsoft.com/office/drawing/2016/SVG/main" r:embed="rId19"/>
-              </a:ext>
-            </a:extLst>
-          </a:blip>
+          <a:blip r:embed="rId8"/>
           <a:stretch>
             <a:fillRect/>
           </a:stretch>
         </p:blipFill>
         <p:spPr>
           <a:xfrm>
-            <a:off x="4420563" y="2934190"/>
-            <a:ext cx="1184671" cy="275974"/>
+            <a:off x="7973956" y="92266"/>
+            <a:ext cx="821773" cy="208162"/>
           </a:xfrm>
           <a:prstGeom prst="rect">
             <a:avLst/>
           </a:prstGeom>
-        </p:spPr>
+          <a:noFill/>
+          <a:ln w="9525" cap="flat" cmpd="sng" algn="ctr">
+            <a:solidFill>
+              <a:schemeClr val="dk1"/>
+            </a:solidFill>
+            <a:prstDash val="solid"/>
+            <a:round/>
+            <a:headEnd type="none" w="med" len="med"/>
+            <a:tailEnd type="none" w="med" len="med"/>
+          </a:ln>
+        </p:spPr>
+        <p:style>
+          <a:lnRef idx="0">
+            <a:scrgbClr r="0" g="0" b="0"/>
+          </a:lnRef>
+          <a:fillRef idx="0">
+            <a:scrgbClr r="0" g="0" b="0"/>
+          </a:fillRef>
+          <a:effectRef idx="0">
+            <a:scrgbClr r="0" g="0" b="0"/>
+          </a:effectRef>
+          <a:fontRef idx="minor">
+            <a:schemeClr val="dk1"/>
+          </a:fontRef>
+        </p:style>
       </p:pic>
+      <p:sp>
+        <p:nvSpPr>
+          <p:cNvPr id="55" name="TextBox 54">
+            <a:extLst>
+              <a:ext uri="{FF2B5EF4-FFF2-40B4-BE49-F238E27FC236}">
+                <a16:creationId xmlns:a16="http://schemas.microsoft.com/office/drawing/2014/main" id="{D5AABC21-2071-D548-8ECD-CA16B545F1B0}"/>
+              </a:ext>
+            </a:extLst>
+          </p:cNvPr>
+          <p:cNvSpPr txBox="1"/>
+          <p:nvPr/>
+        </p:nvSpPr>
+        <p:spPr>
+          <a:xfrm>
+            <a:off x="2459675" y="1916031"/>
+            <a:ext cx="1041946" cy="445458"/>
+          </a:xfrm>
+          <a:prstGeom prst="rect">
+            <a:avLst/>
+          </a:prstGeom>
+          <a:noFill/>
+        </p:spPr>
+        <p:txBody>
+          <a:bodyPr wrap="square" lIns="0" tIns="0" rIns="0" bIns="0" rtlCol="0">
+            <a:noAutofit/>
+          </a:bodyPr>
+          <a:lstStyle/>
+          <a:p>
+            <a:pPr algn="ctr">
+              <a:lnSpc>
+                <a:spcPct val="110000"/>
+              </a:lnSpc>
+            </a:pPr>
+            <a:r>
+              <a:rPr lang="en-US" sz="1199" dirty="0">
+                <a:ea typeface="Arial Unicode MS" panose="020B0604020202020204" pitchFamily="34" charset="-128"/>
+                <a:cs typeface="Arial Unicode MS" panose="020B0604020202020204" pitchFamily="34" charset="-128"/>
+              </a:rPr>
+              <a:t>HTTP</a:t>
+            </a:r>
+          </a:p>
+          <a:p>
+            <a:pPr algn="ctr">
+              <a:lnSpc>
+                <a:spcPct val="110000"/>
+              </a:lnSpc>
+            </a:pPr>
+            <a:r>
+              <a:rPr lang="en-US" sz="1199" dirty="0">
+                <a:ea typeface="Arial Unicode MS" panose="020B0604020202020204" pitchFamily="34" charset="-128"/>
+                <a:cs typeface="Arial Unicode MS" panose="020B0604020202020204" pitchFamily="34" charset="-128"/>
+              </a:rPr>
+              <a:t>Websocket</a:t>
+            </a:r>
+          </a:p>
+        </p:txBody>
+      </p:sp>
+      <p:sp>
+        <p:nvSpPr>
+          <p:cNvPr id="57" name="TextBox 56">
+            <a:extLst>
+              <a:ext uri="{FF2B5EF4-FFF2-40B4-BE49-F238E27FC236}">
+                <a16:creationId xmlns:a16="http://schemas.microsoft.com/office/drawing/2014/main" id="{8855FB50-27C6-7B48-BFA4-76AFDA918C0E}"/>
+              </a:ext>
+            </a:extLst>
+          </p:cNvPr>
+          <p:cNvSpPr txBox="1"/>
+          <p:nvPr/>
+        </p:nvSpPr>
+        <p:spPr>
+          <a:xfrm>
+            <a:off x="6924543" y="1994047"/>
+            <a:ext cx="493759" cy="241911"/>
+          </a:xfrm>
+          <a:prstGeom prst="rect">
+            <a:avLst/>
+          </a:prstGeom>
+          <a:noFill/>
+        </p:spPr>
+        <p:txBody>
+          <a:bodyPr wrap="square" lIns="0" tIns="0" rIns="0" bIns="0" rtlCol="0">
+            <a:noAutofit/>
+          </a:bodyPr>
+          <a:lstStyle/>
+          <a:p>
+            <a:pPr algn="ctr">
+              <a:lnSpc>
+                <a:spcPct val="110000"/>
+              </a:lnSpc>
+            </a:pPr>
+            <a:r>
+              <a:rPr lang="en-US" sz="1199" dirty="0">
+                <a:ea typeface="Arial Unicode MS" panose="020B0604020202020204" pitchFamily="34" charset="-128"/>
+                <a:cs typeface="Arial Unicode MS" panose="020B0604020202020204" pitchFamily="34" charset="-128"/>
+              </a:rPr>
+              <a:t>TCP</a:t>
+            </a:r>
+          </a:p>
+        </p:txBody>
+      </p:sp>
+      <p:sp>
+        <p:nvSpPr>
+          <p:cNvPr id="49" name="TextBox 48">
+            <a:extLst>
+              <a:ext uri="{FF2B5EF4-FFF2-40B4-BE49-F238E27FC236}">
+                <a16:creationId xmlns:a16="http://schemas.microsoft.com/office/drawing/2014/main" id="{26255F1F-7EB2-DD46-B82B-A0B79C8AE47C}"/>
+              </a:ext>
+            </a:extLst>
+          </p:cNvPr>
+          <p:cNvSpPr txBox="1"/>
+          <p:nvPr/>
+        </p:nvSpPr>
+        <p:spPr>
+          <a:xfrm>
+            <a:off x="3678614" y="6180321"/>
+            <a:ext cx="2032929" cy="253916"/>
+          </a:xfrm>
+          <a:prstGeom prst="rect">
+            <a:avLst/>
+          </a:prstGeom>
+          <a:noFill/>
+        </p:spPr>
+        <p:txBody>
+          <a:bodyPr wrap="none" rtlCol="0">
+            <a:spAutoFit/>
+          </a:bodyPr>
+          <a:lstStyle/>
+          <a:p>
+            <a:r>
+              <a:rPr lang="en-US" sz="1050" dirty="0"/>
+              <a:t>Source: https://new.siemens.com</a:t>
+            </a:r>
+          </a:p>
+        </p:txBody>
+      </p:sp>
+      <p:sp>
+        <p:nvSpPr>
+          <p:cNvPr id="59" name="Rectangle 58">
+            <a:extLst>
+              <a:ext uri="{FF2B5EF4-FFF2-40B4-BE49-F238E27FC236}">
+                <a16:creationId xmlns:a16="http://schemas.microsoft.com/office/drawing/2014/main" id="{57C55C32-22AB-F545-A6C5-AFD8D04B56EE}"/>
+              </a:ext>
+            </a:extLst>
+          </p:cNvPr>
+          <p:cNvSpPr/>
+          <p:nvPr/>
+        </p:nvSpPr>
+        <p:spPr>
+          <a:xfrm>
+            <a:off x="4482278" y="30685"/>
+            <a:ext cx="737318" cy="276727"/>
+          </a:xfrm>
+          <a:prstGeom prst="rect">
+            <a:avLst/>
+          </a:prstGeom>
+        </p:spPr>
+        <p:txBody>
+          <a:bodyPr wrap="none">
+            <a:spAutoFit/>
+          </a:bodyPr>
+          <a:lstStyle/>
+          <a:p>
+            <a:r>
+              <a:rPr lang="en-US" sz="1199" dirty="0">
+                <a:solidFill>
+                  <a:srgbClr val="E535AB"/>
+                </a:solidFill>
+                <a:ea typeface="Arial Unicode MS" panose="020B0604020202020204" pitchFamily="34" charset="-128"/>
+                <a:cs typeface="Arial Unicode MS" panose="020B0604020202020204" pitchFamily="34" charset="-128"/>
+              </a:rPr>
+              <a:t>GraphQL</a:t>
+            </a:r>
+            <a:endParaRPr lang="en-US" sz="1799" dirty="0">
+              <a:solidFill>
+                <a:srgbClr val="E535AB"/>
+              </a:solidFill>
+            </a:endParaRPr>
+          </a:p>
+        </p:txBody>
+      </p:sp>
       <p:pic>
         <p:nvPicPr>
-          <p:cNvPr id="49" name="Picture 48" descr="Icon&#10;&#10;Description automatically generated with low confidence">
-            <a:extLst>
-              <a:ext uri="{FF2B5EF4-FFF2-40B4-BE49-F238E27FC236}">
-                <a16:creationId xmlns:a16="http://schemas.microsoft.com/office/drawing/2014/main" id="{21621F72-5B04-7F45-899F-CC311E17545B}"/>
+          <p:cNvPr id="51" name="Picture 50" descr="A picture containing text, electronics&#10;&#10;Description automatically generated">
+            <a:extLst>
+              <a:ext uri="{FF2B5EF4-FFF2-40B4-BE49-F238E27FC236}">
+                <a16:creationId xmlns:a16="http://schemas.microsoft.com/office/drawing/2014/main" id="{A9FC80C0-B12C-2C49-8DEE-6AE88BF28F29}"/>
               </a:ext>
             </a:extLst>
           </p:cNvPr>
@@ -8883,358 +9501,27 @@
           <p:nvPr/>
         </p:nvPicPr>
         <p:blipFill>
-          <a:blip r:embed="rId20"/>
+          <a:blip r:embed="rId14"/>
           <a:stretch>
             <a:fillRect/>
           </a:stretch>
         </p:blipFill>
         <p:spPr>
           <a:xfrm>
-            <a:off x="3022533" y="3912199"/>
-            <a:ext cx="387446" cy="340952"/>
+            <a:off x="2659732" y="5287141"/>
+            <a:ext cx="935438" cy="826907"/>
           </a:xfrm>
           <a:prstGeom prst="rect">
             <a:avLst/>
           </a:prstGeom>
         </p:spPr>
       </p:pic>
-      <p:pic>
-        <p:nvPicPr>
-          <p:cNvPr id="51" name="Picture 50" descr="Icon&#10;&#10;Description automatically generated">
-            <a:extLst>
-              <a:ext uri="{FF2B5EF4-FFF2-40B4-BE49-F238E27FC236}">
-                <a16:creationId xmlns:a16="http://schemas.microsoft.com/office/drawing/2014/main" id="{7FC23F3E-F85A-684E-A69F-922C81CC54A9}"/>
-              </a:ext>
-            </a:extLst>
-          </p:cNvPr>
-          <p:cNvPicPr>
-            <a:picLocks noChangeAspect="1"/>
-          </p:cNvPicPr>
-          <p:nvPr/>
-        </p:nvPicPr>
-        <p:blipFill>
-          <a:blip r:embed="rId21"/>
-          <a:stretch>
-            <a:fillRect/>
-          </a:stretch>
-        </p:blipFill>
-        <p:spPr>
-          <a:xfrm>
-            <a:off x="8319440" y="3953676"/>
-            <a:ext cx="855854" cy="280608"/>
-          </a:xfrm>
-          <a:prstGeom prst="rect">
-            <a:avLst/>
-          </a:prstGeom>
-        </p:spPr>
-      </p:pic>
-      <p:sp>
-        <p:nvSpPr>
-          <p:cNvPr id="138" name="Rectangle 137">
-            <a:extLst>
-              <a:ext uri="{FF2B5EF4-FFF2-40B4-BE49-F238E27FC236}">
-                <a16:creationId xmlns:a16="http://schemas.microsoft.com/office/drawing/2014/main" id="{6E48FE46-2E51-334B-B468-CD36CF91A0D9}"/>
-              </a:ext>
-            </a:extLst>
-          </p:cNvPr>
-          <p:cNvSpPr/>
-          <p:nvPr/>
-        </p:nvSpPr>
-        <p:spPr>
-          <a:xfrm>
-            <a:off x="4782119" y="4010823"/>
-            <a:ext cx="548262" cy="230712"/>
-          </a:xfrm>
-          <a:prstGeom prst="rect">
-            <a:avLst/>
-          </a:prstGeom>
-        </p:spPr>
-        <p:txBody>
-          <a:bodyPr wrap="none" anchor="ctr">
-            <a:spAutoFit/>
-          </a:bodyPr>
-          <a:lstStyle/>
-          <a:p>
-            <a:pPr algn="ctr"/>
-            <a:r>
-              <a:rPr lang="en-US" sz="900" dirty="0">
-                <a:solidFill>
-                  <a:srgbClr val="209999"/>
-                </a:solidFill>
-                <a:ea typeface="Arial Unicode MS" panose="020B0604020202020204" pitchFamily="34" charset="-128"/>
-                <a:cs typeface="Arial Unicode MS" panose="020B0604020202020204" pitchFamily="34" charset="-128"/>
-              </a:rPr>
-              <a:t>OPC UA</a:t>
-            </a:r>
-          </a:p>
-        </p:txBody>
-      </p:sp>
-      <p:sp>
-        <p:nvSpPr>
-          <p:cNvPr id="139" name="Rectangle 138">
-            <a:extLst>
-              <a:ext uri="{FF2B5EF4-FFF2-40B4-BE49-F238E27FC236}">
-                <a16:creationId xmlns:a16="http://schemas.microsoft.com/office/drawing/2014/main" id="{EF4B67B6-D3F1-7947-A179-ECE210ABE130}"/>
-              </a:ext>
-            </a:extLst>
-          </p:cNvPr>
-          <p:cNvSpPr/>
-          <p:nvPr/>
-        </p:nvSpPr>
-        <p:spPr>
-          <a:xfrm>
-            <a:off x="5693211" y="4003572"/>
-            <a:ext cx="548262" cy="230712"/>
-          </a:xfrm>
-          <a:prstGeom prst="rect">
-            <a:avLst/>
-          </a:prstGeom>
-        </p:spPr>
-        <p:txBody>
-          <a:bodyPr wrap="none" anchor="ctr">
-            <a:spAutoFit/>
-          </a:bodyPr>
-          <a:lstStyle/>
-          <a:p>
-            <a:pPr algn="ctr"/>
-            <a:r>
-              <a:rPr lang="en-US" sz="900" dirty="0">
-                <a:solidFill>
-                  <a:srgbClr val="209999"/>
-                </a:solidFill>
-                <a:ea typeface="Arial Unicode MS" panose="020B0604020202020204" pitchFamily="34" charset="-128"/>
-                <a:cs typeface="Arial Unicode MS" panose="020B0604020202020204" pitchFamily="34" charset="-128"/>
-              </a:rPr>
-              <a:t>OPC UA</a:t>
-            </a:r>
-          </a:p>
-        </p:txBody>
-      </p:sp>
-      <p:pic>
-        <p:nvPicPr>
-          <p:cNvPr id="55" name="Graphic 54" descr="Help with solid fill">
-            <a:extLst>
-              <a:ext uri="{FF2B5EF4-FFF2-40B4-BE49-F238E27FC236}">
-                <a16:creationId xmlns:a16="http://schemas.microsoft.com/office/drawing/2014/main" id="{872AFB53-07F8-C14D-A6B3-0C96F86438A1}"/>
-              </a:ext>
-            </a:extLst>
-          </p:cNvPr>
-          <p:cNvPicPr>
-            <a:picLocks noChangeAspect="1"/>
-          </p:cNvPicPr>
-          <p:nvPr/>
-        </p:nvPicPr>
-        <p:blipFill>
-          <a:blip r:embed="rId22">
-            <a:extLst>
-              <a:ext uri="{96DAC541-7B7A-43D3-8B79-37D633B846F1}">
-                <asvg:svgBlip xmlns:asvg="http://schemas.microsoft.com/office/drawing/2016/SVG/main" r:embed="rId23"/>
-              </a:ext>
-            </a:extLst>
-          </a:blip>
-          <a:stretch>
-            <a:fillRect/>
-          </a:stretch>
-        </p:blipFill>
-        <p:spPr>
-          <a:xfrm>
-            <a:off x="9222046" y="3959259"/>
-            <a:ext cx="282276" cy="282276"/>
-          </a:xfrm>
-          <a:prstGeom prst="rect">
-            <a:avLst/>
-          </a:prstGeom>
-        </p:spPr>
-      </p:pic>
-      <p:pic>
-        <p:nvPicPr>
-          <p:cNvPr id="7170" name="Graphic 7169">
-            <a:extLst>
-              <a:ext uri="{FF2B5EF4-FFF2-40B4-BE49-F238E27FC236}">
-                <a16:creationId xmlns:a16="http://schemas.microsoft.com/office/drawing/2014/main" id="{42FB070B-EFFB-4346-ADF1-19698349C51C}"/>
-              </a:ext>
-            </a:extLst>
-          </p:cNvPr>
-          <p:cNvPicPr>
-            <a:picLocks noChangeAspect="1"/>
-          </p:cNvPicPr>
-          <p:nvPr/>
-        </p:nvPicPr>
-        <p:blipFill>
-          <a:blip r:embed="rId24">
-            <a:extLst>
-              <a:ext uri="{96DAC541-7B7A-43D3-8B79-37D633B846F1}">
-                <asvg:svgBlip xmlns:asvg="http://schemas.microsoft.com/office/drawing/2016/SVG/main" r:embed="rId25"/>
-              </a:ext>
-            </a:extLst>
-          </a:blip>
-          <a:stretch>
-            <a:fillRect/>
-          </a:stretch>
-        </p:blipFill>
-        <p:spPr>
-          <a:xfrm rot="3790546">
-            <a:off x="7518077" y="1748222"/>
-            <a:ext cx="916643" cy="559940"/>
-          </a:xfrm>
-          <a:prstGeom prst="rect">
-            <a:avLst/>
-          </a:prstGeom>
-        </p:spPr>
-      </p:pic>
-      <p:pic>
-        <p:nvPicPr>
-          <p:cNvPr id="7172" name="Picture 7171" descr="Logo&#10;&#10;Description automatically generated with medium confidence">
-            <a:extLst>
-              <a:ext uri="{FF2B5EF4-FFF2-40B4-BE49-F238E27FC236}">
-                <a16:creationId xmlns:a16="http://schemas.microsoft.com/office/drawing/2014/main" id="{65979378-DFE1-C643-8AC4-BC52298804B1}"/>
-              </a:ext>
-            </a:extLst>
-          </p:cNvPr>
-          <p:cNvPicPr>
-            <a:picLocks noChangeAspect="1"/>
-          </p:cNvPicPr>
-          <p:nvPr/>
-        </p:nvPicPr>
-        <p:blipFill>
-          <a:blip r:embed="rId26"/>
-          <a:stretch>
-            <a:fillRect/>
-          </a:stretch>
-        </p:blipFill>
-        <p:spPr>
-          <a:xfrm>
-            <a:off x="6754134" y="3957480"/>
-            <a:ext cx="1040955" cy="294937"/>
-          </a:xfrm>
-          <a:prstGeom prst="rect">
-            <a:avLst/>
-          </a:prstGeom>
-        </p:spPr>
-      </p:pic>
-      <p:pic>
-        <p:nvPicPr>
-          <p:cNvPr id="158" name="Graphic 157" descr="Help with solid fill">
-            <a:extLst>
-              <a:ext uri="{FF2B5EF4-FFF2-40B4-BE49-F238E27FC236}">
-                <a16:creationId xmlns:a16="http://schemas.microsoft.com/office/drawing/2014/main" id="{5722F502-0AD3-0345-9615-8373600EA626}"/>
-              </a:ext>
-            </a:extLst>
-          </p:cNvPr>
-          <p:cNvPicPr>
-            <a:picLocks noChangeAspect="1"/>
-          </p:cNvPicPr>
-          <p:nvPr/>
-        </p:nvPicPr>
-        <p:blipFill>
-          <a:blip r:embed="rId22">
-            <a:extLst>
-              <a:ext uri="{96DAC541-7B7A-43D3-8B79-37D633B846F1}">
-                <asvg:svgBlip xmlns:asvg="http://schemas.microsoft.com/office/drawing/2016/SVG/main" r:embed="rId23"/>
-              </a:ext>
-            </a:extLst>
-          </a:blip>
-          <a:stretch>
-            <a:fillRect/>
-          </a:stretch>
-        </p:blipFill>
-        <p:spPr>
-          <a:xfrm>
-            <a:off x="7811427" y="3952008"/>
-            <a:ext cx="282276" cy="282276"/>
-          </a:xfrm>
-          <a:prstGeom prst="rect">
-            <a:avLst/>
-          </a:prstGeom>
-        </p:spPr>
-      </p:pic>
-      <p:sp>
-        <p:nvSpPr>
-          <p:cNvPr id="160" name="Rectangle 159">
-            <a:extLst>
-              <a:ext uri="{FF2B5EF4-FFF2-40B4-BE49-F238E27FC236}">
-                <a16:creationId xmlns:a16="http://schemas.microsoft.com/office/drawing/2014/main" id="{5D4C2BA4-D139-4B4D-A75C-219C46103F76}"/>
-              </a:ext>
-            </a:extLst>
-          </p:cNvPr>
-          <p:cNvSpPr/>
-          <p:nvPr/>
-        </p:nvSpPr>
-        <p:spPr>
-          <a:xfrm>
-            <a:off x="10232236" y="3405372"/>
-            <a:ext cx="423294" cy="276727"/>
-          </a:xfrm>
-          <a:prstGeom prst="rect">
-            <a:avLst/>
-          </a:prstGeom>
-        </p:spPr>
-        <p:txBody>
-          <a:bodyPr wrap="none">
-            <a:spAutoFit/>
-          </a:bodyPr>
-          <a:lstStyle/>
-          <a:p>
-            <a:r>
-              <a:rPr lang="en-US" sz="1199" dirty="0">
-                <a:solidFill>
-                  <a:srgbClr val="030032"/>
-                </a:solidFill>
-                <a:ea typeface="Arial Unicode MS" panose="020B0604020202020204" pitchFamily="34" charset="-128"/>
-                <a:cs typeface="Arial Unicode MS" panose="020B0604020202020204" pitchFamily="34" charset="-128"/>
-              </a:rPr>
-              <a:t>SQL</a:t>
-            </a:r>
-            <a:endParaRPr lang="en-US" sz="1799" dirty="0">
-              <a:solidFill>
-                <a:srgbClr val="030032"/>
-              </a:solidFill>
-            </a:endParaRPr>
-          </a:p>
-        </p:txBody>
-      </p:sp>
-      <p:pic>
-        <p:nvPicPr>
-          <p:cNvPr id="161" name="Graphic 160" descr="Help with solid fill">
-            <a:extLst>
-              <a:ext uri="{FF2B5EF4-FFF2-40B4-BE49-F238E27FC236}">
-                <a16:creationId xmlns:a16="http://schemas.microsoft.com/office/drawing/2014/main" id="{9781DD95-0BA5-5B48-A344-ABA18ACA301C}"/>
-              </a:ext>
-            </a:extLst>
-          </p:cNvPr>
-          <p:cNvPicPr>
-            <a:picLocks noChangeAspect="1"/>
-          </p:cNvPicPr>
-          <p:nvPr/>
-        </p:nvPicPr>
-        <p:blipFill>
-          <a:blip r:embed="rId22">
-            <a:extLst>
-              <a:ext uri="{96DAC541-7B7A-43D3-8B79-37D633B846F1}">
-                <asvg:svgBlip xmlns:asvg="http://schemas.microsoft.com/office/drawing/2016/SVG/main" r:embed="rId23"/>
-              </a:ext>
-            </a:extLst>
-          </a:blip>
-          <a:stretch>
-            <a:fillRect/>
-          </a:stretch>
-        </p:blipFill>
-        <p:spPr>
-          <a:xfrm>
-            <a:off x="10323985" y="2793980"/>
-            <a:ext cx="303424" cy="303424"/>
-          </a:xfrm>
-          <a:prstGeom prst="rect">
-            <a:avLst/>
-          </a:prstGeom>
-        </p:spPr>
-      </p:pic>
       <p:cxnSp>
         <p:nvCxnSpPr>
-          <p:cNvPr id="162" name="Straight Arrow Connector 161">
-            <a:extLst>
-              <a:ext uri="{FF2B5EF4-FFF2-40B4-BE49-F238E27FC236}">
-                <a16:creationId xmlns:a16="http://schemas.microsoft.com/office/drawing/2014/main" id="{BD06E95F-32E4-BA42-B323-B94D20280220}"/>
+          <p:cNvPr id="61" name="Straight Arrow Connector 60">
+            <a:extLst>
+              <a:ext uri="{FF2B5EF4-FFF2-40B4-BE49-F238E27FC236}">
+                <a16:creationId xmlns:a16="http://schemas.microsoft.com/office/drawing/2014/main" id="{BC1E419E-1007-B740-8CCB-501BF27F99BC}"/>
               </a:ext>
             </a:extLst>
           </p:cNvPr>
@@ -9245,15 +9532,20 @@
         </p:nvCxnSpPr>
         <p:spPr bwMode="auto">
           <a:xfrm>
-            <a:off x="7245218" y="4306552"/>
-            <a:ext cx="482867" cy="591164"/>
+            <a:off x="3138929" y="4447723"/>
+            <a:ext cx="0" cy="815772"/>
           </a:xfrm>
           <a:prstGeom prst="straightConnector1">
             <a:avLst/>
           </a:prstGeom>
-          <a:ln>
-            <a:headEnd type="none" w="med" len="med"/>
-            <a:tailEnd type="triangle"/>
+          <a:ln w="12700">
+            <a:solidFill>
+              <a:schemeClr val="accent1">
+                <a:lumMod val="50000"/>
+              </a:schemeClr>
+            </a:solidFill>
+            <a:headEnd type="triangle" w="med" len="med"/>
+            <a:tailEnd type="none"/>
           </a:ln>
         </p:spPr>
         <p:style>
@@ -9273,10 +9565,97 @@
       </p:cxnSp>
       <p:cxnSp>
         <p:nvCxnSpPr>
-          <p:cNvPr id="163" name="Straight Arrow Connector 162">
-            <a:extLst>
-              <a:ext uri="{FF2B5EF4-FFF2-40B4-BE49-F238E27FC236}">
-                <a16:creationId xmlns:a16="http://schemas.microsoft.com/office/drawing/2014/main" id="{25DEA9C8-3BF2-3A4D-9C47-61EF56B5AE3A}"/>
+          <p:cNvPr id="1032" name="Straight Connector 1031">
+            <a:extLst>
+              <a:ext uri="{FF2B5EF4-FFF2-40B4-BE49-F238E27FC236}">
+                <a16:creationId xmlns:a16="http://schemas.microsoft.com/office/drawing/2014/main" id="{C30D29A4-67A4-F449-8DD5-FFF14DBCC1F2}"/>
+              </a:ext>
+            </a:extLst>
+          </p:cNvPr>
+          <p:cNvCxnSpPr>
+            <a:cxnSpLocks/>
+          </p:cNvCxnSpPr>
+          <p:nvPr/>
+        </p:nvCxnSpPr>
+        <p:spPr>
+          <a:xfrm>
+            <a:off x="1636781" y="4442064"/>
+            <a:ext cx="4687422" cy="14444"/>
+          </a:xfrm>
+          <a:prstGeom prst="line">
+            <a:avLst/>
+          </a:prstGeom>
+          <a:ln w="76200" cap="rnd">
+            <a:solidFill>
+              <a:schemeClr val="accent1">
+                <a:lumMod val="50000"/>
+              </a:schemeClr>
+            </a:solidFill>
+            <a:round/>
+          </a:ln>
+        </p:spPr>
+        <p:style>
+          <a:lnRef idx="1">
+            <a:schemeClr val="accent1"/>
+          </a:lnRef>
+          <a:fillRef idx="0">
+            <a:schemeClr val="accent1"/>
+          </a:fillRef>
+          <a:effectRef idx="0">
+            <a:schemeClr val="accent1"/>
+          </a:effectRef>
+          <a:fontRef idx="minor">
+            <a:schemeClr val="tx1"/>
+          </a:fontRef>
+        </p:style>
+      </p:cxnSp>
+      <p:sp>
+        <p:nvSpPr>
+          <p:cNvPr id="88" name="Rectangle 87">
+            <a:extLst>
+              <a:ext uri="{FF2B5EF4-FFF2-40B4-BE49-F238E27FC236}">
+                <a16:creationId xmlns:a16="http://schemas.microsoft.com/office/drawing/2014/main" id="{001E76B1-D191-0B48-AE46-4478B0AFC8DE}"/>
+              </a:ext>
+            </a:extLst>
+          </p:cNvPr>
+          <p:cNvSpPr/>
+          <p:nvPr/>
+        </p:nvSpPr>
+        <p:spPr>
+          <a:xfrm>
+            <a:off x="1995440" y="4191130"/>
+            <a:ext cx="1083951" cy="261610"/>
+          </a:xfrm>
+          <a:prstGeom prst="rect">
+            <a:avLst/>
+          </a:prstGeom>
+        </p:spPr>
+        <p:txBody>
+          <a:bodyPr wrap="none" anchor="ctr">
+            <a:spAutoFit/>
+          </a:bodyPr>
+          <a:lstStyle/>
+          <a:p>
+            <a:pPr algn="ctr"/>
+            <a:r>
+              <a:rPr lang="en-US" sz="1100" dirty="0">
+                <a:solidFill>
+                  <a:srgbClr val="1F3864"/>
+                </a:solidFill>
+                <a:ea typeface="Arial Unicode MS" panose="020B0604020202020204" pitchFamily="34" charset="-128"/>
+                <a:cs typeface="Arial Unicode MS" panose="020B0604020202020204" pitchFamily="34" charset="-128"/>
+              </a:rPr>
+              <a:t>OPC UA Servers</a:t>
+            </a:r>
+          </a:p>
+        </p:txBody>
+      </p:sp>
+      <p:cxnSp>
+        <p:nvCxnSpPr>
+          <p:cNvPr id="89" name="Straight Arrow Connector 88">
+            <a:extLst>
+              <a:ext uri="{FF2B5EF4-FFF2-40B4-BE49-F238E27FC236}">
+                <a16:creationId xmlns:a16="http://schemas.microsoft.com/office/drawing/2014/main" id="{DE5FC841-3C8E-9A44-A0FE-C6C71C503646}"/>
               </a:ext>
             </a:extLst>
           </p:cNvPr>
@@ -9286,1153 +9665,19 @@
           <p:nvPr/>
         </p:nvCxnSpPr>
         <p:spPr bwMode="auto">
-          <a:xfrm>
-            <a:off x="8797550" y="4282145"/>
-            <a:ext cx="482867" cy="591164"/>
+          <a:xfrm flipV="1">
+            <a:off x="4831881" y="3890890"/>
+            <a:ext cx="0" cy="587632"/>
           </a:xfrm>
           <a:prstGeom prst="straightConnector1">
             <a:avLst/>
           </a:prstGeom>
-          <a:ln>
-            <a:headEnd type="none" w="med" len="med"/>
-            <a:tailEnd type="triangle"/>
-          </a:ln>
-        </p:spPr>
-        <p:style>
-          <a:lnRef idx="3">
-            <a:schemeClr val="accent6"/>
-          </a:lnRef>
-          <a:fillRef idx="0">
-            <a:schemeClr val="accent6"/>
-          </a:fillRef>
-          <a:effectRef idx="2">
-            <a:schemeClr val="accent6"/>
-          </a:effectRef>
-          <a:fontRef idx="minor">
-            <a:schemeClr val="tx1"/>
-          </a:fontRef>
-        </p:style>
-      </p:cxnSp>
-      <p:sp>
-        <p:nvSpPr>
-          <p:cNvPr id="164" name="Rectangle 163">
-            <a:extLst>
-              <a:ext uri="{FF2B5EF4-FFF2-40B4-BE49-F238E27FC236}">
-                <a16:creationId xmlns:a16="http://schemas.microsoft.com/office/drawing/2014/main" id="{1268F5C5-BF0F-8649-A1B9-8AE47140B679}"/>
-              </a:ext>
-            </a:extLst>
-          </p:cNvPr>
-          <p:cNvSpPr/>
-          <p:nvPr/>
-        </p:nvSpPr>
-        <p:spPr>
-          <a:xfrm rot="2777640">
-            <a:off x="9018964" y="5431063"/>
-            <a:ext cx="1769115" cy="253655"/>
-          </a:xfrm>
-          <a:prstGeom prst="rect">
-            <a:avLst/>
-          </a:prstGeom>
-        </p:spPr>
-        <p:txBody>
-          <a:bodyPr wrap="none">
-            <a:spAutoFit/>
-          </a:bodyPr>
-          <a:lstStyle/>
-          <a:p>
-            <a:r>
-              <a:rPr lang="en-US" sz="1049" dirty="0"/>
-              <a:t>EtherNet/IP/KNX/Modbus, …</a:t>
-            </a:r>
-          </a:p>
-        </p:txBody>
-      </p:sp>
-      <p:sp>
-        <p:nvSpPr>
-          <p:cNvPr id="165" name="Rectangle 164">
-            <a:extLst>
-              <a:ext uri="{FF2B5EF4-FFF2-40B4-BE49-F238E27FC236}">
-                <a16:creationId xmlns:a16="http://schemas.microsoft.com/office/drawing/2014/main" id="{0F55C792-A74D-F94A-A4E2-E591E081E529}"/>
-              </a:ext>
-            </a:extLst>
-          </p:cNvPr>
-          <p:cNvSpPr/>
-          <p:nvPr/>
-        </p:nvSpPr>
-        <p:spPr>
-          <a:xfrm rot="2777640">
-            <a:off x="7461138" y="5431064"/>
-            <a:ext cx="1797954" cy="253655"/>
-          </a:xfrm>
-          <a:prstGeom prst="rect">
-            <a:avLst/>
-          </a:prstGeom>
-        </p:spPr>
-        <p:txBody>
-          <a:bodyPr wrap="none">
-            <a:spAutoFit/>
-          </a:bodyPr>
-          <a:lstStyle/>
-          <a:p>
-            <a:r>
-              <a:rPr lang="en-US" sz="1049" dirty="0"/>
-              <a:t>DDS Data Distribution Service</a:t>
-            </a:r>
-          </a:p>
-        </p:txBody>
-      </p:sp>
-      <p:pic>
-        <p:nvPicPr>
-          <p:cNvPr id="7180" name="Picture 7179" descr="Text, whiteboard&#10;&#10;Description automatically generated">
-            <a:extLst>
-              <a:ext uri="{FF2B5EF4-FFF2-40B4-BE49-F238E27FC236}">
-                <a16:creationId xmlns:a16="http://schemas.microsoft.com/office/drawing/2014/main" id="{3F79D116-898D-0D4F-83A2-627E56A3681D}"/>
-              </a:ext>
-            </a:extLst>
-          </p:cNvPr>
-          <p:cNvPicPr>
-            <a:picLocks noChangeAspect="1"/>
-          </p:cNvPicPr>
-          <p:nvPr/>
-        </p:nvPicPr>
-        <p:blipFill>
-          <a:blip r:embed="rId27"/>
-          <a:stretch>
-            <a:fillRect/>
-          </a:stretch>
-        </p:blipFill>
-        <p:spPr>
-          <a:xfrm>
-            <a:off x="284064" y="1249880"/>
-            <a:ext cx="3802527" cy="1267509"/>
-          </a:xfrm>
-          <a:prstGeom prst="rect">
-            <a:avLst/>
-          </a:prstGeom>
-          <a:noFill/>
-          <a:ln w="9525" cap="flat" cmpd="sng" algn="ctr">
+          <a:ln w="12700">
             <a:solidFill>
-              <a:schemeClr val="dk1"/>
+              <a:schemeClr val="accent1">
+                <a:lumMod val="50000"/>
+              </a:schemeClr>
             </a:solidFill>
-            <a:prstDash val="solid"/>
-            <a:round/>
-            <a:headEnd type="none" w="med" len="med"/>
-            <a:tailEnd type="none" w="med" len="med"/>
-          </a:ln>
-        </p:spPr>
-        <p:style>
-          <a:lnRef idx="0">
-            <a:scrgbClr r="0" g="0" b="0"/>
-          </a:lnRef>
-          <a:fillRef idx="0">
-            <a:scrgbClr r="0" g="0" b="0"/>
-          </a:fillRef>
-          <a:effectRef idx="0">
-            <a:scrgbClr r="0" g="0" b="0"/>
-          </a:effectRef>
-          <a:fontRef idx="minor">
-            <a:schemeClr val="dk1"/>
-          </a:fontRef>
-        </p:style>
-      </p:pic>
-      <p:pic>
-        <p:nvPicPr>
-          <p:cNvPr id="7187" name="Picture 7186" descr="Graphical user interface, text, application, email&#10;&#10;Description automatically generated">
-            <a:extLst>
-              <a:ext uri="{FF2B5EF4-FFF2-40B4-BE49-F238E27FC236}">
-                <a16:creationId xmlns:a16="http://schemas.microsoft.com/office/drawing/2014/main" id="{16C7E3E2-796A-074C-AB65-96B456061D26}"/>
-              </a:ext>
-            </a:extLst>
-          </p:cNvPr>
-          <p:cNvPicPr>
-            <a:picLocks noChangeAspect="1"/>
-          </p:cNvPicPr>
-          <p:nvPr/>
-        </p:nvPicPr>
-        <p:blipFill>
-          <a:blip r:embed="rId28"/>
-          <a:stretch>
-            <a:fillRect/>
-          </a:stretch>
-        </p:blipFill>
-        <p:spPr>
-          <a:xfrm>
-            <a:off x="9019210" y="870400"/>
-            <a:ext cx="2826825" cy="1799304"/>
-          </a:xfrm>
-          <a:prstGeom prst="rect">
-            <a:avLst/>
-          </a:prstGeom>
-        </p:spPr>
-      </p:pic>
-      <p:pic>
-        <p:nvPicPr>
-          <p:cNvPr id="173" name="Grafik 123">
-            <a:extLst>
-              <a:ext uri="{FF2B5EF4-FFF2-40B4-BE49-F238E27FC236}">
-                <a16:creationId xmlns:a16="http://schemas.microsoft.com/office/drawing/2014/main" id="{543F1E1C-FF5B-B34F-822C-C735391CC33C}"/>
-              </a:ext>
-            </a:extLst>
-          </p:cNvPr>
-          <p:cNvPicPr>
-            <a:picLocks noChangeAspect="1"/>
-          </p:cNvPicPr>
-          <p:nvPr/>
-        </p:nvPicPr>
-        <p:blipFill>
-          <a:blip r:embed="rId8">
-            <a:extLst>
-              <a:ext uri="{96DAC541-7B7A-43D3-8B79-37D633B846F1}">
-                <asvg:svgBlip xmlns:asvg="http://schemas.microsoft.com/office/drawing/2016/SVG/main" r:embed="rId9"/>
-              </a:ext>
-            </a:extLst>
-          </a:blip>
-          <a:stretch>
-            <a:fillRect/>
-          </a:stretch>
-        </p:blipFill>
-        <p:spPr>
-          <a:xfrm>
-            <a:off x="1169156" y="1813934"/>
-            <a:ext cx="660535" cy="660535"/>
-          </a:xfrm>
-          <a:prstGeom prst="rect">
-            <a:avLst/>
-          </a:prstGeom>
-        </p:spPr>
-      </p:pic>
-      <p:pic>
-        <p:nvPicPr>
-          <p:cNvPr id="174" name="Picture 173" descr="A picture containing text, clipart&#10;&#10;Description automatically generated">
-            <a:extLst>
-              <a:ext uri="{FF2B5EF4-FFF2-40B4-BE49-F238E27FC236}">
-                <a16:creationId xmlns:a16="http://schemas.microsoft.com/office/drawing/2014/main" id="{0F08E2D0-1388-4B47-89E5-9DD317EA8CF1}"/>
-              </a:ext>
-            </a:extLst>
-          </p:cNvPr>
-          <p:cNvPicPr>
-            <a:picLocks noChangeAspect="1"/>
-          </p:cNvPicPr>
-          <p:nvPr/>
-        </p:nvPicPr>
-        <p:blipFill>
-          <a:blip r:embed="rId11"/>
-          <a:stretch>
-            <a:fillRect/>
-          </a:stretch>
-        </p:blipFill>
-        <p:spPr>
-          <a:xfrm>
-            <a:off x="11162225" y="850430"/>
-            <a:ext cx="821773" cy="208162"/>
-          </a:xfrm>
-          <a:prstGeom prst="rect">
-            <a:avLst/>
-          </a:prstGeom>
-          <a:noFill/>
-          <a:ln w="9525" cap="flat" cmpd="sng" algn="ctr">
-            <a:solidFill>
-              <a:schemeClr val="dk1"/>
-            </a:solidFill>
-            <a:prstDash val="solid"/>
-            <a:round/>
-            <a:headEnd type="none" w="med" len="med"/>
-            <a:tailEnd type="none" w="med" len="med"/>
-          </a:ln>
-        </p:spPr>
-        <p:style>
-          <a:lnRef idx="0">
-            <a:scrgbClr r="0" g="0" b="0"/>
-          </a:lnRef>
-          <a:fillRef idx="0">
-            <a:scrgbClr r="0" g="0" b="0"/>
-          </a:fillRef>
-          <a:effectRef idx="0">
-            <a:scrgbClr r="0" g="0" b="0"/>
-          </a:effectRef>
-          <a:fontRef idx="minor">
-            <a:schemeClr val="dk1"/>
-          </a:fontRef>
-        </p:style>
-      </p:pic>
-      <p:pic>
-        <p:nvPicPr>
-          <p:cNvPr id="7189" name="Picture 7188" descr="A picture containing text, clipart&#10;&#10;Description automatically generated">
-            <a:extLst>
-              <a:ext uri="{FF2B5EF4-FFF2-40B4-BE49-F238E27FC236}">
-                <a16:creationId xmlns:a16="http://schemas.microsoft.com/office/drawing/2014/main" id="{FA760705-4B84-AA46-AE4C-37EC36D8BE20}"/>
-              </a:ext>
-            </a:extLst>
-          </p:cNvPr>
-          <p:cNvPicPr>
-            <a:picLocks noChangeAspect="1"/>
-          </p:cNvPicPr>
-          <p:nvPr/>
-        </p:nvPicPr>
-        <p:blipFill>
-          <a:blip r:embed="rId29"/>
-          <a:stretch>
-            <a:fillRect/>
-          </a:stretch>
-        </p:blipFill>
-        <p:spPr>
-          <a:xfrm rot="2997403">
-            <a:off x="4387658" y="1664366"/>
-            <a:ext cx="1328320" cy="537232"/>
-          </a:xfrm>
-          <a:prstGeom prst="rect">
-            <a:avLst/>
-          </a:prstGeom>
-        </p:spPr>
-      </p:pic>
-      <p:pic>
-        <p:nvPicPr>
-          <p:cNvPr id="7191" name="Graphic 7190">
-            <a:extLst>
-              <a:ext uri="{FF2B5EF4-FFF2-40B4-BE49-F238E27FC236}">
-                <a16:creationId xmlns:a16="http://schemas.microsoft.com/office/drawing/2014/main" id="{A89A6A42-6DEB-414A-B725-D8A29330D118}"/>
-              </a:ext>
-            </a:extLst>
-          </p:cNvPr>
-          <p:cNvPicPr>
-            <a:picLocks noChangeAspect="1"/>
-          </p:cNvPicPr>
-          <p:nvPr/>
-        </p:nvPicPr>
-        <p:blipFill>
-          <a:blip r:embed="rId30">
-            <a:extLst>
-              <a:ext uri="{96DAC541-7B7A-43D3-8B79-37D633B846F1}">
-                <asvg:svgBlip xmlns:asvg="http://schemas.microsoft.com/office/drawing/2016/SVG/main" r:embed="rId31"/>
-              </a:ext>
-            </a:extLst>
-          </a:blip>
-          <a:stretch>
-            <a:fillRect/>
-          </a:stretch>
-        </p:blipFill>
-        <p:spPr>
-          <a:xfrm>
-            <a:off x="6476958" y="1924621"/>
-            <a:ext cx="418882" cy="482349"/>
-          </a:xfrm>
-          <a:prstGeom prst="rect">
-            <a:avLst/>
-          </a:prstGeom>
-        </p:spPr>
-      </p:pic>
-      <p:sp>
-        <p:nvSpPr>
-          <p:cNvPr id="3" name="Rounded Rectangle 2">
-            <a:extLst>
-              <a:ext uri="{FF2B5EF4-FFF2-40B4-BE49-F238E27FC236}">
-                <a16:creationId xmlns:a16="http://schemas.microsoft.com/office/drawing/2014/main" id="{9F7E3D2A-FF96-A746-BB30-E1F82F444C95}"/>
-              </a:ext>
-            </a:extLst>
-          </p:cNvPr>
-          <p:cNvSpPr/>
-          <p:nvPr/>
-        </p:nvSpPr>
-        <p:spPr bwMode="auto">
-          <a:xfrm>
-            <a:off x="4255133" y="2831231"/>
-            <a:ext cx="3702970" cy="818193"/>
-          </a:xfrm>
-          <a:prstGeom prst="roundRect">
-            <a:avLst/>
-          </a:prstGeom>
-          <a:noFill/>
-          <a:ln w="9525" cap="flat" cmpd="sng" algn="ctr">
-            <a:solidFill>
-              <a:schemeClr val="dk1"/>
-            </a:solidFill>
-            <a:prstDash val="solid"/>
-            <a:round/>
-            <a:headEnd type="none" w="med" len="med"/>
-            <a:tailEnd type="none" w="med" len="med"/>
-          </a:ln>
-        </p:spPr>
-        <p:style>
-          <a:lnRef idx="0">
-            <a:scrgbClr r="0" g="0" b="0"/>
-          </a:lnRef>
-          <a:fillRef idx="0">
-            <a:scrgbClr r="0" g="0" b="0"/>
-          </a:fillRef>
-          <a:effectRef idx="0">
-            <a:scrgbClr r="0" g="0" b="0"/>
-          </a:effectRef>
-          <a:fontRef idx="minor">
-            <a:schemeClr val="dk1"/>
-          </a:fontRef>
-        </p:style>
-        <p:txBody>
-          <a:bodyPr wrap="square" lIns="107944" tIns="53972" rIns="107944" bIns="53972" numCol="1" spcCol="72000" rtlCol="0" anchor="ctr">
-            <a:noAutofit/>
-          </a:bodyPr>
-          <a:lstStyle/>
-          <a:p>
-            <a:pPr algn="ctr">
-              <a:lnSpc>
-                <a:spcPct val="110000"/>
-              </a:lnSpc>
-              <a:spcBef>
-                <a:spcPct val="0"/>
-              </a:spcBef>
-              <a:buFont typeface="Wingdings" charset="0"/>
-              <a:buNone/>
-            </a:pPr>
-            <a:endParaRPr lang="en-US" sz="1799" dirty="0">
-              <a:solidFill>
-                <a:schemeClr val="tx1"/>
-              </a:solidFill>
-              <a:ea typeface="Arial Unicode MS" panose="020B0604020202020204" pitchFamily="34" charset="-128"/>
-              <a:cs typeface="Arial Unicode MS" panose="020B0604020202020204" pitchFamily="34" charset="-128"/>
-            </a:endParaRPr>
-          </a:p>
-        </p:txBody>
-      </p:sp>
-      <p:sp>
-        <p:nvSpPr>
-          <p:cNvPr id="4" name="Rectangle 3">
-            <a:extLst>
-              <a:ext uri="{FF2B5EF4-FFF2-40B4-BE49-F238E27FC236}">
-                <a16:creationId xmlns:a16="http://schemas.microsoft.com/office/drawing/2014/main" id="{21303D7C-B2A5-0E43-8BAC-1BAC4E7684E6}"/>
-              </a:ext>
-            </a:extLst>
-          </p:cNvPr>
-          <p:cNvSpPr/>
-          <p:nvPr/>
-        </p:nvSpPr>
-        <p:spPr>
-          <a:xfrm>
-            <a:off x="6331089" y="2835709"/>
-            <a:ext cx="1138437" cy="399773"/>
-          </a:xfrm>
-          <a:prstGeom prst="rect">
-            <a:avLst/>
-          </a:prstGeom>
-        </p:spPr>
-        <p:txBody>
-          <a:bodyPr wrap="none">
-            <a:spAutoFit/>
-          </a:bodyPr>
-          <a:lstStyle/>
-          <a:p>
-            <a:r>
-              <a:rPr lang="en-US" sz="1999" b="1" i="1" dirty="0">
-                <a:solidFill>
-                  <a:srgbClr val="734C82"/>
-                </a:solidFill>
-                <a:ea typeface="Arial Unicode MS" panose="020B0604020202020204" pitchFamily="34" charset="-128"/>
-                <a:cs typeface="Arial Unicode MS" panose="020B0604020202020204" pitchFamily="34" charset="-128"/>
-              </a:rPr>
-              <a:t>Gateway</a:t>
-            </a:r>
-            <a:endParaRPr lang="en-US" sz="1999" b="1" i="1" dirty="0">
-              <a:solidFill>
-                <a:srgbClr val="734C82"/>
-              </a:solidFill>
-            </a:endParaRPr>
-          </a:p>
-        </p:txBody>
-      </p:sp>
-      <p:pic>
-        <p:nvPicPr>
-          <p:cNvPr id="6" name="Graphic 5">
-            <a:extLst>
-              <a:ext uri="{FF2B5EF4-FFF2-40B4-BE49-F238E27FC236}">
-                <a16:creationId xmlns:a16="http://schemas.microsoft.com/office/drawing/2014/main" id="{E06A4973-0620-D149-B7B0-21C0EE0AC991}"/>
-              </a:ext>
-            </a:extLst>
-          </p:cNvPr>
-          <p:cNvPicPr>
-            <a:picLocks noChangeAspect="1"/>
-          </p:cNvPicPr>
-          <p:nvPr/>
-        </p:nvPicPr>
-        <p:blipFill>
-          <a:blip r:embed="rId32">
-            <a:extLst>
-              <a:ext uri="{96DAC541-7B7A-43D3-8B79-37D633B846F1}">
-                <asvg:svgBlip xmlns:asvg="http://schemas.microsoft.com/office/drawing/2016/SVG/main" r:embed="rId33"/>
-              </a:ext>
-            </a:extLst>
-          </a:blip>
-          <a:stretch>
-            <a:fillRect/>
-          </a:stretch>
-        </p:blipFill>
-        <p:spPr>
-          <a:xfrm>
-            <a:off x="1295999" y="2932095"/>
-            <a:ext cx="1427661" cy="631916"/>
-          </a:xfrm>
-          <a:prstGeom prst="rect">
-            <a:avLst/>
-          </a:prstGeom>
-        </p:spPr>
-      </p:pic>
-      <p:sp>
-        <p:nvSpPr>
-          <p:cNvPr id="62" name="Rounded Rectangle 61">
-            <a:extLst>
-              <a:ext uri="{FF2B5EF4-FFF2-40B4-BE49-F238E27FC236}">
-                <a16:creationId xmlns:a16="http://schemas.microsoft.com/office/drawing/2014/main" id="{EAD20F6E-0EC6-E54E-8644-07BA7BCDB89A}"/>
-              </a:ext>
-            </a:extLst>
-          </p:cNvPr>
-          <p:cNvSpPr/>
-          <p:nvPr/>
-        </p:nvSpPr>
-        <p:spPr bwMode="auto">
-          <a:xfrm>
-            <a:off x="1273344" y="2817835"/>
-            <a:ext cx="1515532" cy="818193"/>
-          </a:xfrm>
-          <a:custGeom>
-            <a:avLst/>
-            <a:gdLst>
-              <a:gd name="connsiteX0" fmla="*/ 0 w 1515532"/>
-              <a:gd name="connsiteY0" fmla="*/ 136368 h 818193"/>
-              <a:gd name="connsiteX1" fmla="*/ 136368 w 1515532"/>
-              <a:gd name="connsiteY1" fmla="*/ 0 h 818193"/>
-              <a:gd name="connsiteX2" fmla="*/ 575489 w 1515532"/>
-              <a:gd name="connsiteY2" fmla="*/ 0 h 818193"/>
-              <a:gd name="connsiteX3" fmla="*/ 977327 w 1515532"/>
-              <a:gd name="connsiteY3" fmla="*/ 0 h 818193"/>
-              <a:gd name="connsiteX4" fmla="*/ 1379164 w 1515532"/>
-              <a:gd name="connsiteY4" fmla="*/ 0 h 818193"/>
-              <a:gd name="connsiteX5" fmla="*/ 1515532 w 1515532"/>
-              <a:gd name="connsiteY5" fmla="*/ 136368 h 818193"/>
-              <a:gd name="connsiteX6" fmla="*/ 1515532 w 1515532"/>
-              <a:gd name="connsiteY6" fmla="*/ 681825 h 818193"/>
-              <a:gd name="connsiteX7" fmla="*/ 1379164 w 1515532"/>
-              <a:gd name="connsiteY7" fmla="*/ 818193 h 818193"/>
-              <a:gd name="connsiteX8" fmla="*/ 989755 w 1515532"/>
-              <a:gd name="connsiteY8" fmla="*/ 818193 h 818193"/>
-              <a:gd name="connsiteX9" fmla="*/ 575489 w 1515532"/>
-              <a:gd name="connsiteY9" fmla="*/ 818193 h 818193"/>
-              <a:gd name="connsiteX10" fmla="*/ 136368 w 1515532"/>
-              <a:gd name="connsiteY10" fmla="*/ 818193 h 818193"/>
-              <a:gd name="connsiteX11" fmla="*/ 0 w 1515532"/>
-              <a:gd name="connsiteY11" fmla="*/ 681825 h 818193"/>
-              <a:gd name="connsiteX12" fmla="*/ 0 w 1515532"/>
-              <a:gd name="connsiteY12" fmla="*/ 136368 h 818193"/>
-            </a:gdLst>
-            <a:ahLst/>
-            <a:cxnLst>
-              <a:cxn ang="0">
-                <a:pos x="connsiteX0" y="connsiteY0"/>
-              </a:cxn>
-              <a:cxn ang="0">
-                <a:pos x="connsiteX1" y="connsiteY1"/>
-              </a:cxn>
-              <a:cxn ang="0">
-                <a:pos x="connsiteX2" y="connsiteY2"/>
-              </a:cxn>
-              <a:cxn ang="0">
-                <a:pos x="connsiteX3" y="connsiteY3"/>
-              </a:cxn>
-              <a:cxn ang="0">
-                <a:pos x="connsiteX4" y="connsiteY4"/>
-              </a:cxn>
-              <a:cxn ang="0">
-                <a:pos x="connsiteX5" y="connsiteY5"/>
-              </a:cxn>
-              <a:cxn ang="0">
-                <a:pos x="connsiteX6" y="connsiteY6"/>
-              </a:cxn>
-              <a:cxn ang="0">
-                <a:pos x="connsiteX7" y="connsiteY7"/>
-              </a:cxn>
-              <a:cxn ang="0">
-                <a:pos x="connsiteX8" y="connsiteY8"/>
-              </a:cxn>
-              <a:cxn ang="0">
-                <a:pos x="connsiteX9" y="connsiteY9"/>
-              </a:cxn>
-              <a:cxn ang="0">
-                <a:pos x="connsiteX10" y="connsiteY10"/>
-              </a:cxn>
-              <a:cxn ang="0">
-                <a:pos x="connsiteX11" y="connsiteY11"/>
-              </a:cxn>
-              <a:cxn ang="0">
-                <a:pos x="connsiteX12" y="connsiteY12"/>
-              </a:cxn>
-            </a:cxnLst>
-            <a:rect l="l" t="t" r="r" b="b"/>
-            <a:pathLst>
-              <a:path w="1515532" h="818193" extrusionOk="0">
-                <a:moveTo>
-                  <a:pt x="0" y="136368"/>
-                </a:moveTo>
-                <a:cubicBezTo>
-                  <a:pt x="-12630" y="53264"/>
-                  <a:pt x="40308" y="7786"/>
-                  <a:pt x="136368" y="0"/>
-                </a:cubicBezTo>
-                <a:cubicBezTo>
-                  <a:pt x="304257" y="-12380"/>
-                  <a:pt x="427877" y="51964"/>
-                  <a:pt x="575489" y="0"/>
-                </a:cubicBezTo>
-                <a:cubicBezTo>
-                  <a:pt x="723101" y="-51964"/>
-                  <a:pt x="860693" y="10026"/>
-                  <a:pt x="977327" y="0"/>
-                </a:cubicBezTo>
-                <a:cubicBezTo>
-                  <a:pt x="1093961" y="-10026"/>
-                  <a:pt x="1259474" y="38168"/>
-                  <a:pt x="1379164" y="0"/>
-                </a:cubicBezTo>
-                <a:cubicBezTo>
-                  <a:pt x="1449679" y="-15457"/>
-                  <a:pt x="1518052" y="51730"/>
-                  <a:pt x="1515532" y="136368"/>
-                </a:cubicBezTo>
-                <a:cubicBezTo>
-                  <a:pt x="1516686" y="248363"/>
-                  <a:pt x="1473418" y="446575"/>
-                  <a:pt x="1515532" y="681825"/>
-                </a:cubicBezTo>
-                <a:cubicBezTo>
-                  <a:pt x="1514659" y="748810"/>
-                  <a:pt x="1448893" y="825954"/>
-                  <a:pt x="1379164" y="818193"/>
-                </a:cubicBezTo>
-                <a:cubicBezTo>
-                  <a:pt x="1254935" y="837931"/>
-                  <a:pt x="1085606" y="783728"/>
-                  <a:pt x="989755" y="818193"/>
-                </a:cubicBezTo>
-                <a:cubicBezTo>
-                  <a:pt x="893904" y="852658"/>
-                  <a:pt x="767798" y="802393"/>
-                  <a:pt x="575489" y="818193"/>
-                </a:cubicBezTo>
-                <a:cubicBezTo>
-                  <a:pt x="383180" y="833993"/>
-                  <a:pt x="247144" y="776850"/>
-                  <a:pt x="136368" y="818193"/>
-                </a:cubicBezTo>
-                <a:cubicBezTo>
-                  <a:pt x="67081" y="812238"/>
-                  <a:pt x="8273" y="751805"/>
-                  <a:pt x="0" y="681825"/>
-                </a:cubicBezTo>
-                <a:cubicBezTo>
-                  <a:pt x="-41642" y="410624"/>
-                  <a:pt x="50603" y="332402"/>
-                  <a:pt x="0" y="136368"/>
-                </a:cubicBezTo>
-                <a:close/>
-              </a:path>
-            </a:pathLst>
-          </a:custGeom>
-          <a:noFill/>
-          <a:ln w="9525" cap="flat" cmpd="sng" algn="ctr">
-            <a:solidFill>
-              <a:schemeClr val="dk1"/>
-            </a:solidFill>
-            <a:prstDash val="sysDot"/>
-            <a:round/>
-            <a:headEnd type="none" w="med" len="med"/>
-            <a:tailEnd type="none" w="med" len="med"/>
-            <a:extLst>
-              <a:ext uri="{C807C97D-BFC1-408E-A445-0C87EB9F89A2}">
-                <ask:lineSketchStyleProps xmlns:ask="http://schemas.microsoft.com/office/drawing/2018/sketchyshapes" sd="1219033472">
-                  <a:prstGeom prst="roundRect">
-                    <a:avLst/>
-                  </a:prstGeom>
-                  <ask:type>
-                    <ask:lineSketchScribble/>
-                  </ask:type>
-                </ask:lineSketchStyleProps>
-              </a:ext>
-            </a:extLst>
-          </a:ln>
-        </p:spPr>
-        <p:style>
-          <a:lnRef idx="0">
-            <a:scrgbClr r="0" g="0" b="0"/>
-          </a:lnRef>
-          <a:fillRef idx="0">
-            <a:scrgbClr r="0" g="0" b="0"/>
-          </a:fillRef>
-          <a:effectRef idx="0">
-            <a:scrgbClr r="0" g="0" b="0"/>
-          </a:effectRef>
-          <a:fontRef idx="minor">
-            <a:schemeClr val="dk1"/>
-          </a:fontRef>
-        </p:style>
-        <p:txBody>
-          <a:bodyPr wrap="square" lIns="107944" tIns="53972" rIns="107944" bIns="53972" numCol="1" spcCol="72000" rtlCol="0" anchor="ctr">
-            <a:noAutofit/>
-          </a:bodyPr>
-          <a:lstStyle/>
-          <a:p>
-            <a:pPr algn="ctr">
-              <a:lnSpc>
-                <a:spcPct val="110000"/>
-              </a:lnSpc>
-              <a:spcBef>
-                <a:spcPct val="0"/>
-              </a:spcBef>
-              <a:buFont typeface="Wingdings" charset="0"/>
-              <a:buNone/>
-            </a:pPr>
-            <a:endParaRPr lang="en-US" sz="1799" dirty="0">
-              <a:solidFill>
-                <a:schemeClr val="tx1"/>
-              </a:solidFill>
-              <a:ea typeface="Arial Unicode MS" panose="020B0604020202020204" pitchFamily="34" charset="-128"/>
-              <a:cs typeface="Arial Unicode MS" panose="020B0604020202020204" pitchFamily="34" charset="-128"/>
-            </a:endParaRPr>
-          </a:p>
-        </p:txBody>
-      </p:sp>
-      <p:sp>
-        <p:nvSpPr>
-          <p:cNvPr id="63" name="Rounded Rectangle 62">
-            <a:extLst>
-              <a:ext uri="{FF2B5EF4-FFF2-40B4-BE49-F238E27FC236}">
-                <a16:creationId xmlns:a16="http://schemas.microsoft.com/office/drawing/2014/main" id="{258C838A-A065-9B4D-AA73-6EF5B55895EB}"/>
-              </a:ext>
-            </a:extLst>
-          </p:cNvPr>
-          <p:cNvSpPr/>
-          <p:nvPr/>
-        </p:nvSpPr>
-        <p:spPr bwMode="auto">
-          <a:xfrm>
-            <a:off x="3018536" y="2817835"/>
-            <a:ext cx="1045524" cy="818193"/>
-          </a:xfrm>
-          <a:prstGeom prst="roundRect">
-            <a:avLst/>
-          </a:prstGeom>
-          <a:noFill/>
-          <a:ln w="9525" cap="flat" cmpd="sng" algn="ctr">
-            <a:solidFill>
-              <a:schemeClr val="dk1"/>
-            </a:solidFill>
-            <a:prstDash val="solid"/>
-            <a:round/>
-            <a:headEnd type="none" w="med" len="med"/>
-            <a:tailEnd type="none" w="med" len="med"/>
-          </a:ln>
-        </p:spPr>
-        <p:style>
-          <a:lnRef idx="0">
-            <a:scrgbClr r="0" g="0" b="0"/>
-          </a:lnRef>
-          <a:fillRef idx="0">
-            <a:scrgbClr r="0" g="0" b="0"/>
-          </a:fillRef>
-          <a:effectRef idx="0">
-            <a:scrgbClr r="0" g="0" b="0"/>
-          </a:effectRef>
-          <a:fontRef idx="minor">
-            <a:schemeClr val="dk1"/>
-          </a:fontRef>
-        </p:style>
-        <p:txBody>
-          <a:bodyPr wrap="square" lIns="107944" tIns="53972" rIns="107944" bIns="53972" numCol="1" spcCol="72000" rtlCol="0" anchor="ctr">
-            <a:noAutofit/>
-          </a:bodyPr>
-          <a:lstStyle/>
-          <a:p>
-            <a:pPr algn="ctr">
-              <a:lnSpc>
-                <a:spcPct val="110000"/>
-              </a:lnSpc>
-              <a:spcBef>
-                <a:spcPct val="0"/>
-              </a:spcBef>
-              <a:buFont typeface="Wingdings" charset="0"/>
-              <a:buNone/>
-            </a:pPr>
-            <a:endParaRPr lang="en-US" sz="1799" dirty="0">
-              <a:solidFill>
-                <a:schemeClr val="tx1"/>
-              </a:solidFill>
-              <a:ea typeface="Arial Unicode MS" panose="020B0604020202020204" pitchFamily="34" charset="-128"/>
-              <a:cs typeface="Arial Unicode MS" panose="020B0604020202020204" pitchFamily="34" charset="-128"/>
-            </a:endParaRPr>
-          </a:p>
-        </p:txBody>
-      </p:sp>
-      <p:sp>
-        <p:nvSpPr>
-          <p:cNvPr id="66" name="Rounded Rectangle 65">
-            <a:extLst>
-              <a:ext uri="{FF2B5EF4-FFF2-40B4-BE49-F238E27FC236}">
-                <a16:creationId xmlns:a16="http://schemas.microsoft.com/office/drawing/2014/main" id="{A212B7CF-6E5D-B847-9FE8-14CCF330290F}"/>
-              </a:ext>
-            </a:extLst>
-          </p:cNvPr>
-          <p:cNvSpPr/>
-          <p:nvPr/>
-        </p:nvSpPr>
-        <p:spPr bwMode="auto">
-          <a:xfrm>
-            <a:off x="8163365" y="2826974"/>
-            <a:ext cx="1009292" cy="832908"/>
-          </a:xfrm>
-          <a:prstGeom prst="roundRect">
-            <a:avLst/>
-          </a:prstGeom>
-          <a:noFill/>
-          <a:ln w="9525" cap="flat" cmpd="sng" algn="ctr">
-            <a:solidFill>
-              <a:schemeClr val="dk1"/>
-            </a:solidFill>
-            <a:prstDash val="solid"/>
-            <a:round/>
-            <a:headEnd type="none" w="med" len="med"/>
-            <a:tailEnd type="none" w="med" len="med"/>
-          </a:ln>
-        </p:spPr>
-        <p:style>
-          <a:lnRef idx="0">
-            <a:scrgbClr r="0" g="0" b="0"/>
-          </a:lnRef>
-          <a:fillRef idx="0">
-            <a:scrgbClr r="0" g="0" b="0"/>
-          </a:fillRef>
-          <a:effectRef idx="0">
-            <a:scrgbClr r="0" g="0" b="0"/>
-          </a:effectRef>
-          <a:fontRef idx="minor">
-            <a:schemeClr val="dk1"/>
-          </a:fontRef>
-        </p:style>
-        <p:txBody>
-          <a:bodyPr wrap="square" lIns="107944" tIns="53972" rIns="107944" bIns="53972" numCol="1" spcCol="72000" rtlCol="0" anchor="ctr">
-            <a:noAutofit/>
-          </a:bodyPr>
-          <a:lstStyle/>
-          <a:p>
-            <a:pPr algn="ctr">
-              <a:lnSpc>
-                <a:spcPct val="110000"/>
-              </a:lnSpc>
-              <a:spcBef>
-                <a:spcPct val="0"/>
-              </a:spcBef>
-              <a:buFont typeface="Wingdings" charset="0"/>
-              <a:buNone/>
-            </a:pPr>
-            <a:endParaRPr lang="en-US" sz="1799" dirty="0">
-              <a:solidFill>
-                <a:schemeClr val="tx1"/>
-              </a:solidFill>
-              <a:ea typeface="Arial Unicode MS" panose="020B0604020202020204" pitchFamily="34" charset="-128"/>
-              <a:cs typeface="Arial Unicode MS" panose="020B0604020202020204" pitchFamily="34" charset="-128"/>
-            </a:endParaRPr>
-          </a:p>
-        </p:txBody>
-      </p:sp>
-      <p:sp>
-        <p:nvSpPr>
-          <p:cNvPr id="67" name="Rounded Rectangle 66">
-            <a:extLst>
-              <a:ext uri="{FF2B5EF4-FFF2-40B4-BE49-F238E27FC236}">
-                <a16:creationId xmlns:a16="http://schemas.microsoft.com/office/drawing/2014/main" id="{499D00BD-4DD4-1941-9B4E-65D221C17D82}"/>
-              </a:ext>
-            </a:extLst>
-          </p:cNvPr>
-          <p:cNvSpPr/>
-          <p:nvPr/>
-        </p:nvSpPr>
-        <p:spPr bwMode="auto">
-          <a:xfrm>
-            <a:off x="9848408" y="2817835"/>
-            <a:ext cx="1250794" cy="818193"/>
-          </a:xfrm>
-          <a:custGeom>
-            <a:avLst/>
-            <a:gdLst>
-              <a:gd name="connsiteX0" fmla="*/ 0 w 1250794"/>
-              <a:gd name="connsiteY0" fmla="*/ 136368 h 818193"/>
-              <a:gd name="connsiteX1" fmla="*/ 136368 w 1250794"/>
-              <a:gd name="connsiteY1" fmla="*/ 0 h 818193"/>
-              <a:gd name="connsiteX2" fmla="*/ 605836 w 1250794"/>
-              <a:gd name="connsiteY2" fmla="*/ 0 h 818193"/>
-              <a:gd name="connsiteX3" fmla="*/ 1114426 w 1250794"/>
-              <a:gd name="connsiteY3" fmla="*/ 0 h 818193"/>
-              <a:gd name="connsiteX4" fmla="*/ 1250794 w 1250794"/>
-              <a:gd name="connsiteY4" fmla="*/ 136368 h 818193"/>
-              <a:gd name="connsiteX5" fmla="*/ 1250794 w 1250794"/>
-              <a:gd name="connsiteY5" fmla="*/ 681825 h 818193"/>
-              <a:gd name="connsiteX6" fmla="*/ 1114426 w 1250794"/>
-              <a:gd name="connsiteY6" fmla="*/ 818193 h 818193"/>
-              <a:gd name="connsiteX7" fmla="*/ 605836 w 1250794"/>
-              <a:gd name="connsiteY7" fmla="*/ 818193 h 818193"/>
-              <a:gd name="connsiteX8" fmla="*/ 136368 w 1250794"/>
-              <a:gd name="connsiteY8" fmla="*/ 818193 h 818193"/>
-              <a:gd name="connsiteX9" fmla="*/ 0 w 1250794"/>
-              <a:gd name="connsiteY9" fmla="*/ 681825 h 818193"/>
-              <a:gd name="connsiteX10" fmla="*/ 0 w 1250794"/>
-              <a:gd name="connsiteY10" fmla="*/ 136368 h 818193"/>
-            </a:gdLst>
-            <a:ahLst/>
-            <a:cxnLst>
-              <a:cxn ang="0">
-                <a:pos x="connsiteX0" y="connsiteY0"/>
-              </a:cxn>
-              <a:cxn ang="0">
-                <a:pos x="connsiteX1" y="connsiteY1"/>
-              </a:cxn>
-              <a:cxn ang="0">
-                <a:pos x="connsiteX2" y="connsiteY2"/>
-              </a:cxn>
-              <a:cxn ang="0">
-                <a:pos x="connsiteX3" y="connsiteY3"/>
-              </a:cxn>
-              <a:cxn ang="0">
-                <a:pos x="connsiteX4" y="connsiteY4"/>
-              </a:cxn>
-              <a:cxn ang="0">
-                <a:pos x="connsiteX5" y="connsiteY5"/>
-              </a:cxn>
-              <a:cxn ang="0">
-                <a:pos x="connsiteX6" y="connsiteY6"/>
-              </a:cxn>
-              <a:cxn ang="0">
-                <a:pos x="connsiteX7" y="connsiteY7"/>
-              </a:cxn>
-              <a:cxn ang="0">
-                <a:pos x="connsiteX8" y="connsiteY8"/>
-              </a:cxn>
-              <a:cxn ang="0">
-                <a:pos x="connsiteX9" y="connsiteY9"/>
-              </a:cxn>
-              <a:cxn ang="0">
-                <a:pos x="connsiteX10" y="connsiteY10"/>
-              </a:cxn>
-            </a:cxnLst>
-            <a:rect l="l" t="t" r="r" b="b"/>
-            <a:pathLst>
-              <a:path w="1250794" h="818193" extrusionOk="0">
-                <a:moveTo>
-                  <a:pt x="0" y="136368"/>
-                </a:moveTo>
-                <a:cubicBezTo>
-                  <a:pt x="18838" y="63291"/>
-                  <a:pt x="59008" y="-2753"/>
-                  <a:pt x="136368" y="0"/>
-                </a:cubicBezTo>
-                <a:cubicBezTo>
-                  <a:pt x="295139" y="-110"/>
-                  <a:pt x="405654" y="27224"/>
-                  <a:pt x="605836" y="0"/>
-                </a:cubicBezTo>
-                <a:cubicBezTo>
-                  <a:pt x="806018" y="-27224"/>
-                  <a:pt x="927783" y="52617"/>
-                  <a:pt x="1114426" y="0"/>
-                </a:cubicBezTo>
-                <a:cubicBezTo>
-                  <a:pt x="1188841" y="4021"/>
-                  <a:pt x="1229704" y="64570"/>
-                  <a:pt x="1250794" y="136368"/>
-                </a:cubicBezTo>
-                <a:cubicBezTo>
-                  <a:pt x="1312059" y="393073"/>
-                  <a:pt x="1235118" y="425146"/>
-                  <a:pt x="1250794" y="681825"/>
-                </a:cubicBezTo>
-                <a:cubicBezTo>
-                  <a:pt x="1267828" y="768107"/>
-                  <a:pt x="1203583" y="801830"/>
-                  <a:pt x="1114426" y="818193"/>
-                </a:cubicBezTo>
-                <a:cubicBezTo>
-                  <a:pt x="895142" y="848822"/>
-                  <a:pt x="709583" y="816557"/>
-                  <a:pt x="605836" y="818193"/>
-                </a:cubicBezTo>
-                <a:cubicBezTo>
-                  <a:pt x="502089" y="819829"/>
-                  <a:pt x="314438" y="795521"/>
-                  <a:pt x="136368" y="818193"/>
-                </a:cubicBezTo>
-                <a:cubicBezTo>
-                  <a:pt x="60836" y="815580"/>
-                  <a:pt x="0" y="754221"/>
-                  <a:pt x="0" y="681825"/>
-                </a:cubicBezTo>
-                <a:cubicBezTo>
-                  <a:pt x="-24988" y="480659"/>
-                  <a:pt x="14638" y="294510"/>
-                  <a:pt x="0" y="136368"/>
-                </a:cubicBezTo>
-                <a:close/>
-              </a:path>
-            </a:pathLst>
-          </a:custGeom>
-          <a:noFill/>
-          <a:ln w="9525" cap="flat" cmpd="sng" algn="ctr">
-            <a:solidFill>
-              <a:schemeClr val="dk1"/>
-            </a:solidFill>
-            <a:prstDash val="sysDot"/>
-            <a:round/>
-            <a:headEnd type="none" w="med" len="med"/>
-            <a:tailEnd type="none" w="med" len="med"/>
-            <a:extLst>
-              <a:ext uri="{C807C97D-BFC1-408E-A445-0C87EB9F89A2}">
-                <ask:lineSketchStyleProps xmlns:ask="http://schemas.microsoft.com/office/drawing/2018/sketchyshapes" sd="2214188587">
-                  <a:prstGeom prst="roundRect">
-                    <a:avLst/>
-                  </a:prstGeom>
-                  <ask:type>
-                    <ask:lineSketchScribble/>
-                  </ask:type>
-                </ask:lineSketchStyleProps>
-              </a:ext>
-            </a:extLst>
-          </a:ln>
-        </p:spPr>
-        <p:style>
-          <a:lnRef idx="0">
-            <a:scrgbClr r="0" g="0" b="0"/>
-          </a:lnRef>
-          <a:fillRef idx="0">
-            <a:scrgbClr r="0" g="0" b="0"/>
-          </a:fillRef>
-          <a:effectRef idx="0">
-            <a:scrgbClr r="0" g="0" b="0"/>
-          </a:effectRef>
-          <a:fontRef idx="minor">
-            <a:schemeClr val="dk1"/>
-          </a:fontRef>
-        </p:style>
-        <p:txBody>
-          <a:bodyPr wrap="square" lIns="107944" tIns="53972" rIns="107944" bIns="53972" numCol="1" spcCol="72000" rtlCol="0" anchor="ctr">
-            <a:noAutofit/>
-          </a:bodyPr>
-          <a:lstStyle/>
-          <a:p>
-            <a:pPr algn="ctr">
-              <a:lnSpc>
-                <a:spcPct val="110000"/>
-              </a:lnSpc>
-              <a:spcBef>
-                <a:spcPct val="0"/>
-              </a:spcBef>
-              <a:buFont typeface="Wingdings" charset="0"/>
-              <a:buNone/>
-            </a:pPr>
-            <a:endParaRPr lang="en-US" sz="1799" dirty="0">
-              <a:solidFill>
-                <a:schemeClr val="tx1"/>
-              </a:solidFill>
-              <a:ea typeface="Arial Unicode MS" panose="020B0604020202020204" pitchFamily="34" charset="-128"/>
-              <a:cs typeface="Arial Unicode MS" panose="020B0604020202020204" pitchFamily="34" charset="-128"/>
-            </a:endParaRPr>
-          </a:p>
-        </p:txBody>
-      </p:sp>
-      <p:pic>
-        <p:nvPicPr>
-          <p:cNvPr id="7" name="Graphic 6">
-            <a:extLst>
-              <a:ext uri="{FF2B5EF4-FFF2-40B4-BE49-F238E27FC236}">
-                <a16:creationId xmlns:a16="http://schemas.microsoft.com/office/drawing/2014/main" id="{779D21F1-B987-A748-8DC8-E247C2F3DBE7}"/>
-              </a:ext>
-            </a:extLst>
-          </p:cNvPr>
-          <p:cNvPicPr>
-            <a:picLocks noChangeAspect="1"/>
-          </p:cNvPicPr>
-          <p:nvPr/>
-        </p:nvPicPr>
-        <p:blipFill>
-          <a:blip r:embed="rId34">
-            <a:extLst>
-              <a:ext uri="{96DAC541-7B7A-43D3-8B79-37D633B846F1}">
-                <asvg:svgBlip xmlns:asvg="http://schemas.microsoft.com/office/drawing/2016/SVG/main" r:embed="rId35"/>
-              </a:ext>
-            </a:extLst>
-          </a:blip>
-          <a:stretch>
-            <a:fillRect/>
-          </a:stretch>
-        </p:blipFill>
-        <p:spPr>
-          <a:xfrm>
-            <a:off x="9852782" y="3106327"/>
-            <a:ext cx="1269630" cy="298736"/>
-          </a:xfrm>
-          <a:prstGeom prst="rect">
-            <a:avLst/>
-          </a:prstGeom>
-        </p:spPr>
-      </p:pic>
-      <p:pic>
-        <p:nvPicPr>
-          <p:cNvPr id="9" name="Graphic 8">
-            <a:extLst>
-              <a:ext uri="{FF2B5EF4-FFF2-40B4-BE49-F238E27FC236}">
-                <a16:creationId xmlns:a16="http://schemas.microsoft.com/office/drawing/2014/main" id="{DB4F382F-60DE-BD47-846F-0285D2C6E5A2}"/>
-              </a:ext>
-            </a:extLst>
-          </p:cNvPr>
-          <p:cNvPicPr>
-            <a:picLocks noChangeAspect="1"/>
-          </p:cNvPicPr>
-          <p:nvPr/>
-        </p:nvPicPr>
-        <p:blipFill rotWithShape="1">
-          <a:blip r:embed="rId36">
-            <a:extLst>
-              <a:ext uri="{96DAC541-7B7A-43D3-8B79-37D633B846F1}">
-                <asvg:svgBlip xmlns:asvg="http://schemas.microsoft.com/office/drawing/2016/SVG/main" r:embed="rId37"/>
-              </a:ext>
-            </a:extLst>
-          </a:blip>
-          <a:srcRect l="18867" t="31648" r="20715" b="31551"/>
-          <a:stretch/>
-        </p:blipFill>
-        <p:spPr>
-          <a:xfrm>
-            <a:off x="10208031" y="4686233"/>
-            <a:ext cx="1538988" cy="347823"/>
-          </a:xfrm>
-          <a:prstGeom prst="rect">
-            <a:avLst/>
-          </a:prstGeom>
-        </p:spPr>
-      </p:pic>
-      <p:cxnSp>
-        <p:nvCxnSpPr>
-          <p:cNvPr id="69" name="Straight Arrow Connector 68">
-            <a:extLst>
-              <a:ext uri="{FF2B5EF4-FFF2-40B4-BE49-F238E27FC236}">
-                <a16:creationId xmlns:a16="http://schemas.microsoft.com/office/drawing/2014/main" id="{3D031502-B4DC-884A-AD64-907F510FF020}"/>
-              </a:ext>
-            </a:extLst>
-          </p:cNvPr>
-          <p:cNvCxnSpPr>
-            <a:cxnSpLocks/>
-          </p:cNvCxnSpPr>
-          <p:nvPr/>
-        </p:nvCxnSpPr>
-        <p:spPr bwMode="auto">
-          <a:xfrm>
-            <a:off x="9722198" y="3659882"/>
-            <a:ext cx="959977" cy="913376"/>
-          </a:xfrm>
-          <a:prstGeom prst="straightConnector1">
-            <a:avLst/>
-          </a:prstGeom>
-          <a:ln>
             <a:headEnd type="none" w="med" len="med"/>
             <a:tailEnd type="triangle"/>
           </a:ln>
@@ -10454,10 +9699,10 @@
       </p:cxnSp>
       <p:pic>
         <p:nvPicPr>
-          <p:cNvPr id="71" name="Graphic 70">
-            <a:extLst>
-              <a:ext uri="{FF2B5EF4-FFF2-40B4-BE49-F238E27FC236}">
-                <a16:creationId xmlns:a16="http://schemas.microsoft.com/office/drawing/2014/main" id="{3C3CA72D-48E7-9948-8DA6-B2A4CD1A0BE9}"/>
+          <p:cNvPr id="50" name="Picture 49" descr="Icon&#10;&#10;Description automatically generated">
+            <a:extLst>
+              <a:ext uri="{FF2B5EF4-FFF2-40B4-BE49-F238E27FC236}">
+                <a16:creationId xmlns:a16="http://schemas.microsoft.com/office/drawing/2014/main" id="{165B692F-B861-814D-8384-84CA6B880D4F}"/>
               </a:ext>
             </a:extLst>
           </p:cNvPr>
@@ -10466,136 +9711,363 @@
           </p:cNvPicPr>
           <p:nvPr/>
         </p:nvPicPr>
-        <p:blipFill rotWithShape="1">
-          <a:blip r:embed="rId36">
-            <a:extLst>
-              <a:ext uri="{96DAC541-7B7A-43D3-8B79-37D633B846F1}">
-                <asvg:svgBlip xmlns:asvg="http://schemas.microsoft.com/office/drawing/2016/SVG/main" r:embed="rId37"/>
-              </a:ext>
-            </a:extLst>
-          </a:blip>
-          <a:srcRect l="18867" t="31648" r="20715" b="31551"/>
-          <a:stretch/>
+        <p:blipFill>
+          <a:blip r:embed="rId15"/>
+          <a:stretch>
+            <a:fillRect/>
+          </a:stretch>
         </p:blipFill>
         <p:spPr>
-          <a:xfrm rot="16200000">
-            <a:off x="9086251" y="3140886"/>
-            <a:ext cx="859436" cy="194239"/>
+          <a:xfrm>
+            <a:off x="7686792" y="3591487"/>
+            <a:ext cx="1085330" cy="355846"/>
           </a:xfrm>
           <a:prstGeom prst="rect">
             <a:avLst/>
           </a:prstGeom>
         </p:spPr>
       </p:pic>
-      <p:sp>
-        <p:nvSpPr>
-          <p:cNvPr id="72" name="Rounded Rectangle 71">
-            <a:extLst>
-              <a:ext uri="{FF2B5EF4-FFF2-40B4-BE49-F238E27FC236}">
-                <a16:creationId xmlns:a16="http://schemas.microsoft.com/office/drawing/2014/main" id="{378D5E58-55E7-CC43-8C47-53D6684E8ACC}"/>
-              </a:ext>
-            </a:extLst>
-          </p:cNvPr>
-          <p:cNvSpPr/>
+      <p:pic>
+        <p:nvPicPr>
+          <p:cNvPr id="65" name="Grafik 11" descr="Ein Bild, das Parkplatz, Monitor, Maschine, sitzend enthält.&#10;&#10;Automatisch generierte Beschreibung">
+            <a:extLst>
+              <a:ext uri="{FF2B5EF4-FFF2-40B4-BE49-F238E27FC236}">
+                <a16:creationId xmlns:a16="http://schemas.microsoft.com/office/drawing/2014/main" id="{B0CE53E9-6BF7-2F47-8ED4-08E37C312F8F}"/>
+              </a:ext>
+            </a:extLst>
+          </p:cNvPr>
+          <p:cNvPicPr>
+            <a:picLocks noChangeAspect="1"/>
+          </p:cNvPicPr>
           <p:nvPr/>
-        </p:nvSpPr>
+        </p:nvPicPr>
+        <p:blipFill>
+          <a:blip r:embed="rId16"/>
+          <a:stretch>
+            <a:fillRect/>
+          </a:stretch>
+        </p:blipFill>
+        <p:spPr>
+          <a:xfrm>
+            <a:off x="5890055" y="5194817"/>
+            <a:ext cx="868296" cy="730868"/>
+          </a:xfrm>
+          <a:prstGeom prst="rect">
+            <a:avLst/>
+          </a:prstGeom>
+        </p:spPr>
+      </p:pic>
+      <p:cxnSp>
+        <p:nvCxnSpPr>
+          <p:cNvPr id="67" name="Straight Arrow Connector 66">
+            <a:extLst>
+              <a:ext uri="{FF2B5EF4-FFF2-40B4-BE49-F238E27FC236}">
+                <a16:creationId xmlns:a16="http://schemas.microsoft.com/office/drawing/2014/main" id="{9CA0DF7B-8B9F-8541-8082-6E39A9CA7C0F}"/>
+              </a:ext>
+            </a:extLst>
+          </p:cNvPr>
+          <p:cNvCxnSpPr>
+            <a:cxnSpLocks/>
+          </p:cNvCxnSpPr>
+          <p:nvPr/>
+        </p:nvCxnSpPr>
         <p:spPr bwMode="auto">
           <a:xfrm>
-            <a:off x="9309832" y="2813034"/>
-            <a:ext cx="412365" cy="846848"/>
-          </a:xfrm>
-          <a:prstGeom prst="roundRect">
+            <a:off x="6324203" y="4470505"/>
+            <a:ext cx="0" cy="739255"/>
+          </a:xfrm>
+          <a:prstGeom prst="straightConnector1">
+            <a:avLst/>
+          </a:prstGeom>
+          <a:ln w="12700">
+            <a:solidFill>
+              <a:schemeClr val="accent1">
+                <a:lumMod val="50000"/>
+              </a:schemeClr>
+            </a:solidFill>
+            <a:headEnd type="triangle" w="med" len="med"/>
+            <a:tailEnd type="none"/>
+          </a:ln>
+        </p:spPr>
+        <p:style>
+          <a:lnRef idx="3">
+            <a:schemeClr val="accent6"/>
+          </a:lnRef>
+          <a:fillRef idx="0">
+            <a:schemeClr val="accent6"/>
+          </a:fillRef>
+          <a:effectRef idx="2">
+            <a:schemeClr val="accent6"/>
+          </a:effectRef>
+          <a:fontRef idx="minor">
+            <a:schemeClr val="tx1"/>
+          </a:fontRef>
+        </p:style>
+      </p:cxnSp>
+      <p:cxnSp>
+        <p:nvCxnSpPr>
+          <p:cNvPr id="73" name="Straight Connector 72">
+            <a:extLst>
+              <a:ext uri="{FF2B5EF4-FFF2-40B4-BE49-F238E27FC236}">
+                <a16:creationId xmlns:a16="http://schemas.microsoft.com/office/drawing/2014/main" id="{07E6E080-A1FE-1349-A5E6-0A72603A2C23}"/>
+              </a:ext>
+            </a:extLst>
+          </p:cNvPr>
+          <p:cNvCxnSpPr>
+            <a:cxnSpLocks/>
+          </p:cNvCxnSpPr>
+          <p:nvPr/>
+        </p:nvCxnSpPr>
+        <p:spPr>
+          <a:xfrm>
+            <a:off x="7930689" y="4506883"/>
+            <a:ext cx="3011339" cy="23327"/>
+          </a:xfrm>
+          <a:prstGeom prst="line">
+            <a:avLst/>
+          </a:prstGeom>
+          <a:ln w="76200" cap="rnd">
+            <a:solidFill>
+              <a:schemeClr val="accent1">
+                <a:lumMod val="50000"/>
+              </a:schemeClr>
+            </a:solidFill>
+            <a:round/>
+          </a:ln>
+        </p:spPr>
+        <p:style>
+          <a:lnRef idx="1">
+            <a:schemeClr val="accent1"/>
+          </a:lnRef>
+          <a:fillRef idx="0">
+            <a:schemeClr val="accent1"/>
+          </a:fillRef>
+          <a:effectRef idx="0">
+            <a:schemeClr val="accent1"/>
+          </a:effectRef>
+          <a:fontRef idx="minor">
+            <a:schemeClr val="tx1"/>
+          </a:fontRef>
+        </p:style>
+      </p:cxnSp>
+      <p:cxnSp>
+        <p:nvCxnSpPr>
+          <p:cNvPr id="75" name="Straight Arrow Connector 74">
+            <a:extLst>
+              <a:ext uri="{FF2B5EF4-FFF2-40B4-BE49-F238E27FC236}">
+                <a16:creationId xmlns:a16="http://schemas.microsoft.com/office/drawing/2014/main" id="{4BE29E08-A1BF-DC42-9555-F0D1D2BD2A5B}"/>
+              </a:ext>
+            </a:extLst>
+          </p:cNvPr>
+          <p:cNvCxnSpPr>
+            <a:cxnSpLocks/>
+          </p:cNvCxnSpPr>
+          <p:nvPr/>
+        </p:nvCxnSpPr>
+        <p:spPr bwMode="auto">
+          <a:xfrm flipV="1">
+            <a:off x="8435323" y="3987358"/>
+            <a:ext cx="0" cy="491164"/>
+          </a:xfrm>
+          <a:prstGeom prst="straightConnector1">
+            <a:avLst/>
+          </a:prstGeom>
+          <a:ln w="12700">
+            <a:solidFill>
+              <a:schemeClr val="accent1">
+                <a:lumMod val="50000"/>
+              </a:schemeClr>
+            </a:solidFill>
+            <a:headEnd type="none" w="med" len="med"/>
+            <a:tailEnd type="triangle"/>
+          </a:ln>
+        </p:spPr>
+        <p:style>
+          <a:lnRef idx="3">
+            <a:schemeClr val="accent6"/>
+          </a:lnRef>
+          <a:fillRef idx="0">
+            <a:schemeClr val="accent6"/>
+          </a:fillRef>
+          <a:effectRef idx="2">
+            <a:schemeClr val="accent6"/>
+          </a:effectRef>
+          <a:fontRef idx="minor">
+            <a:schemeClr val="tx1"/>
+          </a:fontRef>
+        </p:style>
+      </p:cxnSp>
+      <p:sp>
+        <p:nvSpPr>
+          <p:cNvPr id="81" name="TextBox 80">
+            <a:extLst>
+              <a:ext uri="{FF2B5EF4-FFF2-40B4-BE49-F238E27FC236}">
+                <a16:creationId xmlns:a16="http://schemas.microsoft.com/office/drawing/2014/main" id="{CC35EDBB-5A68-E247-BA2E-7F7A1534FD6A}"/>
+              </a:ext>
+            </a:extLst>
+          </p:cNvPr>
+          <p:cNvSpPr txBox="1"/>
+          <p:nvPr/>
+        </p:nvSpPr>
+        <p:spPr>
+          <a:xfrm>
+            <a:off x="7934826" y="5006806"/>
+            <a:ext cx="962123" cy="369332"/>
+          </a:xfrm>
+          <a:prstGeom prst="rect">
             <a:avLst/>
           </a:prstGeom>
           <a:noFill/>
-          <a:ln w="9525" cap="flat" cmpd="sng" algn="ctr">
-            <a:solidFill>
-              <a:schemeClr val="dk1"/>
-            </a:solidFill>
-            <a:prstDash val="solid"/>
-            <a:round/>
-            <a:headEnd type="none" w="med" len="med"/>
-            <a:tailEnd type="none" w="med" len="med"/>
-          </a:ln>
-        </p:spPr>
-        <p:style>
-          <a:lnRef idx="0">
-            <a:scrgbClr r="0" g="0" b="0"/>
-          </a:lnRef>
-          <a:fillRef idx="0">
-            <a:scrgbClr r="0" g="0" b="0"/>
-          </a:fillRef>
-          <a:effectRef idx="0">
-            <a:scrgbClr r="0" g="0" b="0"/>
-          </a:effectRef>
-          <a:fontRef idx="minor">
-            <a:schemeClr val="dk1"/>
-          </a:fontRef>
-        </p:style>
-        <p:txBody>
-          <a:bodyPr wrap="square" lIns="107944" tIns="53972" rIns="107944" bIns="53972" numCol="1" spcCol="72000" rtlCol="0" anchor="ctr">
-            <a:noAutofit/>
+        </p:spPr>
+        <p:txBody>
+          <a:bodyPr wrap="none" rtlCol="0">
+            <a:spAutoFit/>
           </a:bodyPr>
           <a:lstStyle/>
           <a:p>
-            <a:pPr algn="ctr">
-              <a:lnSpc>
-                <a:spcPct val="110000"/>
-              </a:lnSpc>
-              <a:spcBef>
-                <a:spcPct val="0"/>
-              </a:spcBef>
-              <a:buFont typeface="Wingdings" charset="0"/>
-              <a:buNone/>
-            </a:pPr>
-            <a:endParaRPr lang="en-US" sz="1799" dirty="0">
-              <a:solidFill>
-                <a:schemeClr val="tx1"/>
-              </a:solidFill>
-              <a:ea typeface="Arial Unicode MS" panose="020B0604020202020204" pitchFamily="34" charset="-128"/>
-              <a:cs typeface="Arial Unicode MS" panose="020B0604020202020204" pitchFamily="34" charset="-128"/>
-            </a:endParaRPr>
-          </a:p>
-        </p:txBody>
-      </p:sp>
-      <p:sp>
-        <p:nvSpPr>
-          <p:cNvPr id="74" name="Rectangle 73">
-            <a:extLst>
-              <a:ext uri="{FF2B5EF4-FFF2-40B4-BE49-F238E27FC236}">
-                <a16:creationId xmlns:a16="http://schemas.microsoft.com/office/drawing/2014/main" id="{C4ACE541-6EA3-284F-8A3F-6A5FDE35E8C8}"/>
-              </a:ext>
-            </a:extLst>
-          </p:cNvPr>
-          <p:cNvSpPr/>
+            <a:r>
+              <a:rPr lang="en-US" dirty="0"/>
+              <a:t>ModBus</a:t>
+            </a:r>
+          </a:p>
+        </p:txBody>
+      </p:sp>
+      <p:sp>
+        <p:nvSpPr>
+          <p:cNvPr id="90" name="TextBox 89">
+            <a:extLst>
+              <a:ext uri="{FF2B5EF4-FFF2-40B4-BE49-F238E27FC236}">
+                <a16:creationId xmlns:a16="http://schemas.microsoft.com/office/drawing/2014/main" id="{E0982F50-0540-244B-8EAE-4EB032657AA8}"/>
+              </a:ext>
+            </a:extLst>
+          </p:cNvPr>
+          <p:cNvSpPr txBox="1"/>
           <p:nvPr/>
         </p:nvSpPr>
         <p:spPr>
           <a:xfrm>
-            <a:off x="10368540" y="4989117"/>
-            <a:ext cx="1217969" cy="415026"/>
+            <a:off x="7952627" y="5736856"/>
+            <a:ext cx="407484" cy="369332"/>
           </a:xfrm>
           <a:prstGeom prst="rect">
             <a:avLst/>
           </a:prstGeom>
-        </p:spPr>
-        <p:txBody>
-          <a:bodyPr wrap="none">
+          <a:noFill/>
+        </p:spPr>
+        <p:txBody>
+          <a:bodyPr wrap="none" rtlCol="0">
             <a:spAutoFit/>
           </a:bodyPr>
           <a:lstStyle/>
           <a:p>
-            <a:pPr algn="ctr"/>
-            <a:r>
-              <a:rPr lang="en-US" sz="1049" dirty="0"/>
-              <a:t>Database Logger</a:t>
-            </a:r>
-          </a:p>
-          <a:p>
-            <a:pPr algn="ctr"/>
-            <a:r>
-              <a:rPr lang="en-US" sz="1049" dirty="0"/>
-              <a:t>Query via GraphQL</a:t>
+            <a:r>
+              <a:rPr lang="en-US" dirty="0"/>
+              <a:t>S7</a:t>
+            </a:r>
+          </a:p>
+        </p:txBody>
+      </p:sp>
+      <p:sp>
+        <p:nvSpPr>
+          <p:cNvPr id="91" name="TextBox 90">
+            <a:extLst>
+              <a:ext uri="{FF2B5EF4-FFF2-40B4-BE49-F238E27FC236}">
+                <a16:creationId xmlns:a16="http://schemas.microsoft.com/office/drawing/2014/main" id="{DAE2FDF6-FE5E-7849-B153-3B435F096DC8}"/>
+              </a:ext>
+            </a:extLst>
+          </p:cNvPr>
+          <p:cNvSpPr txBox="1"/>
+          <p:nvPr/>
+        </p:nvSpPr>
+        <p:spPr>
+          <a:xfrm>
+            <a:off x="7930689" y="4623151"/>
+            <a:ext cx="1141338" cy="369332"/>
+          </a:xfrm>
+          <a:prstGeom prst="rect">
+            <a:avLst/>
+          </a:prstGeom>
+          <a:noFill/>
+        </p:spPr>
+        <p:txBody>
+          <a:bodyPr wrap="none" rtlCol="0">
+            <a:spAutoFit/>
+          </a:bodyPr>
+          <a:lstStyle/>
+          <a:p>
+            <a:r>
+              <a:rPr lang="en-US" dirty="0"/>
+              <a:t>BACnet/IP</a:t>
+            </a:r>
+          </a:p>
+        </p:txBody>
+      </p:sp>
+      <p:sp>
+        <p:nvSpPr>
+          <p:cNvPr id="95" name="TextBox 94">
+            <a:extLst>
+              <a:ext uri="{FF2B5EF4-FFF2-40B4-BE49-F238E27FC236}">
+                <a16:creationId xmlns:a16="http://schemas.microsoft.com/office/drawing/2014/main" id="{5EFAC27D-92B8-434F-A2C4-FD2A5A3C6AC5}"/>
+              </a:ext>
+            </a:extLst>
+          </p:cNvPr>
+          <p:cNvSpPr txBox="1"/>
+          <p:nvPr/>
+        </p:nvSpPr>
+        <p:spPr>
+          <a:xfrm>
+            <a:off x="7942359" y="5371831"/>
+            <a:ext cx="574196" cy="369332"/>
+          </a:xfrm>
+          <a:prstGeom prst="rect">
+            <a:avLst/>
+          </a:prstGeom>
+          <a:noFill/>
+        </p:spPr>
+        <p:txBody>
+          <a:bodyPr wrap="none" rtlCol="0">
+            <a:spAutoFit/>
+          </a:bodyPr>
+          <a:lstStyle/>
+          <a:p>
+            <a:r>
+              <a:rPr lang="en-US" dirty="0"/>
+              <a:t>KNX</a:t>
+            </a:r>
+          </a:p>
+        </p:txBody>
+      </p:sp>
+      <p:sp>
+        <p:nvSpPr>
+          <p:cNvPr id="96" name="TextBox 95">
+            <a:extLst>
+              <a:ext uri="{FF2B5EF4-FFF2-40B4-BE49-F238E27FC236}">
+                <a16:creationId xmlns:a16="http://schemas.microsoft.com/office/drawing/2014/main" id="{15D954B9-7221-CE47-B7D5-6E16B630078D}"/>
+              </a:ext>
+            </a:extLst>
+          </p:cNvPr>
+          <p:cNvSpPr txBox="1"/>
+          <p:nvPr/>
+        </p:nvSpPr>
+        <p:spPr>
+          <a:xfrm>
+            <a:off x="7973956" y="6064905"/>
+            <a:ext cx="343364" cy="369332"/>
+          </a:xfrm>
+          <a:prstGeom prst="rect">
+            <a:avLst/>
+          </a:prstGeom>
+          <a:noFill/>
+        </p:spPr>
+        <p:txBody>
+          <a:bodyPr wrap="none" rtlCol="0">
+            <a:spAutoFit/>
+          </a:bodyPr>
+          <a:lstStyle/>
+          <a:p>
+            <a:r>
+              <a:rPr lang="en-US" dirty="0"/>
+              <a:t>…</a:t>
             </a:r>
           </a:p>
         </p:txBody>
@@ -10603,7 +10075,7 @@
     </p:spTree>
     <p:extLst>
       <p:ext uri="{BB962C8B-B14F-4D97-AF65-F5344CB8AC3E}">
-        <p14:creationId xmlns:p14="http://schemas.microsoft.com/office/powerpoint/2010/main" val="3242260228"/>
+        <p14:creationId xmlns:p14="http://schemas.microsoft.com/office/powerpoint/2010/main" val="3396807162"/>
       </p:ext>
     </p:extLst>
   </p:cSld>

--- a/doc/Gateway.pptx
+++ b/doc/Gateway.pptx
@@ -5,8 +5,7 @@
     <p:sldMasterId id="2147483648" r:id="rId1"/>
   </p:sldMasterIdLst>
   <p:sldIdLst>
-    <p:sldId id="1575" r:id="rId2"/>
-    <p:sldId id="1576" r:id="rId3"/>
+    <p:sldId id="1577" r:id="rId2"/>
   </p:sldIdLst>
   <p:sldSz cx="12192000" cy="6858000"/>
   <p:notesSz cx="6858000" cy="9144000"/>
@@ -330,7 +329,7 @@
           <a:p>
             <a:fld id="{DFC7EF79-06A3-ED46-9F4C-16AFC18B46CF}" type="datetimeFigureOut">
               <a:rPr lang="en-US" smtClean="0"/>
-              <a:t>3/3/21</a:t>
+              <a:t>3/29/21</a:t>
             </a:fld>
             <a:endParaRPr lang="en-US"/>
           </a:p>
@@ -530,7 +529,7 @@
           <a:p>
             <a:fld id="{DFC7EF79-06A3-ED46-9F4C-16AFC18B46CF}" type="datetimeFigureOut">
               <a:rPr lang="en-US" smtClean="0"/>
-              <a:t>3/3/21</a:t>
+              <a:t>3/29/21</a:t>
             </a:fld>
             <a:endParaRPr lang="en-US"/>
           </a:p>
@@ -740,7 +739,7 @@
           <a:p>
             <a:fld id="{DFC7EF79-06A3-ED46-9F4C-16AFC18B46CF}" type="datetimeFigureOut">
               <a:rPr lang="en-US" smtClean="0"/>
-              <a:t>3/3/21</a:t>
+              <a:t>3/29/21</a:t>
             </a:fld>
             <a:endParaRPr lang="en-US"/>
           </a:p>
@@ -993,7 +992,7 @@
           <a:p>
             <a:fld id="{DFC7EF79-06A3-ED46-9F4C-16AFC18B46CF}" type="datetimeFigureOut">
               <a:rPr lang="en-US" smtClean="0"/>
-              <a:t>3/3/21</a:t>
+              <a:t>3/29/21</a:t>
             </a:fld>
             <a:endParaRPr lang="en-US"/>
           </a:p>
@@ -1269,7 +1268,7 @@
           <a:p>
             <a:fld id="{DFC7EF79-06A3-ED46-9F4C-16AFC18B46CF}" type="datetimeFigureOut">
               <a:rPr lang="en-US" smtClean="0"/>
-              <a:t>3/3/21</a:t>
+              <a:t>3/29/21</a:t>
             </a:fld>
             <a:endParaRPr lang="en-US"/>
           </a:p>
@@ -1537,7 +1536,7 @@
           <a:p>
             <a:fld id="{DFC7EF79-06A3-ED46-9F4C-16AFC18B46CF}" type="datetimeFigureOut">
               <a:rPr lang="en-US" smtClean="0"/>
-              <a:t>3/3/21</a:t>
+              <a:t>3/29/21</a:t>
             </a:fld>
             <a:endParaRPr lang="en-US"/>
           </a:p>
@@ -1952,7 +1951,7 @@
           <a:p>
             <a:fld id="{DFC7EF79-06A3-ED46-9F4C-16AFC18B46CF}" type="datetimeFigureOut">
               <a:rPr lang="en-US" smtClean="0"/>
-              <a:t>3/3/21</a:t>
+              <a:t>3/29/21</a:t>
             </a:fld>
             <a:endParaRPr lang="en-US"/>
           </a:p>
@@ -2094,7 +2093,7 @@
           <a:p>
             <a:fld id="{DFC7EF79-06A3-ED46-9F4C-16AFC18B46CF}" type="datetimeFigureOut">
               <a:rPr lang="en-US" smtClean="0"/>
-              <a:t>3/3/21</a:t>
+              <a:t>3/29/21</a:t>
             </a:fld>
             <a:endParaRPr lang="en-US"/>
           </a:p>
@@ -2207,7 +2206,7 @@
           <a:p>
             <a:fld id="{DFC7EF79-06A3-ED46-9F4C-16AFC18B46CF}" type="datetimeFigureOut">
               <a:rPr lang="en-US" smtClean="0"/>
-              <a:t>3/3/21</a:t>
+              <a:t>3/29/21</a:t>
             </a:fld>
             <a:endParaRPr lang="en-US"/>
           </a:p>
@@ -2520,7 +2519,7 @@
           <a:p>
             <a:fld id="{DFC7EF79-06A3-ED46-9F4C-16AFC18B46CF}" type="datetimeFigureOut">
               <a:rPr lang="en-US" smtClean="0"/>
-              <a:t>3/3/21</a:t>
+              <a:t>3/29/21</a:t>
             </a:fld>
             <a:endParaRPr lang="en-US"/>
           </a:p>
@@ -2809,7 +2808,7 @@
           <a:p>
             <a:fld id="{DFC7EF79-06A3-ED46-9F4C-16AFC18B46CF}" type="datetimeFigureOut">
               <a:rPr lang="en-US" smtClean="0"/>
-              <a:t>3/3/21</a:t>
+              <a:t>3/29/21</a:t>
             </a:fld>
             <a:endParaRPr lang="en-US"/>
           </a:p>
@@ -3052,7 +3051,7 @@
           <a:p>
             <a:fld id="{DFC7EF79-06A3-ED46-9F4C-16AFC18B46CF}" type="datetimeFigureOut">
               <a:rPr lang="en-US" smtClean="0"/>
-              <a:t>3/3/21</a:t>
+              <a:t>3/29/21</a:t>
             </a:fld>
             <a:endParaRPr lang="en-US"/>
           </a:p>
@@ -3472,6 +3471,36 @@
       </p:grpSpPr>
       <p:pic>
         <p:nvPicPr>
+          <p:cNvPr id="22" name="Picture 21" descr="Logo&#10;&#10;Description automatically generated">
+            <a:extLst>
+              <a:ext uri="{FF2B5EF4-FFF2-40B4-BE49-F238E27FC236}">
+                <a16:creationId xmlns:a16="http://schemas.microsoft.com/office/drawing/2014/main" id="{8BDA4F59-2BD4-D94E-8A44-E2F37080C90E}"/>
+              </a:ext>
+            </a:extLst>
+          </p:cNvPr>
+          <p:cNvPicPr>
+            <a:picLocks noChangeAspect="1"/>
+          </p:cNvPicPr>
+          <p:nvPr/>
+        </p:nvPicPr>
+        <p:blipFill>
+          <a:blip r:embed="rId2"/>
+          <a:stretch>
+            <a:fillRect/>
+          </a:stretch>
+        </p:blipFill>
+        <p:spPr>
+          <a:xfrm>
+            <a:off x="3514745" y="3299123"/>
+            <a:ext cx="1504846" cy="842714"/>
+          </a:xfrm>
+          <a:prstGeom prst="rect">
+            <a:avLst/>
+          </a:prstGeom>
+        </p:spPr>
+      </p:pic>
+      <p:pic>
+        <p:nvPicPr>
           <p:cNvPr id="14" name="Picture 13" descr="Diagram&#10;&#10;Description automatically generated">
             <a:extLst>
               <a:ext uri="{FF2B5EF4-FFF2-40B4-BE49-F238E27FC236}">
@@ -3485,14 +3514,14 @@
           <p:nvPr/>
         </p:nvPicPr>
         <p:blipFill rotWithShape="1">
-          <a:blip r:embed="rId2"/>
+          <a:blip r:embed="rId3"/>
           <a:srcRect l="23906"/>
           <a:stretch/>
         </p:blipFill>
         <p:spPr>
           <a:xfrm>
-            <a:off x="4308367" y="4528264"/>
-            <a:ext cx="2814631" cy="1764184"/>
+            <a:off x="2950550" y="4855609"/>
+            <a:ext cx="2248413" cy="1409284"/>
           </a:xfrm>
           <a:prstGeom prst="rect">
             <a:avLst/>
@@ -3513,7 +3542,7 @@
         </p:nvSpPr>
         <p:spPr bwMode="auto">
           <a:xfrm>
-            <a:off x="9543888" y="2661833"/>
+            <a:off x="9543888" y="2403417"/>
             <a:ext cx="1606654" cy="1318386"/>
           </a:xfrm>
           <a:custGeom>
@@ -3672,3265 +3701,6 @@
           <p:nvPr/>
         </p:nvPicPr>
         <p:blipFill>
-          <a:blip r:embed="rId3"/>
-          <a:stretch>
-            <a:fillRect/>
-          </a:stretch>
-        </p:blipFill>
-        <p:spPr>
-          <a:xfrm rot="5400000">
-            <a:off x="9168507" y="5298347"/>
-            <a:ext cx="1549104" cy="436927"/>
-          </a:xfrm>
-          <a:prstGeom prst="rect">
-            <a:avLst/>
-          </a:prstGeom>
-        </p:spPr>
-      </p:pic>
-      <p:sp>
-        <p:nvSpPr>
-          <p:cNvPr id="4" name="Rectangle 3">
-            <a:extLst>
-              <a:ext uri="{FF2B5EF4-FFF2-40B4-BE49-F238E27FC236}">
-                <a16:creationId xmlns:a16="http://schemas.microsoft.com/office/drawing/2014/main" id="{FD96C491-D685-0D4F-9333-FC729635BEBB}"/>
-              </a:ext>
-            </a:extLst>
-          </p:cNvPr>
-          <p:cNvSpPr/>
-          <p:nvPr/>
-        </p:nvSpPr>
-        <p:spPr bwMode="auto">
-          <a:xfrm>
-            <a:off x="3013449" y="2670861"/>
-            <a:ext cx="5782261" cy="1226755"/>
-          </a:xfrm>
-          <a:custGeom>
-            <a:avLst/>
-            <a:gdLst>
-              <a:gd name="connsiteX0" fmla="*/ 0 w 5782261"/>
-              <a:gd name="connsiteY0" fmla="*/ 0 h 1226755"/>
-              <a:gd name="connsiteX1" fmla="*/ 584651 w 5782261"/>
-              <a:gd name="connsiteY1" fmla="*/ 0 h 1226755"/>
-              <a:gd name="connsiteX2" fmla="*/ 1342769 w 5782261"/>
-              <a:gd name="connsiteY2" fmla="*/ 0 h 1226755"/>
-              <a:gd name="connsiteX3" fmla="*/ 1927420 w 5782261"/>
-              <a:gd name="connsiteY3" fmla="*/ 0 h 1226755"/>
-              <a:gd name="connsiteX4" fmla="*/ 2454249 w 5782261"/>
-              <a:gd name="connsiteY4" fmla="*/ 0 h 1226755"/>
-              <a:gd name="connsiteX5" fmla="*/ 2923254 w 5782261"/>
-              <a:gd name="connsiteY5" fmla="*/ 0 h 1226755"/>
-              <a:gd name="connsiteX6" fmla="*/ 3681373 w 5782261"/>
-              <a:gd name="connsiteY6" fmla="*/ 0 h 1226755"/>
-              <a:gd name="connsiteX7" fmla="*/ 4266024 w 5782261"/>
-              <a:gd name="connsiteY7" fmla="*/ 0 h 1226755"/>
-              <a:gd name="connsiteX8" fmla="*/ 4908497 w 5782261"/>
-              <a:gd name="connsiteY8" fmla="*/ 0 h 1226755"/>
-              <a:gd name="connsiteX9" fmla="*/ 5782261 w 5782261"/>
-              <a:gd name="connsiteY9" fmla="*/ 0 h 1226755"/>
-              <a:gd name="connsiteX10" fmla="*/ 5782261 w 5782261"/>
-              <a:gd name="connsiteY10" fmla="*/ 601110 h 1226755"/>
-              <a:gd name="connsiteX11" fmla="*/ 5782261 w 5782261"/>
-              <a:gd name="connsiteY11" fmla="*/ 1226755 h 1226755"/>
-              <a:gd name="connsiteX12" fmla="*/ 5313255 w 5782261"/>
-              <a:gd name="connsiteY12" fmla="*/ 1226755 h 1226755"/>
-              <a:gd name="connsiteX13" fmla="*/ 4670782 w 5782261"/>
-              <a:gd name="connsiteY13" fmla="*/ 1226755 h 1226755"/>
-              <a:gd name="connsiteX14" fmla="*/ 4086131 w 5782261"/>
-              <a:gd name="connsiteY14" fmla="*/ 1226755 h 1226755"/>
-              <a:gd name="connsiteX15" fmla="*/ 3385835 w 5782261"/>
-              <a:gd name="connsiteY15" fmla="*/ 1226755 h 1226755"/>
-              <a:gd name="connsiteX16" fmla="*/ 2627716 w 5782261"/>
-              <a:gd name="connsiteY16" fmla="*/ 1226755 h 1226755"/>
-              <a:gd name="connsiteX17" fmla="*/ 2100888 w 5782261"/>
-              <a:gd name="connsiteY17" fmla="*/ 1226755 h 1226755"/>
-              <a:gd name="connsiteX18" fmla="*/ 1631883 w 5782261"/>
-              <a:gd name="connsiteY18" fmla="*/ 1226755 h 1226755"/>
-              <a:gd name="connsiteX19" fmla="*/ 873764 w 5782261"/>
-              <a:gd name="connsiteY19" fmla="*/ 1226755 h 1226755"/>
-              <a:gd name="connsiteX20" fmla="*/ 0 w 5782261"/>
-              <a:gd name="connsiteY20" fmla="*/ 1226755 h 1226755"/>
-              <a:gd name="connsiteX21" fmla="*/ 0 w 5782261"/>
-              <a:gd name="connsiteY21" fmla="*/ 588842 h 1226755"/>
-              <a:gd name="connsiteX22" fmla="*/ 0 w 5782261"/>
-              <a:gd name="connsiteY22" fmla="*/ 0 h 1226755"/>
-            </a:gdLst>
-            <a:ahLst/>
-            <a:cxnLst>
-              <a:cxn ang="0">
-                <a:pos x="connsiteX0" y="connsiteY0"/>
-              </a:cxn>
-              <a:cxn ang="0">
-                <a:pos x="connsiteX1" y="connsiteY1"/>
-              </a:cxn>
-              <a:cxn ang="0">
-                <a:pos x="connsiteX2" y="connsiteY2"/>
-              </a:cxn>
-              <a:cxn ang="0">
-                <a:pos x="connsiteX3" y="connsiteY3"/>
-              </a:cxn>
-              <a:cxn ang="0">
-                <a:pos x="connsiteX4" y="connsiteY4"/>
-              </a:cxn>
-              <a:cxn ang="0">
-                <a:pos x="connsiteX5" y="connsiteY5"/>
-              </a:cxn>
-              <a:cxn ang="0">
-                <a:pos x="connsiteX6" y="connsiteY6"/>
-              </a:cxn>
-              <a:cxn ang="0">
-                <a:pos x="connsiteX7" y="connsiteY7"/>
-              </a:cxn>
-              <a:cxn ang="0">
-                <a:pos x="connsiteX8" y="connsiteY8"/>
-              </a:cxn>
-              <a:cxn ang="0">
-                <a:pos x="connsiteX9" y="connsiteY9"/>
-              </a:cxn>
-              <a:cxn ang="0">
-                <a:pos x="connsiteX10" y="connsiteY10"/>
-              </a:cxn>
-              <a:cxn ang="0">
-                <a:pos x="connsiteX11" y="connsiteY11"/>
-              </a:cxn>
-              <a:cxn ang="0">
-                <a:pos x="connsiteX12" y="connsiteY12"/>
-              </a:cxn>
-              <a:cxn ang="0">
-                <a:pos x="connsiteX13" y="connsiteY13"/>
-              </a:cxn>
-              <a:cxn ang="0">
-                <a:pos x="connsiteX14" y="connsiteY14"/>
-              </a:cxn>
-              <a:cxn ang="0">
-                <a:pos x="connsiteX15" y="connsiteY15"/>
-              </a:cxn>
-              <a:cxn ang="0">
-                <a:pos x="connsiteX16" y="connsiteY16"/>
-              </a:cxn>
-              <a:cxn ang="0">
-                <a:pos x="connsiteX17" y="connsiteY17"/>
-              </a:cxn>
-              <a:cxn ang="0">
-                <a:pos x="connsiteX18" y="connsiteY18"/>
-              </a:cxn>
-              <a:cxn ang="0">
-                <a:pos x="connsiteX19" y="connsiteY19"/>
-              </a:cxn>
-              <a:cxn ang="0">
-                <a:pos x="connsiteX20" y="connsiteY20"/>
-              </a:cxn>
-              <a:cxn ang="0">
-                <a:pos x="connsiteX21" y="connsiteY21"/>
-              </a:cxn>
-              <a:cxn ang="0">
-                <a:pos x="connsiteX22" y="connsiteY22"/>
-              </a:cxn>
-            </a:cxnLst>
-            <a:rect l="l" t="t" r="r" b="b"/>
-            <a:pathLst>
-              <a:path w="5782261" h="1226755" fill="none" extrusionOk="0">
-                <a:moveTo>
-                  <a:pt x="0" y="0"/>
-                </a:moveTo>
-                <a:cubicBezTo>
-                  <a:pt x="272319" y="18191"/>
-                  <a:pt x="360707" y="2507"/>
-                  <a:pt x="584651" y="0"/>
-                </a:cubicBezTo>
-                <a:cubicBezTo>
-                  <a:pt x="808595" y="-2507"/>
-                  <a:pt x="983344" y="6596"/>
-                  <a:pt x="1342769" y="0"/>
-                </a:cubicBezTo>
-                <a:cubicBezTo>
-                  <a:pt x="1702194" y="-6596"/>
-                  <a:pt x="1673703" y="-8949"/>
-                  <a:pt x="1927420" y="0"/>
-                </a:cubicBezTo>
-                <a:cubicBezTo>
-                  <a:pt x="2181137" y="8949"/>
-                  <a:pt x="2230652" y="7643"/>
-                  <a:pt x="2454249" y="0"/>
-                </a:cubicBezTo>
-                <a:cubicBezTo>
-                  <a:pt x="2677846" y="-7643"/>
-                  <a:pt x="2689521" y="2060"/>
-                  <a:pt x="2923254" y="0"/>
-                </a:cubicBezTo>
-                <a:cubicBezTo>
-                  <a:pt x="3156987" y="-2060"/>
-                  <a:pt x="3347646" y="24531"/>
-                  <a:pt x="3681373" y="0"/>
-                </a:cubicBezTo>
-                <a:cubicBezTo>
-                  <a:pt x="4015100" y="-24531"/>
-                  <a:pt x="4133580" y="-4244"/>
-                  <a:pt x="4266024" y="0"/>
-                </a:cubicBezTo>
-                <a:cubicBezTo>
-                  <a:pt x="4398468" y="4244"/>
-                  <a:pt x="4772149" y="12838"/>
-                  <a:pt x="4908497" y="0"/>
-                </a:cubicBezTo>
-                <a:cubicBezTo>
-                  <a:pt x="5044845" y="-12838"/>
-                  <a:pt x="5469789" y="21366"/>
-                  <a:pt x="5782261" y="0"/>
-                </a:cubicBezTo>
-                <a:cubicBezTo>
-                  <a:pt x="5777927" y="199862"/>
-                  <a:pt x="5778893" y="391953"/>
-                  <a:pt x="5782261" y="601110"/>
-                </a:cubicBezTo>
-                <a:cubicBezTo>
-                  <a:pt x="5785630" y="810267"/>
-                  <a:pt x="5764259" y="990412"/>
-                  <a:pt x="5782261" y="1226755"/>
-                </a:cubicBezTo>
-                <a:cubicBezTo>
-                  <a:pt x="5658574" y="1235901"/>
-                  <a:pt x="5515785" y="1234633"/>
-                  <a:pt x="5313255" y="1226755"/>
-                </a:cubicBezTo>
-                <a:cubicBezTo>
-                  <a:pt x="5110725" y="1218877"/>
-                  <a:pt x="4971054" y="1228343"/>
-                  <a:pt x="4670782" y="1226755"/>
-                </a:cubicBezTo>
-                <a:cubicBezTo>
-                  <a:pt x="4370510" y="1225167"/>
-                  <a:pt x="4296252" y="1208262"/>
-                  <a:pt x="4086131" y="1226755"/>
-                </a:cubicBezTo>
-                <a:cubicBezTo>
-                  <a:pt x="3876010" y="1245248"/>
-                  <a:pt x="3597009" y="1251982"/>
-                  <a:pt x="3385835" y="1226755"/>
-                </a:cubicBezTo>
-                <a:cubicBezTo>
-                  <a:pt x="3174661" y="1201528"/>
-                  <a:pt x="2990413" y="1251991"/>
-                  <a:pt x="2627716" y="1226755"/>
-                </a:cubicBezTo>
-                <a:cubicBezTo>
-                  <a:pt x="2265019" y="1201519"/>
-                  <a:pt x="2334641" y="1240277"/>
-                  <a:pt x="2100888" y="1226755"/>
-                </a:cubicBezTo>
-                <a:cubicBezTo>
-                  <a:pt x="1867135" y="1213233"/>
-                  <a:pt x="1845392" y="1239013"/>
-                  <a:pt x="1631883" y="1226755"/>
-                </a:cubicBezTo>
-                <a:cubicBezTo>
-                  <a:pt x="1418374" y="1214497"/>
-                  <a:pt x="1037659" y="1207166"/>
-                  <a:pt x="873764" y="1226755"/>
-                </a:cubicBezTo>
-                <a:cubicBezTo>
-                  <a:pt x="709869" y="1246344"/>
-                  <a:pt x="233262" y="1190501"/>
-                  <a:pt x="0" y="1226755"/>
-                </a:cubicBezTo>
-                <a:cubicBezTo>
-                  <a:pt x="-3309" y="1061733"/>
-                  <a:pt x="-29568" y="882403"/>
-                  <a:pt x="0" y="588842"/>
-                </a:cubicBezTo>
-                <a:cubicBezTo>
-                  <a:pt x="29568" y="295281"/>
-                  <a:pt x="-16802" y="276171"/>
-                  <a:pt x="0" y="0"/>
-                </a:cubicBezTo>
-                <a:close/>
-              </a:path>
-              <a:path w="5782261" h="1226755" stroke="0" extrusionOk="0">
-                <a:moveTo>
-                  <a:pt x="0" y="0"/>
-                </a:moveTo>
-                <a:cubicBezTo>
-                  <a:pt x="250954" y="-37624"/>
-                  <a:pt x="439589" y="17669"/>
-                  <a:pt x="758119" y="0"/>
-                </a:cubicBezTo>
-                <a:cubicBezTo>
-                  <a:pt x="1076649" y="-17669"/>
-                  <a:pt x="1129265" y="26220"/>
-                  <a:pt x="1400592" y="0"/>
-                </a:cubicBezTo>
-                <a:cubicBezTo>
-                  <a:pt x="1671919" y="-26220"/>
-                  <a:pt x="1729682" y="-2393"/>
-                  <a:pt x="2043066" y="0"/>
-                </a:cubicBezTo>
-                <a:cubicBezTo>
-                  <a:pt x="2356450" y="2393"/>
-                  <a:pt x="2435599" y="-8414"/>
-                  <a:pt x="2569894" y="0"/>
-                </a:cubicBezTo>
-                <a:cubicBezTo>
-                  <a:pt x="2704189" y="8414"/>
-                  <a:pt x="2967931" y="-22523"/>
-                  <a:pt x="3096722" y="0"/>
-                </a:cubicBezTo>
-                <a:cubicBezTo>
-                  <a:pt x="3225513" y="22523"/>
-                  <a:pt x="3667036" y="6626"/>
-                  <a:pt x="3854841" y="0"/>
-                </a:cubicBezTo>
-                <a:cubicBezTo>
-                  <a:pt x="4042646" y="-6626"/>
-                  <a:pt x="4290498" y="-7366"/>
-                  <a:pt x="4497314" y="0"/>
-                </a:cubicBezTo>
-                <a:cubicBezTo>
-                  <a:pt x="4704130" y="7366"/>
-                  <a:pt x="4801819" y="-4049"/>
-                  <a:pt x="5081965" y="0"/>
-                </a:cubicBezTo>
-                <a:cubicBezTo>
-                  <a:pt x="5362111" y="4049"/>
-                  <a:pt x="5605863" y="19109"/>
-                  <a:pt x="5782261" y="0"/>
-                </a:cubicBezTo>
-                <a:cubicBezTo>
-                  <a:pt x="5760650" y="168964"/>
-                  <a:pt x="5772923" y="361080"/>
-                  <a:pt x="5782261" y="576575"/>
-                </a:cubicBezTo>
-                <a:cubicBezTo>
-                  <a:pt x="5791599" y="792071"/>
-                  <a:pt x="5791668" y="926129"/>
-                  <a:pt x="5782261" y="1226755"/>
-                </a:cubicBezTo>
-                <a:cubicBezTo>
-                  <a:pt x="5600977" y="1220987"/>
-                  <a:pt x="5230705" y="1249947"/>
-                  <a:pt x="5024142" y="1226755"/>
-                </a:cubicBezTo>
-                <a:cubicBezTo>
-                  <a:pt x="4817579" y="1203563"/>
-                  <a:pt x="4634319" y="1245316"/>
-                  <a:pt x="4497314" y="1226755"/>
-                </a:cubicBezTo>
-                <a:cubicBezTo>
-                  <a:pt x="4360309" y="1208194"/>
-                  <a:pt x="4061028" y="1244578"/>
-                  <a:pt x="3854841" y="1226755"/>
-                </a:cubicBezTo>
-                <a:cubicBezTo>
-                  <a:pt x="3648654" y="1208932"/>
-                  <a:pt x="3587838" y="1204223"/>
-                  <a:pt x="3385835" y="1226755"/>
-                </a:cubicBezTo>
-                <a:cubicBezTo>
-                  <a:pt x="3183832" y="1249287"/>
-                  <a:pt x="3022134" y="1221924"/>
-                  <a:pt x="2743362" y="1226755"/>
-                </a:cubicBezTo>
-                <a:cubicBezTo>
-                  <a:pt x="2464590" y="1231586"/>
-                  <a:pt x="2397046" y="1238515"/>
-                  <a:pt x="2274356" y="1226755"/>
-                </a:cubicBezTo>
-                <a:cubicBezTo>
-                  <a:pt x="2151666" y="1214995"/>
-                  <a:pt x="1982424" y="1231692"/>
-                  <a:pt x="1805350" y="1226755"/>
-                </a:cubicBezTo>
-                <a:cubicBezTo>
-                  <a:pt x="1628276" y="1221818"/>
-                  <a:pt x="1294548" y="1229333"/>
-                  <a:pt x="1047232" y="1226755"/>
-                </a:cubicBezTo>
-                <a:cubicBezTo>
-                  <a:pt x="799916" y="1224177"/>
-                  <a:pt x="296661" y="1191299"/>
-                  <a:pt x="0" y="1226755"/>
-                </a:cubicBezTo>
-                <a:cubicBezTo>
-                  <a:pt x="10872" y="1046939"/>
-                  <a:pt x="-26507" y="876902"/>
-                  <a:pt x="0" y="588842"/>
-                </a:cubicBezTo>
-                <a:cubicBezTo>
-                  <a:pt x="26507" y="300782"/>
-                  <a:pt x="-1869" y="236601"/>
-                  <a:pt x="0" y="0"/>
-                </a:cubicBezTo>
-                <a:close/>
-              </a:path>
-            </a:pathLst>
-          </a:custGeom>
-          <a:solidFill>
-            <a:schemeClr val="bg1">
-              <a:lumMod val="95000"/>
-            </a:schemeClr>
-          </a:solidFill>
-          <a:ln w="38100" cap="rnd">
-            <a:solidFill>
-              <a:schemeClr val="accent1">
-                <a:lumMod val="50000"/>
-              </a:schemeClr>
-            </a:solidFill>
-            <a:prstDash val="solid"/>
-            <a:round/>
-            <a:headEnd/>
-            <a:tailEnd/>
-            <a:extLst>
-              <a:ext uri="{C807C97D-BFC1-408E-A445-0C87EB9F89A2}">
-                <ask:lineSketchStyleProps xmlns:ask="http://schemas.microsoft.com/office/drawing/2018/sketchyshapes" sd="661058248">
-                  <a:prstGeom prst="rect">
-                    <a:avLst/>
-                  </a:prstGeom>
-                  <ask:type>
-                    <ask:lineSketchFreehand/>
-                  </ask:type>
-                </ask:lineSketchStyleProps>
-              </a:ext>
-            </a:extLst>
-          </a:ln>
-          <a:effectLst/>
-        </p:spPr>
-        <p:txBody>
-          <a:bodyPr wrap="square" lIns="107944" tIns="53972" rIns="107944" bIns="53972" numCol="1" spcCol="72000" rtlCol="0" anchor="ctr">
-            <a:noAutofit/>
-          </a:bodyPr>
-          <a:lstStyle/>
-          <a:p>
-            <a:pPr algn="ctr">
-              <a:lnSpc>
-                <a:spcPct val="110000"/>
-              </a:lnSpc>
-              <a:spcBef>
-                <a:spcPct val="0"/>
-              </a:spcBef>
-              <a:buFont typeface="Wingdings" charset="0"/>
-              <a:buNone/>
-            </a:pPr>
-            <a:endParaRPr lang="en-US" sz="1799" dirty="0">
-              <a:solidFill>
-                <a:srgbClr val="209999"/>
-              </a:solidFill>
-              <a:ea typeface="Arial Unicode MS" panose="020B0604020202020204" pitchFamily="34" charset="-128"/>
-              <a:cs typeface="Arial Unicode MS" panose="020B0604020202020204" pitchFamily="34" charset="-128"/>
-            </a:endParaRPr>
-          </a:p>
-        </p:txBody>
-      </p:sp>
-      <p:pic>
-        <p:nvPicPr>
-          <p:cNvPr id="5" name="Grafik 123">
-            <a:extLst>
-              <a:ext uri="{FF2B5EF4-FFF2-40B4-BE49-F238E27FC236}">
-                <a16:creationId xmlns:a16="http://schemas.microsoft.com/office/drawing/2014/main" id="{611B1515-7772-B345-83E7-3491191A00DB}"/>
-              </a:ext>
-            </a:extLst>
-          </p:cNvPr>
-          <p:cNvPicPr>
-            <a:picLocks noChangeAspect="1"/>
-          </p:cNvPicPr>
-          <p:nvPr/>
-        </p:nvPicPr>
-        <p:blipFill>
-          <a:blip r:embed="rId4">
-            <a:extLst>
-              <a:ext uri="{96DAC541-7B7A-43D3-8B79-37D633B846F1}">
-                <asvg:svgBlip xmlns:asvg="http://schemas.microsoft.com/office/drawing/2016/SVG/main" r:embed="rId5"/>
-              </a:ext>
-            </a:extLst>
-          </a:blip>
-          <a:stretch>
-            <a:fillRect/>
-          </a:stretch>
-        </p:blipFill>
-        <p:spPr>
-          <a:xfrm>
-            <a:off x="3536900" y="2884244"/>
-            <a:ext cx="557161" cy="557161"/>
-          </a:xfrm>
-          <a:prstGeom prst="rect">
-            <a:avLst/>
-          </a:prstGeom>
-        </p:spPr>
-      </p:pic>
-      <p:pic>
-        <p:nvPicPr>
-          <p:cNvPr id="6" name="Grafik 51">
-            <a:extLst>
-              <a:ext uri="{FF2B5EF4-FFF2-40B4-BE49-F238E27FC236}">
-                <a16:creationId xmlns:a16="http://schemas.microsoft.com/office/drawing/2014/main" id="{76FE27F7-B176-B94B-B550-2365E8D1E9C1}"/>
-              </a:ext>
-            </a:extLst>
-          </p:cNvPr>
-          <p:cNvPicPr>
-            <a:picLocks noChangeAspect="1"/>
-          </p:cNvPicPr>
-          <p:nvPr/>
-        </p:nvPicPr>
-        <p:blipFill>
-          <a:blip r:embed="rId6"/>
-          <a:stretch>
-            <a:fillRect/>
-          </a:stretch>
-        </p:blipFill>
-        <p:spPr>
-          <a:xfrm>
-            <a:off x="6969862" y="2800821"/>
-            <a:ext cx="541463" cy="541463"/>
-          </a:xfrm>
-          <a:prstGeom prst="rect">
-            <a:avLst/>
-          </a:prstGeom>
-        </p:spPr>
-      </p:pic>
-      <p:pic>
-        <p:nvPicPr>
-          <p:cNvPr id="7" name="Picture 6" descr="A picture containing text, clipart&#10;&#10;Description automatically generated">
-            <a:extLst>
-              <a:ext uri="{FF2B5EF4-FFF2-40B4-BE49-F238E27FC236}">
-                <a16:creationId xmlns:a16="http://schemas.microsoft.com/office/drawing/2014/main" id="{0A7BDC4F-2D3E-9D41-9ED7-0E2976D8F258}"/>
-              </a:ext>
-            </a:extLst>
-          </p:cNvPr>
-          <p:cNvPicPr>
-            <a:picLocks noChangeAspect="1"/>
-          </p:cNvPicPr>
-          <p:nvPr/>
-        </p:nvPicPr>
-        <p:blipFill>
-          <a:blip r:embed="rId7"/>
-          <a:stretch>
-            <a:fillRect/>
-          </a:stretch>
-        </p:blipFill>
-        <p:spPr>
-          <a:xfrm>
-            <a:off x="6830113" y="3262958"/>
-            <a:ext cx="821773" cy="208162"/>
-          </a:xfrm>
-          <a:prstGeom prst="rect">
-            <a:avLst/>
-          </a:prstGeom>
-          <a:noFill/>
-          <a:ln w="9525" cap="flat" cmpd="sng" algn="ctr">
-            <a:solidFill>
-              <a:schemeClr val="dk1"/>
-            </a:solidFill>
-            <a:prstDash val="solid"/>
-            <a:round/>
-            <a:headEnd type="none" w="med" len="med"/>
-            <a:tailEnd type="none" w="med" len="med"/>
-          </a:ln>
-        </p:spPr>
-        <p:style>
-          <a:lnRef idx="0">
-            <a:scrgbClr r="0" g="0" b="0"/>
-          </a:lnRef>
-          <a:fillRef idx="0">
-            <a:scrgbClr r="0" g="0" b="0"/>
-          </a:fillRef>
-          <a:effectRef idx="0">
-            <a:scrgbClr r="0" g="0" b="0"/>
-          </a:effectRef>
-          <a:fontRef idx="minor">
-            <a:schemeClr val="dk1"/>
-          </a:fontRef>
-        </p:style>
-      </p:pic>
-      <p:sp>
-        <p:nvSpPr>
-          <p:cNvPr id="8" name="Rectangle 7">
-            <a:extLst>
-              <a:ext uri="{FF2B5EF4-FFF2-40B4-BE49-F238E27FC236}">
-                <a16:creationId xmlns:a16="http://schemas.microsoft.com/office/drawing/2014/main" id="{F6C451D6-F6F7-C04E-8255-A86178AC944E}"/>
-              </a:ext>
-            </a:extLst>
-          </p:cNvPr>
-          <p:cNvSpPr/>
-          <p:nvPr/>
-        </p:nvSpPr>
-        <p:spPr>
-          <a:xfrm>
-            <a:off x="3444174" y="3416340"/>
-            <a:ext cx="737318" cy="276727"/>
-          </a:xfrm>
-          <a:prstGeom prst="rect">
-            <a:avLst/>
-          </a:prstGeom>
-        </p:spPr>
-        <p:txBody>
-          <a:bodyPr wrap="none">
-            <a:spAutoFit/>
-          </a:bodyPr>
-          <a:lstStyle/>
-          <a:p>
-            <a:r>
-              <a:rPr lang="en-US" sz="1199" dirty="0">
-                <a:solidFill>
-                  <a:srgbClr val="E535AB"/>
-                </a:solidFill>
-                <a:ea typeface="Arial Unicode MS" panose="020B0604020202020204" pitchFamily="34" charset="-128"/>
-                <a:cs typeface="Arial Unicode MS" panose="020B0604020202020204" pitchFamily="34" charset="-128"/>
-              </a:rPr>
-              <a:t>GraphQL</a:t>
-            </a:r>
-            <a:endParaRPr lang="en-US" sz="1799" dirty="0">
-              <a:solidFill>
-                <a:srgbClr val="E535AB"/>
-              </a:solidFill>
-            </a:endParaRPr>
-          </a:p>
-        </p:txBody>
-      </p:sp>
-      <p:sp>
-        <p:nvSpPr>
-          <p:cNvPr id="9" name="Rectangle 8">
-            <a:extLst>
-              <a:ext uri="{FF2B5EF4-FFF2-40B4-BE49-F238E27FC236}">
-                <a16:creationId xmlns:a16="http://schemas.microsoft.com/office/drawing/2014/main" id="{88C2C17C-8D92-4344-B582-B652AEF69336}"/>
-              </a:ext>
-            </a:extLst>
-          </p:cNvPr>
-          <p:cNvSpPr/>
-          <p:nvPr/>
-        </p:nvSpPr>
-        <p:spPr>
-          <a:xfrm>
-            <a:off x="6951088" y="3461644"/>
-            <a:ext cx="603050" cy="276871"/>
-          </a:xfrm>
-          <a:prstGeom prst="rect">
-            <a:avLst/>
-          </a:prstGeom>
-        </p:spPr>
-        <p:txBody>
-          <a:bodyPr wrap="none">
-            <a:spAutoFit/>
-          </a:bodyPr>
-          <a:lstStyle/>
-          <a:p>
-            <a:r>
-              <a:rPr lang="en-US" sz="1199" dirty="0">
-                <a:solidFill>
-                  <a:srgbClr val="734C82"/>
-                </a:solidFill>
-                <a:ea typeface="Arial Unicode MS" panose="020B0604020202020204" pitchFamily="34" charset="-128"/>
-                <a:cs typeface="Arial Unicode MS" panose="020B0604020202020204" pitchFamily="34" charset="-128"/>
-              </a:rPr>
-              <a:t>Broker</a:t>
-            </a:r>
-            <a:endParaRPr lang="en-US" sz="1799" dirty="0">
-              <a:solidFill>
-                <a:srgbClr val="734C82"/>
-              </a:solidFill>
-            </a:endParaRPr>
-          </a:p>
-        </p:txBody>
-      </p:sp>
-      <p:sp>
-        <p:nvSpPr>
-          <p:cNvPr id="10" name="Rectangle 9">
-            <a:extLst>
-              <a:ext uri="{FF2B5EF4-FFF2-40B4-BE49-F238E27FC236}">
-                <a16:creationId xmlns:a16="http://schemas.microsoft.com/office/drawing/2014/main" id="{010AF1EF-56FA-8C43-B615-43C52B33FD18}"/>
-              </a:ext>
-            </a:extLst>
-          </p:cNvPr>
-          <p:cNvSpPr/>
-          <p:nvPr/>
-        </p:nvSpPr>
-        <p:spPr>
-          <a:xfrm>
-            <a:off x="4675729" y="3056746"/>
-            <a:ext cx="1760091" cy="454952"/>
-          </a:xfrm>
-          <a:prstGeom prst="rect">
-            <a:avLst/>
-          </a:prstGeom>
-        </p:spPr>
-        <p:txBody>
-          <a:bodyPr wrap="square">
-            <a:spAutoFit/>
-          </a:bodyPr>
-          <a:lstStyle/>
-          <a:p>
-            <a:pPr algn="ctr">
-              <a:lnSpc>
-                <a:spcPct val="110000"/>
-              </a:lnSpc>
-              <a:spcBef>
-                <a:spcPct val="0"/>
-              </a:spcBef>
-              <a:buFont typeface="Wingdings" charset="0"/>
-              <a:buNone/>
-            </a:pPr>
-            <a:r>
-              <a:rPr lang="en-US" sz="1099" dirty="0">
-                <a:solidFill>
-                  <a:schemeClr val="bg2">
-                    <a:lumMod val="25000"/>
-                  </a:schemeClr>
-                </a:solidFill>
-                <a:ea typeface="Arial Unicode MS" panose="020B0604020202020204" pitchFamily="34" charset="-128"/>
-                <a:cs typeface="Arial Unicode MS" panose="020B0604020202020204" pitchFamily="34" charset="-128"/>
-              </a:rPr>
-              <a:t>Reactive, Asynchronous</a:t>
-            </a:r>
-          </a:p>
-          <a:p>
-            <a:pPr algn="ctr">
-              <a:lnSpc>
-                <a:spcPct val="110000"/>
-              </a:lnSpc>
-              <a:spcBef>
-                <a:spcPct val="0"/>
-              </a:spcBef>
-              <a:buFont typeface="Wingdings" charset="0"/>
-              <a:buNone/>
-            </a:pPr>
-            <a:r>
-              <a:rPr lang="en-US" sz="1099" dirty="0">
-                <a:solidFill>
-                  <a:schemeClr val="bg2">
-                    <a:lumMod val="25000"/>
-                  </a:schemeClr>
-                </a:solidFill>
-                <a:ea typeface="Arial Unicode MS" panose="020B0604020202020204" pitchFamily="34" charset="-128"/>
-                <a:cs typeface="Arial Unicode MS" panose="020B0604020202020204" pitchFamily="34" charset="-128"/>
-              </a:rPr>
-              <a:t>Single Host or Clustered</a:t>
-            </a:r>
-          </a:p>
-        </p:txBody>
-      </p:sp>
-      <p:sp>
-        <p:nvSpPr>
-          <p:cNvPr id="15" name="Rounded Rectangle 14">
-            <a:extLst>
-              <a:ext uri="{FF2B5EF4-FFF2-40B4-BE49-F238E27FC236}">
-                <a16:creationId xmlns:a16="http://schemas.microsoft.com/office/drawing/2014/main" id="{BCC0BC80-C64C-2B40-B2C1-5B61ED1F79F7}"/>
-              </a:ext>
-            </a:extLst>
-          </p:cNvPr>
-          <p:cNvSpPr/>
-          <p:nvPr/>
-        </p:nvSpPr>
-        <p:spPr bwMode="auto">
-          <a:xfrm>
-            <a:off x="4507579" y="2769136"/>
-            <a:ext cx="1970373" cy="818193"/>
-          </a:xfrm>
-          <a:prstGeom prst="roundRect">
-            <a:avLst/>
-          </a:prstGeom>
-          <a:noFill/>
-          <a:ln w="9525" cap="flat" cmpd="sng" algn="ctr">
-            <a:noFill/>
-            <a:prstDash val="solid"/>
-            <a:round/>
-            <a:headEnd type="none" w="med" len="med"/>
-            <a:tailEnd type="none" w="med" len="med"/>
-          </a:ln>
-        </p:spPr>
-        <p:style>
-          <a:lnRef idx="0">
-            <a:scrgbClr r="0" g="0" b="0"/>
-          </a:lnRef>
-          <a:fillRef idx="0">
-            <a:scrgbClr r="0" g="0" b="0"/>
-          </a:fillRef>
-          <a:effectRef idx="0">
-            <a:scrgbClr r="0" g="0" b="0"/>
-          </a:effectRef>
-          <a:fontRef idx="minor">
-            <a:schemeClr val="dk1"/>
-          </a:fontRef>
-        </p:style>
-        <p:txBody>
-          <a:bodyPr wrap="square" lIns="107944" tIns="53972" rIns="107944" bIns="53972" numCol="1" spcCol="72000" rtlCol="0" anchor="ctr">
-            <a:noAutofit/>
-          </a:bodyPr>
-          <a:lstStyle/>
-          <a:p>
-            <a:pPr algn="ctr">
-              <a:lnSpc>
-                <a:spcPct val="110000"/>
-              </a:lnSpc>
-              <a:spcBef>
-                <a:spcPct val="0"/>
-              </a:spcBef>
-              <a:buFont typeface="Wingdings" charset="0"/>
-              <a:buNone/>
-            </a:pPr>
-            <a:endParaRPr lang="en-US" sz="1799" dirty="0">
-              <a:solidFill>
-                <a:schemeClr val="tx1"/>
-              </a:solidFill>
-              <a:ea typeface="Arial Unicode MS" panose="020B0604020202020204" pitchFamily="34" charset="-128"/>
-              <a:cs typeface="Arial Unicode MS" panose="020B0604020202020204" pitchFamily="34" charset="-128"/>
-            </a:endParaRPr>
-          </a:p>
-        </p:txBody>
-      </p:sp>
-      <p:sp>
-        <p:nvSpPr>
-          <p:cNvPr id="16" name="Rectangle 15">
-            <a:extLst>
-              <a:ext uri="{FF2B5EF4-FFF2-40B4-BE49-F238E27FC236}">
-                <a16:creationId xmlns:a16="http://schemas.microsoft.com/office/drawing/2014/main" id="{8FE9E20A-F465-8B4D-99FE-EA4F8BB60C2F}"/>
-              </a:ext>
-            </a:extLst>
-          </p:cNvPr>
-          <p:cNvSpPr/>
-          <p:nvPr/>
-        </p:nvSpPr>
-        <p:spPr>
-          <a:xfrm>
-            <a:off x="5003235" y="2730023"/>
-            <a:ext cx="1138437" cy="399773"/>
-          </a:xfrm>
-          <a:prstGeom prst="rect">
-            <a:avLst/>
-          </a:prstGeom>
-        </p:spPr>
-        <p:txBody>
-          <a:bodyPr wrap="none">
-            <a:spAutoFit/>
-          </a:bodyPr>
-          <a:lstStyle/>
-          <a:p>
-            <a:r>
-              <a:rPr lang="en-US" sz="1999" b="1" i="1" dirty="0">
-                <a:solidFill>
-                  <a:schemeClr val="bg2">
-                    <a:lumMod val="25000"/>
-                  </a:schemeClr>
-                </a:solidFill>
-                <a:ea typeface="Arial Unicode MS" panose="020B0604020202020204" pitchFamily="34" charset="-128"/>
-                <a:cs typeface="Arial Unicode MS" panose="020B0604020202020204" pitchFamily="34" charset="-128"/>
-              </a:rPr>
-              <a:t>Gateway</a:t>
-            </a:r>
-            <a:endParaRPr lang="en-US" sz="1999" b="1" i="1" dirty="0">
-              <a:solidFill>
-                <a:schemeClr val="bg2">
-                  <a:lumMod val="25000"/>
-                </a:schemeClr>
-              </a:solidFill>
-            </a:endParaRPr>
-          </a:p>
-        </p:txBody>
-      </p:sp>
-      <p:sp>
-        <p:nvSpPr>
-          <p:cNvPr id="19" name="Rounded Rectangle 18">
-            <a:extLst>
-              <a:ext uri="{FF2B5EF4-FFF2-40B4-BE49-F238E27FC236}">
-                <a16:creationId xmlns:a16="http://schemas.microsoft.com/office/drawing/2014/main" id="{98CC9E7E-3633-874A-88E8-A00B1ED5BDF9}"/>
-              </a:ext>
-            </a:extLst>
-          </p:cNvPr>
-          <p:cNvSpPr/>
-          <p:nvPr/>
-        </p:nvSpPr>
-        <p:spPr bwMode="auto">
-          <a:xfrm>
-            <a:off x="3295930" y="2819174"/>
-            <a:ext cx="1045524" cy="862471"/>
-          </a:xfrm>
-          <a:custGeom>
-            <a:avLst/>
-            <a:gdLst>
-              <a:gd name="connsiteX0" fmla="*/ 0 w 1045524"/>
-              <a:gd name="connsiteY0" fmla="*/ 143748 h 862471"/>
-              <a:gd name="connsiteX1" fmla="*/ 143748 w 1045524"/>
-              <a:gd name="connsiteY1" fmla="*/ 0 h 862471"/>
-              <a:gd name="connsiteX2" fmla="*/ 901776 w 1045524"/>
-              <a:gd name="connsiteY2" fmla="*/ 0 h 862471"/>
-              <a:gd name="connsiteX3" fmla="*/ 1045524 w 1045524"/>
-              <a:gd name="connsiteY3" fmla="*/ 143748 h 862471"/>
-              <a:gd name="connsiteX4" fmla="*/ 1045524 w 1045524"/>
-              <a:gd name="connsiteY4" fmla="*/ 718723 h 862471"/>
-              <a:gd name="connsiteX5" fmla="*/ 901776 w 1045524"/>
-              <a:gd name="connsiteY5" fmla="*/ 862471 h 862471"/>
-              <a:gd name="connsiteX6" fmla="*/ 143748 w 1045524"/>
-              <a:gd name="connsiteY6" fmla="*/ 862471 h 862471"/>
-              <a:gd name="connsiteX7" fmla="*/ 0 w 1045524"/>
-              <a:gd name="connsiteY7" fmla="*/ 718723 h 862471"/>
-              <a:gd name="connsiteX8" fmla="*/ 0 w 1045524"/>
-              <a:gd name="connsiteY8" fmla="*/ 143748 h 862471"/>
-            </a:gdLst>
-            <a:ahLst/>
-            <a:cxnLst>
-              <a:cxn ang="0">
-                <a:pos x="connsiteX0" y="connsiteY0"/>
-              </a:cxn>
-              <a:cxn ang="0">
-                <a:pos x="connsiteX1" y="connsiteY1"/>
-              </a:cxn>
-              <a:cxn ang="0">
-                <a:pos x="connsiteX2" y="connsiteY2"/>
-              </a:cxn>
-              <a:cxn ang="0">
-                <a:pos x="connsiteX3" y="connsiteY3"/>
-              </a:cxn>
-              <a:cxn ang="0">
-                <a:pos x="connsiteX4" y="connsiteY4"/>
-              </a:cxn>
-              <a:cxn ang="0">
-                <a:pos x="connsiteX5" y="connsiteY5"/>
-              </a:cxn>
-              <a:cxn ang="0">
-                <a:pos x="connsiteX6" y="connsiteY6"/>
-              </a:cxn>
-              <a:cxn ang="0">
-                <a:pos x="connsiteX7" y="connsiteY7"/>
-              </a:cxn>
-              <a:cxn ang="0">
-                <a:pos x="connsiteX8" y="connsiteY8"/>
-              </a:cxn>
-            </a:cxnLst>
-            <a:rect l="l" t="t" r="r" b="b"/>
-            <a:pathLst>
-              <a:path w="1045524" h="862471" extrusionOk="0">
-                <a:moveTo>
-                  <a:pt x="0" y="143748"/>
-                </a:moveTo>
-                <a:cubicBezTo>
-                  <a:pt x="-9704" y="58373"/>
-                  <a:pt x="58599" y="2162"/>
-                  <a:pt x="143748" y="0"/>
-                </a:cubicBezTo>
-                <a:cubicBezTo>
-                  <a:pt x="341759" y="-27723"/>
-                  <a:pt x="678322" y="-9635"/>
-                  <a:pt x="901776" y="0"/>
-                </a:cubicBezTo>
-                <a:cubicBezTo>
-                  <a:pt x="970146" y="10761"/>
-                  <a:pt x="1043140" y="77533"/>
-                  <a:pt x="1045524" y="143748"/>
-                </a:cubicBezTo>
-                <a:cubicBezTo>
-                  <a:pt x="1067495" y="280425"/>
-                  <a:pt x="1013346" y="517323"/>
-                  <a:pt x="1045524" y="718723"/>
-                </a:cubicBezTo>
-                <a:cubicBezTo>
-                  <a:pt x="1061119" y="799963"/>
-                  <a:pt x="982272" y="860194"/>
-                  <a:pt x="901776" y="862471"/>
-                </a:cubicBezTo>
-                <a:cubicBezTo>
-                  <a:pt x="648641" y="863713"/>
-                  <a:pt x="501396" y="870240"/>
-                  <a:pt x="143748" y="862471"/>
-                </a:cubicBezTo>
-                <a:cubicBezTo>
-                  <a:pt x="62889" y="848464"/>
-                  <a:pt x="-8261" y="809594"/>
-                  <a:pt x="0" y="718723"/>
-                </a:cubicBezTo>
-                <a:cubicBezTo>
-                  <a:pt x="38108" y="480802"/>
-                  <a:pt x="-29257" y="204854"/>
-                  <a:pt x="0" y="143748"/>
-                </a:cubicBezTo>
-                <a:close/>
-              </a:path>
-            </a:pathLst>
-          </a:custGeom>
-          <a:noFill/>
-          <a:ln w="12700" cap="flat" cmpd="sng" algn="ctr">
-            <a:solidFill>
-              <a:schemeClr val="accent1">
-                <a:lumMod val="50000"/>
-              </a:schemeClr>
-            </a:solidFill>
-            <a:prstDash val="solid"/>
-            <a:round/>
-            <a:headEnd type="none" w="med" len="med"/>
-            <a:tailEnd type="none" w="med" len="med"/>
-            <a:extLst>
-              <a:ext uri="{C807C97D-BFC1-408E-A445-0C87EB9F89A2}">
-                <ask:lineSketchStyleProps xmlns:ask="http://schemas.microsoft.com/office/drawing/2018/sketchyshapes" sd="1219033472">
-                  <a:prstGeom prst="roundRect">
-                    <a:avLst/>
-                  </a:prstGeom>
-                  <ask:type>
-                    <ask:lineSketchCurved/>
-                  </ask:type>
-                </ask:lineSketchStyleProps>
-              </a:ext>
-            </a:extLst>
-          </a:ln>
-        </p:spPr>
-        <p:style>
-          <a:lnRef idx="0">
-            <a:scrgbClr r="0" g="0" b="0"/>
-          </a:lnRef>
-          <a:fillRef idx="0">
-            <a:scrgbClr r="0" g="0" b="0"/>
-          </a:fillRef>
-          <a:effectRef idx="0">
-            <a:scrgbClr r="0" g="0" b="0"/>
-          </a:effectRef>
-          <a:fontRef idx="minor">
-            <a:schemeClr val="dk1"/>
-          </a:fontRef>
-        </p:style>
-        <p:txBody>
-          <a:bodyPr wrap="square" lIns="107944" tIns="53972" rIns="107944" bIns="53972" numCol="1" spcCol="72000" rtlCol="0" anchor="ctr">
-            <a:noAutofit/>
-          </a:bodyPr>
-          <a:lstStyle/>
-          <a:p>
-            <a:pPr algn="ctr">
-              <a:lnSpc>
-                <a:spcPct val="110000"/>
-              </a:lnSpc>
-              <a:spcBef>
-                <a:spcPct val="0"/>
-              </a:spcBef>
-              <a:buFont typeface="Wingdings" charset="0"/>
-              <a:buNone/>
-            </a:pPr>
-            <a:endParaRPr lang="en-US" sz="1799" dirty="0">
-              <a:solidFill>
-                <a:schemeClr val="tx1"/>
-              </a:solidFill>
-              <a:ea typeface="Arial Unicode MS" panose="020B0604020202020204" pitchFamily="34" charset="-128"/>
-              <a:cs typeface="Arial Unicode MS" panose="020B0604020202020204" pitchFamily="34" charset="-128"/>
-            </a:endParaRPr>
-          </a:p>
-        </p:txBody>
-      </p:sp>
-      <p:sp>
-        <p:nvSpPr>
-          <p:cNvPr id="20" name="Rounded Rectangle 19">
-            <a:extLst>
-              <a:ext uri="{FF2B5EF4-FFF2-40B4-BE49-F238E27FC236}">
-                <a16:creationId xmlns:a16="http://schemas.microsoft.com/office/drawing/2014/main" id="{2ED40DE5-8EC8-FF49-92B7-9EA7BDAF3C32}"/>
-              </a:ext>
-            </a:extLst>
-          </p:cNvPr>
-          <p:cNvSpPr/>
-          <p:nvPr/>
-        </p:nvSpPr>
-        <p:spPr bwMode="auto">
-          <a:xfrm>
-            <a:off x="6735965" y="2820639"/>
-            <a:ext cx="1009292" cy="895515"/>
-          </a:xfrm>
-          <a:custGeom>
-            <a:avLst/>
-            <a:gdLst>
-              <a:gd name="connsiteX0" fmla="*/ 0 w 1009292"/>
-              <a:gd name="connsiteY0" fmla="*/ 149255 h 895515"/>
-              <a:gd name="connsiteX1" fmla="*/ 149255 w 1009292"/>
-              <a:gd name="connsiteY1" fmla="*/ 0 h 895515"/>
-              <a:gd name="connsiteX2" fmla="*/ 860037 w 1009292"/>
-              <a:gd name="connsiteY2" fmla="*/ 0 h 895515"/>
-              <a:gd name="connsiteX3" fmla="*/ 1009292 w 1009292"/>
-              <a:gd name="connsiteY3" fmla="*/ 149255 h 895515"/>
-              <a:gd name="connsiteX4" fmla="*/ 1009292 w 1009292"/>
-              <a:gd name="connsiteY4" fmla="*/ 746260 h 895515"/>
-              <a:gd name="connsiteX5" fmla="*/ 860037 w 1009292"/>
-              <a:gd name="connsiteY5" fmla="*/ 895515 h 895515"/>
-              <a:gd name="connsiteX6" fmla="*/ 149255 w 1009292"/>
-              <a:gd name="connsiteY6" fmla="*/ 895515 h 895515"/>
-              <a:gd name="connsiteX7" fmla="*/ 0 w 1009292"/>
-              <a:gd name="connsiteY7" fmla="*/ 746260 h 895515"/>
-              <a:gd name="connsiteX8" fmla="*/ 0 w 1009292"/>
-              <a:gd name="connsiteY8" fmla="*/ 149255 h 895515"/>
-            </a:gdLst>
-            <a:ahLst/>
-            <a:cxnLst>
-              <a:cxn ang="0">
-                <a:pos x="connsiteX0" y="connsiteY0"/>
-              </a:cxn>
-              <a:cxn ang="0">
-                <a:pos x="connsiteX1" y="connsiteY1"/>
-              </a:cxn>
-              <a:cxn ang="0">
-                <a:pos x="connsiteX2" y="connsiteY2"/>
-              </a:cxn>
-              <a:cxn ang="0">
-                <a:pos x="connsiteX3" y="connsiteY3"/>
-              </a:cxn>
-              <a:cxn ang="0">
-                <a:pos x="connsiteX4" y="connsiteY4"/>
-              </a:cxn>
-              <a:cxn ang="0">
-                <a:pos x="connsiteX5" y="connsiteY5"/>
-              </a:cxn>
-              <a:cxn ang="0">
-                <a:pos x="connsiteX6" y="connsiteY6"/>
-              </a:cxn>
-              <a:cxn ang="0">
-                <a:pos x="connsiteX7" y="connsiteY7"/>
-              </a:cxn>
-              <a:cxn ang="0">
-                <a:pos x="connsiteX8" y="connsiteY8"/>
-              </a:cxn>
-            </a:cxnLst>
-            <a:rect l="l" t="t" r="r" b="b"/>
-            <a:pathLst>
-              <a:path w="1009292" h="895515" extrusionOk="0">
-                <a:moveTo>
-                  <a:pt x="0" y="149255"/>
-                </a:moveTo>
-                <a:cubicBezTo>
-                  <a:pt x="-9484" y="72749"/>
-                  <a:pt x="52449" y="959"/>
-                  <a:pt x="149255" y="0"/>
-                </a:cubicBezTo>
-                <a:cubicBezTo>
-                  <a:pt x="482826" y="67"/>
-                  <a:pt x="688499" y="6570"/>
-                  <a:pt x="860037" y="0"/>
-                </a:cubicBezTo>
-                <a:cubicBezTo>
-                  <a:pt x="941160" y="3038"/>
-                  <a:pt x="1014789" y="68027"/>
-                  <a:pt x="1009292" y="149255"/>
-                </a:cubicBezTo>
-                <a:cubicBezTo>
-                  <a:pt x="990443" y="342957"/>
-                  <a:pt x="1042538" y="509977"/>
-                  <a:pt x="1009292" y="746260"/>
-                </a:cubicBezTo>
-                <a:cubicBezTo>
-                  <a:pt x="1008174" y="835612"/>
-                  <a:pt x="936841" y="901539"/>
-                  <a:pt x="860037" y="895515"/>
-                </a:cubicBezTo>
-                <a:cubicBezTo>
-                  <a:pt x="713736" y="953246"/>
-                  <a:pt x="359616" y="912998"/>
-                  <a:pt x="149255" y="895515"/>
-                </a:cubicBezTo>
-                <a:cubicBezTo>
-                  <a:pt x="70717" y="894085"/>
-                  <a:pt x="-13516" y="834804"/>
-                  <a:pt x="0" y="746260"/>
-                </a:cubicBezTo>
-                <a:cubicBezTo>
-                  <a:pt x="8002" y="604782"/>
-                  <a:pt x="-26881" y="412585"/>
-                  <a:pt x="0" y="149255"/>
-                </a:cubicBezTo>
-                <a:close/>
-              </a:path>
-            </a:pathLst>
-          </a:custGeom>
-          <a:noFill/>
-          <a:ln w="12700" cap="flat" cmpd="sng" algn="ctr">
-            <a:solidFill>
-              <a:schemeClr val="accent1">
-                <a:lumMod val="50000"/>
-              </a:schemeClr>
-            </a:solidFill>
-            <a:prstDash val="solid"/>
-            <a:round/>
-            <a:headEnd type="none" w="med" len="med"/>
-            <a:tailEnd type="none" w="med" len="med"/>
-            <a:extLst>
-              <a:ext uri="{C807C97D-BFC1-408E-A445-0C87EB9F89A2}">
-                <ask:lineSketchStyleProps xmlns:ask="http://schemas.microsoft.com/office/drawing/2018/sketchyshapes" sd="1661685737">
-                  <a:prstGeom prst="roundRect">
-                    <a:avLst/>
-                  </a:prstGeom>
-                  <ask:type>
-                    <ask:lineSketchCurved/>
-                  </ask:type>
-                </ask:lineSketchStyleProps>
-              </a:ext>
-            </a:extLst>
-          </a:ln>
-        </p:spPr>
-        <p:style>
-          <a:lnRef idx="0">
-            <a:scrgbClr r="0" g="0" b="0"/>
-          </a:lnRef>
-          <a:fillRef idx="0">
-            <a:scrgbClr r="0" g="0" b="0"/>
-          </a:fillRef>
-          <a:effectRef idx="0">
-            <a:scrgbClr r="0" g="0" b="0"/>
-          </a:effectRef>
-          <a:fontRef idx="minor">
-            <a:schemeClr val="dk1"/>
-          </a:fontRef>
-        </p:style>
-        <p:txBody>
-          <a:bodyPr wrap="square" lIns="107944" tIns="53972" rIns="107944" bIns="53972" numCol="1" spcCol="72000" rtlCol="0" anchor="ctr">
-            <a:noAutofit/>
-          </a:bodyPr>
-          <a:lstStyle/>
-          <a:p>
-            <a:pPr algn="ctr">
-              <a:lnSpc>
-                <a:spcPct val="110000"/>
-              </a:lnSpc>
-              <a:spcBef>
-                <a:spcPct val="0"/>
-              </a:spcBef>
-              <a:buFont typeface="Wingdings" charset="0"/>
-              <a:buNone/>
-            </a:pPr>
-            <a:endParaRPr lang="en-US" sz="1799" dirty="0">
-              <a:solidFill>
-                <a:schemeClr val="tx1"/>
-              </a:solidFill>
-              <a:ea typeface="Arial Unicode MS" panose="020B0604020202020204" pitchFamily="34" charset="-128"/>
-              <a:cs typeface="Arial Unicode MS" panose="020B0604020202020204" pitchFamily="34" charset="-128"/>
-            </a:endParaRPr>
-          </a:p>
-        </p:txBody>
-      </p:sp>
-      <p:cxnSp>
-        <p:nvCxnSpPr>
-          <p:cNvPr id="26" name="Straight Arrow Connector 25">
-            <a:extLst>
-              <a:ext uri="{FF2B5EF4-FFF2-40B4-BE49-F238E27FC236}">
-                <a16:creationId xmlns:a16="http://schemas.microsoft.com/office/drawing/2014/main" id="{6CF4547B-F177-A548-B1BE-0E3ED28DC61A}"/>
-              </a:ext>
-            </a:extLst>
-          </p:cNvPr>
-          <p:cNvCxnSpPr>
-            <a:cxnSpLocks/>
-            <a:stCxn id="56" idx="2"/>
-          </p:cNvCxnSpPr>
-          <p:nvPr/>
-        </p:nvCxnSpPr>
-        <p:spPr bwMode="auto">
-          <a:xfrm>
-            <a:off x="3222875" y="2136015"/>
-            <a:ext cx="560670" cy="506672"/>
-          </a:xfrm>
-          <a:prstGeom prst="straightConnector1">
-            <a:avLst/>
-          </a:prstGeom>
-          <a:solidFill>
-            <a:schemeClr val="tx2"/>
-          </a:solidFill>
-          <a:ln w="12700" cap="flat" cmpd="sng" algn="ctr">
-            <a:solidFill>
-              <a:schemeClr val="accent1">
-                <a:lumMod val="50000"/>
-              </a:schemeClr>
-            </a:solidFill>
-            <a:prstDash val="solid"/>
-            <a:round/>
-            <a:headEnd type="none" w="med" len="med"/>
-            <a:tailEnd type="triangle"/>
-          </a:ln>
-          <a:effectLst/>
-          <a:extLst>
-            <a:ext uri="{AF507438-7753-43E0-B8FC-AC1667EBCBE1}">
-              <a14:hiddenEffects xmlns:a14="http://schemas.microsoft.com/office/drawing/2010/main">
-                <a:effectLst>
-                  <a:outerShdw blurRad="63500" dist="35921" dir="2700000" algn="ctr" rotWithShape="0">
-                    <a:schemeClr val="bg2"/>
-                  </a:outerShdw>
-                </a:effectLst>
-              </a14:hiddenEffects>
-            </a:ext>
-          </a:extLst>
-        </p:spPr>
-      </p:cxnSp>
-      <p:sp>
-        <p:nvSpPr>
-          <p:cNvPr id="32" name="TextBox 31">
-            <a:extLst>
-              <a:ext uri="{FF2B5EF4-FFF2-40B4-BE49-F238E27FC236}">
-                <a16:creationId xmlns:a16="http://schemas.microsoft.com/office/drawing/2014/main" id="{7BC46A68-3EBE-AA45-BEAC-C8047F011DE2}"/>
-              </a:ext>
-            </a:extLst>
-          </p:cNvPr>
-          <p:cNvSpPr txBox="1"/>
-          <p:nvPr/>
-        </p:nvSpPr>
-        <p:spPr>
-          <a:xfrm>
-            <a:off x="6847762" y="659220"/>
-            <a:ext cx="1041946" cy="425925"/>
-          </a:xfrm>
-          <a:prstGeom prst="rect">
-            <a:avLst/>
-          </a:prstGeom>
-          <a:noFill/>
-        </p:spPr>
-        <p:txBody>
-          <a:bodyPr wrap="square" lIns="0" tIns="0" rIns="0" bIns="0" rtlCol="0">
-            <a:noAutofit/>
-          </a:bodyPr>
-          <a:lstStyle/>
-          <a:p>
-            <a:pPr algn="ctr">
-              <a:lnSpc>
-                <a:spcPct val="110000"/>
-              </a:lnSpc>
-            </a:pPr>
-            <a:r>
-              <a:rPr lang="en-US" sz="1199" dirty="0">
-                <a:ea typeface="Arial Unicode MS" panose="020B0604020202020204" pitchFamily="34" charset="-128"/>
-                <a:cs typeface="Arial Unicode MS" panose="020B0604020202020204" pitchFamily="34" charset="-128"/>
-              </a:rPr>
-              <a:t>Subscribe Tags</a:t>
-            </a:r>
-          </a:p>
-          <a:p>
-            <a:pPr algn="ctr">
-              <a:lnSpc>
-                <a:spcPct val="110000"/>
-              </a:lnSpc>
-            </a:pPr>
-            <a:r>
-              <a:rPr lang="en-US" sz="1199" dirty="0">
-                <a:ea typeface="Arial Unicode MS" panose="020B0604020202020204" pitchFamily="34" charset="-128"/>
-                <a:cs typeface="Arial Unicode MS" panose="020B0604020202020204" pitchFamily="34" charset="-128"/>
-              </a:rPr>
-              <a:t>Publish Tags</a:t>
-            </a:r>
-          </a:p>
-        </p:txBody>
-      </p:sp>
-      <p:cxnSp>
-        <p:nvCxnSpPr>
-          <p:cNvPr id="33" name="Straight Arrow Connector 32">
-            <a:extLst>
-              <a:ext uri="{FF2B5EF4-FFF2-40B4-BE49-F238E27FC236}">
-                <a16:creationId xmlns:a16="http://schemas.microsoft.com/office/drawing/2014/main" id="{5E15D8E8-2A58-5E4D-B494-CE4282A91447}"/>
-              </a:ext>
-            </a:extLst>
-          </p:cNvPr>
-          <p:cNvCxnSpPr>
-            <a:cxnSpLocks/>
-          </p:cNvCxnSpPr>
-          <p:nvPr/>
-        </p:nvCxnSpPr>
-        <p:spPr bwMode="auto">
-          <a:xfrm flipH="1">
-            <a:off x="7232984" y="1963664"/>
-            <a:ext cx="743147" cy="665409"/>
-          </a:xfrm>
-          <a:prstGeom prst="straightConnector1">
-            <a:avLst/>
-          </a:prstGeom>
-          <a:solidFill>
-            <a:schemeClr val="tx2"/>
-          </a:solidFill>
-          <a:ln w="12700" cap="flat" cmpd="sng" algn="ctr">
-            <a:solidFill>
-              <a:schemeClr val="accent1">
-                <a:lumMod val="50000"/>
-              </a:schemeClr>
-            </a:solidFill>
-            <a:prstDash val="solid"/>
-            <a:round/>
-            <a:headEnd type="none" w="med" len="med"/>
-            <a:tailEnd type="triangle"/>
-          </a:ln>
-          <a:effectLst/>
-          <a:extLst>
-            <a:ext uri="{AF507438-7753-43E0-B8FC-AC1667EBCBE1}">
-              <a14:hiddenEffects xmlns:a14="http://schemas.microsoft.com/office/drawing/2010/main">
-                <a:effectLst>
-                  <a:outerShdw blurRad="63500" dist="35921" dir="2700000" algn="ctr" rotWithShape="0">
-                    <a:schemeClr val="bg2"/>
-                  </a:outerShdw>
-                </a:effectLst>
-              </a14:hiddenEffects>
-            </a:ext>
-          </a:extLst>
-        </p:spPr>
-      </p:cxnSp>
-      <p:cxnSp>
-        <p:nvCxnSpPr>
-          <p:cNvPr id="36" name="Straight Arrow Connector 35">
-            <a:extLst>
-              <a:ext uri="{FF2B5EF4-FFF2-40B4-BE49-F238E27FC236}">
-                <a16:creationId xmlns:a16="http://schemas.microsoft.com/office/drawing/2014/main" id="{AE9D9A59-9F59-8443-8CDC-F611A3AD6F22}"/>
-              </a:ext>
-            </a:extLst>
-          </p:cNvPr>
-          <p:cNvCxnSpPr>
-            <a:cxnSpLocks/>
-          </p:cNvCxnSpPr>
-          <p:nvPr/>
-        </p:nvCxnSpPr>
-        <p:spPr bwMode="auto">
-          <a:xfrm>
-            <a:off x="9927654" y="4271015"/>
-            <a:ext cx="0" cy="452450"/>
-          </a:xfrm>
-          <a:prstGeom prst="straightConnector1">
-            <a:avLst/>
-          </a:prstGeom>
-          <a:ln w="12700">
-            <a:solidFill>
-              <a:schemeClr val="accent1">
-                <a:lumMod val="50000"/>
-              </a:schemeClr>
-            </a:solidFill>
-            <a:headEnd type="triangle" w="med" len="med"/>
-            <a:tailEnd type="none"/>
-          </a:ln>
-        </p:spPr>
-        <p:style>
-          <a:lnRef idx="3">
-            <a:schemeClr val="accent6"/>
-          </a:lnRef>
-          <a:fillRef idx="0">
-            <a:schemeClr val="accent6"/>
-          </a:fillRef>
-          <a:effectRef idx="2">
-            <a:schemeClr val="accent6"/>
-          </a:effectRef>
-          <a:fontRef idx="minor">
-            <a:schemeClr val="tx1"/>
-          </a:fontRef>
-        </p:style>
-      </p:cxnSp>
-      <p:pic>
-        <p:nvPicPr>
-          <p:cNvPr id="37" name="Picture 36">
-            <a:extLst>
-              <a:ext uri="{FF2B5EF4-FFF2-40B4-BE49-F238E27FC236}">
-                <a16:creationId xmlns:a16="http://schemas.microsoft.com/office/drawing/2014/main" id="{E67143C2-19A1-B043-ABD8-A44B594D1717}"/>
-              </a:ext>
-            </a:extLst>
-          </p:cNvPr>
-          <p:cNvPicPr>
-            <a:picLocks noChangeAspect="1"/>
-          </p:cNvPicPr>
-          <p:nvPr/>
-        </p:nvPicPr>
-        <p:blipFill rotWithShape="1">
-          <a:blip r:embed="rId8"/>
-          <a:srcRect t="9600" b="9600"/>
-          <a:stretch/>
-        </p:blipFill>
-        <p:spPr>
-          <a:xfrm rot="5400000">
-            <a:off x="1188831" y="5327739"/>
-            <a:ext cx="1765792" cy="449429"/>
-          </a:xfrm>
-          <a:prstGeom prst="rect">
-            <a:avLst/>
-          </a:prstGeom>
-        </p:spPr>
-      </p:pic>
-      <p:pic>
-        <p:nvPicPr>
-          <p:cNvPr id="38" name="Picture 37">
-            <a:extLst>
-              <a:ext uri="{FF2B5EF4-FFF2-40B4-BE49-F238E27FC236}">
-                <a16:creationId xmlns:a16="http://schemas.microsoft.com/office/drawing/2014/main" id="{E73854CF-E519-AB43-88BF-43557A03066C}"/>
-              </a:ext>
-            </a:extLst>
-          </p:cNvPr>
-          <p:cNvPicPr>
-            <a:picLocks noChangeAspect="1"/>
-          </p:cNvPicPr>
-          <p:nvPr/>
-        </p:nvPicPr>
-        <p:blipFill>
-          <a:blip r:embed="rId9"/>
-          <a:stretch>
-            <a:fillRect/>
-          </a:stretch>
-        </p:blipFill>
-        <p:spPr>
-          <a:xfrm>
-            <a:off x="7397375" y="5297693"/>
-            <a:ext cx="2030942" cy="755257"/>
-          </a:xfrm>
-          <a:prstGeom prst="rect">
-            <a:avLst/>
-          </a:prstGeom>
-        </p:spPr>
-      </p:pic>
-      <p:sp>
-        <p:nvSpPr>
-          <p:cNvPr id="39" name="Rectangle 38">
-            <a:extLst>
-              <a:ext uri="{FF2B5EF4-FFF2-40B4-BE49-F238E27FC236}">
-                <a16:creationId xmlns:a16="http://schemas.microsoft.com/office/drawing/2014/main" id="{2C5A8928-2268-9A46-B840-E4D5EFDEE127}"/>
-              </a:ext>
-            </a:extLst>
-          </p:cNvPr>
-          <p:cNvSpPr/>
-          <p:nvPr/>
-        </p:nvSpPr>
-        <p:spPr>
-          <a:xfrm>
-            <a:off x="7722410" y="5997418"/>
-            <a:ext cx="1546413" cy="369012"/>
-          </a:xfrm>
-          <a:prstGeom prst="rect">
-            <a:avLst/>
-          </a:prstGeom>
-        </p:spPr>
-        <p:txBody>
-          <a:bodyPr wrap="none">
-            <a:spAutoFit/>
-          </a:bodyPr>
-          <a:lstStyle/>
-          <a:p>
-            <a:r>
-              <a:rPr lang="en-US" sz="1799" dirty="0">
-                <a:solidFill>
-                  <a:srgbClr val="209999"/>
-                </a:solidFill>
-                <a:ea typeface="Arial Unicode MS" panose="020B0604020202020204" pitchFamily="34" charset="-128"/>
-                <a:cs typeface="Arial Unicode MS" panose="020B0604020202020204" pitchFamily="34" charset="-128"/>
-              </a:rPr>
-              <a:t>WinCC Unified</a:t>
-            </a:r>
-            <a:endParaRPr lang="en-US" sz="1799" dirty="0"/>
-          </a:p>
-        </p:txBody>
-      </p:sp>
-      <p:cxnSp>
-        <p:nvCxnSpPr>
-          <p:cNvPr id="40" name="Straight Arrow Connector 39">
-            <a:extLst>
-              <a:ext uri="{FF2B5EF4-FFF2-40B4-BE49-F238E27FC236}">
-                <a16:creationId xmlns:a16="http://schemas.microsoft.com/office/drawing/2014/main" id="{A68D060D-5D3C-1343-B205-65DAD44D2F4B}"/>
-              </a:ext>
-            </a:extLst>
-          </p:cNvPr>
-          <p:cNvCxnSpPr>
-            <a:cxnSpLocks/>
-          </p:cNvCxnSpPr>
-          <p:nvPr/>
-        </p:nvCxnSpPr>
-        <p:spPr bwMode="auto">
-          <a:xfrm>
-            <a:off x="2071727" y="4223881"/>
-            <a:ext cx="0" cy="498105"/>
-          </a:xfrm>
-          <a:prstGeom prst="straightConnector1">
-            <a:avLst/>
-          </a:prstGeom>
-          <a:ln w="12700">
-            <a:solidFill>
-              <a:schemeClr val="accent1">
-                <a:lumMod val="50000"/>
-              </a:schemeClr>
-            </a:solidFill>
-            <a:headEnd type="triangle" w="med" len="med"/>
-            <a:tailEnd type="none"/>
-          </a:ln>
-        </p:spPr>
-        <p:style>
-          <a:lnRef idx="3">
-            <a:schemeClr val="accent6"/>
-          </a:lnRef>
-          <a:fillRef idx="0">
-            <a:schemeClr val="accent6"/>
-          </a:fillRef>
-          <a:effectRef idx="2">
-            <a:schemeClr val="accent6"/>
-          </a:effectRef>
-          <a:fontRef idx="minor">
-            <a:schemeClr val="tx1"/>
-          </a:fontRef>
-        </p:style>
-      </p:cxnSp>
-      <p:cxnSp>
-        <p:nvCxnSpPr>
-          <p:cNvPr id="41" name="Straight Arrow Connector 40">
-            <a:extLst>
-              <a:ext uri="{FF2B5EF4-FFF2-40B4-BE49-F238E27FC236}">
-                <a16:creationId xmlns:a16="http://schemas.microsoft.com/office/drawing/2014/main" id="{EB3602F1-08AC-0441-962C-790CF9EB0D93}"/>
-              </a:ext>
-            </a:extLst>
-          </p:cNvPr>
-          <p:cNvCxnSpPr>
-            <a:cxnSpLocks/>
-            <a:endCxn id="38" idx="0"/>
-          </p:cNvCxnSpPr>
-          <p:nvPr/>
-        </p:nvCxnSpPr>
-        <p:spPr bwMode="auto">
-          <a:xfrm>
-            <a:off x="8412846" y="4267118"/>
-            <a:ext cx="0" cy="1030575"/>
-          </a:xfrm>
-          <a:prstGeom prst="straightConnector1">
-            <a:avLst/>
-          </a:prstGeom>
-          <a:ln>
-            <a:solidFill>
-              <a:schemeClr val="accent1">
-                <a:lumMod val="50000"/>
-              </a:schemeClr>
-            </a:solidFill>
-            <a:headEnd type="triangle" w="med" len="med"/>
-            <a:tailEnd type="none"/>
-          </a:ln>
-        </p:spPr>
-        <p:style>
-          <a:lnRef idx="3">
-            <a:schemeClr val="accent6"/>
-          </a:lnRef>
-          <a:fillRef idx="0">
-            <a:schemeClr val="accent6"/>
-          </a:fillRef>
-          <a:effectRef idx="2">
-            <a:schemeClr val="accent6"/>
-          </a:effectRef>
-          <a:fontRef idx="minor">
-            <a:schemeClr val="tx1"/>
-          </a:fontRef>
-        </p:style>
-      </p:cxnSp>
-      <p:sp>
-        <p:nvSpPr>
-          <p:cNvPr id="42" name="Rectangle 41">
-            <a:extLst>
-              <a:ext uri="{FF2B5EF4-FFF2-40B4-BE49-F238E27FC236}">
-                <a16:creationId xmlns:a16="http://schemas.microsoft.com/office/drawing/2014/main" id="{33BC88A3-F95B-3246-8F19-04EE22663022}"/>
-              </a:ext>
-            </a:extLst>
-          </p:cNvPr>
-          <p:cNvSpPr/>
-          <p:nvPr/>
-        </p:nvSpPr>
-        <p:spPr>
-          <a:xfrm>
-            <a:off x="4988581" y="3627736"/>
-            <a:ext cx="1125629" cy="276999"/>
-          </a:xfrm>
-          <a:prstGeom prst="rect">
-            <a:avLst/>
-          </a:prstGeom>
-        </p:spPr>
-        <p:txBody>
-          <a:bodyPr wrap="none" anchor="ctr">
-            <a:spAutoFit/>
-          </a:bodyPr>
-          <a:lstStyle/>
-          <a:p>
-            <a:pPr algn="ctr"/>
-            <a:r>
-              <a:rPr lang="en-US" sz="1200" dirty="0">
-                <a:solidFill>
-                  <a:srgbClr val="1F3864"/>
-                </a:solidFill>
-                <a:ea typeface="Arial Unicode MS" panose="020B0604020202020204" pitchFamily="34" charset="-128"/>
-                <a:cs typeface="Arial Unicode MS" panose="020B0604020202020204" pitchFamily="34" charset="-128"/>
-              </a:rPr>
-              <a:t>OPC UA Clients</a:t>
-            </a:r>
-          </a:p>
-        </p:txBody>
-      </p:sp>
-      <p:pic>
-        <p:nvPicPr>
-          <p:cNvPr id="44" name="Graphic 43">
-            <a:extLst>
-              <a:ext uri="{FF2B5EF4-FFF2-40B4-BE49-F238E27FC236}">
-                <a16:creationId xmlns:a16="http://schemas.microsoft.com/office/drawing/2014/main" id="{AA9D2907-E607-024F-9EAE-C8D7C8D3876F}"/>
-              </a:ext>
-            </a:extLst>
-          </p:cNvPr>
-          <p:cNvPicPr>
-            <a:picLocks noChangeAspect="1"/>
-          </p:cNvPicPr>
-          <p:nvPr/>
-        </p:nvPicPr>
-        <p:blipFill rotWithShape="1">
-          <a:blip r:embed="rId10">
-            <a:extLst>
-              <a:ext uri="{96DAC541-7B7A-43D3-8B79-37D633B846F1}">
-                <asvg:svgBlip xmlns:asvg="http://schemas.microsoft.com/office/drawing/2016/SVG/main" r:embed="rId11"/>
-              </a:ext>
-            </a:extLst>
-          </a:blip>
-          <a:srcRect l="18867" t="31648" r="20715" b="31551"/>
-          <a:stretch/>
-        </p:blipFill>
-        <p:spPr>
-          <a:xfrm>
-            <a:off x="9573468" y="2971639"/>
-            <a:ext cx="1538988" cy="347823"/>
-          </a:xfrm>
-          <a:prstGeom prst="rect">
-            <a:avLst/>
-          </a:prstGeom>
-        </p:spPr>
-      </p:pic>
-      <p:sp>
-        <p:nvSpPr>
-          <p:cNvPr id="45" name="Rectangle 44">
-            <a:extLst>
-              <a:ext uri="{FF2B5EF4-FFF2-40B4-BE49-F238E27FC236}">
-                <a16:creationId xmlns:a16="http://schemas.microsoft.com/office/drawing/2014/main" id="{497DAC01-BAAA-6A49-8E82-7346C012524F}"/>
-              </a:ext>
-            </a:extLst>
-          </p:cNvPr>
-          <p:cNvSpPr/>
-          <p:nvPr/>
-        </p:nvSpPr>
-        <p:spPr>
-          <a:xfrm>
-            <a:off x="9733978" y="3274523"/>
-            <a:ext cx="1217969" cy="415026"/>
-          </a:xfrm>
-          <a:prstGeom prst="rect">
-            <a:avLst/>
-          </a:prstGeom>
-        </p:spPr>
-        <p:txBody>
-          <a:bodyPr wrap="none">
-            <a:spAutoFit/>
-          </a:bodyPr>
-          <a:lstStyle/>
-          <a:p>
-            <a:pPr algn="ctr"/>
-            <a:r>
-              <a:rPr lang="en-US" sz="1049" dirty="0"/>
-              <a:t>Database Logger</a:t>
-            </a:r>
-          </a:p>
-          <a:p>
-            <a:pPr algn="ctr"/>
-            <a:r>
-              <a:rPr lang="en-US" sz="1049" dirty="0"/>
-              <a:t>Query via GraphQL</a:t>
-            </a:r>
-          </a:p>
-        </p:txBody>
-      </p:sp>
-      <p:pic>
-        <p:nvPicPr>
-          <p:cNvPr id="46" name="Graphic 45">
-            <a:extLst>
-              <a:ext uri="{FF2B5EF4-FFF2-40B4-BE49-F238E27FC236}">
-                <a16:creationId xmlns:a16="http://schemas.microsoft.com/office/drawing/2014/main" id="{5308A0F4-4C8D-8F4D-8811-0629C8D0B7F5}"/>
-              </a:ext>
-            </a:extLst>
-          </p:cNvPr>
-          <p:cNvPicPr>
-            <a:picLocks noChangeAspect="1"/>
-          </p:cNvPicPr>
-          <p:nvPr/>
-        </p:nvPicPr>
-        <p:blipFill rotWithShape="1">
-          <a:blip r:embed="rId10">
-            <a:extLst>
-              <a:ext uri="{96DAC541-7B7A-43D3-8B79-37D633B846F1}">
-                <asvg:svgBlip xmlns:asvg="http://schemas.microsoft.com/office/drawing/2016/SVG/main" r:embed="rId11"/>
-              </a:ext>
-            </a:extLst>
-          </a:blip>
-          <a:srcRect l="18867" t="31648" r="20715" b="31551"/>
-          <a:stretch/>
-        </p:blipFill>
-        <p:spPr>
-          <a:xfrm rot="16200000">
-            <a:off x="7823771" y="3216323"/>
-            <a:ext cx="859436" cy="194239"/>
-          </a:xfrm>
-          <a:prstGeom prst="rect">
-            <a:avLst/>
-          </a:prstGeom>
-        </p:spPr>
-      </p:pic>
-      <p:sp>
-        <p:nvSpPr>
-          <p:cNvPr id="47" name="Rounded Rectangle 46">
-            <a:extLst>
-              <a:ext uri="{FF2B5EF4-FFF2-40B4-BE49-F238E27FC236}">
-                <a16:creationId xmlns:a16="http://schemas.microsoft.com/office/drawing/2014/main" id="{EAC0CBBB-2AA0-D240-A9AF-3808831CE2AB}"/>
-              </a:ext>
-            </a:extLst>
-          </p:cNvPr>
-          <p:cNvSpPr/>
-          <p:nvPr/>
-        </p:nvSpPr>
-        <p:spPr bwMode="auto">
-          <a:xfrm>
-            <a:off x="8047353" y="2820639"/>
-            <a:ext cx="412365" cy="914681"/>
-          </a:xfrm>
-          <a:custGeom>
-            <a:avLst/>
-            <a:gdLst>
-              <a:gd name="connsiteX0" fmla="*/ 0 w 412365"/>
-              <a:gd name="connsiteY0" fmla="*/ 68729 h 914681"/>
-              <a:gd name="connsiteX1" fmla="*/ 68729 w 412365"/>
-              <a:gd name="connsiteY1" fmla="*/ 0 h 914681"/>
-              <a:gd name="connsiteX2" fmla="*/ 343636 w 412365"/>
-              <a:gd name="connsiteY2" fmla="*/ 0 h 914681"/>
-              <a:gd name="connsiteX3" fmla="*/ 412365 w 412365"/>
-              <a:gd name="connsiteY3" fmla="*/ 68729 h 914681"/>
-              <a:gd name="connsiteX4" fmla="*/ 412365 w 412365"/>
-              <a:gd name="connsiteY4" fmla="*/ 845952 h 914681"/>
-              <a:gd name="connsiteX5" fmla="*/ 343636 w 412365"/>
-              <a:gd name="connsiteY5" fmla="*/ 914681 h 914681"/>
-              <a:gd name="connsiteX6" fmla="*/ 68729 w 412365"/>
-              <a:gd name="connsiteY6" fmla="*/ 914681 h 914681"/>
-              <a:gd name="connsiteX7" fmla="*/ 0 w 412365"/>
-              <a:gd name="connsiteY7" fmla="*/ 845952 h 914681"/>
-              <a:gd name="connsiteX8" fmla="*/ 0 w 412365"/>
-              <a:gd name="connsiteY8" fmla="*/ 68729 h 914681"/>
-            </a:gdLst>
-            <a:ahLst/>
-            <a:cxnLst>
-              <a:cxn ang="0">
-                <a:pos x="connsiteX0" y="connsiteY0"/>
-              </a:cxn>
-              <a:cxn ang="0">
-                <a:pos x="connsiteX1" y="connsiteY1"/>
-              </a:cxn>
-              <a:cxn ang="0">
-                <a:pos x="connsiteX2" y="connsiteY2"/>
-              </a:cxn>
-              <a:cxn ang="0">
-                <a:pos x="connsiteX3" y="connsiteY3"/>
-              </a:cxn>
-              <a:cxn ang="0">
-                <a:pos x="connsiteX4" y="connsiteY4"/>
-              </a:cxn>
-              <a:cxn ang="0">
-                <a:pos x="connsiteX5" y="connsiteY5"/>
-              </a:cxn>
-              <a:cxn ang="0">
-                <a:pos x="connsiteX6" y="connsiteY6"/>
-              </a:cxn>
-              <a:cxn ang="0">
-                <a:pos x="connsiteX7" y="connsiteY7"/>
-              </a:cxn>
-              <a:cxn ang="0">
-                <a:pos x="connsiteX8" y="connsiteY8"/>
-              </a:cxn>
-            </a:cxnLst>
-            <a:rect l="l" t="t" r="r" b="b"/>
-            <a:pathLst>
-              <a:path w="412365" h="914681" extrusionOk="0">
-                <a:moveTo>
-                  <a:pt x="0" y="68729"/>
-                </a:moveTo>
-                <a:cubicBezTo>
-                  <a:pt x="468" y="31654"/>
-                  <a:pt x="36372" y="322"/>
-                  <a:pt x="68729" y="0"/>
-                </a:cubicBezTo>
-                <a:cubicBezTo>
-                  <a:pt x="147767" y="5628"/>
-                  <a:pt x="246531" y="-12785"/>
-                  <a:pt x="343636" y="0"/>
-                </a:cubicBezTo>
-                <a:cubicBezTo>
-                  <a:pt x="381395" y="-3838"/>
-                  <a:pt x="409757" y="37717"/>
-                  <a:pt x="412365" y="68729"/>
-                </a:cubicBezTo>
-                <a:cubicBezTo>
-                  <a:pt x="361841" y="291842"/>
-                  <a:pt x="363193" y="596903"/>
-                  <a:pt x="412365" y="845952"/>
-                </a:cubicBezTo>
-                <a:cubicBezTo>
-                  <a:pt x="415844" y="880823"/>
-                  <a:pt x="385065" y="915999"/>
-                  <a:pt x="343636" y="914681"/>
-                </a:cubicBezTo>
-                <a:cubicBezTo>
-                  <a:pt x="230057" y="936854"/>
-                  <a:pt x="188790" y="919998"/>
-                  <a:pt x="68729" y="914681"/>
-                </a:cubicBezTo>
-                <a:cubicBezTo>
-                  <a:pt x="29801" y="914838"/>
-                  <a:pt x="-1400" y="884599"/>
-                  <a:pt x="0" y="845952"/>
-                </a:cubicBezTo>
-                <a:cubicBezTo>
-                  <a:pt x="58113" y="587141"/>
-                  <a:pt x="68708" y="364908"/>
-                  <a:pt x="0" y="68729"/>
-                </a:cubicBezTo>
-                <a:close/>
-              </a:path>
-            </a:pathLst>
-          </a:custGeom>
-          <a:noFill/>
-          <a:ln w="12700" cap="flat" cmpd="sng" algn="ctr">
-            <a:solidFill>
-              <a:schemeClr val="accent1">
-                <a:lumMod val="50000"/>
-              </a:schemeClr>
-            </a:solidFill>
-            <a:prstDash val="solid"/>
-            <a:round/>
-            <a:headEnd type="none" w="med" len="med"/>
-            <a:tailEnd type="none" w="med" len="med"/>
-            <a:extLst>
-              <a:ext uri="{C807C97D-BFC1-408E-A445-0C87EB9F89A2}">
-                <ask:lineSketchStyleProps xmlns:ask="http://schemas.microsoft.com/office/drawing/2018/sketchyshapes" sd="2300883730">
-                  <a:prstGeom prst="roundRect">
-                    <a:avLst/>
-                  </a:prstGeom>
-                  <ask:type>
-                    <ask:lineSketchCurved/>
-                  </ask:type>
-                </ask:lineSketchStyleProps>
-              </a:ext>
-            </a:extLst>
-          </a:ln>
-        </p:spPr>
-        <p:style>
-          <a:lnRef idx="0">
-            <a:scrgbClr r="0" g="0" b="0"/>
-          </a:lnRef>
-          <a:fillRef idx="0">
-            <a:scrgbClr r="0" g="0" b="0"/>
-          </a:fillRef>
-          <a:effectRef idx="0">
-            <a:scrgbClr r="0" g="0" b="0"/>
-          </a:effectRef>
-          <a:fontRef idx="minor">
-            <a:schemeClr val="dk1"/>
-          </a:fontRef>
-        </p:style>
-        <p:txBody>
-          <a:bodyPr wrap="square" lIns="107944" tIns="53972" rIns="107944" bIns="53972" numCol="1" spcCol="72000" rtlCol="0" anchor="ctr">
-            <a:noAutofit/>
-          </a:bodyPr>
-          <a:lstStyle/>
-          <a:p>
-            <a:pPr algn="ctr">
-              <a:lnSpc>
-                <a:spcPct val="110000"/>
-              </a:lnSpc>
-              <a:spcBef>
-                <a:spcPct val="0"/>
-              </a:spcBef>
-              <a:buFont typeface="Wingdings" charset="0"/>
-              <a:buNone/>
-            </a:pPr>
-            <a:endParaRPr lang="en-US" sz="1799" dirty="0">
-              <a:solidFill>
-                <a:schemeClr val="tx1"/>
-              </a:solidFill>
-              <a:ea typeface="Arial Unicode MS" panose="020B0604020202020204" pitchFamily="34" charset="-128"/>
-              <a:cs typeface="Arial Unicode MS" panose="020B0604020202020204" pitchFamily="34" charset="-128"/>
-            </a:endParaRPr>
-          </a:p>
-        </p:txBody>
-      </p:sp>
-      <p:pic>
-        <p:nvPicPr>
-          <p:cNvPr id="56" name="Picture 55" descr="Text, whiteboard&#10;&#10;Description automatically generated">
-            <a:extLst>
-              <a:ext uri="{FF2B5EF4-FFF2-40B4-BE49-F238E27FC236}">
-                <a16:creationId xmlns:a16="http://schemas.microsoft.com/office/drawing/2014/main" id="{1E99B65F-79BD-1646-B132-D33CFB5E8B54}"/>
-              </a:ext>
-            </a:extLst>
-          </p:cNvPr>
-          <p:cNvPicPr>
-            <a:picLocks noChangeAspect="1"/>
-          </p:cNvPicPr>
-          <p:nvPr/>
-        </p:nvPicPr>
-        <p:blipFill>
-          <a:blip r:embed="rId12"/>
-          <a:stretch>
-            <a:fillRect/>
-          </a:stretch>
-        </p:blipFill>
-        <p:spPr>
-          <a:xfrm>
-            <a:off x="1329179" y="557241"/>
-            <a:ext cx="3787391" cy="1578774"/>
-          </a:xfrm>
-          <a:custGeom>
-            <a:avLst/>
-            <a:gdLst>
-              <a:gd name="connsiteX0" fmla="*/ 0 w 3787391"/>
-              <a:gd name="connsiteY0" fmla="*/ 0 h 1578774"/>
-              <a:gd name="connsiteX1" fmla="*/ 3787391 w 3787391"/>
-              <a:gd name="connsiteY1" fmla="*/ 0 h 1578774"/>
-              <a:gd name="connsiteX2" fmla="*/ 3787391 w 3787391"/>
-              <a:gd name="connsiteY2" fmla="*/ 1578774 h 1578774"/>
-              <a:gd name="connsiteX3" fmla="*/ 0 w 3787391"/>
-              <a:gd name="connsiteY3" fmla="*/ 1578774 h 1578774"/>
-              <a:gd name="connsiteX4" fmla="*/ 0 w 3787391"/>
-              <a:gd name="connsiteY4" fmla="*/ 0 h 1578774"/>
-            </a:gdLst>
-            <a:ahLst/>
-            <a:cxnLst>
-              <a:cxn ang="0">
-                <a:pos x="connsiteX0" y="connsiteY0"/>
-              </a:cxn>
-              <a:cxn ang="0">
-                <a:pos x="connsiteX1" y="connsiteY1"/>
-              </a:cxn>
-              <a:cxn ang="0">
-                <a:pos x="connsiteX2" y="connsiteY2"/>
-              </a:cxn>
-              <a:cxn ang="0">
-                <a:pos x="connsiteX3" y="connsiteY3"/>
-              </a:cxn>
-              <a:cxn ang="0">
-                <a:pos x="connsiteX4" y="connsiteY4"/>
-              </a:cxn>
-            </a:cxnLst>
-            <a:rect l="l" t="t" r="r" b="b"/>
-            <a:pathLst>
-              <a:path w="3787391" h="1578774" extrusionOk="0">
-                <a:moveTo>
-                  <a:pt x="0" y="0"/>
-                </a:moveTo>
-                <a:cubicBezTo>
-                  <a:pt x="982231" y="118645"/>
-                  <a:pt x="2164460" y="116012"/>
-                  <a:pt x="3787391" y="0"/>
-                </a:cubicBezTo>
-                <a:cubicBezTo>
-                  <a:pt x="3719900" y="162121"/>
-                  <a:pt x="3882158" y="1157209"/>
-                  <a:pt x="3787391" y="1578774"/>
-                </a:cubicBezTo>
-                <a:cubicBezTo>
-                  <a:pt x="3171391" y="1713374"/>
-                  <a:pt x="437850" y="1421578"/>
-                  <a:pt x="0" y="1578774"/>
-                </a:cubicBezTo>
-                <a:cubicBezTo>
-                  <a:pt x="33088" y="1161489"/>
-                  <a:pt x="-105046" y="467393"/>
-                  <a:pt x="0" y="0"/>
-                </a:cubicBezTo>
-                <a:close/>
-              </a:path>
-            </a:pathLst>
-          </a:custGeom>
-          <a:noFill/>
-          <a:ln w="9525" cap="flat" cmpd="sng" algn="ctr">
-            <a:solidFill>
-              <a:schemeClr val="tx2">
-                <a:lumMod val="75000"/>
-              </a:schemeClr>
-            </a:solidFill>
-            <a:prstDash val="solid"/>
-            <a:round/>
-            <a:headEnd type="none" w="med" len="med"/>
-            <a:tailEnd type="none" w="med" len="med"/>
-            <a:extLst>
-              <a:ext uri="{C807C97D-BFC1-408E-A445-0C87EB9F89A2}">
-                <ask:lineSketchStyleProps xmlns:ask="http://schemas.microsoft.com/office/drawing/2018/sketchyshapes" sd="1219033472">
-                  <a:prstGeom prst="rect">
-                    <a:avLst/>
-                  </a:prstGeom>
-                  <ask:type>
-                    <ask:lineSketchCurved/>
-                  </ask:type>
-                </ask:lineSketchStyleProps>
-              </a:ext>
-            </a:extLst>
-          </a:ln>
-        </p:spPr>
-        <p:style>
-          <a:lnRef idx="0">
-            <a:scrgbClr r="0" g="0" b="0"/>
-          </a:lnRef>
-          <a:fillRef idx="0">
-            <a:scrgbClr r="0" g="0" b="0"/>
-          </a:fillRef>
-          <a:effectRef idx="0">
-            <a:scrgbClr r="0" g="0" b="0"/>
-          </a:effectRef>
-          <a:fontRef idx="minor">
-            <a:schemeClr val="dk1"/>
-          </a:fontRef>
-        </p:style>
-      </p:pic>
-      <p:pic>
-        <p:nvPicPr>
-          <p:cNvPr id="58" name="Picture 57" descr="Graphical user interface, text, application, email&#10;&#10;Description automatically generated">
-            <a:extLst>
-              <a:ext uri="{FF2B5EF4-FFF2-40B4-BE49-F238E27FC236}">
-                <a16:creationId xmlns:a16="http://schemas.microsoft.com/office/drawing/2014/main" id="{2D78D672-0751-994F-925C-E7359896250F}"/>
-              </a:ext>
-            </a:extLst>
-          </p:cNvPr>
-          <p:cNvPicPr>
-            <a:picLocks noChangeAspect="1"/>
-          </p:cNvPicPr>
-          <p:nvPr/>
-        </p:nvPicPr>
-        <p:blipFill>
-          <a:blip r:embed="rId13"/>
-          <a:stretch>
-            <a:fillRect/>
-          </a:stretch>
-        </p:blipFill>
-        <p:spPr>
-          <a:xfrm>
-            <a:off x="7976130" y="557511"/>
-            <a:ext cx="2975818" cy="1894140"/>
-          </a:xfrm>
-          <a:custGeom>
-            <a:avLst/>
-            <a:gdLst>
-              <a:gd name="connsiteX0" fmla="*/ 0 w 2975818"/>
-              <a:gd name="connsiteY0" fmla="*/ 0 h 1894140"/>
-              <a:gd name="connsiteX1" fmla="*/ 2975818 w 2975818"/>
-              <a:gd name="connsiteY1" fmla="*/ 0 h 1894140"/>
-              <a:gd name="connsiteX2" fmla="*/ 2975818 w 2975818"/>
-              <a:gd name="connsiteY2" fmla="*/ 1894140 h 1894140"/>
-              <a:gd name="connsiteX3" fmla="*/ 0 w 2975818"/>
-              <a:gd name="connsiteY3" fmla="*/ 1894140 h 1894140"/>
-              <a:gd name="connsiteX4" fmla="*/ 0 w 2975818"/>
-              <a:gd name="connsiteY4" fmla="*/ 0 h 1894140"/>
-            </a:gdLst>
-            <a:ahLst/>
-            <a:cxnLst>
-              <a:cxn ang="0">
-                <a:pos x="connsiteX0" y="connsiteY0"/>
-              </a:cxn>
-              <a:cxn ang="0">
-                <a:pos x="connsiteX1" y="connsiteY1"/>
-              </a:cxn>
-              <a:cxn ang="0">
-                <a:pos x="connsiteX2" y="connsiteY2"/>
-              </a:cxn>
-              <a:cxn ang="0">
-                <a:pos x="connsiteX3" y="connsiteY3"/>
-              </a:cxn>
-              <a:cxn ang="0">
-                <a:pos x="connsiteX4" y="connsiteY4"/>
-              </a:cxn>
-            </a:cxnLst>
-            <a:rect l="l" t="t" r="r" b="b"/>
-            <a:pathLst>
-              <a:path w="2975818" h="1894140" fill="none" extrusionOk="0">
-                <a:moveTo>
-                  <a:pt x="0" y="0"/>
-                </a:moveTo>
-                <a:cubicBezTo>
-                  <a:pt x="660297" y="-14931"/>
-                  <a:pt x="1969631" y="31643"/>
-                  <a:pt x="2975818" y="0"/>
-                </a:cubicBezTo>
-                <a:cubicBezTo>
-                  <a:pt x="3082030" y="473030"/>
-                  <a:pt x="2865893" y="1467476"/>
-                  <a:pt x="2975818" y="1894140"/>
-                </a:cubicBezTo>
-                <a:cubicBezTo>
-                  <a:pt x="2639919" y="1832086"/>
-                  <a:pt x="471236" y="1840437"/>
-                  <a:pt x="0" y="1894140"/>
-                </a:cubicBezTo>
-                <a:cubicBezTo>
-                  <a:pt x="-26706" y="1526146"/>
-                  <a:pt x="-6715" y="804853"/>
-                  <a:pt x="0" y="0"/>
-                </a:cubicBezTo>
-                <a:close/>
-              </a:path>
-              <a:path w="2975818" h="1894140" stroke="0" extrusionOk="0">
-                <a:moveTo>
-                  <a:pt x="0" y="0"/>
-                </a:moveTo>
-                <a:cubicBezTo>
-                  <a:pt x="992412" y="-5264"/>
-                  <a:pt x="1967788" y="84467"/>
-                  <a:pt x="2975818" y="0"/>
-                </a:cubicBezTo>
-                <a:cubicBezTo>
-                  <a:pt x="2847645" y="460941"/>
-                  <a:pt x="3104968" y="1621137"/>
-                  <a:pt x="2975818" y="1894140"/>
-                </a:cubicBezTo>
-                <a:cubicBezTo>
-                  <a:pt x="2639779" y="2000460"/>
-                  <a:pt x="827958" y="1886491"/>
-                  <a:pt x="0" y="1894140"/>
-                </a:cubicBezTo>
-                <a:cubicBezTo>
-                  <a:pt x="160128" y="987176"/>
-                  <a:pt x="25049" y="573782"/>
-                  <a:pt x="0" y="0"/>
-                </a:cubicBezTo>
-                <a:close/>
-              </a:path>
-            </a:pathLst>
-          </a:custGeom>
-          <a:ln>
-            <a:solidFill>
-              <a:schemeClr val="tx2">
-                <a:lumMod val="75000"/>
-              </a:schemeClr>
-            </a:solidFill>
-            <a:extLst>
-              <a:ext uri="{C807C97D-BFC1-408E-A445-0C87EB9F89A2}">
-                <ask:lineSketchStyleProps xmlns:ask="http://schemas.microsoft.com/office/drawing/2018/sketchyshapes" sd="2650216993">
-                  <a:prstGeom prst="rect">
-                    <a:avLst/>
-                  </a:prstGeom>
-                  <ask:type>
-                    <ask:lineSketchCurved/>
-                  </ask:type>
-                </ask:lineSketchStyleProps>
-              </a:ext>
-            </a:extLst>
-          </a:ln>
-        </p:spPr>
-      </p:pic>
-      <p:sp>
-        <p:nvSpPr>
-          <p:cNvPr id="31" name="TextBox 30">
-            <a:extLst>
-              <a:ext uri="{FF2B5EF4-FFF2-40B4-BE49-F238E27FC236}">
-                <a16:creationId xmlns:a16="http://schemas.microsoft.com/office/drawing/2014/main" id="{809E757D-71CA-0447-90D6-249BB18021CF}"/>
-              </a:ext>
-            </a:extLst>
-          </p:cNvPr>
-          <p:cNvSpPr txBox="1"/>
-          <p:nvPr/>
-        </p:nvSpPr>
-        <p:spPr>
-          <a:xfrm>
-            <a:off x="5110462" y="577095"/>
-            <a:ext cx="1041946" cy="649480"/>
-          </a:xfrm>
-          <a:prstGeom prst="rect">
-            <a:avLst/>
-          </a:prstGeom>
-          <a:noFill/>
-        </p:spPr>
-        <p:txBody>
-          <a:bodyPr wrap="square" lIns="0" tIns="0" rIns="0" bIns="0" rtlCol="0">
-            <a:noAutofit/>
-          </a:bodyPr>
-          <a:lstStyle/>
-          <a:p>
-            <a:pPr algn="ctr">
-              <a:lnSpc>
-                <a:spcPct val="110000"/>
-              </a:lnSpc>
-            </a:pPr>
-            <a:r>
-              <a:rPr lang="en-US" sz="1199" dirty="0">
-                <a:ea typeface="Arial Unicode MS" panose="020B0604020202020204" pitchFamily="34" charset="-128"/>
-                <a:cs typeface="Arial Unicode MS" panose="020B0604020202020204" pitchFamily="34" charset="-128"/>
-              </a:rPr>
-              <a:t>Query Tags</a:t>
-            </a:r>
-          </a:p>
-          <a:p>
-            <a:pPr algn="ctr">
-              <a:lnSpc>
-                <a:spcPct val="110000"/>
-              </a:lnSpc>
-            </a:pPr>
-            <a:r>
-              <a:rPr lang="en-US" sz="1199" dirty="0">
-                <a:ea typeface="Arial Unicode MS" panose="020B0604020202020204" pitchFamily="34" charset="-128"/>
-                <a:cs typeface="Arial Unicode MS" panose="020B0604020202020204" pitchFamily="34" charset="-128"/>
-              </a:rPr>
-              <a:t>Mutate Tags</a:t>
-            </a:r>
-          </a:p>
-          <a:p>
-            <a:pPr algn="ctr">
-              <a:lnSpc>
-                <a:spcPct val="110000"/>
-              </a:lnSpc>
-            </a:pPr>
-            <a:r>
-              <a:rPr lang="en-US" sz="1199" dirty="0">
-                <a:ea typeface="Arial Unicode MS" panose="020B0604020202020204" pitchFamily="34" charset="-128"/>
-                <a:cs typeface="Arial Unicode MS" panose="020B0604020202020204" pitchFamily="34" charset="-128"/>
-              </a:rPr>
-              <a:t>Subscribe Tags</a:t>
-            </a:r>
-          </a:p>
-        </p:txBody>
-      </p:sp>
-      <p:cxnSp>
-        <p:nvCxnSpPr>
-          <p:cNvPr id="63" name="Straight Arrow Connector 62">
-            <a:extLst>
-              <a:ext uri="{FF2B5EF4-FFF2-40B4-BE49-F238E27FC236}">
-                <a16:creationId xmlns:a16="http://schemas.microsoft.com/office/drawing/2014/main" id="{3757A050-6138-7D44-BBD8-F068D40B7217}"/>
-              </a:ext>
-            </a:extLst>
-          </p:cNvPr>
-          <p:cNvCxnSpPr>
-            <a:cxnSpLocks/>
-            <a:endCxn id="48" idx="1"/>
-          </p:cNvCxnSpPr>
-          <p:nvPr/>
-        </p:nvCxnSpPr>
-        <p:spPr bwMode="auto">
-          <a:xfrm>
-            <a:off x="8412846" y="3321026"/>
-            <a:ext cx="1131042" cy="0"/>
-          </a:xfrm>
-          <a:prstGeom prst="straightConnector1">
-            <a:avLst/>
-          </a:prstGeom>
-          <a:ln>
-            <a:headEnd type="none" w="med" len="med"/>
-            <a:tailEnd type="triangle"/>
-          </a:ln>
-        </p:spPr>
-        <p:style>
-          <a:lnRef idx="3">
-            <a:schemeClr val="accent3"/>
-          </a:lnRef>
-          <a:fillRef idx="0">
-            <a:schemeClr val="accent3"/>
-          </a:fillRef>
-          <a:effectRef idx="2">
-            <a:schemeClr val="accent3"/>
-          </a:effectRef>
-          <a:fontRef idx="minor">
-            <a:schemeClr val="tx1"/>
-          </a:fontRef>
-        </p:style>
-      </p:cxnSp>
-      <p:cxnSp>
-        <p:nvCxnSpPr>
-          <p:cNvPr id="34" name="Straight Arrow Connector 33">
-            <a:extLst>
-              <a:ext uri="{FF2B5EF4-FFF2-40B4-BE49-F238E27FC236}">
-                <a16:creationId xmlns:a16="http://schemas.microsoft.com/office/drawing/2014/main" id="{90B60078-D27D-274D-93A8-36ABF65F2877}"/>
-              </a:ext>
-            </a:extLst>
-          </p:cNvPr>
-          <p:cNvCxnSpPr>
-            <a:cxnSpLocks/>
-          </p:cNvCxnSpPr>
-          <p:nvPr/>
-        </p:nvCxnSpPr>
-        <p:spPr bwMode="auto">
-          <a:xfrm>
-            <a:off x="5769458" y="4253543"/>
-            <a:ext cx="0" cy="273359"/>
-          </a:xfrm>
-          <a:prstGeom prst="straightConnector1">
-            <a:avLst/>
-          </a:prstGeom>
-          <a:ln w="12700">
-            <a:solidFill>
-              <a:schemeClr val="accent1">
-                <a:lumMod val="50000"/>
-              </a:schemeClr>
-            </a:solidFill>
-            <a:headEnd type="triangle" w="med" len="med"/>
-            <a:tailEnd type="none"/>
-          </a:ln>
-        </p:spPr>
-        <p:style>
-          <a:lnRef idx="3">
-            <a:schemeClr val="accent6"/>
-          </a:lnRef>
-          <a:fillRef idx="0">
-            <a:schemeClr val="accent6"/>
-          </a:fillRef>
-          <a:effectRef idx="2">
-            <a:schemeClr val="accent6"/>
-          </a:effectRef>
-          <a:fontRef idx="minor">
-            <a:schemeClr val="tx1"/>
-          </a:fontRef>
-        </p:style>
-      </p:cxnSp>
-      <p:pic>
-        <p:nvPicPr>
-          <p:cNvPr id="53" name="Grafik 123">
-            <a:extLst>
-              <a:ext uri="{FF2B5EF4-FFF2-40B4-BE49-F238E27FC236}">
-                <a16:creationId xmlns:a16="http://schemas.microsoft.com/office/drawing/2014/main" id="{4AB12B0F-70F6-D044-8B0E-EAB81F734AC8}"/>
-              </a:ext>
-            </a:extLst>
-          </p:cNvPr>
-          <p:cNvPicPr>
-            <a:picLocks noChangeAspect="1"/>
-          </p:cNvPicPr>
-          <p:nvPr/>
-        </p:nvPicPr>
-        <p:blipFill>
-          <a:blip r:embed="rId4">
-            <a:extLst>
-              <a:ext uri="{96DAC541-7B7A-43D3-8B79-37D633B846F1}">
-                <asvg:svgBlip xmlns:asvg="http://schemas.microsoft.com/office/drawing/2016/SVG/main" r:embed="rId5"/>
-              </a:ext>
-            </a:extLst>
-          </a:blip>
-          <a:stretch>
-            <a:fillRect/>
-          </a:stretch>
-        </p:blipFill>
-        <p:spPr>
-          <a:xfrm>
-            <a:off x="4553301" y="574881"/>
-            <a:ext cx="557161" cy="557161"/>
-          </a:xfrm>
-          <a:prstGeom prst="rect">
-            <a:avLst/>
-          </a:prstGeom>
-        </p:spPr>
-      </p:pic>
-      <p:pic>
-        <p:nvPicPr>
-          <p:cNvPr id="54" name="Picture 53" descr="A picture containing text, clipart&#10;&#10;Description automatically generated">
-            <a:extLst>
-              <a:ext uri="{FF2B5EF4-FFF2-40B4-BE49-F238E27FC236}">
-                <a16:creationId xmlns:a16="http://schemas.microsoft.com/office/drawing/2014/main" id="{C9F0A355-F772-2D45-9319-14068B5C4977}"/>
-              </a:ext>
-            </a:extLst>
-          </p:cNvPr>
-          <p:cNvPicPr>
-            <a:picLocks noChangeAspect="1"/>
-          </p:cNvPicPr>
-          <p:nvPr/>
-        </p:nvPicPr>
-        <p:blipFill>
-          <a:blip r:embed="rId7"/>
-          <a:stretch>
-            <a:fillRect/>
-          </a:stretch>
-        </p:blipFill>
-        <p:spPr>
-          <a:xfrm>
-            <a:off x="7973956" y="350682"/>
-            <a:ext cx="821773" cy="208162"/>
-          </a:xfrm>
-          <a:prstGeom prst="rect">
-            <a:avLst/>
-          </a:prstGeom>
-          <a:noFill/>
-          <a:ln w="9525" cap="flat" cmpd="sng" algn="ctr">
-            <a:solidFill>
-              <a:schemeClr val="dk1"/>
-            </a:solidFill>
-            <a:prstDash val="solid"/>
-            <a:round/>
-            <a:headEnd type="none" w="med" len="med"/>
-            <a:tailEnd type="none" w="med" len="med"/>
-          </a:ln>
-        </p:spPr>
-        <p:style>
-          <a:lnRef idx="0">
-            <a:scrgbClr r="0" g="0" b="0"/>
-          </a:lnRef>
-          <a:fillRef idx="0">
-            <a:scrgbClr r="0" g="0" b="0"/>
-          </a:fillRef>
-          <a:effectRef idx="0">
-            <a:scrgbClr r="0" g="0" b="0"/>
-          </a:effectRef>
-          <a:fontRef idx="minor">
-            <a:schemeClr val="dk1"/>
-          </a:fontRef>
-        </p:style>
-      </p:pic>
-      <p:sp>
-        <p:nvSpPr>
-          <p:cNvPr id="55" name="TextBox 54">
-            <a:extLst>
-              <a:ext uri="{FF2B5EF4-FFF2-40B4-BE49-F238E27FC236}">
-                <a16:creationId xmlns:a16="http://schemas.microsoft.com/office/drawing/2014/main" id="{D5AABC21-2071-D548-8ECD-CA16B545F1B0}"/>
-              </a:ext>
-            </a:extLst>
-          </p:cNvPr>
-          <p:cNvSpPr txBox="1"/>
-          <p:nvPr/>
-        </p:nvSpPr>
-        <p:spPr>
-          <a:xfrm>
-            <a:off x="2459675" y="2174447"/>
-            <a:ext cx="1041946" cy="445458"/>
-          </a:xfrm>
-          <a:prstGeom prst="rect">
-            <a:avLst/>
-          </a:prstGeom>
-          <a:noFill/>
-        </p:spPr>
-        <p:txBody>
-          <a:bodyPr wrap="square" lIns="0" tIns="0" rIns="0" bIns="0" rtlCol="0">
-            <a:noAutofit/>
-          </a:bodyPr>
-          <a:lstStyle/>
-          <a:p>
-            <a:pPr algn="ctr">
-              <a:lnSpc>
-                <a:spcPct val="110000"/>
-              </a:lnSpc>
-            </a:pPr>
-            <a:r>
-              <a:rPr lang="en-US" sz="1199" dirty="0">
-                <a:ea typeface="Arial Unicode MS" panose="020B0604020202020204" pitchFamily="34" charset="-128"/>
-                <a:cs typeface="Arial Unicode MS" panose="020B0604020202020204" pitchFamily="34" charset="-128"/>
-              </a:rPr>
-              <a:t>HTTP</a:t>
-            </a:r>
-          </a:p>
-          <a:p>
-            <a:pPr algn="ctr">
-              <a:lnSpc>
-                <a:spcPct val="110000"/>
-              </a:lnSpc>
-            </a:pPr>
-            <a:r>
-              <a:rPr lang="en-US" sz="1199" dirty="0">
-                <a:ea typeface="Arial Unicode MS" panose="020B0604020202020204" pitchFamily="34" charset="-128"/>
-                <a:cs typeface="Arial Unicode MS" panose="020B0604020202020204" pitchFamily="34" charset="-128"/>
-              </a:rPr>
-              <a:t>Websocket</a:t>
-            </a:r>
-          </a:p>
-        </p:txBody>
-      </p:sp>
-      <p:sp>
-        <p:nvSpPr>
-          <p:cNvPr id="57" name="TextBox 56">
-            <a:extLst>
-              <a:ext uri="{FF2B5EF4-FFF2-40B4-BE49-F238E27FC236}">
-                <a16:creationId xmlns:a16="http://schemas.microsoft.com/office/drawing/2014/main" id="{8855FB50-27C6-7B48-BFA4-76AFDA918C0E}"/>
-              </a:ext>
-            </a:extLst>
-          </p:cNvPr>
-          <p:cNvSpPr txBox="1"/>
-          <p:nvPr/>
-        </p:nvSpPr>
-        <p:spPr>
-          <a:xfrm>
-            <a:off x="6924543" y="2252463"/>
-            <a:ext cx="493759" cy="241911"/>
-          </a:xfrm>
-          <a:prstGeom prst="rect">
-            <a:avLst/>
-          </a:prstGeom>
-          <a:noFill/>
-        </p:spPr>
-        <p:txBody>
-          <a:bodyPr wrap="square" lIns="0" tIns="0" rIns="0" bIns="0" rtlCol="0">
-            <a:noAutofit/>
-          </a:bodyPr>
-          <a:lstStyle/>
-          <a:p>
-            <a:pPr algn="ctr">
-              <a:lnSpc>
-                <a:spcPct val="110000"/>
-              </a:lnSpc>
-            </a:pPr>
-            <a:r>
-              <a:rPr lang="en-US" sz="1199" dirty="0">
-                <a:ea typeface="Arial Unicode MS" panose="020B0604020202020204" pitchFamily="34" charset="-128"/>
-                <a:cs typeface="Arial Unicode MS" panose="020B0604020202020204" pitchFamily="34" charset="-128"/>
-              </a:rPr>
-              <a:t>TCP</a:t>
-            </a:r>
-          </a:p>
-        </p:txBody>
-      </p:sp>
-      <p:sp>
-        <p:nvSpPr>
-          <p:cNvPr id="49" name="TextBox 48">
-            <a:extLst>
-              <a:ext uri="{FF2B5EF4-FFF2-40B4-BE49-F238E27FC236}">
-                <a16:creationId xmlns:a16="http://schemas.microsoft.com/office/drawing/2014/main" id="{26255F1F-7EB2-DD46-B82B-A0B79C8AE47C}"/>
-              </a:ext>
-            </a:extLst>
-          </p:cNvPr>
-          <p:cNvSpPr txBox="1"/>
-          <p:nvPr/>
-        </p:nvSpPr>
-        <p:spPr>
-          <a:xfrm>
-            <a:off x="4803331" y="6224465"/>
-            <a:ext cx="2032929" cy="253916"/>
-          </a:xfrm>
-          <a:prstGeom prst="rect">
-            <a:avLst/>
-          </a:prstGeom>
-          <a:noFill/>
-        </p:spPr>
-        <p:txBody>
-          <a:bodyPr wrap="none" rtlCol="0">
-            <a:spAutoFit/>
-          </a:bodyPr>
-          <a:lstStyle/>
-          <a:p>
-            <a:r>
-              <a:rPr lang="en-US" sz="1050" dirty="0"/>
-              <a:t>Source: https://new.siemens.com</a:t>
-            </a:r>
-          </a:p>
-        </p:txBody>
-      </p:sp>
-      <p:sp>
-        <p:nvSpPr>
-          <p:cNvPr id="59" name="Rectangle 58">
-            <a:extLst>
-              <a:ext uri="{FF2B5EF4-FFF2-40B4-BE49-F238E27FC236}">
-                <a16:creationId xmlns:a16="http://schemas.microsoft.com/office/drawing/2014/main" id="{57C55C32-22AB-F545-A6C5-AFD8D04B56EE}"/>
-              </a:ext>
-            </a:extLst>
-          </p:cNvPr>
-          <p:cNvSpPr/>
-          <p:nvPr/>
-        </p:nvSpPr>
-        <p:spPr>
-          <a:xfrm>
-            <a:off x="4482278" y="289101"/>
-            <a:ext cx="737318" cy="276727"/>
-          </a:xfrm>
-          <a:prstGeom prst="rect">
-            <a:avLst/>
-          </a:prstGeom>
-        </p:spPr>
-        <p:txBody>
-          <a:bodyPr wrap="none">
-            <a:spAutoFit/>
-          </a:bodyPr>
-          <a:lstStyle/>
-          <a:p>
-            <a:r>
-              <a:rPr lang="en-US" sz="1199" dirty="0">
-                <a:solidFill>
-                  <a:srgbClr val="E535AB"/>
-                </a:solidFill>
-                <a:ea typeface="Arial Unicode MS" panose="020B0604020202020204" pitchFamily="34" charset="-128"/>
-                <a:cs typeface="Arial Unicode MS" panose="020B0604020202020204" pitchFamily="34" charset="-128"/>
-              </a:rPr>
-              <a:t>GraphQL</a:t>
-            </a:r>
-            <a:endParaRPr lang="en-US" sz="1799" dirty="0">
-              <a:solidFill>
-                <a:srgbClr val="E535AB"/>
-              </a:solidFill>
-            </a:endParaRPr>
-          </a:p>
-        </p:txBody>
-      </p:sp>
-      <p:pic>
-        <p:nvPicPr>
-          <p:cNvPr id="51" name="Picture 50" descr="A picture containing text, electronics&#10;&#10;Description automatically generated">
-            <a:extLst>
-              <a:ext uri="{FF2B5EF4-FFF2-40B4-BE49-F238E27FC236}">
-                <a16:creationId xmlns:a16="http://schemas.microsoft.com/office/drawing/2014/main" id="{A9FC80C0-B12C-2C49-8DEE-6AE88BF28F29}"/>
-              </a:ext>
-            </a:extLst>
-          </p:cNvPr>
-          <p:cNvPicPr>
-            <a:picLocks noChangeAspect="1"/>
-          </p:cNvPicPr>
-          <p:nvPr/>
-        </p:nvPicPr>
-        <p:blipFill>
-          <a:blip r:embed="rId14"/>
-          <a:stretch>
-            <a:fillRect/>
-          </a:stretch>
-        </p:blipFill>
-        <p:spPr>
-          <a:xfrm>
-            <a:off x="2966315" y="5552453"/>
-            <a:ext cx="935438" cy="826907"/>
-          </a:xfrm>
-          <a:prstGeom prst="rect">
-            <a:avLst/>
-          </a:prstGeom>
-        </p:spPr>
-      </p:pic>
-      <p:cxnSp>
-        <p:nvCxnSpPr>
-          <p:cNvPr id="61" name="Straight Arrow Connector 60">
-            <a:extLst>
-              <a:ext uri="{FF2B5EF4-FFF2-40B4-BE49-F238E27FC236}">
-                <a16:creationId xmlns:a16="http://schemas.microsoft.com/office/drawing/2014/main" id="{BC1E419E-1007-B740-8CCB-501BF27F99BC}"/>
-              </a:ext>
-            </a:extLst>
-          </p:cNvPr>
-          <p:cNvCxnSpPr>
-            <a:cxnSpLocks/>
-          </p:cNvCxnSpPr>
-          <p:nvPr/>
-        </p:nvCxnSpPr>
-        <p:spPr bwMode="auto">
-          <a:xfrm>
-            <a:off x="3434271" y="4233308"/>
-            <a:ext cx="0" cy="1332925"/>
-          </a:xfrm>
-          <a:prstGeom prst="straightConnector1">
-            <a:avLst/>
-          </a:prstGeom>
-          <a:ln w="12700">
-            <a:solidFill>
-              <a:schemeClr val="accent1">
-                <a:lumMod val="50000"/>
-              </a:schemeClr>
-            </a:solidFill>
-            <a:headEnd type="triangle" w="med" len="med"/>
-            <a:tailEnd type="none"/>
-          </a:ln>
-        </p:spPr>
-        <p:style>
-          <a:lnRef idx="3">
-            <a:schemeClr val="accent6"/>
-          </a:lnRef>
-          <a:fillRef idx="0">
-            <a:schemeClr val="accent6"/>
-          </a:fillRef>
-          <a:effectRef idx="2">
-            <a:schemeClr val="accent6"/>
-          </a:effectRef>
-          <a:fontRef idx="minor">
-            <a:schemeClr val="tx1"/>
-          </a:fontRef>
-        </p:style>
-      </p:cxnSp>
-      <p:cxnSp>
-        <p:nvCxnSpPr>
-          <p:cNvPr id="1032" name="Straight Connector 1031">
-            <a:extLst>
-              <a:ext uri="{FF2B5EF4-FFF2-40B4-BE49-F238E27FC236}">
-                <a16:creationId xmlns:a16="http://schemas.microsoft.com/office/drawing/2014/main" id="{C30D29A4-67A4-F449-8DD5-FFF14DBCC1F2}"/>
-              </a:ext>
-            </a:extLst>
-          </p:cNvPr>
-          <p:cNvCxnSpPr/>
-          <p:nvPr/>
-        </p:nvCxnSpPr>
-        <p:spPr>
-          <a:xfrm>
-            <a:off x="2071727" y="4223881"/>
-            <a:ext cx="7855927" cy="43237"/>
-          </a:xfrm>
-          <a:prstGeom prst="line">
-            <a:avLst/>
-          </a:prstGeom>
-          <a:ln w="76200" cap="rnd">
-            <a:solidFill>
-              <a:schemeClr val="accent1">
-                <a:lumMod val="50000"/>
-              </a:schemeClr>
-            </a:solidFill>
-            <a:round/>
-          </a:ln>
-        </p:spPr>
-        <p:style>
-          <a:lnRef idx="1">
-            <a:schemeClr val="accent1"/>
-          </a:lnRef>
-          <a:fillRef idx="0">
-            <a:schemeClr val="accent1"/>
-          </a:fillRef>
-          <a:effectRef idx="0">
-            <a:schemeClr val="accent1"/>
-          </a:effectRef>
-          <a:fontRef idx="minor">
-            <a:schemeClr val="tx1"/>
-          </a:fontRef>
-        </p:style>
-      </p:cxnSp>
-      <p:sp>
-        <p:nvSpPr>
-          <p:cNvPr id="88" name="Rectangle 87">
-            <a:extLst>
-              <a:ext uri="{FF2B5EF4-FFF2-40B4-BE49-F238E27FC236}">
-                <a16:creationId xmlns:a16="http://schemas.microsoft.com/office/drawing/2014/main" id="{001E76B1-D191-0B48-AE46-4478B0AFC8DE}"/>
-              </a:ext>
-            </a:extLst>
-          </p:cNvPr>
-          <p:cNvSpPr/>
-          <p:nvPr/>
-        </p:nvSpPr>
-        <p:spPr>
-          <a:xfrm>
-            <a:off x="2213757" y="4235630"/>
-            <a:ext cx="1083951" cy="261610"/>
-          </a:xfrm>
-          <a:prstGeom prst="rect">
-            <a:avLst/>
-          </a:prstGeom>
-        </p:spPr>
-        <p:txBody>
-          <a:bodyPr wrap="none" anchor="ctr">
-            <a:spAutoFit/>
-          </a:bodyPr>
-          <a:lstStyle/>
-          <a:p>
-            <a:pPr algn="ctr"/>
-            <a:r>
-              <a:rPr lang="en-US" sz="1100" dirty="0">
-                <a:solidFill>
-                  <a:srgbClr val="1F3864"/>
-                </a:solidFill>
-                <a:ea typeface="Arial Unicode MS" panose="020B0604020202020204" pitchFamily="34" charset="-128"/>
-                <a:cs typeface="Arial Unicode MS" panose="020B0604020202020204" pitchFamily="34" charset="-128"/>
-              </a:rPr>
-              <a:t>OPC UA Servers</a:t>
-            </a:r>
-          </a:p>
-        </p:txBody>
-      </p:sp>
-      <p:cxnSp>
-        <p:nvCxnSpPr>
-          <p:cNvPr id="89" name="Straight Arrow Connector 88">
-            <a:extLst>
-              <a:ext uri="{FF2B5EF4-FFF2-40B4-BE49-F238E27FC236}">
-                <a16:creationId xmlns:a16="http://schemas.microsoft.com/office/drawing/2014/main" id="{DE5FC841-3C8E-9A44-A0FE-C6C71C503646}"/>
-              </a:ext>
-            </a:extLst>
-          </p:cNvPr>
-          <p:cNvCxnSpPr>
-            <a:cxnSpLocks/>
-          </p:cNvCxnSpPr>
-          <p:nvPr/>
-        </p:nvCxnSpPr>
-        <p:spPr bwMode="auto">
-          <a:xfrm flipV="1">
-            <a:off x="3594530" y="3904735"/>
-            <a:ext cx="0" cy="355264"/>
-          </a:xfrm>
-          <a:prstGeom prst="straightConnector1">
-            <a:avLst/>
-          </a:prstGeom>
-          <a:ln w="12700">
-            <a:solidFill>
-              <a:schemeClr val="accent1">
-                <a:lumMod val="50000"/>
-              </a:schemeClr>
-            </a:solidFill>
-            <a:headEnd type="none" w="med" len="med"/>
-            <a:tailEnd type="triangle"/>
-          </a:ln>
-        </p:spPr>
-        <p:style>
-          <a:lnRef idx="3">
-            <a:schemeClr val="accent6"/>
-          </a:lnRef>
-          <a:fillRef idx="0">
-            <a:schemeClr val="accent6"/>
-          </a:fillRef>
-          <a:effectRef idx="2">
-            <a:schemeClr val="accent6"/>
-          </a:effectRef>
-          <a:fontRef idx="minor">
-            <a:schemeClr val="tx1"/>
-          </a:fontRef>
-        </p:style>
-      </p:cxnSp>
-      <p:cxnSp>
-        <p:nvCxnSpPr>
-          <p:cNvPr id="92" name="Straight Arrow Connector 91">
-            <a:extLst>
-              <a:ext uri="{FF2B5EF4-FFF2-40B4-BE49-F238E27FC236}">
-                <a16:creationId xmlns:a16="http://schemas.microsoft.com/office/drawing/2014/main" id="{11C886CA-921D-4648-B3FF-AAEA1E480809}"/>
-              </a:ext>
-            </a:extLst>
-          </p:cNvPr>
-          <p:cNvCxnSpPr>
-            <a:cxnSpLocks/>
-          </p:cNvCxnSpPr>
-          <p:nvPr/>
-        </p:nvCxnSpPr>
-        <p:spPr bwMode="auto">
-          <a:xfrm flipV="1">
-            <a:off x="4798435" y="3904735"/>
-            <a:ext cx="0" cy="355264"/>
-          </a:xfrm>
-          <a:prstGeom prst="straightConnector1">
-            <a:avLst/>
-          </a:prstGeom>
-          <a:ln w="12700">
-            <a:solidFill>
-              <a:schemeClr val="accent1">
-                <a:lumMod val="50000"/>
-              </a:schemeClr>
-            </a:solidFill>
-            <a:headEnd type="none" w="med" len="med"/>
-            <a:tailEnd type="triangle"/>
-          </a:ln>
-        </p:spPr>
-        <p:style>
-          <a:lnRef idx="3">
-            <a:schemeClr val="accent6"/>
-          </a:lnRef>
-          <a:fillRef idx="0">
-            <a:schemeClr val="accent6"/>
-          </a:fillRef>
-          <a:effectRef idx="2">
-            <a:schemeClr val="accent6"/>
-          </a:effectRef>
-          <a:fontRef idx="minor">
-            <a:schemeClr val="tx1"/>
-          </a:fontRef>
-        </p:style>
-      </p:cxnSp>
-      <p:cxnSp>
-        <p:nvCxnSpPr>
-          <p:cNvPr id="93" name="Straight Arrow Connector 92">
-            <a:extLst>
-              <a:ext uri="{FF2B5EF4-FFF2-40B4-BE49-F238E27FC236}">
-                <a16:creationId xmlns:a16="http://schemas.microsoft.com/office/drawing/2014/main" id="{7D57C230-ED4B-A949-A1B9-9EAB65B9824F}"/>
-              </a:ext>
-            </a:extLst>
-          </p:cNvPr>
-          <p:cNvCxnSpPr>
-            <a:cxnSpLocks/>
-          </p:cNvCxnSpPr>
-          <p:nvPr/>
-        </p:nvCxnSpPr>
-        <p:spPr bwMode="auto">
-          <a:xfrm flipV="1">
-            <a:off x="6805642" y="3904735"/>
-            <a:ext cx="0" cy="355264"/>
-          </a:xfrm>
-          <a:prstGeom prst="straightConnector1">
-            <a:avLst/>
-          </a:prstGeom>
-          <a:ln w="12700">
-            <a:solidFill>
-              <a:schemeClr val="accent1">
-                <a:lumMod val="50000"/>
-              </a:schemeClr>
-            </a:solidFill>
-            <a:headEnd type="none" w="med" len="med"/>
-            <a:tailEnd type="triangle"/>
-          </a:ln>
-        </p:spPr>
-        <p:style>
-          <a:lnRef idx="3">
-            <a:schemeClr val="accent6"/>
-          </a:lnRef>
-          <a:fillRef idx="0">
-            <a:schemeClr val="accent6"/>
-          </a:fillRef>
-          <a:effectRef idx="2">
-            <a:schemeClr val="accent6"/>
-          </a:effectRef>
-          <a:fontRef idx="minor">
-            <a:schemeClr val="tx1"/>
-          </a:fontRef>
-        </p:style>
-      </p:cxnSp>
-      <p:cxnSp>
-        <p:nvCxnSpPr>
-          <p:cNvPr id="94" name="Straight Arrow Connector 93">
-            <a:extLst>
-              <a:ext uri="{FF2B5EF4-FFF2-40B4-BE49-F238E27FC236}">
-                <a16:creationId xmlns:a16="http://schemas.microsoft.com/office/drawing/2014/main" id="{B84A570A-2C44-B84C-8D3C-70A28EFCC0FE}"/>
-              </a:ext>
-            </a:extLst>
-          </p:cNvPr>
-          <p:cNvCxnSpPr>
-            <a:cxnSpLocks/>
-          </p:cNvCxnSpPr>
-          <p:nvPr/>
-        </p:nvCxnSpPr>
-        <p:spPr bwMode="auto">
-          <a:xfrm flipV="1">
-            <a:off x="8045985" y="3904735"/>
-            <a:ext cx="0" cy="355264"/>
-          </a:xfrm>
-          <a:prstGeom prst="straightConnector1">
-            <a:avLst/>
-          </a:prstGeom>
-          <a:ln w="12700">
-            <a:solidFill>
-              <a:schemeClr val="accent1">
-                <a:lumMod val="50000"/>
-              </a:schemeClr>
-            </a:solidFill>
-            <a:headEnd type="none" w="med" len="med"/>
-            <a:tailEnd type="triangle"/>
-          </a:ln>
-        </p:spPr>
-        <p:style>
-          <a:lnRef idx="3">
-            <a:schemeClr val="accent6"/>
-          </a:lnRef>
-          <a:fillRef idx="0">
-            <a:schemeClr val="accent6"/>
-          </a:fillRef>
-          <a:effectRef idx="2">
-            <a:schemeClr val="accent6"/>
-          </a:effectRef>
-          <a:fontRef idx="minor">
-            <a:schemeClr val="tx1"/>
-          </a:fontRef>
-        </p:style>
-      </p:cxnSp>
-    </p:spTree>
-    <p:extLst>
-      <p:ext uri="{BB962C8B-B14F-4D97-AF65-F5344CB8AC3E}">
-        <p14:creationId xmlns:p14="http://schemas.microsoft.com/office/powerpoint/2010/main" val="444409238"/>
-      </p:ext>
-    </p:extLst>
-  </p:cSld>
-  <p:clrMapOvr>
-    <a:masterClrMapping/>
-  </p:clrMapOvr>
-</p:sld>
-</file>
-
-<file path=ppt/slides/slide2.xml><?xml version="1.0" encoding="utf-8"?>
-<p:sld xmlns:a="http://schemas.openxmlformats.org/drawingml/2006/main" xmlns:r="http://schemas.openxmlformats.org/officeDocument/2006/relationships" xmlns:p="http://schemas.openxmlformats.org/presentationml/2006/main">
-  <p:cSld>
-    <p:spTree>
-      <p:nvGrpSpPr>
-        <p:cNvPr id="1" name=""/>
-        <p:cNvGrpSpPr/>
-        <p:nvPr/>
-      </p:nvGrpSpPr>
-      <p:grpSpPr>
-        <a:xfrm>
-          <a:off x="0" y="0"/>
-          <a:ext cx="0" cy="0"/>
-          <a:chOff x="0" y="0"/>
-          <a:chExt cx="0" cy="0"/>
-        </a:xfrm>
-      </p:grpSpPr>
-      <p:pic>
-        <p:nvPicPr>
-          <p:cNvPr id="22" name="Picture 21" descr="Logo&#10;&#10;Description automatically generated">
-            <a:extLst>
-              <a:ext uri="{FF2B5EF4-FFF2-40B4-BE49-F238E27FC236}">
-                <a16:creationId xmlns:a16="http://schemas.microsoft.com/office/drawing/2014/main" id="{8BDA4F59-2BD4-D94E-8A44-E2F37080C90E}"/>
-              </a:ext>
-            </a:extLst>
-          </p:cNvPr>
-          <p:cNvPicPr>
-            <a:picLocks noChangeAspect="1"/>
-          </p:cNvPicPr>
-          <p:nvPr/>
-        </p:nvPicPr>
-        <p:blipFill>
-          <a:blip r:embed="rId2"/>
-          <a:stretch>
-            <a:fillRect/>
-          </a:stretch>
-        </p:blipFill>
-        <p:spPr>
-          <a:xfrm>
-            <a:off x="4094061" y="3299123"/>
-            <a:ext cx="1504846" cy="842714"/>
-          </a:xfrm>
-          <a:prstGeom prst="rect">
-            <a:avLst/>
-          </a:prstGeom>
-        </p:spPr>
-      </p:pic>
-      <p:pic>
-        <p:nvPicPr>
-          <p:cNvPr id="14" name="Picture 13" descr="Diagram&#10;&#10;Description automatically generated">
-            <a:extLst>
-              <a:ext uri="{FF2B5EF4-FFF2-40B4-BE49-F238E27FC236}">
-                <a16:creationId xmlns:a16="http://schemas.microsoft.com/office/drawing/2014/main" id="{8B8D8775-3B36-9342-9775-1B1F2F1FE453}"/>
-              </a:ext>
-            </a:extLst>
-          </p:cNvPr>
-          <p:cNvPicPr>
-            <a:picLocks noChangeAspect="1"/>
-          </p:cNvPicPr>
-          <p:nvPr/>
-        </p:nvPicPr>
-        <p:blipFill rotWithShape="1">
-          <a:blip r:embed="rId3"/>
-          <a:srcRect l="23906"/>
-          <a:stretch/>
-        </p:blipFill>
-        <p:spPr>
-          <a:xfrm>
-            <a:off x="3529866" y="4855609"/>
-            <a:ext cx="2248413" cy="1409284"/>
-          </a:xfrm>
-          <a:prstGeom prst="rect">
-            <a:avLst/>
-          </a:prstGeom>
-        </p:spPr>
-      </p:pic>
-      <p:sp>
-        <p:nvSpPr>
-          <p:cNvPr id="48" name="Rectangle 47">
-            <a:extLst>
-              <a:ext uri="{FF2B5EF4-FFF2-40B4-BE49-F238E27FC236}">
-                <a16:creationId xmlns:a16="http://schemas.microsoft.com/office/drawing/2014/main" id="{EDD3DEBB-80D2-4E4B-B78C-F5A63DC81872}"/>
-              </a:ext>
-            </a:extLst>
-          </p:cNvPr>
-          <p:cNvSpPr/>
-          <p:nvPr/>
-        </p:nvSpPr>
-        <p:spPr bwMode="auto">
-          <a:xfrm>
-            <a:off x="9543888" y="2403417"/>
-            <a:ext cx="1606654" cy="1318386"/>
-          </a:xfrm>
-          <a:custGeom>
-            <a:avLst/>
-            <a:gdLst>
-              <a:gd name="connsiteX0" fmla="*/ 0 w 1606654"/>
-              <a:gd name="connsiteY0" fmla="*/ 0 h 1318386"/>
-              <a:gd name="connsiteX1" fmla="*/ 1606654 w 1606654"/>
-              <a:gd name="connsiteY1" fmla="*/ 0 h 1318386"/>
-              <a:gd name="connsiteX2" fmla="*/ 1606654 w 1606654"/>
-              <a:gd name="connsiteY2" fmla="*/ 1318386 h 1318386"/>
-              <a:gd name="connsiteX3" fmla="*/ 0 w 1606654"/>
-              <a:gd name="connsiteY3" fmla="*/ 1318386 h 1318386"/>
-              <a:gd name="connsiteX4" fmla="*/ 0 w 1606654"/>
-              <a:gd name="connsiteY4" fmla="*/ 0 h 1318386"/>
-            </a:gdLst>
-            <a:ahLst/>
-            <a:cxnLst>
-              <a:cxn ang="0">
-                <a:pos x="connsiteX0" y="connsiteY0"/>
-              </a:cxn>
-              <a:cxn ang="0">
-                <a:pos x="connsiteX1" y="connsiteY1"/>
-              </a:cxn>
-              <a:cxn ang="0">
-                <a:pos x="connsiteX2" y="connsiteY2"/>
-              </a:cxn>
-              <a:cxn ang="0">
-                <a:pos x="connsiteX3" y="connsiteY3"/>
-              </a:cxn>
-              <a:cxn ang="0">
-                <a:pos x="connsiteX4" y="connsiteY4"/>
-              </a:cxn>
-            </a:cxnLst>
-            <a:rect l="l" t="t" r="r" b="b"/>
-            <a:pathLst>
-              <a:path w="1606654" h="1318386" fill="none" extrusionOk="0">
-                <a:moveTo>
-                  <a:pt x="0" y="0"/>
-                </a:moveTo>
-                <a:cubicBezTo>
-                  <a:pt x="802439" y="62215"/>
-                  <a:pt x="1227814" y="126975"/>
-                  <a:pt x="1606654" y="0"/>
-                </a:cubicBezTo>
-                <a:cubicBezTo>
-                  <a:pt x="1592287" y="556093"/>
-                  <a:pt x="1656333" y="808117"/>
-                  <a:pt x="1606654" y="1318386"/>
-                </a:cubicBezTo>
-                <a:cubicBezTo>
-                  <a:pt x="927155" y="1264426"/>
-                  <a:pt x="431094" y="1341151"/>
-                  <a:pt x="0" y="1318386"/>
-                </a:cubicBezTo>
-                <a:cubicBezTo>
-                  <a:pt x="81092" y="661136"/>
-                  <a:pt x="17603" y="326279"/>
-                  <a:pt x="0" y="0"/>
-                </a:cubicBezTo>
-                <a:close/>
-              </a:path>
-              <a:path w="1606654" h="1318386" stroke="0" extrusionOk="0">
-                <a:moveTo>
-                  <a:pt x="0" y="0"/>
-                </a:moveTo>
-                <a:cubicBezTo>
-                  <a:pt x="609611" y="114173"/>
-                  <a:pt x="1069744" y="21419"/>
-                  <a:pt x="1606654" y="0"/>
-                </a:cubicBezTo>
-                <a:cubicBezTo>
-                  <a:pt x="1551215" y="395085"/>
-                  <a:pt x="1590982" y="1178463"/>
-                  <a:pt x="1606654" y="1318386"/>
-                </a:cubicBezTo>
-                <a:cubicBezTo>
-                  <a:pt x="1203886" y="1231688"/>
-                  <a:pt x="725219" y="1324960"/>
-                  <a:pt x="0" y="1318386"/>
-                </a:cubicBezTo>
-                <a:cubicBezTo>
-                  <a:pt x="-55413" y="774259"/>
-                  <a:pt x="111373" y="337374"/>
-                  <a:pt x="0" y="0"/>
-                </a:cubicBezTo>
-                <a:close/>
-              </a:path>
-            </a:pathLst>
-          </a:custGeom>
-          <a:solidFill>
-            <a:schemeClr val="bg1">
-              <a:lumMod val="95000"/>
-            </a:schemeClr>
-          </a:solidFill>
-          <a:ln w="12700">
-            <a:solidFill>
-              <a:schemeClr val="accent1"/>
-            </a:solidFill>
-            <a:miter lim="800000"/>
-            <a:headEnd/>
-            <a:tailEnd/>
-            <a:extLst>
-              <a:ext uri="{C807C97D-BFC1-408E-A445-0C87EB9F89A2}">
-                <ask:lineSketchStyleProps xmlns:ask="http://schemas.microsoft.com/office/drawing/2018/sketchyshapes" sd="661058248">
-                  <a:prstGeom prst="rect">
-                    <a:avLst/>
-                  </a:prstGeom>
-                  <ask:type>
-                    <ask:lineSketchCurved/>
-                  </ask:type>
-                </ask:lineSketchStyleProps>
-              </a:ext>
-            </a:extLst>
-          </a:ln>
-          <a:effectLst/>
-        </p:spPr>
-        <p:txBody>
-          <a:bodyPr wrap="square" lIns="107944" tIns="53972" rIns="107944" bIns="53972" numCol="1" spcCol="72000" rtlCol="0" anchor="ctr">
-            <a:noAutofit/>
-          </a:bodyPr>
-          <a:lstStyle/>
-          <a:p>
-            <a:pPr algn="ctr">
-              <a:lnSpc>
-                <a:spcPct val="110000"/>
-              </a:lnSpc>
-              <a:spcBef>
-                <a:spcPct val="0"/>
-              </a:spcBef>
-              <a:buFont typeface="Wingdings" charset="0"/>
-              <a:buNone/>
-            </a:pPr>
-            <a:endParaRPr lang="en-US" sz="1799" dirty="0">
-              <a:solidFill>
-                <a:srgbClr val="209999"/>
-              </a:solidFill>
-              <a:ea typeface="Arial Unicode MS" panose="020B0604020202020204" pitchFamily="34" charset="-128"/>
-              <a:cs typeface="Arial Unicode MS" panose="020B0604020202020204" pitchFamily="34" charset="-128"/>
-            </a:endParaRPr>
-          </a:p>
-        </p:txBody>
-      </p:sp>
-      <p:pic>
-        <p:nvPicPr>
-          <p:cNvPr id="43" name="Picture 42">
-            <a:extLst>
-              <a:ext uri="{FF2B5EF4-FFF2-40B4-BE49-F238E27FC236}">
-                <a16:creationId xmlns:a16="http://schemas.microsoft.com/office/drawing/2014/main" id="{978D2E29-9C69-4340-AD55-18A11CD06F72}"/>
-              </a:ext>
-            </a:extLst>
-          </p:cNvPr>
-          <p:cNvPicPr>
-            <a:picLocks noChangeAspect="1"/>
-          </p:cNvPicPr>
-          <p:nvPr/>
-        </p:nvPicPr>
-        <p:blipFill>
           <a:blip r:embed="rId4"/>
           <a:stretch>
             <a:fillRect/>
@@ -6938,7 +3708,7 @@
         </p:blipFill>
         <p:spPr>
           <a:xfrm rot="5400000">
-            <a:off x="862229" y="5522700"/>
+            <a:off x="282913" y="5522700"/>
             <a:ext cx="1549104" cy="436927"/>
           </a:xfrm>
           <a:prstGeom prst="rect">
@@ -7601,7 +4371,7 @@
         </p:nvSpPr>
         <p:spPr>
           <a:xfrm>
-            <a:off x="4675729" y="2798330"/>
+            <a:off x="4674758" y="2658526"/>
             <a:ext cx="1760091" cy="454952"/>
           </a:xfrm>
           <a:prstGeom prst="rect">
@@ -7746,8 +4516,8 @@
         </p:nvSpPr>
         <p:spPr>
           <a:xfrm>
-            <a:off x="5003235" y="2471607"/>
-            <a:ext cx="1138437" cy="399773"/>
+            <a:off x="4956806" y="2387955"/>
+            <a:ext cx="1205779" cy="399981"/>
           </a:xfrm>
           <a:prstGeom prst="rect">
             <a:avLst/>
@@ -7759,6 +4529,7 @@
           </a:bodyPr>
           <a:lstStyle/>
           <a:p>
+            <a:pPr algn="ctr"/>
             <a:r>
               <a:rPr lang="en-US" sz="1999" b="1" i="1" dirty="0">
                 <a:solidFill>
@@ -7766,8 +4537,9 @@
                     <a:lumMod val="25000"/>
                   </a:schemeClr>
                 </a:solidFill>
+                <a:latin typeface="Eras Medium ITC" panose="020F0502020204030204" pitchFamily="34" charset="0"/>
                 <a:ea typeface="Arial Unicode MS" panose="020B0604020202020204" pitchFamily="34" charset="-128"/>
-                <a:cs typeface="Arial Unicode MS" panose="020B0604020202020204" pitchFamily="34" charset="-128"/>
+                <a:cs typeface="Eras Medium ITC" panose="020F0502020204030204" pitchFamily="34" charset="0"/>
               </a:rPr>
               <a:t>Gateway</a:t>
             </a:r>
@@ -7777,6 +4549,8 @@
                   <a:lumMod val="25000"/>
                 </a:schemeClr>
               </a:solidFill>
+              <a:latin typeface="Eras Medium ITC" panose="020F0502020204030204" pitchFamily="34" charset="0"/>
+              <a:cs typeface="Eras Medium ITC" panose="020F0502020204030204" pitchFamily="34" charset="0"/>
             </a:endParaRPr>
           </a:p>
         </p:txBody>
@@ -8323,7 +5097,7 @@
         </p:nvCxnSpPr>
         <p:spPr bwMode="auto">
           <a:xfrm>
-            <a:off x="1636781" y="4454400"/>
+            <a:off x="1057465" y="4454400"/>
             <a:ext cx="0" cy="512211"/>
           </a:xfrm>
           <a:prstGeom prst="straightConnector1">
@@ -8375,7 +5149,7 @@
         </p:blipFill>
         <p:spPr>
           <a:xfrm rot="5400000">
-            <a:off x="1360626" y="5542154"/>
+            <a:off x="781310" y="5542154"/>
             <a:ext cx="1765792" cy="449429"/>
           </a:xfrm>
           <a:prstGeom prst="rect">
@@ -8397,7 +5171,7 @@
         </p:nvSpPr>
         <p:spPr>
           <a:xfrm>
-            <a:off x="5860291" y="5976352"/>
+            <a:off x="5280975" y="5976352"/>
             <a:ext cx="1023037" cy="577081"/>
           </a:xfrm>
           <a:prstGeom prst="rect">
@@ -8467,7 +5241,7 @@
         </p:nvCxnSpPr>
         <p:spPr bwMode="auto">
           <a:xfrm>
-            <a:off x="2243522" y="4438296"/>
+            <a:off x="1664206" y="4438296"/>
             <a:ext cx="0" cy="498105"/>
           </a:xfrm>
           <a:prstGeom prst="straightConnector1">
@@ -9185,7 +5959,7 @@
         </p:nvCxnSpPr>
         <p:spPr bwMode="auto">
           <a:xfrm>
-            <a:off x="4705218" y="4470505"/>
+            <a:off x="4125902" y="4470505"/>
             <a:ext cx="0" cy="413467"/>
           </a:xfrm>
           <a:prstGeom prst="straightConnector1">
@@ -9420,7 +6194,7 @@
         </p:nvSpPr>
         <p:spPr>
           <a:xfrm>
-            <a:off x="3678614" y="6180321"/>
+            <a:off x="3099298" y="6180321"/>
             <a:ext cx="2032929" cy="253916"/>
           </a:xfrm>
           <a:prstGeom prst="rect">
@@ -9508,7 +6282,7 @@
         </p:blipFill>
         <p:spPr>
           <a:xfrm>
-            <a:off x="2659732" y="5287141"/>
+            <a:off x="2080416" y="5287141"/>
             <a:ext cx="935438" cy="826907"/>
           </a:xfrm>
           <a:prstGeom prst="rect">
@@ -9532,7 +6306,7 @@
         </p:nvCxnSpPr>
         <p:spPr bwMode="auto">
           <a:xfrm>
-            <a:off x="3138929" y="4447723"/>
+            <a:off x="2559613" y="4447723"/>
             <a:ext cx="0" cy="815772"/>
           </a:xfrm>
           <a:prstGeom prst="straightConnector1">
@@ -9579,7 +6353,7 @@
         </p:nvCxnSpPr>
         <p:spPr>
           <a:xfrm>
-            <a:off x="1636781" y="4442064"/>
+            <a:off x="1057465" y="4442064"/>
             <a:ext cx="4687422" cy="14444"/>
           </a:xfrm>
           <a:prstGeom prst="line">
@@ -9623,7 +6397,7 @@
         </p:nvSpPr>
         <p:spPr>
           <a:xfrm>
-            <a:off x="1995440" y="4191130"/>
+            <a:off x="1416124" y="4191130"/>
             <a:ext cx="1083951" cy="261610"/>
           </a:xfrm>
           <a:prstGeom prst="rect">
@@ -9666,7 +6440,7 @@
         </p:nvCxnSpPr>
         <p:spPr bwMode="auto">
           <a:xfrm flipV="1">
-            <a:off x="4831881" y="3890890"/>
+            <a:off x="4252565" y="3890890"/>
             <a:ext cx="0" cy="587632"/>
           </a:xfrm>
           <a:prstGeom prst="straightConnector1">
@@ -9719,7 +6493,7 @@
         </p:blipFill>
         <p:spPr>
           <a:xfrm>
-            <a:off x="7686792" y="3591487"/>
+            <a:off x="6194943" y="3583205"/>
             <a:ext cx="1085330" cy="355846"/>
           </a:xfrm>
           <a:prstGeom prst="rect">
@@ -9749,7 +6523,7 @@
         </p:blipFill>
         <p:spPr>
           <a:xfrm>
-            <a:off x="5890055" y="5194817"/>
+            <a:off x="5310739" y="5194817"/>
             <a:ext cx="868296" cy="730868"/>
           </a:xfrm>
           <a:prstGeom prst="rect">
@@ -9773,7 +6547,7 @@
         </p:nvCxnSpPr>
         <p:spPr bwMode="auto">
           <a:xfrm>
-            <a:off x="6324203" y="4470505"/>
+            <a:off x="5744887" y="4470505"/>
             <a:ext cx="0" cy="739255"/>
           </a:xfrm>
           <a:prstGeom prst="straightConnector1">
@@ -9820,8 +6594,8 @@
         </p:nvCxnSpPr>
         <p:spPr>
           <a:xfrm>
-            <a:off x="7930689" y="4506883"/>
-            <a:ext cx="3011339" cy="23327"/>
+            <a:off x="6438840" y="4498601"/>
+            <a:ext cx="1141338" cy="0"/>
           </a:xfrm>
           <a:prstGeom prst="line">
             <a:avLst/>
@@ -9866,7 +6640,7 @@
         </p:nvCxnSpPr>
         <p:spPr bwMode="auto">
           <a:xfrm flipV="1">
-            <a:off x="8435323" y="3987358"/>
+            <a:off x="6943474" y="3979076"/>
             <a:ext cx="0" cy="491164"/>
           </a:xfrm>
           <a:prstGeom prst="straightConnector1">
@@ -9911,7 +6685,7 @@
         </p:nvSpPr>
         <p:spPr>
           <a:xfrm>
-            <a:off x="7934826" y="5006806"/>
+            <a:off x="6442977" y="4998524"/>
             <a:ext cx="962123" cy="369332"/>
           </a:xfrm>
           <a:prstGeom prst="rect">
@@ -9946,7 +6720,7 @@
         </p:nvSpPr>
         <p:spPr>
           <a:xfrm>
-            <a:off x="7952627" y="5736856"/>
+            <a:off x="6460778" y="5728574"/>
             <a:ext cx="407484" cy="369332"/>
           </a:xfrm>
           <a:prstGeom prst="rect">
@@ -9981,7 +6755,7 @@
         </p:nvSpPr>
         <p:spPr>
           <a:xfrm>
-            <a:off x="7930689" y="4623151"/>
+            <a:off x="6438840" y="4614869"/>
             <a:ext cx="1141338" cy="369332"/>
           </a:xfrm>
           <a:prstGeom prst="rect">
@@ -10016,7 +6790,7 @@
         </p:nvSpPr>
         <p:spPr>
           <a:xfrm>
-            <a:off x="7942359" y="5371831"/>
+            <a:off x="6450510" y="5363549"/>
             <a:ext cx="574196" cy="369332"/>
           </a:xfrm>
           <a:prstGeom prst="rect">
@@ -10051,7 +6825,7 @@
         </p:nvSpPr>
         <p:spPr>
           <a:xfrm>
-            <a:off x="7973956" y="6064905"/>
+            <a:off x="6482107" y="6056623"/>
             <a:ext cx="343364" cy="369332"/>
           </a:xfrm>
           <a:prstGeom prst="rect">
@@ -10072,10 +6846,274 @@
           </a:p>
         </p:txBody>
       </p:sp>
+      <p:pic>
+        <p:nvPicPr>
+          <p:cNvPr id="11" name="Picture 10" descr="Logo&#10;&#10;Description automatically generated">
+            <a:extLst>
+              <a:ext uri="{FF2B5EF4-FFF2-40B4-BE49-F238E27FC236}">
+                <a16:creationId xmlns:a16="http://schemas.microsoft.com/office/drawing/2014/main" id="{426C7E25-7815-824D-BE53-4D8E3A321BBB}"/>
+              </a:ext>
+            </a:extLst>
+          </p:cNvPr>
+          <p:cNvPicPr>
+            <a:picLocks noChangeAspect="1"/>
+          </p:cNvPicPr>
+          <p:nvPr/>
+        </p:nvPicPr>
+        <p:blipFill>
+          <a:blip r:embed="rId17"/>
+          <a:stretch>
+            <a:fillRect/>
+          </a:stretch>
+        </p:blipFill>
+        <p:spPr>
+          <a:xfrm>
+            <a:off x="8047353" y="3565092"/>
+            <a:ext cx="475226" cy="363548"/>
+          </a:xfrm>
+          <a:prstGeom prst="rect">
+            <a:avLst/>
+          </a:prstGeom>
+        </p:spPr>
+      </p:pic>
+      <p:sp>
+        <p:nvSpPr>
+          <p:cNvPr id="12" name="TextBox 11">
+            <a:extLst>
+              <a:ext uri="{FF2B5EF4-FFF2-40B4-BE49-F238E27FC236}">
+                <a16:creationId xmlns:a16="http://schemas.microsoft.com/office/drawing/2014/main" id="{ED9E3EC4-E0C1-6842-9EFD-E1D4D94222EE}"/>
+              </a:ext>
+            </a:extLst>
+          </p:cNvPr>
+          <p:cNvSpPr txBox="1"/>
+          <p:nvPr/>
+        </p:nvSpPr>
+        <p:spPr>
+          <a:xfrm>
+            <a:off x="7787534" y="3857672"/>
+            <a:ext cx="1087157" cy="369332"/>
+          </a:xfrm>
+          <a:prstGeom prst="rect">
+            <a:avLst/>
+          </a:prstGeom>
+          <a:noFill/>
+        </p:spPr>
+        <p:txBody>
+          <a:bodyPr wrap="none" rtlCol="0">
+            <a:spAutoFit/>
+          </a:bodyPr>
+          <a:lstStyle/>
+          <a:p>
+            <a:r>
+              <a:rPr lang="en-US" dirty="0"/>
+              <a:t>OpenDDS</a:t>
+            </a:r>
+          </a:p>
+        </p:txBody>
+      </p:sp>
+      <p:pic>
+        <p:nvPicPr>
+          <p:cNvPr id="18" name="Graphic 17">
+            <a:extLst>
+              <a:ext uri="{FF2B5EF4-FFF2-40B4-BE49-F238E27FC236}">
+                <a16:creationId xmlns:a16="http://schemas.microsoft.com/office/drawing/2014/main" id="{36BDA55B-90F0-D444-BF15-92768C812FDF}"/>
+              </a:ext>
+            </a:extLst>
+          </p:cNvPr>
+          <p:cNvPicPr>
+            <a:picLocks noChangeAspect="1"/>
+          </p:cNvPicPr>
+          <p:nvPr/>
+        </p:nvPicPr>
+        <p:blipFill>
+          <a:blip r:embed="rId18">
+            <a:extLst>
+              <a:ext uri="{96DAC541-7B7A-43D3-8B79-37D633B846F1}">
+                <asvg:svgBlip xmlns:asvg="http://schemas.microsoft.com/office/drawing/2016/SVG/main" r:embed="rId19"/>
+              </a:ext>
+            </a:extLst>
+          </a:blip>
+          <a:stretch>
+            <a:fillRect/>
+          </a:stretch>
+        </p:blipFill>
+        <p:spPr>
+          <a:xfrm>
+            <a:off x="4850134" y="2959929"/>
+            <a:ext cx="1438386" cy="629294"/>
+          </a:xfrm>
+          <a:prstGeom prst="rect">
+            <a:avLst/>
+          </a:prstGeom>
+        </p:spPr>
+      </p:pic>
+      <p:cxnSp>
+        <p:nvCxnSpPr>
+          <p:cNvPr id="62" name="Straight Connector 61">
+            <a:extLst>
+              <a:ext uri="{FF2B5EF4-FFF2-40B4-BE49-F238E27FC236}">
+                <a16:creationId xmlns:a16="http://schemas.microsoft.com/office/drawing/2014/main" id="{FE2728B3-75A7-194C-AF0F-FE5A6C98C4EC}"/>
+              </a:ext>
+            </a:extLst>
+          </p:cNvPr>
+          <p:cNvCxnSpPr>
+            <a:cxnSpLocks/>
+          </p:cNvCxnSpPr>
+          <p:nvPr/>
+        </p:nvCxnSpPr>
+        <p:spPr>
+          <a:xfrm>
+            <a:off x="7951910" y="4687348"/>
+            <a:ext cx="1141338" cy="0"/>
+          </a:xfrm>
+          <a:prstGeom prst="line">
+            <a:avLst/>
+          </a:prstGeom>
+          <a:ln w="76200" cap="rnd">
+            <a:solidFill>
+              <a:schemeClr val="accent1">
+                <a:lumMod val="50000"/>
+              </a:schemeClr>
+            </a:solidFill>
+            <a:round/>
+          </a:ln>
+        </p:spPr>
+        <p:style>
+          <a:lnRef idx="1">
+            <a:schemeClr val="accent1"/>
+          </a:lnRef>
+          <a:fillRef idx="0">
+            <a:schemeClr val="accent1"/>
+          </a:fillRef>
+          <a:effectRef idx="0">
+            <a:schemeClr val="accent1"/>
+          </a:effectRef>
+          <a:fontRef idx="minor">
+            <a:schemeClr val="tx1"/>
+          </a:fontRef>
+        </p:style>
+      </p:cxnSp>
+      <p:cxnSp>
+        <p:nvCxnSpPr>
+          <p:cNvPr id="64" name="Straight Arrow Connector 63">
+            <a:extLst>
+              <a:ext uri="{FF2B5EF4-FFF2-40B4-BE49-F238E27FC236}">
+                <a16:creationId xmlns:a16="http://schemas.microsoft.com/office/drawing/2014/main" id="{CAB8FEB8-D55E-4341-8B77-3D7E073EBB4A}"/>
+              </a:ext>
+            </a:extLst>
+          </p:cNvPr>
+          <p:cNvCxnSpPr>
+            <a:cxnSpLocks/>
+          </p:cNvCxnSpPr>
+          <p:nvPr/>
+        </p:nvCxnSpPr>
+        <p:spPr bwMode="auto">
+          <a:xfrm flipV="1">
+            <a:off x="8279050" y="4184706"/>
+            <a:ext cx="0" cy="491164"/>
+          </a:xfrm>
+          <a:prstGeom prst="straightConnector1">
+            <a:avLst/>
+          </a:prstGeom>
+          <a:ln w="12700">
+            <a:solidFill>
+              <a:schemeClr val="accent1">
+                <a:lumMod val="50000"/>
+              </a:schemeClr>
+            </a:solidFill>
+            <a:headEnd type="none" w="med" len="med"/>
+            <a:tailEnd type="triangle"/>
+          </a:ln>
+        </p:spPr>
+        <p:style>
+          <a:lnRef idx="3">
+            <a:schemeClr val="accent6"/>
+          </a:lnRef>
+          <a:fillRef idx="0">
+            <a:schemeClr val="accent6"/>
+          </a:fillRef>
+          <a:effectRef idx="2">
+            <a:schemeClr val="accent6"/>
+          </a:effectRef>
+          <a:fontRef idx="minor">
+            <a:schemeClr val="tx1"/>
+          </a:fontRef>
+        </p:style>
+      </p:cxnSp>
+      <p:sp>
+        <p:nvSpPr>
+          <p:cNvPr id="69" name="TextBox 68">
+            <a:extLst>
+              <a:ext uri="{FF2B5EF4-FFF2-40B4-BE49-F238E27FC236}">
+                <a16:creationId xmlns:a16="http://schemas.microsoft.com/office/drawing/2014/main" id="{835F8A20-8FAC-FE46-8765-5D8415D3B1D4}"/>
+              </a:ext>
+            </a:extLst>
+          </p:cNvPr>
+          <p:cNvSpPr txBox="1"/>
+          <p:nvPr/>
+        </p:nvSpPr>
+        <p:spPr>
+          <a:xfrm>
+            <a:off x="7951910" y="4747270"/>
+            <a:ext cx="575799" cy="369332"/>
+          </a:xfrm>
+          <a:prstGeom prst="rect">
+            <a:avLst/>
+          </a:prstGeom>
+          <a:noFill/>
+        </p:spPr>
+        <p:txBody>
+          <a:bodyPr wrap="none" rtlCol="0">
+            <a:spAutoFit/>
+          </a:bodyPr>
+          <a:lstStyle/>
+          <a:p>
+            <a:r>
+              <a:rPr lang="en-US" dirty="0"/>
+              <a:t>DDS</a:t>
+            </a:r>
+          </a:p>
+        </p:txBody>
+      </p:sp>
+      <p:sp>
+        <p:nvSpPr>
+          <p:cNvPr id="70" name="TextBox 69">
+            <a:extLst>
+              <a:ext uri="{FF2B5EF4-FFF2-40B4-BE49-F238E27FC236}">
+                <a16:creationId xmlns:a16="http://schemas.microsoft.com/office/drawing/2014/main" id="{3662E909-FF2A-E645-AA4A-172AF7E2D6A0}"/>
+              </a:ext>
+            </a:extLst>
+          </p:cNvPr>
+          <p:cNvSpPr txBox="1"/>
+          <p:nvPr/>
+        </p:nvSpPr>
+        <p:spPr>
+          <a:xfrm>
+            <a:off x="8124946" y="5025094"/>
+            <a:ext cx="682559" cy="369332"/>
+          </a:xfrm>
+          <a:prstGeom prst="rect">
+            <a:avLst/>
+          </a:prstGeom>
+          <a:noFill/>
+        </p:spPr>
+        <p:txBody>
+          <a:bodyPr wrap="none" rtlCol="0">
+            <a:spAutoFit/>
+          </a:bodyPr>
+          <a:lstStyle/>
+          <a:p>
+            <a:r>
+              <a:rPr lang="en-US" dirty="0"/>
+              <a:t>ROS2</a:t>
+            </a:r>
+          </a:p>
+        </p:txBody>
+      </p:sp>
     </p:spTree>
     <p:extLst>
       <p:ext uri="{BB962C8B-B14F-4D97-AF65-F5344CB8AC3E}">
-        <p14:creationId xmlns:p14="http://schemas.microsoft.com/office/powerpoint/2010/main" val="3396807162"/>
+        <p14:creationId xmlns:p14="http://schemas.microsoft.com/office/powerpoint/2010/main" val="657161985"/>
       </p:ext>
     </p:extLst>
   </p:cSld>

--- a/doc/Gateway.pptx
+++ b/doc/Gateway.pptx
@@ -329,7 +329,7 @@
           <a:p>
             <a:fld id="{DFC7EF79-06A3-ED46-9F4C-16AFC18B46CF}" type="datetimeFigureOut">
               <a:rPr lang="en-US" smtClean="0"/>
-              <a:t>3/29/21</a:t>
+              <a:t>4/20/21</a:t>
             </a:fld>
             <a:endParaRPr lang="en-US"/>
           </a:p>
@@ -529,7 +529,7 @@
           <a:p>
             <a:fld id="{DFC7EF79-06A3-ED46-9F4C-16AFC18B46CF}" type="datetimeFigureOut">
               <a:rPr lang="en-US" smtClean="0"/>
-              <a:t>3/29/21</a:t>
+              <a:t>4/20/21</a:t>
             </a:fld>
             <a:endParaRPr lang="en-US"/>
           </a:p>
@@ -739,7 +739,7 @@
           <a:p>
             <a:fld id="{DFC7EF79-06A3-ED46-9F4C-16AFC18B46CF}" type="datetimeFigureOut">
               <a:rPr lang="en-US" smtClean="0"/>
-              <a:t>3/29/21</a:t>
+              <a:t>4/20/21</a:t>
             </a:fld>
             <a:endParaRPr lang="en-US"/>
           </a:p>
@@ -992,7 +992,7 @@
           <a:p>
             <a:fld id="{DFC7EF79-06A3-ED46-9F4C-16AFC18B46CF}" type="datetimeFigureOut">
               <a:rPr lang="en-US" smtClean="0"/>
-              <a:t>3/29/21</a:t>
+              <a:t>4/20/21</a:t>
             </a:fld>
             <a:endParaRPr lang="en-US"/>
           </a:p>
@@ -1268,7 +1268,7 @@
           <a:p>
             <a:fld id="{DFC7EF79-06A3-ED46-9F4C-16AFC18B46CF}" type="datetimeFigureOut">
               <a:rPr lang="en-US" smtClean="0"/>
-              <a:t>3/29/21</a:t>
+              <a:t>4/20/21</a:t>
             </a:fld>
             <a:endParaRPr lang="en-US"/>
           </a:p>
@@ -1536,7 +1536,7 @@
           <a:p>
             <a:fld id="{DFC7EF79-06A3-ED46-9F4C-16AFC18B46CF}" type="datetimeFigureOut">
               <a:rPr lang="en-US" smtClean="0"/>
-              <a:t>3/29/21</a:t>
+              <a:t>4/20/21</a:t>
             </a:fld>
             <a:endParaRPr lang="en-US"/>
           </a:p>
@@ -1951,7 +1951,7 @@
           <a:p>
             <a:fld id="{DFC7EF79-06A3-ED46-9F4C-16AFC18B46CF}" type="datetimeFigureOut">
               <a:rPr lang="en-US" smtClean="0"/>
-              <a:t>3/29/21</a:t>
+              <a:t>4/20/21</a:t>
             </a:fld>
             <a:endParaRPr lang="en-US"/>
           </a:p>
@@ -2093,7 +2093,7 @@
           <a:p>
             <a:fld id="{DFC7EF79-06A3-ED46-9F4C-16AFC18B46CF}" type="datetimeFigureOut">
               <a:rPr lang="en-US" smtClean="0"/>
-              <a:t>3/29/21</a:t>
+              <a:t>4/20/21</a:t>
             </a:fld>
             <a:endParaRPr lang="en-US"/>
           </a:p>
@@ -2206,7 +2206,7 @@
           <a:p>
             <a:fld id="{DFC7EF79-06A3-ED46-9F4C-16AFC18B46CF}" type="datetimeFigureOut">
               <a:rPr lang="en-US" smtClean="0"/>
-              <a:t>3/29/21</a:t>
+              <a:t>4/20/21</a:t>
             </a:fld>
             <a:endParaRPr lang="en-US"/>
           </a:p>
@@ -2519,7 +2519,7 @@
           <a:p>
             <a:fld id="{DFC7EF79-06A3-ED46-9F4C-16AFC18B46CF}" type="datetimeFigureOut">
               <a:rPr lang="en-US" smtClean="0"/>
-              <a:t>3/29/21</a:t>
+              <a:t>4/20/21</a:t>
             </a:fld>
             <a:endParaRPr lang="en-US"/>
           </a:p>
@@ -2808,7 +2808,7 @@
           <a:p>
             <a:fld id="{DFC7EF79-06A3-ED46-9F4C-16AFC18B46CF}" type="datetimeFigureOut">
               <a:rPr lang="en-US" smtClean="0"/>
-              <a:t>3/29/21</a:t>
+              <a:t>4/20/21</a:t>
             </a:fld>
             <a:endParaRPr lang="en-US"/>
           </a:p>
@@ -3051,7 +3051,7 @@
           <a:p>
             <a:fld id="{DFC7EF79-06A3-ED46-9F4C-16AFC18B46CF}" type="datetimeFigureOut">
               <a:rPr lang="en-US" smtClean="0"/>
-              <a:t>3/29/21</a:t>
+              <a:t>4/20/21</a:t>
             </a:fld>
             <a:endParaRPr lang="en-US"/>
           </a:p>
@@ -3491,7 +3491,7 @@
         </p:blipFill>
         <p:spPr>
           <a:xfrm>
-            <a:off x="3514745" y="3299123"/>
+            <a:off x="3687688" y="3308425"/>
             <a:ext cx="1504846" cy="842714"/>
           </a:xfrm>
           <a:prstGeom prst="rect">
@@ -3520,7 +3520,7 @@
         </p:blipFill>
         <p:spPr>
           <a:xfrm>
-            <a:off x="2950550" y="4855609"/>
+            <a:off x="3599774" y="4855609"/>
             <a:ext cx="2248413" cy="1409284"/>
           </a:xfrm>
           <a:prstGeom prst="rect">
@@ -3542,22 +3542,22 @@
         </p:nvSpPr>
         <p:spPr bwMode="auto">
           <a:xfrm>
-            <a:off x="9543888" y="2403417"/>
-            <a:ext cx="1606654" cy="1318386"/>
+            <a:off x="9818208" y="2403417"/>
+            <a:ext cx="1606654" cy="1179788"/>
           </a:xfrm>
           <a:custGeom>
             <a:avLst/>
             <a:gdLst>
               <a:gd name="connsiteX0" fmla="*/ 0 w 1606654"/>
-              <a:gd name="connsiteY0" fmla="*/ 0 h 1318386"/>
+              <a:gd name="connsiteY0" fmla="*/ 0 h 1179788"/>
               <a:gd name="connsiteX1" fmla="*/ 1606654 w 1606654"/>
-              <a:gd name="connsiteY1" fmla="*/ 0 h 1318386"/>
+              <a:gd name="connsiteY1" fmla="*/ 0 h 1179788"/>
               <a:gd name="connsiteX2" fmla="*/ 1606654 w 1606654"/>
-              <a:gd name="connsiteY2" fmla="*/ 1318386 h 1318386"/>
+              <a:gd name="connsiteY2" fmla="*/ 1179788 h 1179788"/>
               <a:gd name="connsiteX3" fmla="*/ 0 w 1606654"/>
-              <a:gd name="connsiteY3" fmla="*/ 1318386 h 1318386"/>
+              <a:gd name="connsiteY3" fmla="*/ 1179788 h 1179788"/>
               <a:gd name="connsiteX4" fmla="*/ 0 w 1606654"/>
-              <a:gd name="connsiteY4" fmla="*/ 0 h 1318386"/>
+              <a:gd name="connsiteY4" fmla="*/ 0 h 1179788"/>
             </a:gdLst>
             <a:ahLst/>
             <a:cxnLst>
@@ -3579,7 +3579,7 @@
             </a:cxnLst>
             <a:rect l="l" t="t" r="r" b="b"/>
             <a:pathLst>
-              <a:path w="1606654" h="1318386" fill="none" extrusionOk="0">
+              <a:path w="1606654" h="1179788" fill="none" extrusionOk="0">
                 <a:moveTo>
                   <a:pt x="0" y="0"/>
                 </a:moveTo>
@@ -3589,23 +3589,23 @@
                   <a:pt x="1606654" y="0"/>
                 </a:cubicBezTo>
                 <a:cubicBezTo>
-                  <a:pt x="1592287" y="556093"/>
-                  <a:pt x="1656333" y="808117"/>
-                  <a:pt x="1606654" y="1318386"/>
-                </a:cubicBezTo>
-                <a:cubicBezTo>
-                  <a:pt x="927155" y="1264426"/>
-                  <a:pt x="431094" y="1341151"/>
-                  <a:pt x="0" y="1318386"/>
-                </a:cubicBezTo>
-                <a:cubicBezTo>
-                  <a:pt x="81092" y="661136"/>
-                  <a:pt x="17603" y="326279"/>
+                  <a:pt x="1642106" y="459837"/>
+                  <a:pt x="1614436" y="979648"/>
+                  <a:pt x="1606654" y="1179788"/>
+                </a:cubicBezTo>
+                <a:cubicBezTo>
+                  <a:pt x="927155" y="1125828"/>
+                  <a:pt x="431094" y="1202553"/>
+                  <a:pt x="0" y="1179788"/>
+                </a:cubicBezTo>
+                <a:cubicBezTo>
+                  <a:pt x="88807" y="821195"/>
+                  <a:pt x="15974" y="184837"/>
                   <a:pt x="0" y="0"/>
                 </a:cubicBezTo>
                 <a:close/>
               </a:path>
-              <a:path w="1606654" h="1318386" stroke="0" extrusionOk="0">
+              <a:path w="1606654" h="1179788" stroke="0" extrusionOk="0">
                 <a:moveTo>
                   <a:pt x="0" y="0"/>
                 </a:moveTo>
@@ -3615,18 +3615,18 @@
                   <a:pt x="1606654" y="0"/>
                 </a:cubicBezTo>
                 <a:cubicBezTo>
-                  <a:pt x="1551215" y="395085"/>
-                  <a:pt x="1590982" y="1178463"/>
-                  <a:pt x="1606654" y="1318386"/>
-                </a:cubicBezTo>
-                <a:cubicBezTo>
-                  <a:pt x="1203886" y="1231688"/>
-                  <a:pt x="725219" y="1324960"/>
-                  <a:pt x="0" y="1318386"/>
-                </a:cubicBezTo>
-                <a:cubicBezTo>
-                  <a:pt x="-55413" y="774259"/>
-                  <a:pt x="111373" y="337374"/>
+                  <a:pt x="1512320" y="224549"/>
+                  <a:pt x="1707214" y="833646"/>
+                  <a:pt x="1606654" y="1179788"/>
+                </a:cubicBezTo>
+                <a:cubicBezTo>
+                  <a:pt x="1203886" y="1093090"/>
+                  <a:pt x="725219" y="1186362"/>
+                  <a:pt x="0" y="1179788"/>
+                </a:cubicBezTo>
+                <a:cubicBezTo>
+                  <a:pt x="-101154" y="1008393"/>
+                  <a:pt x="79722" y="364879"/>
                   <a:pt x="0" y="0"/>
                 </a:cubicBezTo>
                 <a:close/>
@@ -3708,7 +3708,7 @@
         </p:blipFill>
         <p:spPr>
           <a:xfrm rot="5400000">
-            <a:off x="282913" y="5522700"/>
+            <a:off x="932137" y="5522700"/>
             <a:ext cx="1549104" cy="436927"/>
           </a:xfrm>
           <a:prstGeom prst="rect">
@@ -3730,58 +3730,66 @@
         </p:nvSpPr>
         <p:spPr bwMode="auto">
           <a:xfrm>
-            <a:off x="3013449" y="2412446"/>
-            <a:ext cx="5782261" cy="1125530"/>
+            <a:off x="2313431" y="2412446"/>
+            <a:ext cx="7131504" cy="1125530"/>
           </a:xfrm>
           <a:custGeom>
             <a:avLst/>
             <a:gdLst>
-              <a:gd name="connsiteX0" fmla="*/ 0 w 5782261"/>
+              <a:gd name="connsiteX0" fmla="*/ 0 w 7131504"/>
               <a:gd name="connsiteY0" fmla="*/ 0 h 1125530"/>
-              <a:gd name="connsiteX1" fmla="*/ 584651 w 5782261"/>
+              <a:gd name="connsiteX1" fmla="*/ 505688 w 7131504"/>
               <a:gd name="connsiteY1" fmla="*/ 0 h 1125530"/>
-              <a:gd name="connsiteX2" fmla="*/ 1342769 w 5782261"/>
+              <a:gd name="connsiteX2" fmla="*/ 1296637 w 7131504"/>
               <a:gd name="connsiteY2" fmla="*/ 0 h 1125530"/>
-              <a:gd name="connsiteX3" fmla="*/ 1927420 w 5782261"/>
+              <a:gd name="connsiteX3" fmla="*/ 1873641 w 7131504"/>
               <a:gd name="connsiteY3" fmla="*/ 0 h 1125530"/>
-              <a:gd name="connsiteX4" fmla="*/ 2454249 w 5782261"/>
+              <a:gd name="connsiteX4" fmla="*/ 2521959 w 7131504"/>
               <a:gd name="connsiteY4" fmla="*/ 0 h 1125530"/>
-              <a:gd name="connsiteX5" fmla="*/ 2923254 w 5782261"/>
+              <a:gd name="connsiteX5" fmla="*/ 3170278 w 7131504"/>
               <a:gd name="connsiteY5" fmla="*/ 0 h 1125530"/>
-              <a:gd name="connsiteX6" fmla="*/ 3681373 w 5782261"/>
+              <a:gd name="connsiteX6" fmla="*/ 3747281 w 7131504"/>
               <a:gd name="connsiteY6" fmla="*/ 0 h 1125530"/>
-              <a:gd name="connsiteX7" fmla="*/ 4266024 w 5782261"/>
+              <a:gd name="connsiteX7" fmla="*/ 4466915 w 7131504"/>
               <a:gd name="connsiteY7" fmla="*/ 0 h 1125530"/>
-              <a:gd name="connsiteX8" fmla="*/ 4908497 w 5782261"/>
+              <a:gd name="connsiteX8" fmla="*/ 5186548 w 7131504"/>
               <a:gd name="connsiteY8" fmla="*/ 0 h 1125530"/>
-              <a:gd name="connsiteX9" fmla="*/ 5782261 w 5782261"/>
+              <a:gd name="connsiteX9" fmla="*/ 5906182 w 7131504"/>
               <a:gd name="connsiteY9" fmla="*/ 0 h 1125530"/>
-              <a:gd name="connsiteX10" fmla="*/ 5782261 w 5782261"/>
-              <a:gd name="connsiteY10" fmla="*/ 551510 h 1125530"/>
-              <a:gd name="connsiteX11" fmla="*/ 5782261 w 5782261"/>
-              <a:gd name="connsiteY11" fmla="*/ 1125530 h 1125530"/>
-              <a:gd name="connsiteX12" fmla="*/ 5313255 w 5782261"/>
+              <a:gd name="connsiteX10" fmla="*/ 7131504 w 7131504"/>
+              <a:gd name="connsiteY10" fmla="*/ 0 h 1125530"/>
+              <a:gd name="connsiteX11" fmla="*/ 7131504 w 7131504"/>
+              <a:gd name="connsiteY11" fmla="*/ 574020 h 1125530"/>
+              <a:gd name="connsiteX12" fmla="*/ 7131504 w 7131504"/>
               <a:gd name="connsiteY12" fmla="*/ 1125530 h 1125530"/>
-              <a:gd name="connsiteX13" fmla="*/ 4670782 w 5782261"/>
+              <a:gd name="connsiteX13" fmla="*/ 6483185 w 7131504"/>
               <a:gd name="connsiteY13" fmla="*/ 1125530 h 1125530"/>
-              <a:gd name="connsiteX14" fmla="*/ 4086131 w 5782261"/>
+              <a:gd name="connsiteX14" fmla="*/ 6048812 w 7131504"/>
               <a:gd name="connsiteY14" fmla="*/ 1125530 h 1125530"/>
-              <a:gd name="connsiteX15" fmla="*/ 3385835 w 5782261"/>
+              <a:gd name="connsiteX15" fmla="*/ 5257863 w 7131504"/>
               <a:gd name="connsiteY15" fmla="*/ 1125530 h 1125530"/>
-              <a:gd name="connsiteX16" fmla="*/ 2627716 w 5782261"/>
+              <a:gd name="connsiteX16" fmla="*/ 4538230 w 7131504"/>
               <a:gd name="connsiteY16" fmla="*/ 1125530 h 1125530"/>
-              <a:gd name="connsiteX17" fmla="*/ 2100888 w 5782261"/>
+              <a:gd name="connsiteX17" fmla="*/ 3747281 w 7131504"/>
               <a:gd name="connsiteY17" fmla="*/ 1125530 h 1125530"/>
-              <a:gd name="connsiteX18" fmla="*/ 1631883 w 5782261"/>
+              <a:gd name="connsiteX18" fmla="*/ 3027648 w 7131504"/>
               <a:gd name="connsiteY18" fmla="*/ 1125530 h 1125530"/>
-              <a:gd name="connsiteX19" fmla="*/ 873764 w 5782261"/>
+              <a:gd name="connsiteX19" fmla="*/ 2450644 w 7131504"/>
               <a:gd name="connsiteY19" fmla="*/ 1125530 h 1125530"/>
-              <a:gd name="connsiteX20" fmla="*/ 0 w 5782261"/>
+              <a:gd name="connsiteX20" fmla="*/ 2016271 w 7131504"/>
               <a:gd name="connsiteY20" fmla="*/ 1125530 h 1125530"/>
-              <a:gd name="connsiteX21" fmla="*/ 0 w 5782261"/>
-              <a:gd name="connsiteY21" fmla="*/ 540254 h 1125530"/>
-              <a:gd name="connsiteX22" fmla="*/ 0 w 5782261"/>
-              <a:gd name="connsiteY22" fmla="*/ 0 h 1125530"/>
+              <a:gd name="connsiteX21" fmla="*/ 1510582 w 7131504"/>
+              <a:gd name="connsiteY21" fmla="*/ 1125530 h 1125530"/>
+              <a:gd name="connsiteX22" fmla="*/ 1004894 w 7131504"/>
+              <a:gd name="connsiteY22" fmla="*/ 1125530 h 1125530"/>
+              <a:gd name="connsiteX23" fmla="*/ 570520 w 7131504"/>
+              <a:gd name="connsiteY23" fmla="*/ 1125530 h 1125530"/>
+              <a:gd name="connsiteX24" fmla="*/ 0 w 7131504"/>
+              <a:gd name="connsiteY24" fmla="*/ 1125530 h 1125530"/>
+              <a:gd name="connsiteX25" fmla="*/ 0 w 7131504"/>
+              <a:gd name="connsiteY25" fmla="*/ 540254 h 1125530"/>
+              <a:gd name="connsiteX26" fmla="*/ 0 w 7131504"/>
+              <a:gd name="connsiteY26" fmla="*/ 0 h 1125530"/>
             </a:gdLst>
             <a:ahLst/>
             <a:cxnLst>
@@ -3854,237 +3862,289 @@
               <a:cxn ang="0">
                 <a:pos x="connsiteX22" y="connsiteY22"/>
               </a:cxn>
+              <a:cxn ang="0">
+                <a:pos x="connsiteX23" y="connsiteY23"/>
+              </a:cxn>
+              <a:cxn ang="0">
+                <a:pos x="connsiteX24" y="connsiteY24"/>
+              </a:cxn>
+              <a:cxn ang="0">
+                <a:pos x="connsiteX25" y="connsiteY25"/>
+              </a:cxn>
+              <a:cxn ang="0">
+                <a:pos x="connsiteX26" y="connsiteY26"/>
+              </a:cxn>
             </a:cxnLst>
             <a:rect l="l" t="t" r="r" b="b"/>
             <a:pathLst>
-              <a:path w="5782261" h="1125530" fill="none" extrusionOk="0">
+              <a:path w="7131504" h="1125530" fill="none" extrusionOk="0">
                 <a:moveTo>
                   <a:pt x="0" y="0"/>
                 </a:moveTo>
                 <a:cubicBezTo>
-                  <a:pt x="272319" y="18191"/>
-                  <a:pt x="360707" y="2507"/>
-                  <a:pt x="584651" y="0"/>
-                </a:cubicBezTo>
-                <a:cubicBezTo>
-                  <a:pt x="808595" y="-2507"/>
-                  <a:pt x="983344" y="6596"/>
-                  <a:pt x="1342769" y="0"/>
-                </a:cubicBezTo>
-                <a:cubicBezTo>
-                  <a:pt x="1702194" y="-6596"/>
-                  <a:pt x="1673703" y="-8949"/>
-                  <a:pt x="1927420" y="0"/>
-                </a:cubicBezTo>
-                <a:cubicBezTo>
-                  <a:pt x="2181137" y="8949"/>
-                  <a:pt x="2230652" y="7643"/>
-                  <a:pt x="2454249" y="0"/>
-                </a:cubicBezTo>
-                <a:cubicBezTo>
-                  <a:pt x="2677846" y="-7643"/>
-                  <a:pt x="2689521" y="2060"/>
-                  <a:pt x="2923254" y="0"/>
-                </a:cubicBezTo>
-                <a:cubicBezTo>
-                  <a:pt x="3156987" y="-2060"/>
-                  <a:pt x="3347646" y="24531"/>
-                  <a:pt x="3681373" y="0"/>
-                </a:cubicBezTo>
-                <a:cubicBezTo>
-                  <a:pt x="4015100" y="-24531"/>
-                  <a:pt x="4133580" y="-4244"/>
-                  <a:pt x="4266024" y="0"/>
-                </a:cubicBezTo>
-                <a:cubicBezTo>
-                  <a:pt x="4398468" y="4244"/>
-                  <a:pt x="4772149" y="12838"/>
-                  <a:pt x="4908497" y="0"/>
-                </a:cubicBezTo>
-                <a:cubicBezTo>
-                  <a:pt x="5044845" y="-12838"/>
-                  <a:pt x="5469789" y="21366"/>
-                  <a:pt x="5782261" y="0"/>
-                </a:cubicBezTo>
-                <a:cubicBezTo>
-                  <a:pt x="5809422" y="236852"/>
-                  <a:pt x="5775428" y="420629"/>
-                  <a:pt x="5782261" y="551510"/>
-                </a:cubicBezTo>
-                <a:cubicBezTo>
-                  <a:pt x="5789095" y="682391"/>
-                  <a:pt x="5757864" y="920323"/>
-                  <a:pt x="5782261" y="1125530"/>
-                </a:cubicBezTo>
-                <a:cubicBezTo>
-                  <a:pt x="5658574" y="1134676"/>
-                  <a:pt x="5515785" y="1133408"/>
-                  <a:pt x="5313255" y="1125530"/>
-                </a:cubicBezTo>
-                <a:cubicBezTo>
-                  <a:pt x="5110725" y="1117652"/>
-                  <a:pt x="4971054" y="1127118"/>
-                  <a:pt x="4670782" y="1125530"/>
-                </a:cubicBezTo>
-                <a:cubicBezTo>
-                  <a:pt x="4370510" y="1123942"/>
-                  <a:pt x="4296252" y="1107037"/>
-                  <a:pt x="4086131" y="1125530"/>
-                </a:cubicBezTo>
-                <a:cubicBezTo>
-                  <a:pt x="3876010" y="1144023"/>
-                  <a:pt x="3597009" y="1150757"/>
-                  <a:pt x="3385835" y="1125530"/>
-                </a:cubicBezTo>
-                <a:cubicBezTo>
-                  <a:pt x="3174661" y="1100303"/>
-                  <a:pt x="2990413" y="1150766"/>
-                  <a:pt x="2627716" y="1125530"/>
-                </a:cubicBezTo>
-                <a:cubicBezTo>
-                  <a:pt x="2265019" y="1100294"/>
-                  <a:pt x="2334641" y="1139052"/>
-                  <a:pt x="2100888" y="1125530"/>
-                </a:cubicBezTo>
-                <a:cubicBezTo>
-                  <a:pt x="1867135" y="1112008"/>
-                  <a:pt x="1845392" y="1137788"/>
-                  <a:pt x="1631883" y="1125530"/>
-                </a:cubicBezTo>
-                <a:cubicBezTo>
-                  <a:pt x="1418374" y="1113272"/>
-                  <a:pt x="1037659" y="1105941"/>
-                  <a:pt x="873764" y="1125530"/>
-                </a:cubicBezTo>
-                <a:cubicBezTo>
-                  <a:pt x="709869" y="1145119"/>
-                  <a:pt x="233262" y="1089276"/>
+                  <a:pt x="206703" y="21834"/>
+                  <a:pt x="274578" y="4735"/>
+                  <a:pt x="505688" y="0"/>
+                </a:cubicBezTo>
+                <a:cubicBezTo>
+                  <a:pt x="736798" y="-4735"/>
+                  <a:pt x="1096730" y="-853"/>
+                  <a:pt x="1296637" y="0"/>
+                </a:cubicBezTo>
+                <a:cubicBezTo>
+                  <a:pt x="1496544" y="853"/>
+                  <a:pt x="1607254" y="909"/>
+                  <a:pt x="1873641" y="0"/>
+                </a:cubicBezTo>
+                <a:cubicBezTo>
+                  <a:pt x="2140028" y="-909"/>
+                  <a:pt x="2368004" y="20899"/>
+                  <a:pt x="2521959" y="0"/>
+                </a:cubicBezTo>
+                <a:cubicBezTo>
+                  <a:pt x="2675914" y="-20899"/>
+                  <a:pt x="3034833" y="-7231"/>
+                  <a:pt x="3170278" y="0"/>
+                </a:cubicBezTo>
+                <a:cubicBezTo>
+                  <a:pt x="3305723" y="7231"/>
+                  <a:pt x="3561658" y="-2465"/>
+                  <a:pt x="3747281" y="0"/>
+                </a:cubicBezTo>
+                <a:cubicBezTo>
+                  <a:pt x="3932904" y="2465"/>
+                  <a:pt x="4160903" y="-8977"/>
+                  <a:pt x="4466915" y="0"/>
+                </a:cubicBezTo>
+                <a:cubicBezTo>
+                  <a:pt x="4772927" y="8977"/>
+                  <a:pt x="4970736" y="-30325"/>
+                  <a:pt x="5186548" y="0"/>
+                </a:cubicBezTo>
+                <a:cubicBezTo>
+                  <a:pt x="5402360" y="30325"/>
+                  <a:pt x="5711771" y="14287"/>
+                  <a:pt x="5906182" y="0"/>
+                </a:cubicBezTo>
+                <a:cubicBezTo>
+                  <a:pt x="6100593" y="-14287"/>
+                  <a:pt x="6573546" y="38376"/>
+                  <a:pt x="7131504" y="0"/>
+                </a:cubicBezTo>
+                <a:cubicBezTo>
+                  <a:pt x="7129833" y="210402"/>
+                  <a:pt x="7116761" y="351512"/>
+                  <a:pt x="7131504" y="574020"/>
+                </a:cubicBezTo>
+                <a:cubicBezTo>
+                  <a:pt x="7146247" y="796528"/>
+                  <a:pt x="7138707" y="891187"/>
+                  <a:pt x="7131504" y="1125530"/>
+                </a:cubicBezTo>
+                <a:cubicBezTo>
+                  <a:pt x="6991809" y="1097583"/>
+                  <a:pt x="6701273" y="1153787"/>
+                  <a:pt x="6483185" y="1125530"/>
+                </a:cubicBezTo>
+                <a:cubicBezTo>
+                  <a:pt x="6265097" y="1097273"/>
+                  <a:pt x="6189846" y="1126588"/>
+                  <a:pt x="6048812" y="1125530"/>
+                </a:cubicBezTo>
+                <a:cubicBezTo>
+                  <a:pt x="5907778" y="1124472"/>
+                  <a:pt x="5419372" y="1140040"/>
+                  <a:pt x="5257863" y="1125530"/>
+                </a:cubicBezTo>
+                <a:cubicBezTo>
+                  <a:pt x="5096354" y="1111020"/>
+                  <a:pt x="4858901" y="1091789"/>
+                  <a:pt x="4538230" y="1125530"/>
+                </a:cubicBezTo>
+                <a:cubicBezTo>
+                  <a:pt x="4217559" y="1159271"/>
+                  <a:pt x="4027135" y="1122073"/>
+                  <a:pt x="3747281" y="1125530"/>
+                </a:cubicBezTo>
+                <a:cubicBezTo>
+                  <a:pt x="3467427" y="1128987"/>
+                  <a:pt x="3186612" y="1143111"/>
+                  <a:pt x="3027648" y="1125530"/>
+                </a:cubicBezTo>
+                <a:cubicBezTo>
+                  <a:pt x="2868684" y="1107949"/>
+                  <a:pt x="2637101" y="1137610"/>
+                  <a:pt x="2450644" y="1125530"/>
+                </a:cubicBezTo>
+                <a:cubicBezTo>
+                  <a:pt x="2264187" y="1113450"/>
+                  <a:pt x="2175075" y="1107028"/>
+                  <a:pt x="2016271" y="1125530"/>
+                </a:cubicBezTo>
+                <a:cubicBezTo>
+                  <a:pt x="1857467" y="1144032"/>
+                  <a:pt x="1745084" y="1100281"/>
+                  <a:pt x="1510582" y="1125530"/>
+                </a:cubicBezTo>
+                <a:cubicBezTo>
+                  <a:pt x="1276080" y="1150779"/>
+                  <a:pt x="1172008" y="1149722"/>
+                  <a:pt x="1004894" y="1125530"/>
+                </a:cubicBezTo>
+                <a:cubicBezTo>
+                  <a:pt x="837780" y="1101338"/>
+                  <a:pt x="717552" y="1103848"/>
+                  <a:pt x="570520" y="1125530"/>
+                </a:cubicBezTo>
+                <a:cubicBezTo>
+                  <a:pt x="423488" y="1147212"/>
+                  <a:pt x="238314" y="1121891"/>
                   <a:pt x="0" y="1125530"/>
                 </a:cubicBezTo>
                 <a:cubicBezTo>
-                  <a:pt x="-24065" y="903131"/>
-                  <a:pt x="21369" y="748567"/>
+                  <a:pt x="27306" y="910121"/>
+                  <a:pt x="-14780" y="726403"/>
                   <a:pt x="0" y="540254"/>
                 </a:cubicBezTo>
                 <a:cubicBezTo>
-                  <a:pt x="-21369" y="331941"/>
-                  <a:pt x="17148" y="135983"/>
+                  <a:pt x="14780" y="354105"/>
+                  <a:pt x="-11082" y="180150"/>
                   <a:pt x="0" y="0"/>
                 </a:cubicBezTo>
                 <a:close/>
               </a:path>
-              <a:path w="5782261" h="1125530" stroke="0" extrusionOk="0">
+              <a:path w="7131504" h="1125530" stroke="0" extrusionOk="0">
                 <a:moveTo>
                   <a:pt x="0" y="0"/>
                 </a:moveTo>
                 <a:cubicBezTo>
-                  <a:pt x="250954" y="-37624"/>
-                  <a:pt x="439589" y="17669"/>
-                  <a:pt x="758119" y="0"/>
-                </a:cubicBezTo>
-                <a:cubicBezTo>
-                  <a:pt x="1076649" y="-17669"/>
-                  <a:pt x="1129265" y="26220"/>
-                  <a:pt x="1400592" y="0"/>
-                </a:cubicBezTo>
-                <a:cubicBezTo>
-                  <a:pt x="1671919" y="-26220"/>
-                  <a:pt x="1729682" y="-2393"/>
-                  <a:pt x="2043066" y="0"/>
-                </a:cubicBezTo>
-                <a:cubicBezTo>
-                  <a:pt x="2356450" y="2393"/>
-                  <a:pt x="2435599" y="-8414"/>
-                  <a:pt x="2569894" y="0"/>
-                </a:cubicBezTo>
-                <a:cubicBezTo>
-                  <a:pt x="2704189" y="8414"/>
-                  <a:pt x="2967931" y="-22523"/>
-                  <a:pt x="3096722" y="0"/>
-                </a:cubicBezTo>
-                <a:cubicBezTo>
-                  <a:pt x="3225513" y="22523"/>
-                  <a:pt x="3667036" y="6626"/>
-                  <a:pt x="3854841" y="0"/>
-                </a:cubicBezTo>
-                <a:cubicBezTo>
-                  <a:pt x="4042646" y="-6626"/>
-                  <a:pt x="4290498" y="-7366"/>
-                  <a:pt x="4497314" y="0"/>
-                </a:cubicBezTo>
-                <a:cubicBezTo>
-                  <a:pt x="4704130" y="7366"/>
-                  <a:pt x="4801819" y="-4049"/>
-                  <a:pt x="5081965" y="0"/>
-                </a:cubicBezTo>
-                <a:cubicBezTo>
-                  <a:pt x="5362111" y="4049"/>
-                  <a:pt x="5605863" y="19109"/>
-                  <a:pt x="5782261" y="0"/>
-                </a:cubicBezTo>
-                <a:cubicBezTo>
-                  <a:pt x="5777793" y="177552"/>
-                  <a:pt x="5781374" y="345771"/>
-                  <a:pt x="5782261" y="528999"/>
-                </a:cubicBezTo>
-                <a:cubicBezTo>
-                  <a:pt x="5783148" y="712227"/>
-                  <a:pt x="5801045" y="959776"/>
-                  <a:pt x="5782261" y="1125530"/>
-                </a:cubicBezTo>
-                <a:cubicBezTo>
-                  <a:pt x="5600977" y="1119762"/>
-                  <a:pt x="5230705" y="1148722"/>
-                  <a:pt x="5024142" y="1125530"/>
-                </a:cubicBezTo>
-                <a:cubicBezTo>
-                  <a:pt x="4817579" y="1102338"/>
-                  <a:pt x="4634319" y="1144091"/>
-                  <a:pt x="4497314" y="1125530"/>
-                </a:cubicBezTo>
-                <a:cubicBezTo>
-                  <a:pt x="4360309" y="1106969"/>
-                  <a:pt x="4061028" y="1143353"/>
-                  <a:pt x="3854841" y="1125530"/>
-                </a:cubicBezTo>
-                <a:cubicBezTo>
-                  <a:pt x="3648654" y="1107707"/>
-                  <a:pt x="3587838" y="1102998"/>
-                  <a:pt x="3385835" y="1125530"/>
-                </a:cubicBezTo>
-                <a:cubicBezTo>
-                  <a:pt x="3183832" y="1148062"/>
-                  <a:pt x="3022134" y="1120699"/>
-                  <a:pt x="2743362" y="1125530"/>
-                </a:cubicBezTo>
-                <a:cubicBezTo>
-                  <a:pt x="2464590" y="1130361"/>
-                  <a:pt x="2397046" y="1137290"/>
-                  <a:pt x="2274356" y="1125530"/>
-                </a:cubicBezTo>
-                <a:cubicBezTo>
-                  <a:pt x="2151666" y="1113770"/>
-                  <a:pt x="1982424" y="1130467"/>
-                  <a:pt x="1805350" y="1125530"/>
-                </a:cubicBezTo>
-                <a:cubicBezTo>
-                  <a:pt x="1628276" y="1120593"/>
-                  <a:pt x="1294548" y="1128108"/>
-                  <a:pt x="1047232" y="1125530"/>
-                </a:cubicBezTo>
-                <a:cubicBezTo>
-                  <a:pt x="799916" y="1122952"/>
-                  <a:pt x="296661" y="1090074"/>
+                  <a:pt x="286667" y="1455"/>
+                  <a:pt x="543493" y="31160"/>
+                  <a:pt x="790949" y="0"/>
+                </a:cubicBezTo>
+                <a:cubicBezTo>
+                  <a:pt x="1038405" y="-31160"/>
+                  <a:pt x="1284460" y="-225"/>
+                  <a:pt x="1439267" y="0"/>
+                </a:cubicBezTo>
+                <a:cubicBezTo>
+                  <a:pt x="1594074" y="225"/>
+                  <a:pt x="1923181" y="-18829"/>
+                  <a:pt x="2087586" y="0"/>
+                </a:cubicBezTo>
+                <a:cubicBezTo>
+                  <a:pt x="2251991" y="18829"/>
+                  <a:pt x="2465369" y="-4275"/>
+                  <a:pt x="2593274" y="0"/>
+                </a:cubicBezTo>
+                <a:cubicBezTo>
+                  <a:pt x="2721179" y="4275"/>
+                  <a:pt x="2875865" y="13937"/>
+                  <a:pt x="3098963" y="0"/>
+                </a:cubicBezTo>
+                <a:cubicBezTo>
+                  <a:pt x="3322061" y="-13937"/>
+                  <a:pt x="3718645" y="22884"/>
+                  <a:pt x="3889911" y="0"/>
+                </a:cubicBezTo>
+                <a:cubicBezTo>
+                  <a:pt x="4061177" y="-22884"/>
+                  <a:pt x="4342016" y="18563"/>
+                  <a:pt x="4538230" y="0"/>
+                </a:cubicBezTo>
+                <a:cubicBezTo>
+                  <a:pt x="4734444" y="-18563"/>
+                  <a:pt x="4870259" y="-8721"/>
+                  <a:pt x="5115233" y="0"/>
+                </a:cubicBezTo>
+                <a:cubicBezTo>
+                  <a:pt x="5360207" y="8721"/>
+                  <a:pt x="5679284" y="-4769"/>
+                  <a:pt x="5834867" y="0"/>
+                </a:cubicBezTo>
+                <a:cubicBezTo>
+                  <a:pt x="5990450" y="4769"/>
+                  <a:pt x="6058068" y="18303"/>
+                  <a:pt x="6269240" y="0"/>
+                </a:cubicBezTo>
+                <a:cubicBezTo>
+                  <a:pt x="6480412" y="-18303"/>
+                  <a:pt x="6788525" y="-41379"/>
+                  <a:pt x="7131504" y="0"/>
+                </a:cubicBezTo>
+                <a:cubicBezTo>
+                  <a:pt x="7113415" y="148437"/>
+                  <a:pt x="7157618" y="354184"/>
+                  <a:pt x="7131504" y="528999"/>
+                </a:cubicBezTo>
+                <a:cubicBezTo>
+                  <a:pt x="7105390" y="703814"/>
+                  <a:pt x="7157202" y="939125"/>
+                  <a:pt x="7131504" y="1125530"/>
+                </a:cubicBezTo>
+                <a:cubicBezTo>
+                  <a:pt x="6962909" y="1127662"/>
+                  <a:pt x="6517280" y="1095193"/>
+                  <a:pt x="6340555" y="1125530"/>
+                </a:cubicBezTo>
+                <a:cubicBezTo>
+                  <a:pt x="6163830" y="1155867"/>
+                  <a:pt x="6062198" y="1138412"/>
+                  <a:pt x="5906182" y="1125530"/>
+                </a:cubicBezTo>
+                <a:cubicBezTo>
+                  <a:pt x="5750166" y="1112648"/>
+                  <a:pt x="5480615" y="1100519"/>
+                  <a:pt x="5257863" y="1125530"/>
+                </a:cubicBezTo>
+                <a:cubicBezTo>
+                  <a:pt x="5035111" y="1150541"/>
+                  <a:pt x="4947113" y="1110607"/>
+                  <a:pt x="4823490" y="1125530"/>
+                </a:cubicBezTo>
+                <a:cubicBezTo>
+                  <a:pt x="4699867" y="1140453"/>
+                  <a:pt x="4572009" y="1145353"/>
+                  <a:pt x="4389117" y="1125530"/>
+                </a:cubicBezTo>
+                <a:cubicBezTo>
+                  <a:pt x="4206225" y="1105707"/>
+                  <a:pt x="3878698" y="1138521"/>
+                  <a:pt x="3598168" y="1125530"/>
+                </a:cubicBezTo>
+                <a:cubicBezTo>
+                  <a:pt x="3317638" y="1112539"/>
+                  <a:pt x="3300858" y="1153355"/>
+                  <a:pt x="3021164" y="1125530"/>
+                </a:cubicBezTo>
+                <a:cubicBezTo>
+                  <a:pt x="2741470" y="1097705"/>
+                  <a:pt x="2573825" y="1093746"/>
+                  <a:pt x="2230216" y="1125530"/>
+                </a:cubicBezTo>
+                <a:cubicBezTo>
+                  <a:pt x="1886607" y="1157314"/>
+                  <a:pt x="1612663" y="1141856"/>
+                  <a:pt x="1439267" y="1125530"/>
+                </a:cubicBezTo>
+                <a:cubicBezTo>
+                  <a:pt x="1265871" y="1109204"/>
+                  <a:pt x="1072008" y="1121499"/>
+                  <a:pt x="719634" y="1125530"/>
+                </a:cubicBezTo>
+                <a:cubicBezTo>
+                  <a:pt x="367260" y="1129561"/>
+                  <a:pt x="221570" y="1152252"/>
                   <a:pt x="0" y="1125530"/>
                 </a:cubicBezTo>
                 <a:cubicBezTo>
-                  <a:pt x="27437" y="844196"/>
-                  <a:pt x="-11857" y="831360"/>
+                  <a:pt x="-17093" y="945096"/>
+                  <a:pt x="-15608" y="828821"/>
                   <a:pt x="0" y="540254"/>
                 </a:cubicBezTo>
                 <a:cubicBezTo>
-                  <a:pt x="11857" y="249148"/>
-                  <a:pt x="15406" y="210832"/>
+                  <a:pt x="15608" y="251687"/>
+                  <a:pt x="-16105" y="192388"/>
                   <a:pt x="0" y="0"/>
                 </a:cubicBezTo>
                 <a:close/>
@@ -4175,7 +4235,7 @@
         </p:blipFill>
         <p:spPr>
           <a:xfrm>
-            <a:off x="3536900" y="2625828"/>
+            <a:off x="4186124" y="2625828"/>
             <a:ext cx="557161" cy="557161"/>
           </a:xfrm>
           <a:prstGeom prst="rect">
@@ -4205,7 +4265,7 @@
         </p:blipFill>
         <p:spPr>
           <a:xfrm>
-            <a:off x="6969862" y="2482771"/>
+            <a:off x="7619086" y="2482771"/>
             <a:ext cx="541463" cy="541463"/>
           </a:xfrm>
           <a:prstGeom prst="rect">
@@ -4235,7 +4295,7 @@
         </p:blipFill>
         <p:spPr>
           <a:xfrm>
-            <a:off x="6830113" y="2944908"/>
+            <a:off x="7479337" y="2944908"/>
             <a:ext cx="821773" cy="208162"/>
           </a:xfrm>
           <a:prstGeom prst="rect">
@@ -4281,7 +4341,7 @@
         </p:nvSpPr>
         <p:spPr>
           <a:xfrm>
-            <a:off x="3444174" y="3157924"/>
+            <a:off x="4093398" y="3157924"/>
             <a:ext cx="737318" cy="276727"/>
           </a:xfrm>
           <a:prstGeom prst="rect">
@@ -4326,7 +4386,7 @@
         </p:nvSpPr>
         <p:spPr>
           <a:xfrm>
-            <a:off x="6951088" y="3143594"/>
+            <a:off x="7600312" y="3143594"/>
             <a:ext cx="603050" cy="276871"/>
           </a:xfrm>
           <a:prstGeom prst="rect">
@@ -4371,7 +4431,7 @@
         </p:nvSpPr>
         <p:spPr>
           <a:xfrm>
-            <a:off x="4674758" y="2658526"/>
+            <a:off x="5323982" y="2658526"/>
             <a:ext cx="1760091" cy="454952"/>
           </a:xfrm>
           <a:prstGeom prst="rect">
@@ -4447,7 +4507,7 @@
         </p:nvSpPr>
         <p:spPr bwMode="auto">
           <a:xfrm>
-            <a:off x="4507579" y="2510720"/>
+            <a:off x="5156803" y="2510720"/>
             <a:ext cx="1970373" cy="818193"/>
           </a:xfrm>
           <a:prstGeom prst="roundRect">
@@ -4516,7 +4576,7 @@
         </p:nvSpPr>
         <p:spPr>
           <a:xfrm>
-            <a:off x="4956806" y="2387955"/>
+            <a:off x="5606030" y="2387955"/>
             <a:ext cx="1205779" cy="399981"/>
           </a:xfrm>
           <a:prstGeom prst="rect">
@@ -4569,7 +4629,7 @@
         </p:nvSpPr>
         <p:spPr bwMode="auto">
           <a:xfrm>
-            <a:off x="3295930" y="2560758"/>
+            <a:off x="3945154" y="2560758"/>
             <a:ext cx="1045524" cy="862471"/>
           </a:xfrm>
           <a:custGeom>
@@ -4753,7 +4813,7 @@
         </p:nvSpPr>
         <p:spPr bwMode="auto">
           <a:xfrm>
-            <a:off x="6735965" y="2502589"/>
+            <a:off x="7385189" y="2502589"/>
             <a:ext cx="1009292" cy="895515"/>
           </a:xfrm>
           <a:custGeom>
@@ -4940,7 +5000,7 @@
         </p:nvCxnSpPr>
         <p:spPr bwMode="auto">
           <a:xfrm>
-            <a:off x="3222875" y="1877599"/>
+            <a:off x="3872099" y="1877599"/>
             <a:ext cx="560670" cy="506672"/>
           </a:xfrm>
           <a:prstGeom prst="straightConnector1">
@@ -4988,7 +5048,7 @@
         </p:nvSpPr>
         <p:spPr>
           <a:xfrm>
-            <a:off x="6847762" y="400804"/>
+            <a:off x="7496986" y="400804"/>
             <a:ext cx="1041946" cy="425925"/>
           </a:xfrm>
           <a:prstGeom prst="rect">
@@ -5047,7 +5107,7 @@
         </p:nvCxnSpPr>
         <p:spPr bwMode="auto">
           <a:xfrm flipH="1">
-            <a:off x="7232984" y="1705248"/>
+            <a:off x="7882208" y="1705248"/>
             <a:ext cx="743147" cy="665409"/>
           </a:xfrm>
           <a:prstGeom prst="straightConnector1">
@@ -5097,7 +5157,7 @@
         </p:nvCxnSpPr>
         <p:spPr bwMode="auto">
           <a:xfrm>
-            <a:off x="1057465" y="4454400"/>
+            <a:off x="1706689" y="4454400"/>
             <a:ext cx="0" cy="512211"/>
           </a:xfrm>
           <a:prstGeom prst="straightConnector1">
@@ -5149,7 +5209,7 @@
         </p:blipFill>
         <p:spPr>
           <a:xfrm rot="5400000">
-            <a:off x="781310" y="5542154"/>
+            <a:off x="1430534" y="5542154"/>
             <a:ext cx="1765792" cy="449429"/>
           </a:xfrm>
           <a:prstGeom prst="rect">
@@ -5171,7 +5231,7 @@
         </p:nvSpPr>
         <p:spPr>
           <a:xfrm>
-            <a:off x="5280975" y="5976352"/>
+            <a:off x="5930199" y="5976352"/>
             <a:ext cx="1023037" cy="577081"/>
           </a:xfrm>
           <a:prstGeom prst="rect">
@@ -5241,7 +5301,7 @@
         </p:nvCxnSpPr>
         <p:spPr bwMode="auto">
           <a:xfrm>
-            <a:off x="1664206" y="4438296"/>
+            <a:off x="2313430" y="4438296"/>
             <a:ext cx="0" cy="498105"/>
           </a:xfrm>
           <a:prstGeom prst="straightConnector1">
@@ -5299,7 +5359,7 @@
         </p:blipFill>
         <p:spPr>
           <a:xfrm>
-            <a:off x="9573468" y="2713223"/>
+            <a:off x="9847788" y="2713223"/>
             <a:ext cx="1538988" cy="347823"/>
           </a:xfrm>
           <a:prstGeom prst="rect">
@@ -5321,7 +5381,7 @@
         </p:nvSpPr>
         <p:spPr>
           <a:xfrm>
-            <a:off x="9733978" y="3016107"/>
+            <a:off x="10008298" y="3016107"/>
             <a:ext cx="1217969" cy="415026"/>
           </a:xfrm>
           <a:prstGeom prst="rect">
@@ -5376,7 +5436,7 @@
         </p:blipFill>
         <p:spPr>
           <a:xfrm rot="16200000">
-            <a:off x="7823771" y="2898273"/>
+            <a:off x="8472995" y="2898273"/>
             <a:ext cx="859436" cy="194239"/>
           </a:xfrm>
           <a:prstGeom prst="rect">
@@ -5398,7 +5458,7 @@
         </p:nvSpPr>
         <p:spPr bwMode="auto">
           <a:xfrm>
-            <a:off x="8047353" y="2502589"/>
+            <a:off x="8696577" y="2502589"/>
             <a:ext cx="412365" cy="914681"/>
           </a:xfrm>
           <a:custGeom>
@@ -5590,7 +5650,7 @@
         </p:blipFill>
         <p:spPr>
           <a:xfrm>
-            <a:off x="1329179" y="298825"/>
+            <a:off x="1978403" y="298825"/>
             <a:ext cx="3787391" cy="1578774"/>
           </a:xfrm>
           <a:custGeom>
@@ -5717,7 +5777,7 @@
         </p:blipFill>
         <p:spPr>
           <a:xfrm>
-            <a:off x="7976130" y="299095"/>
+            <a:off x="8625354" y="299095"/>
             <a:ext cx="2975818" cy="1894140"/>
           </a:xfrm>
           <a:custGeom>
@@ -5843,7 +5903,7 @@
         </p:nvSpPr>
         <p:spPr>
           <a:xfrm>
-            <a:off x="5110462" y="318679"/>
+            <a:off x="5759686" y="318679"/>
             <a:ext cx="1041946" cy="649480"/>
           </a:xfrm>
           <a:prstGeom prst="rect">
@@ -5917,8 +5977,8 @@
         </p:nvCxnSpPr>
         <p:spPr bwMode="auto">
           <a:xfrm>
-            <a:off x="8412846" y="3062610"/>
-            <a:ext cx="1131042" cy="0"/>
+            <a:off x="9099531" y="2993311"/>
+            <a:ext cx="718677" cy="0"/>
           </a:xfrm>
           <a:prstGeom prst="straightConnector1">
             <a:avLst/>
@@ -5959,7 +6019,7 @@
         </p:nvCxnSpPr>
         <p:spPr bwMode="auto">
           <a:xfrm>
-            <a:off x="4125902" y="4470505"/>
+            <a:off x="4775126" y="4470505"/>
             <a:ext cx="0" cy="413467"/>
           </a:xfrm>
           <a:prstGeom prst="straightConnector1">
@@ -6018,7 +6078,7 @@
         </p:blipFill>
         <p:spPr>
           <a:xfrm>
-            <a:off x="4553301" y="316465"/>
+            <a:off x="5202525" y="316465"/>
             <a:ext cx="557161" cy="557161"/>
           </a:xfrm>
           <a:prstGeom prst="rect">
@@ -6048,7 +6108,7 @@
         </p:blipFill>
         <p:spPr>
           <a:xfrm>
-            <a:off x="7973956" y="92266"/>
+            <a:off x="8623180" y="92266"/>
             <a:ext cx="821773" cy="208162"/>
           </a:xfrm>
           <a:prstGeom prst="rect">
@@ -6094,7 +6154,7 @@
         </p:nvSpPr>
         <p:spPr>
           <a:xfrm>
-            <a:off x="2459675" y="1916031"/>
+            <a:off x="3108899" y="1916031"/>
             <a:ext cx="1041946" cy="445458"/>
           </a:xfrm>
           <a:prstGeom prst="rect">
@@ -6151,7 +6211,7 @@
         </p:nvSpPr>
         <p:spPr>
           <a:xfrm>
-            <a:off x="6924543" y="1994047"/>
+            <a:off x="7573767" y="1994047"/>
             <a:ext cx="493759" cy="241911"/>
           </a:xfrm>
           <a:prstGeom prst="rect">
@@ -6194,7 +6254,7 @@
         </p:nvSpPr>
         <p:spPr>
           <a:xfrm>
-            <a:off x="3099298" y="6180321"/>
+            <a:off x="3748522" y="6180321"/>
             <a:ext cx="2032929" cy="253916"/>
           </a:xfrm>
           <a:prstGeom prst="rect">
@@ -6229,7 +6289,7 @@
         </p:nvSpPr>
         <p:spPr>
           <a:xfrm>
-            <a:off x="4482278" y="30685"/>
+            <a:off x="5131502" y="30685"/>
             <a:ext cx="737318" cy="276727"/>
           </a:xfrm>
           <a:prstGeom prst="rect">
@@ -6282,7 +6342,7 @@
         </p:blipFill>
         <p:spPr>
           <a:xfrm>
-            <a:off x="2080416" y="5287141"/>
+            <a:off x="2729640" y="5287141"/>
             <a:ext cx="935438" cy="826907"/>
           </a:xfrm>
           <a:prstGeom prst="rect">
@@ -6306,7 +6366,7 @@
         </p:nvCxnSpPr>
         <p:spPr bwMode="auto">
           <a:xfrm>
-            <a:off x="2559613" y="4447723"/>
+            <a:off x="3208837" y="4447723"/>
             <a:ext cx="0" cy="815772"/>
           </a:xfrm>
           <a:prstGeom prst="straightConnector1">
@@ -6353,7 +6413,7 @@
         </p:nvCxnSpPr>
         <p:spPr>
           <a:xfrm>
-            <a:off x="1057465" y="4442064"/>
+            <a:off x="1706689" y="4442064"/>
             <a:ext cx="4687422" cy="14444"/>
           </a:xfrm>
           <a:prstGeom prst="line">
@@ -6397,7 +6457,7 @@
         </p:nvSpPr>
         <p:spPr>
           <a:xfrm>
-            <a:off x="1416124" y="4191130"/>
+            <a:off x="2065348" y="4191130"/>
             <a:ext cx="1083951" cy="261610"/>
           </a:xfrm>
           <a:prstGeom prst="rect">
@@ -6440,7 +6500,7 @@
         </p:nvCxnSpPr>
         <p:spPr bwMode="auto">
           <a:xfrm flipV="1">
-            <a:off x="4252565" y="3890890"/>
+            <a:off x="4471806" y="3890890"/>
             <a:ext cx="0" cy="587632"/>
           </a:xfrm>
           <a:prstGeom prst="straightConnector1">
@@ -6493,7 +6553,7 @@
         </p:blipFill>
         <p:spPr>
           <a:xfrm>
-            <a:off x="6194943" y="3583205"/>
+            <a:off x="6844167" y="3583205"/>
             <a:ext cx="1085330" cy="355846"/>
           </a:xfrm>
           <a:prstGeom prst="rect">
@@ -6523,7 +6583,7 @@
         </p:blipFill>
         <p:spPr>
           <a:xfrm>
-            <a:off x="5310739" y="5194817"/>
+            <a:off x="5959963" y="5194817"/>
             <a:ext cx="868296" cy="730868"/>
           </a:xfrm>
           <a:prstGeom prst="rect">
@@ -6547,7 +6607,7 @@
         </p:nvCxnSpPr>
         <p:spPr bwMode="auto">
           <a:xfrm>
-            <a:off x="5744887" y="4470505"/>
+            <a:off x="6394111" y="4470505"/>
             <a:ext cx="0" cy="739255"/>
           </a:xfrm>
           <a:prstGeom prst="straightConnector1">
@@ -6594,7 +6654,7 @@
         </p:nvCxnSpPr>
         <p:spPr>
           <a:xfrm>
-            <a:off x="6438840" y="4498601"/>
+            <a:off x="7088064" y="4498601"/>
             <a:ext cx="1141338" cy="0"/>
           </a:xfrm>
           <a:prstGeom prst="line">
@@ -6640,7 +6700,7 @@
         </p:nvCxnSpPr>
         <p:spPr bwMode="auto">
           <a:xfrm flipV="1">
-            <a:off x="6943474" y="3979076"/>
+            <a:off x="7592698" y="3979076"/>
             <a:ext cx="0" cy="491164"/>
           </a:xfrm>
           <a:prstGeom prst="straightConnector1">
@@ -6685,7 +6745,7 @@
         </p:nvSpPr>
         <p:spPr>
           <a:xfrm>
-            <a:off x="6442977" y="4998524"/>
+            <a:off x="7092201" y="4998524"/>
             <a:ext cx="962123" cy="369332"/>
           </a:xfrm>
           <a:prstGeom prst="rect">
@@ -6720,7 +6780,7 @@
         </p:nvSpPr>
         <p:spPr>
           <a:xfrm>
-            <a:off x="6460778" y="5728574"/>
+            <a:off x="7110002" y="5728574"/>
             <a:ext cx="407484" cy="369332"/>
           </a:xfrm>
           <a:prstGeom prst="rect">
@@ -6755,7 +6815,7 @@
         </p:nvSpPr>
         <p:spPr>
           <a:xfrm>
-            <a:off x="6438840" y="4614869"/>
+            <a:off x="7088064" y="4614869"/>
             <a:ext cx="1141338" cy="369332"/>
           </a:xfrm>
           <a:prstGeom prst="rect">
@@ -6790,7 +6850,7 @@
         </p:nvSpPr>
         <p:spPr>
           <a:xfrm>
-            <a:off x="6450510" y="5363549"/>
+            <a:off x="7099734" y="5363549"/>
             <a:ext cx="574196" cy="369332"/>
           </a:xfrm>
           <a:prstGeom prst="rect">
@@ -6825,7 +6885,7 @@
         </p:nvSpPr>
         <p:spPr>
           <a:xfrm>
-            <a:off x="6482107" y="6056623"/>
+            <a:off x="7131331" y="6056623"/>
             <a:ext cx="343364" cy="369332"/>
           </a:xfrm>
           <a:prstGeom prst="rect">
@@ -6868,7 +6928,7 @@
         </p:blipFill>
         <p:spPr>
           <a:xfrm>
-            <a:off x="8047353" y="3565092"/>
+            <a:off x="8696577" y="3565092"/>
             <a:ext cx="475226" cy="363548"/>
           </a:xfrm>
           <a:prstGeom prst="rect">
@@ -6890,7 +6950,7 @@
         </p:nvSpPr>
         <p:spPr>
           <a:xfrm>
-            <a:off x="7787534" y="3857672"/>
+            <a:off x="8436758" y="3857672"/>
             <a:ext cx="1087157" cy="369332"/>
           </a:xfrm>
           <a:prstGeom prst="rect">
@@ -6939,7 +6999,7 @@
         </p:blipFill>
         <p:spPr>
           <a:xfrm>
-            <a:off x="4850134" y="2959929"/>
+            <a:off x="5499358" y="2959929"/>
             <a:ext cx="1438386" cy="629294"/>
           </a:xfrm>
           <a:prstGeom prst="rect">
@@ -6963,7 +7023,7 @@
         </p:nvCxnSpPr>
         <p:spPr>
           <a:xfrm>
-            <a:off x="7951910" y="4687348"/>
+            <a:off x="8601134" y="4687348"/>
             <a:ext cx="1141338" cy="0"/>
           </a:xfrm>
           <a:prstGeom prst="line">
@@ -7009,7 +7069,7 @@
         </p:nvCxnSpPr>
         <p:spPr bwMode="auto">
           <a:xfrm flipV="1">
-            <a:off x="8279050" y="4184706"/>
+            <a:off x="8928274" y="4184706"/>
             <a:ext cx="0" cy="491164"/>
           </a:xfrm>
           <a:prstGeom prst="straightConnector1">
@@ -7054,7 +7114,7 @@
         </p:nvSpPr>
         <p:spPr>
           <a:xfrm>
-            <a:off x="7951910" y="4747270"/>
+            <a:off x="8601134" y="4747270"/>
             <a:ext cx="575799" cy="369332"/>
           </a:xfrm>
           <a:prstGeom prst="rect">
@@ -7089,7 +7149,7 @@
         </p:nvSpPr>
         <p:spPr>
           <a:xfrm>
-            <a:off x="8124946" y="5025094"/>
+            <a:off x="8774170" y="5025094"/>
             <a:ext cx="682559" cy="369332"/>
           </a:xfrm>
           <a:prstGeom prst="rect">
@@ -7106,6 +7166,392 @@
             <a:r>
               <a:rPr lang="en-US" dirty="0"/>
               <a:t>ROS2</a:t>
+            </a:r>
+          </a:p>
+        </p:txBody>
+      </p:sp>
+      <p:pic>
+        <p:nvPicPr>
+          <p:cNvPr id="3" name="Graphic 2">
+            <a:extLst>
+              <a:ext uri="{FF2B5EF4-FFF2-40B4-BE49-F238E27FC236}">
+                <a16:creationId xmlns:a16="http://schemas.microsoft.com/office/drawing/2014/main" id="{F2F6DFEA-8504-8D4D-9BAB-06F6356F4025}"/>
+              </a:ext>
+            </a:extLst>
+          </p:cNvPr>
+          <p:cNvPicPr>
+            <a:picLocks noChangeAspect="1"/>
+          </p:cNvPicPr>
+          <p:nvPr/>
+        </p:nvPicPr>
+        <p:blipFill>
+          <a:blip r:embed="rId20">
+            <a:extLst>
+              <a:ext uri="{96DAC541-7B7A-43D3-8B79-37D633B846F1}">
+                <asvg:svgBlip xmlns:asvg="http://schemas.microsoft.com/office/drawing/2016/SVG/main" r:embed="rId21"/>
+              </a:ext>
+            </a:extLst>
+          </a:blip>
+          <a:stretch>
+            <a:fillRect/>
+          </a:stretch>
+        </p:blipFill>
+        <p:spPr>
+          <a:xfrm>
+            <a:off x="2483196" y="2589693"/>
+            <a:ext cx="1251406" cy="553901"/>
+          </a:xfrm>
+          <a:prstGeom prst="rect">
+            <a:avLst/>
+          </a:prstGeom>
+        </p:spPr>
+      </p:pic>
+      <p:sp>
+        <p:nvSpPr>
+          <p:cNvPr id="66" name="Rounded Rectangle 65">
+            <a:extLst>
+              <a:ext uri="{FF2B5EF4-FFF2-40B4-BE49-F238E27FC236}">
+                <a16:creationId xmlns:a16="http://schemas.microsoft.com/office/drawing/2014/main" id="{45040977-0D9B-5147-9069-4004A21EBD32}"/>
+              </a:ext>
+            </a:extLst>
+          </p:cNvPr>
+          <p:cNvSpPr/>
+          <p:nvPr/>
+        </p:nvSpPr>
+        <p:spPr bwMode="auto">
+          <a:xfrm>
+            <a:off x="2427291" y="2558185"/>
+            <a:ext cx="1381031" cy="862471"/>
+          </a:xfrm>
+          <a:custGeom>
+            <a:avLst/>
+            <a:gdLst>
+              <a:gd name="connsiteX0" fmla="*/ 0 w 1381031"/>
+              <a:gd name="connsiteY0" fmla="*/ 143748 h 862471"/>
+              <a:gd name="connsiteX1" fmla="*/ 143748 w 1381031"/>
+              <a:gd name="connsiteY1" fmla="*/ 0 h 862471"/>
+              <a:gd name="connsiteX2" fmla="*/ 1237283 w 1381031"/>
+              <a:gd name="connsiteY2" fmla="*/ 0 h 862471"/>
+              <a:gd name="connsiteX3" fmla="*/ 1381031 w 1381031"/>
+              <a:gd name="connsiteY3" fmla="*/ 143748 h 862471"/>
+              <a:gd name="connsiteX4" fmla="*/ 1381031 w 1381031"/>
+              <a:gd name="connsiteY4" fmla="*/ 718723 h 862471"/>
+              <a:gd name="connsiteX5" fmla="*/ 1237283 w 1381031"/>
+              <a:gd name="connsiteY5" fmla="*/ 862471 h 862471"/>
+              <a:gd name="connsiteX6" fmla="*/ 143748 w 1381031"/>
+              <a:gd name="connsiteY6" fmla="*/ 862471 h 862471"/>
+              <a:gd name="connsiteX7" fmla="*/ 0 w 1381031"/>
+              <a:gd name="connsiteY7" fmla="*/ 718723 h 862471"/>
+              <a:gd name="connsiteX8" fmla="*/ 0 w 1381031"/>
+              <a:gd name="connsiteY8" fmla="*/ 143748 h 862471"/>
+            </a:gdLst>
+            <a:ahLst/>
+            <a:cxnLst>
+              <a:cxn ang="0">
+                <a:pos x="connsiteX0" y="connsiteY0"/>
+              </a:cxn>
+              <a:cxn ang="0">
+                <a:pos x="connsiteX1" y="connsiteY1"/>
+              </a:cxn>
+              <a:cxn ang="0">
+                <a:pos x="connsiteX2" y="connsiteY2"/>
+              </a:cxn>
+              <a:cxn ang="0">
+                <a:pos x="connsiteX3" y="connsiteY3"/>
+              </a:cxn>
+              <a:cxn ang="0">
+                <a:pos x="connsiteX4" y="connsiteY4"/>
+              </a:cxn>
+              <a:cxn ang="0">
+                <a:pos x="connsiteX5" y="connsiteY5"/>
+              </a:cxn>
+              <a:cxn ang="0">
+                <a:pos x="connsiteX6" y="connsiteY6"/>
+              </a:cxn>
+              <a:cxn ang="0">
+                <a:pos x="connsiteX7" y="connsiteY7"/>
+              </a:cxn>
+              <a:cxn ang="0">
+                <a:pos x="connsiteX8" y="connsiteY8"/>
+              </a:cxn>
+            </a:cxnLst>
+            <a:rect l="l" t="t" r="r" b="b"/>
+            <a:pathLst>
+              <a:path w="1381031" h="862471" extrusionOk="0">
+                <a:moveTo>
+                  <a:pt x="0" y="143748"/>
+                </a:moveTo>
+                <a:cubicBezTo>
+                  <a:pt x="-9704" y="58373"/>
+                  <a:pt x="58599" y="2162"/>
+                  <a:pt x="143748" y="0"/>
+                </a:cubicBezTo>
+                <a:cubicBezTo>
+                  <a:pt x="644769" y="65880"/>
+                  <a:pt x="988504" y="72334"/>
+                  <a:pt x="1237283" y="0"/>
+                </a:cubicBezTo>
+                <a:cubicBezTo>
+                  <a:pt x="1305653" y="10761"/>
+                  <a:pt x="1378647" y="77533"/>
+                  <a:pt x="1381031" y="143748"/>
+                </a:cubicBezTo>
+                <a:cubicBezTo>
+                  <a:pt x="1403002" y="280425"/>
+                  <a:pt x="1348853" y="517323"/>
+                  <a:pt x="1381031" y="718723"/>
+                </a:cubicBezTo>
+                <a:cubicBezTo>
+                  <a:pt x="1396626" y="799963"/>
+                  <a:pt x="1317779" y="860194"/>
+                  <a:pt x="1237283" y="862471"/>
+                </a:cubicBezTo>
+                <a:cubicBezTo>
+                  <a:pt x="841177" y="777978"/>
+                  <a:pt x="499074" y="863728"/>
+                  <a:pt x="143748" y="862471"/>
+                </a:cubicBezTo>
+                <a:cubicBezTo>
+                  <a:pt x="62889" y="848464"/>
+                  <a:pt x="-8261" y="809594"/>
+                  <a:pt x="0" y="718723"/>
+                </a:cubicBezTo>
+                <a:cubicBezTo>
+                  <a:pt x="38108" y="480802"/>
+                  <a:pt x="-29257" y="204854"/>
+                  <a:pt x="0" y="143748"/>
+                </a:cubicBezTo>
+                <a:close/>
+              </a:path>
+            </a:pathLst>
+          </a:custGeom>
+          <a:noFill/>
+          <a:ln w="12700" cap="flat" cmpd="sng" algn="ctr">
+            <a:solidFill>
+              <a:schemeClr val="accent1">
+                <a:lumMod val="50000"/>
+              </a:schemeClr>
+            </a:solidFill>
+            <a:prstDash val="solid"/>
+            <a:round/>
+            <a:headEnd type="none" w="med" len="med"/>
+            <a:tailEnd type="none" w="med" len="med"/>
+            <a:extLst>
+              <a:ext uri="{C807C97D-BFC1-408E-A445-0C87EB9F89A2}">
+                <ask:lineSketchStyleProps xmlns:ask="http://schemas.microsoft.com/office/drawing/2018/sketchyshapes" sd="1219033472">
+                  <a:prstGeom prst="roundRect">
+                    <a:avLst/>
+                  </a:prstGeom>
+                  <ask:type>
+                    <ask:lineSketchCurved/>
+                  </ask:type>
+                </ask:lineSketchStyleProps>
+              </a:ext>
+            </a:extLst>
+          </a:ln>
+        </p:spPr>
+        <p:style>
+          <a:lnRef idx="0">
+            <a:scrgbClr r="0" g="0" b="0"/>
+          </a:lnRef>
+          <a:fillRef idx="0">
+            <a:scrgbClr r="0" g="0" b="0"/>
+          </a:fillRef>
+          <a:effectRef idx="0">
+            <a:scrgbClr r="0" g="0" b="0"/>
+          </a:effectRef>
+          <a:fontRef idx="minor">
+            <a:schemeClr val="dk1"/>
+          </a:fontRef>
+        </p:style>
+        <p:txBody>
+          <a:bodyPr wrap="square" lIns="107944" tIns="53972" rIns="107944" bIns="53972" numCol="1" spcCol="72000" rtlCol="0" anchor="ctr">
+            <a:noAutofit/>
+          </a:bodyPr>
+          <a:lstStyle/>
+          <a:p>
+            <a:pPr algn="ctr">
+              <a:lnSpc>
+                <a:spcPct val="110000"/>
+              </a:lnSpc>
+              <a:spcBef>
+                <a:spcPct val="0"/>
+              </a:spcBef>
+              <a:buFont typeface="Wingdings" charset="0"/>
+              <a:buNone/>
+            </a:pPr>
+            <a:endParaRPr lang="en-US" sz="1799" dirty="0">
+              <a:solidFill>
+                <a:schemeClr val="tx1"/>
+              </a:solidFill>
+              <a:ea typeface="Arial Unicode MS" panose="020B0604020202020204" pitchFamily="34" charset="-128"/>
+              <a:cs typeface="Arial Unicode MS" panose="020B0604020202020204" pitchFamily="34" charset="-128"/>
+            </a:endParaRPr>
+          </a:p>
+        </p:txBody>
+      </p:sp>
+      <p:pic>
+        <p:nvPicPr>
+          <p:cNvPr id="27" name="Picture 26" descr="A red and white logo&#10;&#10;Description automatically generated with low confidence">
+            <a:extLst>
+              <a:ext uri="{FF2B5EF4-FFF2-40B4-BE49-F238E27FC236}">
+                <a16:creationId xmlns:a16="http://schemas.microsoft.com/office/drawing/2014/main" id="{4DFE1FF7-D763-A346-996D-15C0F7DEDF27}"/>
+              </a:ext>
+            </a:extLst>
+          </p:cNvPr>
+          <p:cNvPicPr>
+            <a:picLocks noChangeAspect="1"/>
+          </p:cNvPicPr>
+          <p:nvPr/>
+        </p:nvPicPr>
+        <p:blipFill>
+          <a:blip r:embed="rId22"/>
+          <a:stretch>
+            <a:fillRect/>
+          </a:stretch>
+        </p:blipFill>
+        <p:spPr>
+          <a:xfrm>
+            <a:off x="930352" y="2635637"/>
+            <a:ext cx="1048758" cy="760940"/>
+          </a:xfrm>
+          <a:prstGeom prst="rect">
+            <a:avLst/>
+          </a:prstGeom>
+        </p:spPr>
+      </p:pic>
+      <p:sp>
+        <p:nvSpPr>
+          <p:cNvPr id="71" name="TextBox 70">
+            <a:extLst>
+              <a:ext uri="{FF2B5EF4-FFF2-40B4-BE49-F238E27FC236}">
+                <a16:creationId xmlns:a16="http://schemas.microsoft.com/office/drawing/2014/main" id="{E583B32D-E029-404A-A29B-57948096756D}"/>
+              </a:ext>
+            </a:extLst>
+          </p:cNvPr>
+          <p:cNvSpPr txBox="1"/>
+          <p:nvPr/>
+        </p:nvSpPr>
+        <p:spPr>
+          <a:xfrm>
+            <a:off x="889996" y="3430044"/>
+            <a:ext cx="1119202" cy="438905"/>
+          </a:xfrm>
+          <a:prstGeom prst="rect">
+            <a:avLst/>
+          </a:prstGeom>
+          <a:noFill/>
+        </p:spPr>
+        <p:txBody>
+          <a:bodyPr wrap="square" lIns="0" tIns="0" rIns="0" bIns="0" rtlCol="0">
+            <a:noAutofit/>
+          </a:bodyPr>
+          <a:lstStyle/>
+          <a:p>
+            <a:pPr algn="ctr">
+              <a:lnSpc>
+                <a:spcPct val="110000"/>
+              </a:lnSpc>
+            </a:pPr>
+            <a:r>
+              <a:rPr lang="en-US" sz="1199" dirty="0">
+                <a:ea typeface="Arial Unicode MS" panose="020B0604020202020204" pitchFamily="34" charset="-128"/>
+                <a:cs typeface="Arial Unicode MS" panose="020B0604020202020204" pitchFamily="34" charset="-128"/>
+              </a:rPr>
+              <a:t>Distributed ANSI SQL with Joins</a:t>
+            </a:r>
+          </a:p>
+        </p:txBody>
+      </p:sp>
+      <p:cxnSp>
+        <p:nvCxnSpPr>
+          <p:cNvPr id="72" name="Straight Arrow Connector 71">
+            <a:extLst>
+              <a:ext uri="{FF2B5EF4-FFF2-40B4-BE49-F238E27FC236}">
+                <a16:creationId xmlns:a16="http://schemas.microsoft.com/office/drawing/2014/main" id="{62CDD1EA-FBD0-5C4A-B21F-112ACB0A2947}"/>
+              </a:ext>
+            </a:extLst>
+          </p:cNvPr>
+          <p:cNvCxnSpPr>
+            <a:cxnSpLocks/>
+            <a:endCxn id="27" idx="3"/>
+          </p:cNvCxnSpPr>
+          <p:nvPr/>
+        </p:nvCxnSpPr>
+        <p:spPr bwMode="auto">
+          <a:xfrm flipH="1">
+            <a:off x="1979110" y="3016107"/>
+            <a:ext cx="504086" cy="0"/>
+          </a:xfrm>
+          <a:prstGeom prst="straightConnector1">
+            <a:avLst/>
+          </a:prstGeom>
+          <a:solidFill>
+            <a:schemeClr val="tx2"/>
+          </a:solidFill>
+          <a:ln w="12700" cap="flat" cmpd="sng" algn="ctr">
+            <a:solidFill>
+              <a:schemeClr val="accent1">
+                <a:lumMod val="50000"/>
+              </a:schemeClr>
+            </a:solidFill>
+            <a:prstDash val="solid"/>
+            <a:round/>
+            <a:headEnd type="none" w="med" len="med"/>
+            <a:tailEnd type="triangle"/>
+          </a:ln>
+          <a:effectLst/>
+          <a:extLst>
+            <a:ext uri="{AF507438-7753-43E0-B8FC-AC1667EBCBE1}">
+              <a14:hiddenEffects xmlns:a14="http://schemas.microsoft.com/office/drawing/2010/main">
+                <a:effectLst>
+                  <a:outerShdw blurRad="63500" dist="35921" dir="2700000" algn="ctr" rotWithShape="0">
+                    <a:schemeClr val="bg2"/>
+                  </a:outerShdw>
+                </a:effectLst>
+              </a14:hiddenEffects>
+            </a:ext>
+          </a:extLst>
+        </p:spPr>
+      </p:cxnSp>
+      <p:sp>
+        <p:nvSpPr>
+          <p:cNvPr id="30" name="Rectangle 29">
+            <a:extLst>
+              <a:ext uri="{FF2B5EF4-FFF2-40B4-BE49-F238E27FC236}">
+                <a16:creationId xmlns:a16="http://schemas.microsoft.com/office/drawing/2014/main" id="{7E3C7052-E6FE-764A-A1AF-CAE927651B6C}"/>
+              </a:ext>
+            </a:extLst>
+          </p:cNvPr>
+          <p:cNvSpPr/>
+          <p:nvPr/>
+        </p:nvSpPr>
+        <p:spPr>
+          <a:xfrm>
+            <a:off x="2417963" y="3074388"/>
+            <a:ext cx="1436611" cy="269176"/>
+          </a:xfrm>
+          <a:prstGeom prst="rect">
+            <a:avLst/>
+          </a:prstGeom>
+        </p:spPr>
+        <p:txBody>
+          <a:bodyPr wrap="none">
+            <a:spAutoFit/>
+          </a:bodyPr>
+          <a:lstStyle/>
+          <a:p>
+            <a:pPr algn="ctr">
+              <a:lnSpc>
+                <a:spcPct val="110000"/>
+              </a:lnSpc>
+            </a:pPr>
+            <a:r>
+              <a:rPr lang="en-US" sz="1100" dirty="0">
+                <a:ea typeface="Arial Unicode MS" panose="020B0604020202020204" pitchFamily="34" charset="-128"/>
+                <a:cs typeface="Arial Unicode MS" panose="020B0604020202020204" pitchFamily="34" charset="-128"/>
+              </a:rPr>
+              <a:t>In-Memory Data Grid </a:t>
             </a:r>
           </a:p>
         </p:txBody>
